--- a/notes/binder/binder简介.pptx
+++ b/notes/binder/binder简介.pptx
@@ -5,10 +5,10 @@
     <p:sldMasterId id="2147483648" r:id="rId1"/>
   </p:sldMasterIdLst>
   <p:notesMasterIdLst>
-    <p:notesMasterId r:id="rId10"/>
+    <p:notesMasterId r:id="rId19"/>
   </p:notesMasterIdLst>
   <p:handoutMasterIdLst>
-    <p:handoutMasterId r:id="rId11"/>
+    <p:handoutMasterId r:id="rId20"/>
   </p:handoutMasterIdLst>
   <p:sldIdLst>
     <p:sldId id="256" r:id="rId2"/>
@@ -18,7 +18,16 @@
     <p:sldId id="281" r:id="rId6"/>
     <p:sldId id="282" r:id="rId7"/>
     <p:sldId id="283" r:id="rId8"/>
-    <p:sldId id="259" r:id="rId9"/>
+    <p:sldId id="284" r:id="rId9"/>
+    <p:sldId id="285" r:id="rId10"/>
+    <p:sldId id="286" r:id="rId11"/>
+    <p:sldId id="287" r:id="rId12"/>
+    <p:sldId id="288" r:id="rId13"/>
+    <p:sldId id="289" r:id="rId14"/>
+    <p:sldId id="290" r:id="rId15"/>
+    <p:sldId id="291" r:id="rId16"/>
+    <p:sldId id="292" r:id="rId17"/>
+    <p:sldId id="259" r:id="rId18"/>
   </p:sldIdLst>
   <p:sldSz cx="9144000" cy="5143500" type="screen16x9"/>
   <p:notesSz cx="6858000" cy="9144000"/>
@@ -237,7 +246,7 @@
             <a:fld id="{0881A753-46D5-4B68-8810-8FBC26EF28A8}" type="datetimeFigureOut">
               <a:rPr lang="zh-CN" altLang="en-US" smtClean="0"/>
               <a:pPr/>
-              <a:t>2017/6/15</a:t>
+              <a:t>2017/6/26</a:t>
             </a:fld>
             <a:endParaRPr lang="zh-CN" altLang="en-US"/>
           </a:p>
@@ -404,7 +413,7 @@
             <a:fld id="{01EA217A-B113-4C57-8472-F2F54C716C63}" type="datetimeFigureOut">
               <a:rPr lang="zh-CN" altLang="en-US" smtClean="0"/>
               <a:pPr/>
-              <a:t>2017/6/15</a:t>
+              <a:t>2017/6/26</a:t>
             </a:fld>
             <a:endParaRPr lang="zh-CN" altLang="en-US"/>
           </a:p>
@@ -836,6 +845,163 @@
 </p:notes>
 </file>
 
+<file path=ppt/notesSlides/notesSlide3.xml><?xml version="1.0" encoding="utf-8"?>
+<p:notes xmlns:a="http://schemas.openxmlformats.org/drawingml/2006/main" xmlns:r="http://schemas.openxmlformats.org/officeDocument/2006/relationships" xmlns:p="http://schemas.openxmlformats.org/presentationml/2006/main">
+  <p:cSld>
+    <p:spTree>
+      <p:nvGrpSpPr>
+        <p:cNvPr id="1" name=""/>
+        <p:cNvGrpSpPr/>
+        <p:nvPr/>
+      </p:nvGrpSpPr>
+      <p:grpSpPr>
+        <a:xfrm>
+          <a:off x="0" y="0"/>
+          <a:ext cx="0" cy="0"/>
+          <a:chOff x="0" y="0"/>
+          <a:chExt cx="0" cy="0"/>
+        </a:xfrm>
+      </p:grpSpPr>
+      <p:sp>
+        <p:nvSpPr>
+          <p:cNvPr id="2" name="幻灯片图像占位符 1"/>
+          <p:cNvSpPr>
+            <a:spLocks noGrp="1" noRot="1" noChangeAspect="1"/>
+          </p:cNvSpPr>
+          <p:nvPr>
+            <p:ph type="sldImg"/>
+          </p:nvPr>
+        </p:nvSpPr>
+        <p:spPr/>
+      </p:sp>
+      <p:sp>
+        <p:nvSpPr>
+          <p:cNvPr id="3" name="备注占位符 2"/>
+          <p:cNvSpPr>
+            <a:spLocks noGrp="1"/>
+          </p:cNvSpPr>
+          <p:nvPr>
+            <p:ph type="body" idx="1"/>
+          </p:nvPr>
+        </p:nvSpPr>
+        <p:spPr/>
+        <p:txBody>
+          <a:bodyPr/>
+          <a:lstStyle/>
+          <a:p>
+            <a:pPr marL="0" marR="0" indent="0" algn="l" defTabSz="914400" rtl="0" eaLnBrk="1" fontAlgn="auto" latinLnBrk="0" hangingPunct="1">
+              <a:lnSpc>
+                <a:spcPct val="100000"/>
+              </a:lnSpc>
+              <a:spcBef>
+                <a:spcPts val="0"/>
+              </a:spcBef>
+              <a:spcAft>
+                <a:spcPts val="0"/>
+              </a:spcAft>
+              <a:buClrTx/>
+              <a:buSzTx/>
+              <a:buFontTx/>
+              <a:buNone/>
+              <a:tabLst/>
+              <a:defRPr/>
+            </a:pPr>
+            <a:r>
+              <a:rPr lang="zh-CN" altLang="en-US" dirty="0" smtClean="0"/>
+              <a:t>目前</a:t>
+            </a:r>
+            <a:r>
+              <a:rPr lang="en-US" altLang="zh-CN" dirty="0" err="1" smtClean="0"/>
+              <a:t>linux</a:t>
+            </a:r>
+            <a:r>
+              <a:rPr lang="zh-CN" altLang="en-US" dirty="0" smtClean="0"/>
+              <a:t>支持的</a:t>
+            </a:r>
+            <a:r>
+              <a:rPr lang="en-US" altLang="zh-CN" dirty="0" smtClean="0"/>
+              <a:t>IPC</a:t>
+            </a:r>
+            <a:r>
+              <a:rPr lang="zh-CN" altLang="en-US" dirty="0" smtClean="0"/>
+              <a:t>包括传统的管道，</a:t>
+            </a:r>
+            <a:r>
+              <a:rPr lang="en-US" altLang="zh-CN" dirty="0" smtClean="0"/>
+              <a:t>System V IPC</a:t>
+            </a:r>
+            <a:r>
+              <a:rPr lang="zh-CN" altLang="en-US" dirty="0" smtClean="0"/>
+              <a:t>，即消息队列</a:t>
+            </a:r>
+            <a:r>
+              <a:rPr lang="en-US" altLang="zh-CN" dirty="0" smtClean="0"/>
+              <a:t>/</a:t>
+            </a:r>
+            <a:r>
+              <a:rPr lang="zh-CN" altLang="en-US" dirty="0" smtClean="0"/>
+              <a:t>共享内存</a:t>
+            </a:r>
+            <a:r>
+              <a:rPr lang="en-US" altLang="zh-CN" dirty="0" smtClean="0"/>
+              <a:t>/</a:t>
+            </a:r>
+            <a:r>
+              <a:rPr lang="zh-CN" altLang="en-US" dirty="0" smtClean="0"/>
+              <a:t>信号量，以及</a:t>
+            </a:r>
+            <a:r>
+              <a:rPr lang="en-US" altLang="zh-CN" dirty="0" smtClean="0"/>
+              <a:t>socket</a:t>
+            </a:r>
+            <a:r>
+              <a:rPr lang="zh-CN" altLang="en-US" dirty="0" smtClean="0"/>
+              <a:t>。</a:t>
+            </a:r>
+            <a:endParaRPr lang="en-US" altLang="zh-CN" dirty="0" smtClean="0"/>
+          </a:p>
+          <a:p>
+            <a:endParaRPr lang="zh-CN" altLang="en-US" dirty="0"/>
+          </a:p>
+        </p:txBody>
+      </p:sp>
+      <p:sp>
+        <p:nvSpPr>
+          <p:cNvPr id="4" name="灯片编号占位符 3"/>
+          <p:cNvSpPr>
+            <a:spLocks noGrp="1"/>
+          </p:cNvSpPr>
+          <p:nvPr>
+            <p:ph type="sldNum" sz="quarter" idx="10"/>
+          </p:nvPr>
+        </p:nvSpPr>
+        <p:spPr/>
+        <p:txBody>
+          <a:bodyPr/>
+          <a:lstStyle/>
+          <a:p>
+            <a:fld id="{48625887-CC43-44E8-B751-E53E56EEA21E}" type="slidenum">
+              <a:rPr lang="zh-CN" altLang="en-US" smtClean="0"/>
+              <a:pPr/>
+              <a:t>5</a:t>
+            </a:fld>
+            <a:endParaRPr lang="zh-CN" altLang="en-US"/>
+          </a:p>
+        </p:txBody>
+      </p:sp>
+    </p:spTree>
+    <p:extLst>
+      <p:ext uri="{BB962C8B-B14F-4D97-AF65-F5344CB8AC3E}">
+        <p14:creationId xmlns:p14="http://schemas.microsoft.com/office/powerpoint/2010/main" val="1668049181"/>
+      </p:ext>
+    </p:extLst>
+  </p:cSld>
+  <p:clrMapOvr>
+    <a:masterClrMapping/>
+  </p:clrMapOvr>
+</p:notes>
+</file>
+
 <file path=ppt/slideLayouts/slideLayout1.xml><?xml version="1.0" encoding="utf-8"?>
 <p:sldLayout xmlns:a="http://schemas.openxmlformats.org/drawingml/2006/main" xmlns:r="http://schemas.openxmlformats.org/officeDocument/2006/relationships" xmlns:p="http://schemas.openxmlformats.org/presentationml/2006/main" type="title" preserve="1">
   <p:cSld name="标题幻灯片">
@@ -1024,7 +1190,7 @@
             <a:fld id="{918F5BD1-E764-4D65-9399-12C6B8652A7F}" type="datetimeFigureOut">
               <a:rPr lang="zh-CN" altLang="en-US" smtClean="0"/>
               <a:pPr/>
-              <a:t>2017/6/15</a:t>
+              <a:t>2017/6/26</a:t>
             </a:fld>
             <a:endParaRPr lang="zh-CN" altLang="en-US"/>
           </a:p>
@@ -1213,7 +1379,7 @@
             <a:fld id="{918F5BD1-E764-4D65-9399-12C6B8652A7F}" type="datetimeFigureOut">
               <a:rPr lang="zh-CN" altLang="en-US" smtClean="0"/>
               <a:pPr/>
-              <a:t>2017/6/15</a:t>
+              <a:t>2017/6/26</a:t>
             </a:fld>
             <a:endParaRPr lang="zh-CN" altLang="en-US"/>
           </a:p>
@@ -1412,7 +1578,7 @@
             <a:fld id="{918F5BD1-E764-4D65-9399-12C6B8652A7F}" type="datetimeFigureOut">
               <a:rPr lang="zh-CN" altLang="en-US" smtClean="0"/>
               <a:pPr/>
-              <a:t>2017/6/15</a:t>
+              <a:t>2017/6/26</a:t>
             </a:fld>
             <a:endParaRPr lang="zh-CN" altLang="en-US"/>
           </a:p>
@@ -1601,7 +1767,7 @@
             <a:fld id="{918F5BD1-E764-4D65-9399-12C6B8652A7F}" type="datetimeFigureOut">
               <a:rPr lang="zh-CN" altLang="en-US" smtClean="0"/>
               <a:pPr/>
-              <a:t>2017/6/15</a:t>
+              <a:t>2017/6/26</a:t>
             </a:fld>
             <a:endParaRPr lang="zh-CN" altLang="en-US"/>
           </a:p>
@@ -1867,7 +2033,7 @@
             <a:fld id="{918F5BD1-E764-4D65-9399-12C6B8652A7F}" type="datetimeFigureOut">
               <a:rPr lang="zh-CN" altLang="en-US" smtClean="0"/>
               <a:pPr/>
-              <a:t>2017/6/15</a:t>
+              <a:t>2017/6/26</a:t>
             </a:fld>
             <a:endParaRPr lang="zh-CN" altLang="en-US"/>
           </a:p>
@@ -2173,7 +2339,7 @@
             <a:fld id="{918F5BD1-E764-4D65-9399-12C6B8652A7F}" type="datetimeFigureOut">
               <a:rPr lang="zh-CN" altLang="en-US" smtClean="0"/>
               <a:pPr/>
-              <a:t>2017/6/15</a:t>
+              <a:t>2017/6/26</a:t>
             </a:fld>
             <a:endParaRPr lang="zh-CN" altLang="en-US"/>
           </a:p>
@@ -2618,7 +2784,7 @@
             <a:fld id="{918F5BD1-E764-4D65-9399-12C6B8652A7F}" type="datetimeFigureOut">
               <a:rPr lang="zh-CN" altLang="en-US" smtClean="0"/>
               <a:pPr/>
-              <a:t>2017/6/15</a:t>
+              <a:t>2017/6/26</a:t>
             </a:fld>
             <a:endParaRPr lang="zh-CN" altLang="en-US"/>
           </a:p>
@@ -2756,7 +2922,7 @@
             <a:fld id="{918F5BD1-E764-4D65-9399-12C6B8652A7F}" type="datetimeFigureOut">
               <a:rPr lang="zh-CN" altLang="en-US" smtClean="0"/>
               <a:pPr/>
-              <a:t>2017/6/15</a:t>
+              <a:t>2017/6/26</a:t>
             </a:fld>
             <a:endParaRPr lang="zh-CN" altLang="en-US"/>
           </a:p>
@@ -2872,7 +3038,7 @@
             <a:fld id="{918F5BD1-E764-4D65-9399-12C6B8652A7F}" type="datetimeFigureOut">
               <a:rPr lang="zh-CN" altLang="en-US" smtClean="0"/>
               <a:pPr/>
-              <a:t>2017/6/15</a:t>
+              <a:t>2017/6/26</a:t>
             </a:fld>
             <a:endParaRPr lang="zh-CN" altLang="en-US"/>
           </a:p>
@@ -3168,7 +3334,7 @@
             <a:fld id="{918F5BD1-E764-4D65-9399-12C6B8652A7F}" type="datetimeFigureOut">
               <a:rPr lang="zh-CN" altLang="en-US" smtClean="0"/>
               <a:pPr/>
-              <a:t>2017/6/15</a:t>
+              <a:t>2017/6/26</a:t>
             </a:fld>
             <a:endParaRPr lang="zh-CN" altLang="en-US"/>
           </a:p>
@@ -3441,7 +3607,7 @@
             <a:fld id="{918F5BD1-E764-4D65-9399-12C6B8652A7F}" type="datetimeFigureOut">
               <a:rPr lang="zh-CN" altLang="en-US" smtClean="0"/>
               <a:pPr/>
-              <a:t>2017/6/15</a:t>
+              <a:t>2017/6/26</a:t>
             </a:fld>
             <a:endParaRPr lang="zh-CN" altLang="en-US"/>
           </a:p>
@@ -4186,6 +4352,1241 @@
 </p:sld>
 </file>
 
+<file path=ppt/slides/slide10.xml><?xml version="1.0" encoding="utf-8"?>
+<p:sld xmlns:a="http://schemas.openxmlformats.org/drawingml/2006/main" xmlns:r="http://schemas.openxmlformats.org/officeDocument/2006/relationships" xmlns:p="http://schemas.openxmlformats.org/presentationml/2006/main">
+  <p:cSld>
+    <p:spTree>
+      <p:nvGrpSpPr>
+        <p:cNvPr id="1" name=""/>
+        <p:cNvGrpSpPr/>
+        <p:nvPr/>
+      </p:nvGrpSpPr>
+      <p:grpSpPr>
+        <a:xfrm>
+          <a:off x="0" y="0"/>
+          <a:ext cx="0" cy="0"/>
+          <a:chOff x="0" y="0"/>
+          <a:chExt cx="0" cy="0"/>
+        </a:xfrm>
+      </p:grpSpPr>
+      <p:sp>
+        <p:nvSpPr>
+          <p:cNvPr id="2" name="标题 1"/>
+          <p:cNvSpPr>
+            <a:spLocks noGrp="1"/>
+          </p:cNvSpPr>
+          <p:nvPr>
+            <p:ph type="title"/>
+          </p:nvPr>
+        </p:nvSpPr>
+        <p:spPr/>
+        <p:txBody>
+          <a:bodyPr/>
+          <a:lstStyle/>
+          <a:p>
+            <a:r>
+              <a:rPr lang="zh-CN" altLang="en-US" dirty="0">
+                <a:solidFill>
+                  <a:srgbClr val="D60093"/>
+                </a:solidFill>
+              </a:rPr>
+              <a:t>什么是</a:t>
+            </a:r>
+            <a:r>
+              <a:rPr lang="en-US" altLang="zh-CN" dirty="0">
+                <a:solidFill>
+                  <a:srgbClr val="D60093"/>
+                </a:solidFill>
+              </a:rPr>
+              <a:t>Binder – Binder</a:t>
+            </a:r>
+            <a:r>
+              <a:rPr lang="zh-CN" altLang="en-US" dirty="0">
+                <a:solidFill>
+                  <a:srgbClr val="D60093"/>
+                </a:solidFill>
+              </a:rPr>
+              <a:t>框架</a:t>
+            </a:r>
+            <a:r>
+              <a:rPr lang="zh-CN" altLang="en-US" dirty="0" smtClean="0">
+                <a:solidFill>
+                  <a:srgbClr val="D60093"/>
+                </a:solidFill>
+              </a:rPr>
+              <a:t>，从服务端角度</a:t>
+            </a:r>
+            <a:endParaRPr lang="zh-CN" altLang="en-US" dirty="0"/>
+          </a:p>
+        </p:txBody>
+      </p:sp>
+      <p:sp>
+        <p:nvSpPr>
+          <p:cNvPr id="3" name="内容占位符 2"/>
+          <p:cNvSpPr>
+            <a:spLocks noGrp="1"/>
+          </p:cNvSpPr>
+          <p:nvPr>
+            <p:ph idx="1"/>
+          </p:nvPr>
+        </p:nvSpPr>
+        <p:spPr/>
+        <p:txBody>
+          <a:bodyPr/>
+          <a:lstStyle/>
+          <a:p>
+            <a:r>
+              <a:rPr lang="zh-CN" altLang="en-US" dirty="0" smtClean="0"/>
+              <a:t>一</a:t>
+            </a:r>
+            <a:r>
+              <a:rPr lang="zh-CN" altLang="en-US" dirty="0"/>
+              <a:t>个 </a:t>
+            </a:r>
+            <a:r>
+              <a:rPr lang="en-US" altLang="zh-CN" dirty="0"/>
+              <a:t>Binder </a:t>
+            </a:r>
+            <a:r>
+              <a:rPr lang="zh-CN" altLang="en-US" dirty="0"/>
+              <a:t>服务端实际上就是一个 </a:t>
+            </a:r>
+            <a:r>
+              <a:rPr lang="en-US" altLang="zh-CN" dirty="0"/>
+              <a:t>Binder </a:t>
+            </a:r>
+            <a:r>
+              <a:rPr lang="zh-CN" altLang="en-US" dirty="0"/>
+              <a:t>类的对象，该类一旦创建，内部就会启动一个隐藏线程。该线程接下来就用于接收 </a:t>
+            </a:r>
+            <a:r>
+              <a:rPr lang="en-US" altLang="zh-CN" dirty="0"/>
+              <a:t>Binder </a:t>
+            </a:r>
+            <a:r>
+              <a:rPr lang="zh-CN" altLang="en-US" dirty="0"/>
+              <a:t>驱动发送来的消息，收到消息之后，会执行到</a:t>
+            </a:r>
+            <a:r>
+              <a:rPr lang="en-US" altLang="zh-CN" dirty="0"/>
+              <a:t>Binder </a:t>
+            </a:r>
+            <a:r>
+              <a:rPr lang="zh-CN" altLang="en-US" dirty="0"/>
+              <a:t>对象中的 </a:t>
+            </a:r>
+            <a:r>
+              <a:rPr lang="en-US" altLang="zh-CN" dirty="0" err="1"/>
+              <a:t>onTransact</a:t>
+            </a:r>
+            <a:r>
+              <a:rPr lang="en-US" altLang="zh-CN" dirty="0"/>
+              <a:t> </a:t>
+            </a:r>
+            <a:r>
+              <a:rPr lang="zh-CN" altLang="en-US" dirty="0"/>
+              <a:t>方法，在这个方法中，根据不同的参数，执行不同的服务代码。因此，要实现一个 </a:t>
+            </a:r>
+            <a:r>
+              <a:rPr lang="en-US" altLang="zh-CN" dirty="0"/>
+              <a:t>Binder </a:t>
+            </a:r>
+            <a:r>
+              <a:rPr lang="zh-CN" altLang="en-US" dirty="0"/>
+              <a:t>服务，就必须重载 </a:t>
+            </a:r>
+            <a:r>
+              <a:rPr lang="en-US" altLang="zh-CN" dirty="0" err="1"/>
+              <a:t>onTransact</a:t>
+            </a:r>
+            <a:r>
+              <a:rPr lang="en-US" altLang="zh-CN" dirty="0"/>
+              <a:t> </a:t>
+            </a:r>
+            <a:r>
+              <a:rPr lang="zh-CN" altLang="en-US" dirty="0"/>
+              <a:t>方法</a:t>
+            </a:r>
+            <a:r>
+              <a:rPr lang="zh-CN" altLang="en-US" dirty="0" smtClean="0"/>
+              <a:t>。</a:t>
+            </a:r>
+            <a:endParaRPr lang="en-US" altLang="zh-CN" dirty="0" smtClean="0"/>
+          </a:p>
+          <a:p>
+            <a:endParaRPr lang="en-US" altLang="zh-CN" dirty="0"/>
+          </a:p>
+          <a:p>
+            <a:pPr marL="0" indent="0">
+              <a:buNone/>
+            </a:pPr>
+            <a:endParaRPr lang="zh-CN" altLang="en-US" dirty="0"/>
+          </a:p>
+          <a:p>
+            <a:r>
+              <a:rPr lang="zh-CN" altLang="en-US" dirty="0"/>
+              <a:t>在 </a:t>
+            </a:r>
+            <a:r>
+              <a:rPr lang="en-US" altLang="zh-CN" dirty="0" err="1"/>
+              <a:t>onTransact</a:t>
+            </a:r>
+            <a:r>
+              <a:rPr lang="en-US" altLang="zh-CN" dirty="0"/>
+              <a:t> </a:t>
+            </a:r>
+            <a:r>
+              <a:rPr lang="zh-CN" altLang="en-US" dirty="0"/>
+              <a:t>方法中，会获取传递进来的参数，将其转换成服务函数的参数。</a:t>
+            </a:r>
+            <a:r>
+              <a:rPr lang="en-US" altLang="zh-CN" dirty="0" err="1"/>
+              <a:t>onTransact</a:t>
+            </a:r>
+            <a:r>
+              <a:rPr lang="en-US" altLang="zh-CN" dirty="0"/>
+              <a:t> </a:t>
+            </a:r>
+            <a:r>
+              <a:rPr lang="zh-CN" altLang="en-US" dirty="0"/>
+              <a:t>参数的来源于 客户端的调用 </a:t>
+            </a:r>
+            <a:r>
+              <a:rPr lang="en-US" altLang="zh-CN" dirty="0"/>
+              <a:t>transact </a:t>
+            </a:r>
+            <a:r>
+              <a:rPr lang="zh-CN" altLang="en-US" dirty="0"/>
+              <a:t>方法。所以，如果 </a:t>
+            </a:r>
+            <a:r>
+              <a:rPr lang="en-US" altLang="zh-CN" dirty="0"/>
+              <a:t>transact </a:t>
+            </a:r>
+            <a:r>
+              <a:rPr lang="zh-CN" altLang="en-US" dirty="0"/>
+              <a:t>方法的参数有固定的格式输入，那么 </a:t>
+            </a:r>
+            <a:r>
+              <a:rPr lang="en-US" altLang="zh-CN" dirty="0" err="1"/>
+              <a:t>onTransact</a:t>
+            </a:r>
+            <a:r>
+              <a:rPr lang="en-US" altLang="zh-CN" dirty="0"/>
+              <a:t> </a:t>
+            </a:r>
+            <a:r>
+              <a:rPr lang="zh-CN" altLang="en-US" dirty="0"/>
+              <a:t>就会有相应的固定格式输出。</a:t>
+            </a:r>
+          </a:p>
+        </p:txBody>
+      </p:sp>
+    </p:spTree>
+    <p:extLst>
+      <p:ext uri="{BB962C8B-B14F-4D97-AF65-F5344CB8AC3E}">
+        <p14:creationId xmlns:p14="http://schemas.microsoft.com/office/powerpoint/2010/main" val="3191420386"/>
+      </p:ext>
+    </p:extLst>
+  </p:cSld>
+  <p:clrMapOvr>
+    <a:masterClrMapping/>
+  </p:clrMapOvr>
+</p:sld>
+</file>
+
+<file path=ppt/slides/slide11.xml><?xml version="1.0" encoding="utf-8"?>
+<p:sld xmlns:a="http://schemas.openxmlformats.org/drawingml/2006/main" xmlns:r="http://schemas.openxmlformats.org/officeDocument/2006/relationships" xmlns:p="http://schemas.openxmlformats.org/presentationml/2006/main">
+  <p:cSld>
+    <p:spTree>
+      <p:nvGrpSpPr>
+        <p:cNvPr id="1" name=""/>
+        <p:cNvGrpSpPr/>
+        <p:nvPr/>
+      </p:nvGrpSpPr>
+      <p:grpSpPr>
+        <a:xfrm>
+          <a:off x="0" y="0"/>
+          <a:ext cx="0" cy="0"/>
+          <a:chOff x="0" y="0"/>
+          <a:chExt cx="0" cy="0"/>
+        </a:xfrm>
+      </p:grpSpPr>
+      <p:sp>
+        <p:nvSpPr>
+          <p:cNvPr id="2" name="标题 1"/>
+          <p:cNvSpPr>
+            <a:spLocks noGrp="1"/>
+          </p:cNvSpPr>
+          <p:nvPr>
+            <p:ph type="title"/>
+          </p:nvPr>
+        </p:nvSpPr>
+        <p:spPr/>
+        <p:txBody>
+          <a:bodyPr/>
+          <a:lstStyle/>
+          <a:p>
+            <a:r>
+              <a:rPr lang="zh-CN" altLang="en-US" dirty="0">
+                <a:solidFill>
+                  <a:srgbClr val="D60093"/>
+                </a:solidFill>
+              </a:rPr>
+              <a:t>什么是</a:t>
+            </a:r>
+            <a:r>
+              <a:rPr lang="en-US" altLang="zh-CN" dirty="0">
+                <a:solidFill>
+                  <a:srgbClr val="D60093"/>
+                </a:solidFill>
+              </a:rPr>
+              <a:t>Binder – Binder</a:t>
+            </a:r>
+            <a:r>
+              <a:rPr lang="zh-CN" altLang="en-US" dirty="0">
+                <a:solidFill>
+                  <a:srgbClr val="D60093"/>
+                </a:solidFill>
+              </a:rPr>
+              <a:t>框架</a:t>
+            </a:r>
+            <a:r>
+              <a:rPr lang="zh-CN" altLang="en-US" dirty="0" smtClean="0">
+                <a:solidFill>
+                  <a:srgbClr val="D60093"/>
+                </a:solidFill>
+              </a:rPr>
+              <a:t>，</a:t>
+            </a:r>
+            <a:r>
+              <a:rPr lang="en-US" altLang="zh-CN" dirty="0" smtClean="0">
+                <a:solidFill>
+                  <a:srgbClr val="D60093"/>
+                </a:solidFill>
+              </a:rPr>
+              <a:t>Binder </a:t>
+            </a:r>
+            <a:r>
+              <a:rPr lang="zh-CN" altLang="en-US" dirty="0" smtClean="0">
+                <a:solidFill>
+                  <a:srgbClr val="D60093"/>
+                </a:solidFill>
+              </a:rPr>
+              <a:t>驱动的角度</a:t>
+            </a:r>
+            <a:endParaRPr lang="zh-CN" altLang="en-US" dirty="0"/>
+          </a:p>
+        </p:txBody>
+      </p:sp>
+      <p:sp>
+        <p:nvSpPr>
+          <p:cNvPr id="3" name="内容占位符 2"/>
+          <p:cNvSpPr>
+            <a:spLocks noGrp="1"/>
+          </p:cNvSpPr>
+          <p:nvPr>
+            <p:ph idx="1"/>
+          </p:nvPr>
+        </p:nvSpPr>
+        <p:spPr/>
+        <p:txBody>
+          <a:bodyPr/>
+          <a:lstStyle/>
+          <a:p>
+            <a:r>
+              <a:rPr lang="zh-CN" altLang="en-US" dirty="0" smtClean="0"/>
+              <a:t>任</a:t>
+            </a:r>
+            <a:r>
+              <a:rPr lang="zh-CN" altLang="en-US" dirty="0"/>
+              <a:t>何一个服务端的 </a:t>
+            </a:r>
+            <a:r>
+              <a:rPr lang="en-US" altLang="zh-CN" dirty="0"/>
+              <a:t>Binder </a:t>
+            </a:r>
+            <a:r>
+              <a:rPr lang="zh-CN" altLang="en-US" dirty="0"/>
+              <a:t>对象被创建的时候，都同时会在 </a:t>
+            </a:r>
+            <a:r>
+              <a:rPr lang="en-US" altLang="zh-CN" dirty="0"/>
+              <a:t>Binder </a:t>
+            </a:r>
+            <a:r>
+              <a:rPr lang="zh-CN" altLang="en-US" dirty="0"/>
+              <a:t>驱动中创建一个 </a:t>
+            </a:r>
+            <a:r>
+              <a:rPr lang="en-US" altLang="zh-CN" dirty="0" err="1"/>
+              <a:t>mRemote</a:t>
+            </a:r>
+            <a:r>
+              <a:rPr lang="en-US" altLang="zh-CN" dirty="0"/>
+              <a:t> </a:t>
+            </a:r>
+            <a:r>
+              <a:rPr lang="zh-CN" altLang="en-US" dirty="0"/>
+              <a:t>对象，这个对象也是 </a:t>
+            </a:r>
+            <a:r>
+              <a:rPr lang="en-US" altLang="zh-CN" dirty="0"/>
+              <a:t>Binder </a:t>
+            </a:r>
+            <a:r>
+              <a:rPr lang="zh-CN" altLang="en-US" dirty="0"/>
+              <a:t>类。客户端想要访问远程服务的时候，都是通过这个 </a:t>
+            </a:r>
+            <a:r>
+              <a:rPr lang="en-US" altLang="zh-CN" dirty="0" err="1"/>
+              <a:t>mRemote</a:t>
+            </a:r>
+            <a:r>
+              <a:rPr lang="en-US" altLang="zh-CN" dirty="0"/>
+              <a:t> </a:t>
+            </a:r>
+            <a:r>
+              <a:rPr lang="zh-CN" altLang="en-US" dirty="0"/>
+              <a:t>对象。</a:t>
+            </a:r>
+          </a:p>
+        </p:txBody>
+      </p:sp>
+    </p:spTree>
+    <p:extLst>
+      <p:ext uri="{BB962C8B-B14F-4D97-AF65-F5344CB8AC3E}">
+        <p14:creationId xmlns:p14="http://schemas.microsoft.com/office/powerpoint/2010/main" val="3124999730"/>
+      </p:ext>
+    </p:extLst>
+  </p:cSld>
+  <p:clrMapOvr>
+    <a:masterClrMapping/>
+  </p:clrMapOvr>
+</p:sld>
+</file>
+
+<file path=ppt/slides/slide12.xml><?xml version="1.0" encoding="utf-8"?>
+<p:sld xmlns:a="http://schemas.openxmlformats.org/drawingml/2006/main" xmlns:r="http://schemas.openxmlformats.org/officeDocument/2006/relationships" xmlns:p="http://schemas.openxmlformats.org/presentationml/2006/main">
+  <p:cSld>
+    <p:spTree>
+      <p:nvGrpSpPr>
+        <p:cNvPr id="1" name=""/>
+        <p:cNvGrpSpPr/>
+        <p:nvPr/>
+      </p:nvGrpSpPr>
+      <p:grpSpPr>
+        <a:xfrm>
+          <a:off x="0" y="0"/>
+          <a:ext cx="0" cy="0"/>
+          <a:chOff x="0" y="0"/>
+          <a:chExt cx="0" cy="0"/>
+        </a:xfrm>
+      </p:grpSpPr>
+      <p:sp>
+        <p:nvSpPr>
+          <p:cNvPr id="2" name="标题 1"/>
+          <p:cNvSpPr>
+            <a:spLocks noGrp="1"/>
+          </p:cNvSpPr>
+          <p:nvPr>
+            <p:ph type="title"/>
+          </p:nvPr>
+        </p:nvSpPr>
+        <p:spPr/>
+        <p:txBody>
+          <a:bodyPr/>
+          <a:lstStyle/>
+          <a:p>
+            <a:r>
+              <a:rPr lang="zh-CN" altLang="en-US" dirty="0">
+                <a:solidFill>
+                  <a:srgbClr val="D60093"/>
+                </a:solidFill>
+              </a:rPr>
+              <a:t>什么是</a:t>
+            </a:r>
+            <a:r>
+              <a:rPr lang="en-US" altLang="zh-CN" dirty="0">
+                <a:solidFill>
+                  <a:srgbClr val="D60093"/>
+                </a:solidFill>
+              </a:rPr>
+              <a:t>Binder – Binder</a:t>
+            </a:r>
+            <a:r>
+              <a:rPr lang="zh-CN" altLang="en-US" dirty="0">
+                <a:solidFill>
+                  <a:srgbClr val="D60093"/>
+                </a:solidFill>
+              </a:rPr>
+              <a:t>框架</a:t>
+            </a:r>
+            <a:r>
+              <a:rPr lang="zh-CN" altLang="en-US" dirty="0" smtClean="0">
+                <a:solidFill>
+                  <a:srgbClr val="D60093"/>
+                </a:solidFill>
+              </a:rPr>
+              <a:t>，客户端的角度</a:t>
+            </a:r>
+            <a:endParaRPr lang="zh-CN" altLang="en-US" dirty="0"/>
+          </a:p>
+        </p:txBody>
+      </p:sp>
+      <p:sp>
+        <p:nvSpPr>
+          <p:cNvPr id="3" name="内容占位符 2"/>
+          <p:cNvSpPr>
+            <a:spLocks noGrp="1"/>
+          </p:cNvSpPr>
+          <p:nvPr>
+            <p:ph idx="1"/>
+          </p:nvPr>
+        </p:nvSpPr>
+        <p:spPr/>
+        <p:txBody>
+          <a:bodyPr/>
+          <a:lstStyle/>
+          <a:p>
+            <a:r>
+              <a:rPr lang="zh-CN" altLang="en-US" dirty="0" smtClean="0"/>
+              <a:t>要</a:t>
+            </a:r>
+            <a:r>
+              <a:rPr lang="zh-CN" altLang="en-US" dirty="0"/>
+              <a:t>想访问远程服务，必须先获取远程服务在 </a:t>
+            </a:r>
+            <a:r>
+              <a:rPr lang="en-US" altLang="zh-CN" dirty="0"/>
+              <a:t>Binder </a:t>
+            </a:r>
+            <a:r>
+              <a:rPr lang="zh-CN" altLang="en-US" dirty="0"/>
+              <a:t>驱动中对应的 </a:t>
+            </a:r>
+            <a:r>
+              <a:rPr lang="en-US" altLang="zh-CN" dirty="0" err="1"/>
+              <a:t>mRemote</a:t>
+            </a:r>
+            <a:r>
+              <a:rPr lang="en-US" altLang="zh-CN" dirty="0"/>
+              <a:t> </a:t>
+            </a:r>
+            <a:r>
+              <a:rPr lang="zh-CN" altLang="en-US" dirty="0"/>
+              <a:t>引用，在获取该对象之后，就可以调用 </a:t>
+            </a:r>
+            <a:r>
+              <a:rPr lang="en-US" altLang="zh-CN" dirty="0"/>
+              <a:t>transact </a:t>
+            </a:r>
+            <a:r>
+              <a:rPr lang="zh-CN" altLang="en-US" dirty="0"/>
+              <a:t>方法，而在 </a:t>
+            </a:r>
+            <a:r>
+              <a:rPr lang="en-US" altLang="zh-CN" dirty="0"/>
+              <a:t>Binder </a:t>
+            </a:r>
+            <a:r>
+              <a:rPr lang="zh-CN" altLang="en-US" dirty="0"/>
+              <a:t>驱动中，</a:t>
+            </a:r>
+            <a:r>
+              <a:rPr lang="en-US" altLang="zh-CN" dirty="0" err="1"/>
+              <a:t>mRemote</a:t>
+            </a:r>
+            <a:r>
+              <a:rPr lang="en-US" altLang="zh-CN" dirty="0"/>
+              <a:t> </a:t>
+            </a:r>
+            <a:r>
+              <a:rPr lang="zh-CN" altLang="en-US" dirty="0"/>
+              <a:t>对象也重载了 </a:t>
+            </a:r>
+            <a:r>
+              <a:rPr lang="en-US" altLang="zh-CN" dirty="0"/>
+              <a:t>transact </a:t>
+            </a:r>
+            <a:r>
+              <a:rPr lang="zh-CN" altLang="en-US" dirty="0"/>
+              <a:t>方法</a:t>
+            </a:r>
+            <a:r>
+              <a:rPr lang="zh-CN" altLang="en-US" dirty="0" smtClean="0"/>
+              <a:t>。</a:t>
+            </a:r>
+            <a:endParaRPr lang="en-US" altLang="zh-CN" dirty="0" smtClean="0"/>
+          </a:p>
+          <a:p>
+            <a:endParaRPr lang="en-US" altLang="zh-CN" dirty="0"/>
+          </a:p>
+          <a:p>
+            <a:pPr marL="0" indent="0">
+              <a:buNone/>
+            </a:pPr>
+            <a:endParaRPr lang="en-US" altLang="zh-CN" dirty="0" smtClean="0"/>
+          </a:p>
+          <a:p>
+            <a:pPr marL="0" indent="0">
+              <a:buNone/>
+            </a:pPr>
+            <a:r>
+              <a:rPr lang="zh-CN" altLang="en-US" sz="2400" dirty="0" smtClean="0"/>
+              <a:t>重载的内容包括以下内容：</a:t>
+            </a:r>
+            <a:endParaRPr lang="en-US" altLang="zh-CN" sz="2400" dirty="0" smtClean="0"/>
+          </a:p>
+          <a:p>
+            <a:pPr marL="0" indent="0">
+              <a:buNone/>
+            </a:pPr>
+            <a:endParaRPr lang="en-US" altLang="zh-CN" dirty="0"/>
+          </a:p>
+          <a:p>
+            <a:pPr>
+              <a:buFont typeface="+mj-lt"/>
+              <a:buAutoNum type="arabicPeriod"/>
+            </a:pPr>
+            <a:r>
+              <a:rPr lang="zh-CN" altLang="en-US" dirty="0"/>
+              <a:t>以线程间消息通信的模式，向服务端发送客户端传递过来的参数。</a:t>
+            </a:r>
+          </a:p>
+          <a:p>
+            <a:pPr>
+              <a:buFont typeface="+mj-lt"/>
+              <a:buAutoNum type="arabicPeriod"/>
+            </a:pPr>
+            <a:r>
+              <a:rPr lang="zh-CN" altLang="en-US" dirty="0"/>
+              <a:t>挂起当前的线程，当前线程正是客户端线程，并等待服务端线程执行完指定服务函数之后通知。</a:t>
+            </a:r>
+          </a:p>
+          <a:p>
+            <a:pPr>
+              <a:buFont typeface="+mj-lt"/>
+              <a:buAutoNum type="arabicPeriod"/>
+            </a:pPr>
+            <a:r>
+              <a:rPr lang="zh-CN" altLang="en-US" dirty="0"/>
+              <a:t>接收服务端线程的通知，然后继续执行客户端线程，并返回客户端代码区。</a:t>
+            </a:r>
+          </a:p>
+        </p:txBody>
+      </p:sp>
+    </p:spTree>
+    <p:extLst>
+      <p:ext uri="{BB962C8B-B14F-4D97-AF65-F5344CB8AC3E}">
+        <p14:creationId xmlns:p14="http://schemas.microsoft.com/office/powerpoint/2010/main" val="2130510672"/>
+      </p:ext>
+    </p:extLst>
+  </p:cSld>
+  <p:clrMapOvr>
+    <a:masterClrMapping/>
+  </p:clrMapOvr>
+</p:sld>
+</file>
+
+<file path=ppt/slides/slide13.xml><?xml version="1.0" encoding="utf-8"?>
+<p:sld xmlns:a="http://schemas.openxmlformats.org/drawingml/2006/main" xmlns:r="http://schemas.openxmlformats.org/officeDocument/2006/relationships" xmlns:p="http://schemas.openxmlformats.org/presentationml/2006/main">
+  <p:cSld>
+    <p:spTree>
+      <p:nvGrpSpPr>
+        <p:cNvPr id="1" name=""/>
+        <p:cNvGrpSpPr/>
+        <p:nvPr/>
+      </p:nvGrpSpPr>
+      <p:grpSpPr>
+        <a:xfrm>
+          <a:off x="0" y="0"/>
+          <a:ext cx="0" cy="0"/>
+          <a:chOff x="0" y="0"/>
+          <a:chExt cx="0" cy="0"/>
+        </a:xfrm>
+      </p:grpSpPr>
+      <p:sp>
+        <p:nvSpPr>
+          <p:cNvPr id="2" name="标题 1"/>
+          <p:cNvSpPr>
+            <a:spLocks noGrp="1"/>
+          </p:cNvSpPr>
+          <p:nvPr>
+            <p:ph type="title"/>
+          </p:nvPr>
+        </p:nvSpPr>
+        <p:spPr/>
+        <p:txBody>
+          <a:bodyPr/>
+          <a:lstStyle/>
+          <a:p>
+            <a:r>
+              <a:rPr lang="zh-CN" altLang="en-US" dirty="0">
+                <a:solidFill>
+                  <a:srgbClr val="D60093"/>
+                </a:solidFill>
+              </a:rPr>
+              <a:t>什么是</a:t>
+            </a:r>
+            <a:r>
+              <a:rPr lang="en-US" altLang="zh-CN" dirty="0">
+                <a:solidFill>
+                  <a:srgbClr val="D60093"/>
+                </a:solidFill>
+              </a:rPr>
+              <a:t>Binder – Binder</a:t>
+            </a:r>
+            <a:r>
+              <a:rPr lang="zh-CN" altLang="en-US" dirty="0">
+                <a:solidFill>
+                  <a:srgbClr val="D60093"/>
+                </a:solidFill>
+              </a:rPr>
+              <a:t>框</a:t>
+            </a:r>
+            <a:r>
+              <a:rPr lang="zh-CN" altLang="en-US" dirty="0" smtClean="0">
+                <a:solidFill>
+                  <a:srgbClr val="D60093"/>
+                </a:solidFill>
+              </a:rPr>
+              <a:t>架，斗胆总结</a:t>
+            </a:r>
+            <a:r>
+              <a:rPr lang="en-US" altLang="zh-CN" dirty="0" smtClean="0">
+                <a:solidFill>
+                  <a:srgbClr val="D60093"/>
+                </a:solidFill>
+              </a:rPr>
+              <a:t>(</a:t>
+            </a:r>
+            <a:r>
+              <a:rPr lang="zh-CN" altLang="en-US" dirty="0" smtClean="0">
+                <a:solidFill>
+                  <a:srgbClr val="D60093"/>
+                </a:solidFill>
+              </a:rPr>
+              <a:t>不负责</a:t>
+            </a:r>
+            <a:r>
+              <a:rPr lang="en-US" altLang="zh-CN" dirty="0" smtClean="0">
+                <a:solidFill>
+                  <a:srgbClr val="D60093"/>
+                </a:solidFill>
+              </a:rPr>
+              <a:t>)</a:t>
+            </a:r>
+            <a:endParaRPr lang="zh-CN" altLang="en-US" dirty="0"/>
+          </a:p>
+        </p:txBody>
+      </p:sp>
+      <p:sp>
+        <p:nvSpPr>
+          <p:cNvPr id="3" name="内容占位符 2"/>
+          <p:cNvSpPr>
+            <a:spLocks noGrp="1"/>
+          </p:cNvSpPr>
+          <p:nvPr>
+            <p:ph idx="1"/>
+          </p:nvPr>
+        </p:nvSpPr>
+        <p:spPr/>
+        <p:txBody>
+          <a:bodyPr>
+            <a:normAutofit/>
+          </a:bodyPr>
+          <a:lstStyle/>
+          <a:p>
+            <a:pPr marL="0" indent="0">
+              <a:buNone/>
+            </a:pPr>
+            <a:r>
+              <a:rPr lang="zh-CN" altLang="en-US" dirty="0" smtClean="0"/>
+              <a:t>从</a:t>
+            </a:r>
+            <a:r>
+              <a:rPr lang="zh-CN" altLang="en-US" dirty="0"/>
+              <a:t>以上的叙述中，可以看出，对应用开发者来说，客户端似乎是在直接调用了远程服务对应的 </a:t>
+            </a:r>
+            <a:r>
+              <a:rPr lang="en-US" altLang="zh-CN" dirty="0"/>
+              <a:t>Binder </a:t>
+            </a:r>
+            <a:r>
+              <a:rPr lang="zh-CN" altLang="en-US" dirty="0"/>
+              <a:t>，而事实上，则是通过 </a:t>
+            </a:r>
+            <a:r>
+              <a:rPr lang="en-US" altLang="zh-CN" dirty="0"/>
+              <a:t>Binder </a:t>
+            </a:r>
+            <a:r>
+              <a:rPr lang="zh-CN" altLang="en-US" dirty="0"/>
+              <a:t>驱动中的 </a:t>
+            </a:r>
+            <a:r>
+              <a:rPr lang="en-US" altLang="zh-CN" dirty="0"/>
+              <a:t>Binder </a:t>
+            </a:r>
+            <a:r>
+              <a:rPr lang="zh-CN" altLang="en-US" dirty="0"/>
+              <a:t>对象，不同的是， </a:t>
+            </a:r>
+            <a:r>
+              <a:rPr lang="en-US" altLang="zh-CN" dirty="0"/>
+              <a:t>Binder </a:t>
+            </a:r>
+            <a:r>
+              <a:rPr lang="zh-CN" altLang="en-US" dirty="0"/>
+              <a:t>驱动中的对象不会额外产生一个线程。</a:t>
+            </a:r>
+          </a:p>
+          <a:p>
+            <a:pPr marL="0" indent="0">
+              <a:buNone/>
+            </a:pPr>
+            <a:r>
+              <a:rPr lang="zh-CN" altLang="en-US" dirty="0" smtClean="0"/>
+              <a:t>划重点</a:t>
+            </a:r>
+            <a:r>
+              <a:rPr lang="en-US" altLang="zh-CN" dirty="0" smtClean="0"/>
+              <a:t>:</a:t>
+            </a:r>
+            <a:endParaRPr lang="en-US" altLang="zh-CN" dirty="0"/>
+          </a:p>
+          <a:p>
+            <a:r>
+              <a:rPr lang="zh-CN" altLang="en-US" dirty="0"/>
+              <a:t>客户端将消息发至 </a:t>
+            </a:r>
+            <a:r>
+              <a:rPr lang="en-US" altLang="zh-CN" dirty="0"/>
+              <a:t>-&gt; Binder </a:t>
+            </a:r>
+            <a:r>
+              <a:rPr lang="zh-CN" altLang="en-US" dirty="0"/>
+              <a:t>驱动 ，向服务端发送调用信息，驱动挂起当前线程 ，等待返回</a:t>
+            </a:r>
+            <a:r>
+              <a:rPr lang="en-US" altLang="zh-CN" dirty="0"/>
+              <a:t>-&gt; </a:t>
+            </a:r>
+            <a:r>
+              <a:rPr lang="zh-CN" altLang="en-US" dirty="0"/>
+              <a:t>服务端 ，处理完消息，返回给驱动</a:t>
+            </a:r>
+            <a:r>
+              <a:rPr lang="en-US" altLang="zh-CN" dirty="0"/>
+              <a:t>-&gt; </a:t>
+            </a:r>
+            <a:r>
+              <a:rPr lang="zh-CN" altLang="en-US" dirty="0"/>
+              <a:t>驱动接到完成的通知，继续客户端的线程 </a:t>
+            </a:r>
+            <a:r>
+              <a:rPr lang="en-US" altLang="zh-CN" dirty="0"/>
+              <a:t>- &gt;</a:t>
+            </a:r>
+            <a:r>
+              <a:rPr lang="zh-CN" altLang="en-US" dirty="0"/>
+              <a:t>返回结果给客户端。</a:t>
+            </a:r>
+          </a:p>
+          <a:p>
+            <a:r>
+              <a:rPr lang="zh-CN" altLang="en-US" dirty="0"/>
+              <a:t>连接他们的是一个叫 </a:t>
+            </a:r>
+            <a:r>
+              <a:rPr lang="en-US" altLang="zh-CN" dirty="0" err="1"/>
+              <a:t>mRemote</a:t>
+            </a:r>
+            <a:r>
+              <a:rPr lang="en-US" altLang="zh-CN" dirty="0"/>
+              <a:t> </a:t>
+            </a:r>
+            <a:r>
+              <a:rPr lang="zh-CN" altLang="en-US" dirty="0"/>
+              <a:t>的引用，这个引用存在于 </a:t>
+            </a:r>
+            <a:r>
+              <a:rPr lang="en-US" altLang="zh-CN" dirty="0"/>
+              <a:t>Binder </a:t>
+            </a:r>
+            <a:r>
+              <a:rPr lang="zh-CN" altLang="en-US" dirty="0"/>
+              <a:t>驱动当中，每个服务端的都需要向 </a:t>
+            </a:r>
+            <a:r>
+              <a:rPr lang="en-US" altLang="zh-CN" dirty="0"/>
+              <a:t>Binder </a:t>
+            </a:r>
+            <a:r>
+              <a:rPr lang="zh-CN" altLang="en-US" dirty="0"/>
+              <a:t>驱动注册，生成这个 </a:t>
+            </a:r>
+            <a:r>
+              <a:rPr lang="en-US" altLang="zh-CN" dirty="0" err="1"/>
+              <a:t>mRemote</a:t>
+            </a:r>
+            <a:r>
+              <a:rPr lang="en-US" altLang="zh-CN" dirty="0"/>
+              <a:t> </a:t>
+            </a:r>
+            <a:r>
+              <a:rPr lang="zh-CN" altLang="en-US" dirty="0"/>
+              <a:t>引用。</a:t>
+            </a:r>
+          </a:p>
+          <a:p>
+            <a:r>
+              <a:rPr lang="zh-CN" altLang="en-US" dirty="0"/>
+              <a:t>客户端利用这个引用去发送消息给驱动，驱动利用这个引用去发送消息给服务端， 整个过程像客户端直接调用了服务端，事实上是通过 </a:t>
+            </a:r>
+            <a:r>
+              <a:rPr lang="en-US" altLang="zh-CN" dirty="0"/>
+              <a:t>Binder </a:t>
+            </a:r>
+            <a:r>
+              <a:rPr lang="zh-CN" altLang="en-US" dirty="0"/>
+              <a:t>驱动中转了，存在两个 </a:t>
+            </a:r>
+            <a:r>
+              <a:rPr lang="en-US" altLang="zh-CN" dirty="0"/>
+              <a:t>Binder </a:t>
+            </a:r>
+            <a:r>
+              <a:rPr lang="zh-CN" altLang="en-US" dirty="0"/>
+              <a:t>对象，一个是服务端的 </a:t>
+            </a:r>
+            <a:r>
+              <a:rPr lang="en-US" altLang="zh-CN" dirty="0"/>
+              <a:t>Binder </a:t>
+            </a:r>
+            <a:r>
+              <a:rPr lang="zh-CN" altLang="en-US" dirty="0"/>
+              <a:t>对象， 一个是 驱动中的 </a:t>
+            </a:r>
+            <a:r>
+              <a:rPr lang="en-US" altLang="zh-CN" dirty="0"/>
+              <a:t>Binder </a:t>
+            </a:r>
+            <a:r>
+              <a:rPr lang="zh-CN" altLang="en-US" dirty="0"/>
+              <a:t>对象，区别中，</a:t>
+            </a:r>
+            <a:r>
+              <a:rPr lang="en-US" altLang="zh-CN" dirty="0"/>
+              <a:t>Binder </a:t>
+            </a:r>
+            <a:r>
+              <a:rPr lang="zh-CN" altLang="en-US" dirty="0"/>
+              <a:t>驱动中不会产生额外的线程，而服务端的 </a:t>
+            </a:r>
+            <a:r>
+              <a:rPr lang="en-US" altLang="zh-CN" dirty="0"/>
+              <a:t>Binder </a:t>
+            </a:r>
+            <a:r>
+              <a:rPr lang="zh-CN" altLang="en-US" dirty="0"/>
+              <a:t>在创建之初就有一个隐含的线程。</a:t>
+            </a:r>
+          </a:p>
+        </p:txBody>
+      </p:sp>
+    </p:spTree>
+    <p:extLst>
+      <p:ext uri="{BB962C8B-B14F-4D97-AF65-F5344CB8AC3E}">
+        <p14:creationId xmlns:p14="http://schemas.microsoft.com/office/powerpoint/2010/main" val="1374846417"/>
+      </p:ext>
+    </p:extLst>
+  </p:cSld>
+  <p:clrMapOvr>
+    <a:masterClrMapping/>
+  </p:clrMapOvr>
+</p:sld>
+</file>
+
+<file path=ppt/slides/slide14.xml><?xml version="1.0" encoding="utf-8"?>
+<p:sld xmlns:a="http://schemas.openxmlformats.org/drawingml/2006/main" xmlns:r="http://schemas.openxmlformats.org/officeDocument/2006/relationships" xmlns:p="http://schemas.openxmlformats.org/presentationml/2006/main">
+  <p:cSld>
+    <p:spTree>
+      <p:nvGrpSpPr>
+        <p:cNvPr id="1" name=""/>
+        <p:cNvGrpSpPr/>
+        <p:nvPr/>
+      </p:nvGrpSpPr>
+      <p:grpSpPr>
+        <a:xfrm>
+          <a:off x="0" y="0"/>
+          <a:ext cx="0" cy="0"/>
+          <a:chOff x="0" y="0"/>
+          <a:chExt cx="0" cy="0"/>
+        </a:xfrm>
+      </p:grpSpPr>
+      <p:sp>
+        <p:nvSpPr>
+          <p:cNvPr id="2" name="标题 1"/>
+          <p:cNvSpPr>
+            <a:spLocks noGrp="1"/>
+          </p:cNvSpPr>
+          <p:nvPr>
+            <p:ph type="title"/>
+          </p:nvPr>
+        </p:nvSpPr>
+        <p:spPr/>
+        <p:txBody>
+          <a:bodyPr/>
+          <a:lstStyle/>
+          <a:p>
+            <a:endParaRPr lang="zh-CN" altLang="en-US"/>
+          </a:p>
+        </p:txBody>
+      </p:sp>
+      <p:sp>
+        <p:nvSpPr>
+          <p:cNvPr id="3" name="内容占位符 2"/>
+          <p:cNvSpPr>
+            <a:spLocks noGrp="1"/>
+          </p:cNvSpPr>
+          <p:nvPr>
+            <p:ph idx="1"/>
+          </p:nvPr>
+        </p:nvSpPr>
+        <p:spPr/>
+        <p:txBody>
+          <a:bodyPr/>
+          <a:lstStyle/>
+          <a:p>
+            <a:endParaRPr lang="zh-CN" altLang="en-US"/>
+          </a:p>
+        </p:txBody>
+      </p:sp>
+    </p:spTree>
+    <p:extLst>
+      <p:ext uri="{BB962C8B-B14F-4D97-AF65-F5344CB8AC3E}">
+        <p14:creationId xmlns:p14="http://schemas.microsoft.com/office/powerpoint/2010/main" val="1935166095"/>
+      </p:ext>
+    </p:extLst>
+  </p:cSld>
+  <p:clrMapOvr>
+    <a:masterClrMapping/>
+  </p:clrMapOvr>
+</p:sld>
+</file>
+
+<file path=ppt/slides/slide15.xml><?xml version="1.0" encoding="utf-8"?>
+<p:sld xmlns:a="http://schemas.openxmlformats.org/drawingml/2006/main" xmlns:r="http://schemas.openxmlformats.org/officeDocument/2006/relationships" xmlns:p="http://schemas.openxmlformats.org/presentationml/2006/main">
+  <p:cSld>
+    <p:spTree>
+      <p:nvGrpSpPr>
+        <p:cNvPr id="1" name=""/>
+        <p:cNvGrpSpPr/>
+        <p:nvPr/>
+      </p:nvGrpSpPr>
+      <p:grpSpPr>
+        <a:xfrm>
+          <a:off x="0" y="0"/>
+          <a:ext cx="0" cy="0"/>
+          <a:chOff x="0" y="0"/>
+          <a:chExt cx="0" cy="0"/>
+        </a:xfrm>
+      </p:grpSpPr>
+      <p:sp>
+        <p:nvSpPr>
+          <p:cNvPr id="2" name="标题 1"/>
+          <p:cNvSpPr>
+            <a:spLocks noGrp="1"/>
+          </p:cNvSpPr>
+          <p:nvPr>
+            <p:ph type="title"/>
+          </p:nvPr>
+        </p:nvSpPr>
+        <p:spPr/>
+        <p:txBody>
+          <a:bodyPr/>
+          <a:lstStyle/>
+          <a:p>
+            <a:endParaRPr lang="zh-CN" altLang="en-US"/>
+          </a:p>
+        </p:txBody>
+      </p:sp>
+      <p:sp>
+        <p:nvSpPr>
+          <p:cNvPr id="3" name="内容占位符 2"/>
+          <p:cNvSpPr>
+            <a:spLocks noGrp="1"/>
+          </p:cNvSpPr>
+          <p:nvPr>
+            <p:ph idx="1"/>
+          </p:nvPr>
+        </p:nvSpPr>
+        <p:spPr/>
+        <p:txBody>
+          <a:bodyPr/>
+          <a:lstStyle/>
+          <a:p>
+            <a:endParaRPr lang="zh-CN" altLang="en-US"/>
+          </a:p>
+        </p:txBody>
+      </p:sp>
+    </p:spTree>
+    <p:extLst>
+      <p:ext uri="{BB962C8B-B14F-4D97-AF65-F5344CB8AC3E}">
+        <p14:creationId xmlns:p14="http://schemas.microsoft.com/office/powerpoint/2010/main" val="3488744736"/>
+      </p:ext>
+    </p:extLst>
+  </p:cSld>
+  <p:clrMapOvr>
+    <a:masterClrMapping/>
+  </p:clrMapOvr>
+</p:sld>
+</file>
+
+<file path=ppt/slides/slide16.xml><?xml version="1.0" encoding="utf-8"?>
+<p:sld xmlns:a="http://schemas.openxmlformats.org/drawingml/2006/main" xmlns:r="http://schemas.openxmlformats.org/officeDocument/2006/relationships" xmlns:p="http://schemas.openxmlformats.org/presentationml/2006/main">
+  <p:cSld>
+    <p:spTree>
+      <p:nvGrpSpPr>
+        <p:cNvPr id="1" name=""/>
+        <p:cNvGrpSpPr/>
+        <p:nvPr/>
+      </p:nvGrpSpPr>
+      <p:grpSpPr>
+        <a:xfrm>
+          <a:off x="0" y="0"/>
+          <a:ext cx="0" cy="0"/>
+          <a:chOff x="0" y="0"/>
+          <a:chExt cx="0" cy="0"/>
+        </a:xfrm>
+      </p:grpSpPr>
+      <p:sp>
+        <p:nvSpPr>
+          <p:cNvPr id="2" name="标题 1"/>
+          <p:cNvSpPr>
+            <a:spLocks noGrp="1"/>
+          </p:cNvSpPr>
+          <p:nvPr>
+            <p:ph type="title"/>
+          </p:nvPr>
+        </p:nvSpPr>
+        <p:spPr/>
+        <p:txBody>
+          <a:bodyPr/>
+          <a:lstStyle/>
+          <a:p>
+            <a:endParaRPr lang="zh-CN" altLang="en-US"/>
+          </a:p>
+        </p:txBody>
+      </p:sp>
+      <p:sp>
+        <p:nvSpPr>
+          <p:cNvPr id="3" name="内容占位符 2"/>
+          <p:cNvSpPr>
+            <a:spLocks noGrp="1"/>
+          </p:cNvSpPr>
+          <p:nvPr>
+            <p:ph idx="1"/>
+          </p:nvPr>
+        </p:nvSpPr>
+        <p:spPr/>
+        <p:txBody>
+          <a:bodyPr/>
+          <a:lstStyle/>
+          <a:p>
+            <a:endParaRPr lang="zh-CN" altLang="en-US"/>
+          </a:p>
+        </p:txBody>
+      </p:sp>
+    </p:spTree>
+    <p:extLst>
+      <p:ext uri="{BB962C8B-B14F-4D97-AF65-F5344CB8AC3E}">
+        <p14:creationId xmlns:p14="http://schemas.microsoft.com/office/powerpoint/2010/main" val="3524459660"/>
+      </p:ext>
+    </p:extLst>
+  </p:cSld>
+  <p:clrMapOvr>
+    <a:masterClrMapping/>
+  </p:clrMapOvr>
+</p:sld>
+</file>
+
+<file path=ppt/slides/slide17.xml><?xml version="1.0" encoding="utf-8"?>
+<p:sld xmlns:a="http://schemas.openxmlformats.org/drawingml/2006/main" xmlns:r="http://schemas.openxmlformats.org/officeDocument/2006/relationships" xmlns:p="http://schemas.openxmlformats.org/presentationml/2006/main">
+  <p:cSld>
+    <p:spTree>
+      <p:nvGrpSpPr>
+        <p:cNvPr id="1" name=""/>
+        <p:cNvGrpSpPr/>
+        <p:nvPr/>
+      </p:nvGrpSpPr>
+      <p:grpSpPr>
+        <a:xfrm>
+          <a:off x="0" y="0"/>
+          <a:ext cx="0" cy="0"/>
+          <a:chOff x="0" y="0"/>
+          <a:chExt cx="0" cy="0"/>
+        </a:xfrm>
+      </p:grpSpPr>
+      <p:sp>
+        <p:nvSpPr>
+          <p:cNvPr id="2" name="标题 1"/>
+          <p:cNvSpPr>
+            <a:spLocks noGrp="1"/>
+          </p:cNvSpPr>
+          <p:nvPr>
+            <p:ph type="title"/>
+          </p:nvPr>
+        </p:nvSpPr>
+        <p:spPr/>
+        <p:txBody>
+          <a:bodyPr/>
+          <a:lstStyle/>
+          <a:p>
+            <a:endParaRPr lang="zh-CN" altLang="en-US" dirty="0"/>
+          </a:p>
+        </p:txBody>
+      </p:sp>
+      <p:pic>
+        <p:nvPicPr>
+          <p:cNvPr id="4" name="内容占位符 3" descr="PPT模板-06.jpg"/>
+          <p:cNvPicPr>
+            <a:picLocks noGrp="1" noChangeAspect="1"/>
+          </p:cNvPicPr>
+          <p:nvPr>
+            <p:ph idx="1"/>
+          </p:nvPr>
+        </p:nvPicPr>
+        <p:blipFill>
+          <a:blip r:embed="rId2" cstate="print"/>
+          <a:stretch>
+            <a:fillRect/>
+          </a:stretch>
+        </p:blipFill>
+        <p:spPr>
+          <a:xfrm>
+            <a:off x="0" y="0"/>
+            <a:ext cx="9144000" cy="5142895"/>
+          </a:xfrm>
+        </p:spPr>
+      </p:pic>
+    </p:spTree>
+  </p:cSld>
+  <p:clrMapOvr>
+    <a:masterClrMapping/>
+  </p:clrMapOvr>
+  <p:timing>
+    <p:tnLst>
+      <p:par>
+        <p:cTn id="1" dur="indefinite" restart="never" nodeType="tmRoot"/>
+      </p:par>
+    </p:tnLst>
+  </p:timing>
+</p:sld>
+</file>
+
 <file path=ppt/slides/slide2.xml><?xml version="1.0" encoding="utf-8"?>
 <p:sld xmlns:a="http://schemas.openxmlformats.org/drawingml/2006/main" xmlns:r="http://schemas.openxmlformats.org/officeDocument/2006/relationships" xmlns:p="http://schemas.openxmlformats.org/presentationml/2006/main">
   <p:cSld>
@@ -4329,7 +5730,7 @@
         </p:nvSpPr>
         <p:spPr bwMode="auto">
           <a:xfrm>
-            <a:off x="3491880" y="2571750"/>
+            <a:off x="3491880" y="3065234"/>
             <a:ext cx="144016" cy="144016"/>
           </a:xfrm>
           <a:prstGeom prst="ellipse">
@@ -4400,8 +5801,8 @@
         </p:nvSpPr>
         <p:spPr>
           <a:xfrm>
-            <a:off x="3851920" y="2449220"/>
-            <a:ext cx="1436612" cy="338554"/>
+            <a:off x="3851920" y="2942704"/>
+            <a:ext cx="2898550" cy="338554"/>
           </a:xfrm>
           <a:prstGeom prst="rect">
             <a:avLst/>
@@ -4426,7 +5827,28 @@
                 <a:latin typeface="微软雅黑" panose="020B0503020204020204" pitchFamily="34" charset="-122"/>
                 <a:ea typeface="微软雅黑" panose="020B0503020204020204" pitchFamily="34" charset="-122"/>
               </a:rPr>
-              <a:t>是什么</a:t>
+              <a:t>是什</a:t>
+            </a:r>
+            <a:r>
+              <a:rPr lang="zh-CN" altLang="en-US" sz="1600" dirty="0" smtClean="0">
+                <a:latin typeface="微软雅黑" panose="020B0503020204020204" pitchFamily="34" charset="-122"/>
+                <a:ea typeface="微软雅黑" panose="020B0503020204020204" pitchFamily="34" charset="-122"/>
+              </a:rPr>
+              <a:t>么</a:t>
+            </a:r>
+            <a:r>
+              <a:rPr lang="en-US" altLang="zh-CN" sz="1600" dirty="0" smtClean="0">
+                <a:latin typeface="微软雅黑" panose="020B0503020204020204" pitchFamily="34" charset="-122"/>
+                <a:ea typeface="微软雅黑" panose="020B0503020204020204" pitchFamily="34" charset="-122"/>
+              </a:rPr>
+              <a:t>-  Binder</a:t>
+            </a:r>
+            <a:r>
+              <a:rPr lang="zh-CN" altLang="en-US" sz="1600" dirty="0" smtClean="0">
+                <a:latin typeface="微软雅黑" panose="020B0503020204020204" pitchFamily="34" charset="-122"/>
+                <a:ea typeface="微软雅黑" panose="020B0503020204020204" pitchFamily="34" charset="-122"/>
+              </a:rPr>
+              <a:t>的概念</a:t>
             </a:r>
             <a:endParaRPr lang="zh-CN" altLang="en-US" sz="1600" dirty="0">
               <a:latin typeface="微软雅黑" panose="020B0503020204020204" pitchFamily="34" charset="-122"/>
@@ -4443,7 +5865,7 @@
         </p:nvSpPr>
         <p:spPr bwMode="auto">
           <a:xfrm>
-            <a:off x="3491880" y="3075806"/>
+            <a:off x="3491880" y="3569290"/>
             <a:ext cx="144016" cy="144016"/>
           </a:xfrm>
           <a:prstGeom prst="ellipse">
@@ -4514,8 +5936,8 @@
         </p:nvSpPr>
         <p:spPr>
           <a:xfrm>
-            <a:off x="3851920" y="2953276"/>
-            <a:ext cx="1641796" cy="338554"/>
+            <a:off x="3851920" y="3446760"/>
+            <a:ext cx="3187091" cy="338554"/>
           </a:xfrm>
           <a:prstGeom prst="rect">
             <a:avLst/>
@@ -4540,7 +5962,14 @@
                 <a:latin typeface="微软雅黑" panose="020B0503020204020204" pitchFamily="34" charset="-122"/>
                 <a:ea typeface="微软雅黑" panose="020B0503020204020204" pitchFamily="34" charset="-122"/>
               </a:rPr>
-              <a:t>Binder</a:t>
+              <a:t>Binder – Binder </a:t>
+            </a:r>
+            <a:r>
+              <a:rPr lang="zh-CN" altLang="en-US" sz="1600" dirty="0" smtClean="0">
+                <a:latin typeface="微软雅黑" panose="020B0503020204020204" pitchFamily="34" charset="-122"/>
+                <a:ea typeface="微软雅黑" panose="020B0503020204020204" pitchFamily="34" charset="-122"/>
+              </a:rPr>
+              <a:t>的使用</a:t>
             </a:r>
             <a:endParaRPr lang="zh-CN" altLang="en-US" sz="1600" dirty="0">
               <a:latin typeface="微软雅黑" panose="020B0503020204020204" pitchFamily="34" charset="-122"/>
@@ -4558,7 +5987,7 @@
         <p:spPr>
           <a:xfrm>
             <a:off x="3851920" y="1923678"/>
-            <a:ext cx="1846980" cy="338554"/>
+            <a:ext cx="3493264" cy="338554"/>
           </a:xfrm>
           <a:prstGeom prst="rect">
             <a:avLst/>
@@ -4590,7 +6019,142 @@
                 <a:latin typeface="微软雅黑" panose="020B0503020204020204" pitchFamily="34" charset="-122"/>
                 <a:ea typeface="微软雅黑" panose="020B0503020204020204" pitchFamily="34" charset="-122"/>
               </a:rPr>
-              <a:t>Binder</a:t>
+              <a:t>Binder - </a:t>
+            </a:r>
+            <a:r>
+              <a:rPr lang="zh-CN" altLang="en-US" sz="1600" dirty="0" smtClean="0">
+                <a:latin typeface="微软雅黑" panose="020B0503020204020204" pitchFamily="34" charset="-122"/>
+                <a:ea typeface="微软雅黑" panose="020B0503020204020204" pitchFamily="34" charset="-122"/>
+              </a:rPr>
+              <a:t>产生的技术背景</a:t>
+            </a:r>
+            <a:endParaRPr lang="zh-CN" altLang="en-US" sz="1600" dirty="0">
+              <a:latin typeface="微软雅黑" panose="020B0503020204020204" pitchFamily="34" charset="-122"/>
+              <a:ea typeface="微软雅黑" panose="020B0503020204020204" pitchFamily="34" charset="-122"/>
+            </a:endParaRPr>
+          </a:p>
+        </p:txBody>
+      </p:sp>
+      <p:sp>
+        <p:nvSpPr>
+          <p:cNvPr id="12" name="椭圆 11"/>
+          <p:cNvSpPr/>
+          <p:nvPr/>
+        </p:nvSpPr>
+        <p:spPr bwMode="auto">
+          <a:xfrm>
+            <a:off x="3491880" y="2541203"/>
+            <a:ext cx="144016" cy="144016"/>
+          </a:xfrm>
+          <a:prstGeom prst="ellipse">
+            <a:avLst/>
+          </a:prstGeom>
+          <a:ln>
+            <a:headEnd type="none" w="med" len="med"/>
+            <a:tailEnd type="none" w="med" len="med"/>
+          </a:ln>
+        </p:spPr>
+        <p:style>
+          <a:lnRef idx="3">
+            <a:schemeClr val="lt1"/>
+          </a:lnRef>
+          <a:fillRef idx="1">
+            <a:schemeClr val="accent2"/>
+          </a:fillRef>
+          <a:effectRef idx="1">
+            <a:schemeClr val="accent2"/>
+          </a:effectRef>
+          <a:fontRef idx="minor">
+            <a:schemeClr val="lt1"/>
+          </a:fontRef>
+        </p:style>
+        <p:txBody>
+          <a:bodyPr vert="horz" wrap="square" lIns="91440" tIns="45720" rIns="91440" bIns="45720" numCol="1" rtlCol="0" anchor="t" anchorCtr="0" compatLnSpc="1">
+            <a:prstTxWarp prst="textNoShape">
+              <a:avLst/>
+            </a:prstTxWarp>
+          </a:bodyPr>
+          <a:lstStyle/>
+          <a:p>
+            <a:pPr marL="0" marR="0" indent="0" algn="l" defTabSz="914400" rtl="0" eaLnBrk="1" fontAlgn="base" latinLnBrk="0" hangingPunct="1">
+              <a:lnSpc>
+                <a:spcPct val="100000"/>
+              </a:lnSpc>
+              <a:spcBef>
+                <a:spcPct val="0"/>
+              </a:spcBef>
+              <a:spcAft>
+                <a:spcPct val="0"/>
+              </a:spcAft>
+              <a:buClrTx/>
+              <a:buSzTx/>
+              <a:buFont typeface="Arial" pitchFamily="34" charset="0"/>
+              <a:buNone/>
+              <a:tabLst/>
+            </a:pPr>
+            <a:endParaRPr kumimoji="0" lang="zh-CN" altLang="en-US" sz="1400" b="0" i="0" u="none" strike="noStrike" cap="none" normalizeH="0" baseline="0" dirty="0">
+              <a:ln>
+                <a:noFill/>
+              </a:ln>
+              <a:solidFill>
+                <a:schemeClr val="tx1"/>
+              </a:solidFill>
+              <a:effectLst/>
+              <a:latin typeface="Arial" pitchFamily="34" charset="0"/>
+              <a:ea typeface="宋体" pitchFamily="2" charset="-122"/>
+            </a:endParaRPr>
+          </a:p>
+        </p:txBody>
+      </p:sp>
+      <p:sp>
+        <p:nvSpPr>
+          <p:cNvPr id="13" name="TextBox 7"/>
+          <p:cNvSpPr txBox="1"/>
+          <p:nvPr/>
+        </p:nvSpPr>
+        <p:spPr>
+          <a:xfrm>
+            <a:off x="3851920" y="2469195"/>
+            <a:ext cx="3062057" cy="338554"/>
+          </a:xfrm>
+          <a:prstGeom prst="rect">
+            <a:avLst/>
+          </a:prstGeom>
+          <a:noFill/>
+        </p:spPr>
+        <p:txBody>
+          <a:bodyPr wrap="none" rtlCol="0">
+            <a:spAutoFit/>
+          </a:bodyPr>
+          <a:lstStyle/>
+          <a:p>
+            <a:r>
+              <a:rPr lang="zh-CN" altLang="en-US" sz="1600" dirty="0">
+                <a:latin typeface="微软雅黑" panose="020B0503020204020204" pitchFamily="34" charset="-122"/>
+                <a:ea typeface="微软雅黑" panose="020B0503020204020204" pitchFamily="34" charset="-122"/>
+              </a:rPr>
+              <a:t>了</a:t>
+            </a:r>
+            <a:r>
+              <a:rPr lang="zh-CN" altLang="en-US" sz="1600" dirty="0" smtClean="0">
+                <a:latin typeface="微软雅黑" panose="020B0503020204020204" pitchFamily="34" charset="-122"/>
+                <a:ea typeface="微软雅黑" panose="020B0503020204020204" pitchFamily="34" charset="-122"/>
+              </a:rPr>
+              <a:t>解到什么程度为止 </a:t>
+            </a:r>
+            <a:r>
+              <a:rPr lang="en-US" altLang="zh-CN" sz="1600" dirty="0" smtClean="0">
+                <a:latin typeface="微软雅黑" panose="020B0503020204020204" pitchFamily="34" charset="-122"/>
+                <a:ea typeface="微软雅黑" panose="020B0503020204020204" pitchFamily="34" charset="-122"/>
+              </a:rPr>
+              <a:t>- </a:t>
+            </a:r>
+            <a:r>
+              <a:rPr lang="zh-CN" altLang="en-US" sz="1600" dirty="0" smtClean="0">
+                <a:latin typeface="微软雅黑" panose="020B0503020204020204" pitchFamily="34" charset="-122"/>
+                <a:ea typeface="微软雅黑" panose="020B0503020204020204" pitchFamily="34" charset="-122"/>
+              </a:rPr>
+              <a:t>点到为止</a:t>
             </a:r>
             <a:endParaRPr lang="zh-CN" altLang="en-US" sz="1600" dirty="0">
               <a:latin typeface="微软雅黑" panose="020B0503020204020204" pitchFamily="34" charset="-122"/>
@@ -4665,7 +6229,7 @@
                   <a:srgbClr val="D60093"/>
                 </a:solidFill>
               </a:rPr>
-              <a:t>Binder-</a:t>
+              <a:t>Binder - </a:t>
             </a:r>
             <a:r>
               <a:rPr lang="zh-CN" altLang="en-US" sz="2000" b="1" dirty="0" smtClean="0">
@@ -4673,7 +6237,15 @@
                   <a:srgbClr val="D60093"/>
                 </a:solidFill>
               </a:rPr>
-              <a:t>概述</a:t>
+              <a:t>概</a:t>
+            </a:r>
+            <a:r>
+              <a:rPr lang="zh-CN" altLang="en-US" sz="2000" b="1" dirty="0" smtClean="0">
+                <a:solidFill>
+                  <a:srgbClr val="D60093"/>
+                </a:solidFill>
+              </a:rPr>
+              <a:t>述</a:t>
             </a:r>
             <a:endParaRPr lang="zh-CN" altLang="en-US" sz="2000" b="1" dirty="0">
               <a:solidFill>
@@ -4692,7 +6264,7 @@
         <p:spPr>
           <a:xfrm>
             <a:off x="611560" y="771550"/>
-            <a:ext cx="7056784" cy="3139321"/>
+            <a:ext cx="7056784" cy="3693319"/>
           </a:xfrm>
           <a:prstGeom prst="rect">
             <a:avLst/>
@@ -4735,28 +6307,64 @@
             <a:endParaRPr lang="en-US" altLang="zh-CN" dirty="0" smtClean="0"/>
           </a:p>
           <a:p>
+            <a:endParaRPr lang="en-US" altLang="zh-CN" dirty="0" smtClean="0"/>
+          </a:p>
+          <a:p>
             <a:r>
               <a:rPr lang="en-US" altLang="zh-CN" dirty="0" smtClean="0"/>
               <a:t>Linux</a:t>
             </a:r>
             <a:r>
               <a:rPr lang="zh-CN" altLang="en-US" dirty="0"/>
-              <a:t>已经拥有管道，</a:t>
+              <a:t>已经拥</a:t>
+            </a:r>
+            <a:r>
+              <a:rPr lang="zh-CN" altLang="en-US" dirty="0" smtClean="0"/>
+              <a:t>有</a:t>
+            </a:r>
+            <a:endParaRPr lang="en-US" altLang="zh-CN" dirty="0" smtClean="0"/>
+          </a:p>
+          <a:p>
+            <a:pPr marL="285750" indent="-285750">
+              <a:buFontTx/>
+              <a:buChar char="-"/>
+            </a:pPr>
+            <a:r>
+              <a:rPr lang="zh-CN" altLang="en-US" dirty="0" smtClean="0"/>
+              <a:t>管道</a:t>
+            </a:r>
+            <a:endParaRPr lang="en-US" altLang="zh-CN" dirty="0" smtClean="0"/>
+          </a:p>
+          <a:p>
+            <a:pPr marL="285750" indent="-285750">
+              <a:buFontTx/>
+              <a:buChar char="-"/>
+            </a:pPr>
+            <a:r>
+              <a:rPr lang="en-US" altLang="zh-CN" dirty="0" smtClean="0"/>
+              <a:t>system </a:t>
             </a:r>
             <a:r>
               <a:rPr lang="en-US" altLang="zh-CN" dirty="0"/>
-              <a:t>system V IPC</a:t>
-            </a:r>
-            <a:r>
-              <a:rPr lang="zh-CN" altLang="en-US" dirty="0"/>
-              <a:t>，</a:t>
-            </a:r>
-            <a:r>
-              <a:rPr lang="en-US" altLang="zh-CN" dirty="0"/>
-              <a:t>socket</a:t>
-            </a:r>
-            <a:r>
-              <a:rPr lang="zh-CN" altLang="en-US" dirty="0"/>
+              <a:t>V </a:t>
+            </a:r>
+            <a:r>
+              <a:rPr lang="en-US" altLang="zh-CN" dirty="0" smtClean="0"/>
+              <a:t>IPC</a:t>
+            </a:r>
+            <a:endParaRPr lang="en-US" altLang="zh-CN" dirty="0"/>
+          </a:p>
+          <a:p>
+            <a:pPr marL="285750" indent="-285750">
+              <a:buFontTx/>
+              <a:buChar char="-"/>
+            </a:pPr>
+            <a:r>
+              <a:rPr lang="en-US" altLang="zh-CN" dirty="0" smtClean="0"/>
+              <a:t>Socket </a:t>
+            </a:r>
+            <a:r>
+              <a:rPr lang="zh-CN" altLang="en-US" dirty="0" smtClean="0"/>
               <a:t>等</a:t>
             </a:r>
             <a:r>
@@ -4765,7 +6373,25 @@
             </a:r>
             <a:r>
               <a:rPr lang="zh-CN" altLang="en-US" dirty="0"/>
-              <a:t>手段，却还要倚赖</a:t>
+              <a:t>手</a:t>
+            </a:r>
+            <a:r>
+              <a:rPr lang="zh-CN" altLang="en-US" dirty="0" smtClean="0"/>
+              <a:t>段。</a:t>
+            </a:r>
+            <a:endParaRPr lang="en-US" altLang="zh-CN" dirty="0" smtClean="0"/>
+          </a:p>
+          <a:p>
+            <a:endParaRPr lang="en-US" altLang="zh-CN" dirty="0" smtClean="0"/>
+          </a:p>
+          <a:p>
+            <a:r>
+              <a:rPr lang="zh-CN" altLang="en-US" dirty="0" smtClean="0"/>
+              <a:t>却</a:t>
+            </a:r>
+            <a:r>
+              <a:rPr lang="zh-CN" altLang="en-US" dirty="0"/>
+              <a:t>还要倚赖</a:t>
             </a:r>
             <a:r>
               <a:rPr lang="en-US" altLang="zh-CN" dirty="0"/>
@@ -4773,121 +6399,67 @@
             </a:r>
             <a:r>
               <a:rPr lang="zh-CN" altLang="en-US" dirty="0"/>
-              <a:t>来实现进程间通信，说明</a:t>
-            </a:r>
-            <a:r>
-              <a:rPr lang="en-US" altLang="zh-CN" dirty="0"/>
+              <a:t>来实现进程间通</a:t>
+            </a:r>
+            <a:r>
+              <a:rPr lang="zh-CN" altLang="en-US" dirty="0" smtClean="0"/>
+              <a:t>信。</a:t>
+            </a:r>
+            <a:endParaRPr lang="en-US" altLang="zh-CN" dirty="0" smtClean="0"/>
+          </a:p>
+          <a:p>
+            <a:pPr marL="285750" indent="-285750">
+              <a:buFontTx/>
+              <a:buChar char="-"/>
+            </a:pPr>
+            <a:r>
+              <a:rPr lang="en-US" altLang="zh-CN" dirty="0" smtClean="0"/>
               <a:t>Binder</a:t>
             </a:r>
             <a:r>
               <a:rPr lang="zh-CN" altLang="en-US" dirty="0"/>
-              <a:t>具有无可比拟的优势</a:t>
+              <a:t>具有无可比拟的优</a:t>
             </a:r>
             <a:r>
               <a:rPr lang="zh-CN" altLang="en-US" dirty="0" smtClean="0"/>
-              <a:t>。</a:t>
-            </a:r>
-            <a:endParaRPr lang="en-US" altLang="zh-CN" dirty="0"/>
-          </a:p>
-          <a:p>
+              <a:t>势。</a:t>
+            </a:r>
             <a:endParaRPr lang="en-US" altLang="zh-CN" dirty="0" smtClean="0"/>
           </a:p>
           <a:p>
+            <a:pPr marL="285750" indent="-285750">
+              <a:buFontTx/>
+              <a:buChar char="-"/>
+            </a:pPr>
             <a:r>
               <a:rPr lang="zh-CN" altLang="en-US" dirty="0" smtClean="0"/>
-              <a:t>深</a:t>
-            </a:r>
-            <a:r>
-              <a:rPr lang="zh-CN" altLang="en-US" dirty="0"/>
-              <a:t>入了解</a:t>
-            </a:r>
-            <a:r>
-              <a:rPr lang="en-US" altLang="zh-CN" dirty="0"/>
-              <a:t>Binder</a:t>
-            </a:r>
-            <a:r>
-              <a:rPr lang="zh-CN" altLang="en-US" dirty="0"/>
-              <a:t>并将之与传统</a:t>
-            </a:r>
-            <a:r>
-              <a:rPr lang="en-US" altLang="zh-CN" dirty="0"/>
-              <a:t>IPC</a:t>
-            </a:r>
-            <a:r>
-              <a:rPr lang="zh-CN" altLang="en-US" dirty="0"/>
-              <a:t>做对比有助于我们深入领会进程间通信的实现和性能优化</a:t>
+              <a:t>或者可以说，</a:t>
+            </a:r>
+            <a:r>
+              <a:rPr lang="en-US" altLang="zh-CN" dirty="0" smtClean="0"/>
+              <a:t>Android</a:t>
             </a:r>
             <a:r>
               <a:rPr lang="zh-CN" altLang="en-US" dirty="0" smtClean="0"/>
-              <a:t>。</a:t>
+              <a:t>系统对进程间有什么特殊的需求是传统其他 </a:t>
+            </a:r>
+            <a:r>
+              <a:rPr lang="en-US" altLang="zh-CN" dirty="0" smtClean="0"/>
+              <a:t>IPC </a:t>
+            </a:r>
+            <a:r>
+              <a:rPr lang="zh-CN" altLang="en-US" dirty="0" smtClean="0"/>
+              <a:t>无法完成或者无法很好完成。</a:t>
             </a:r>
             <a:endParaRPr lang="en-US" altLang="zh-CN" dirty="0" smtClean="0"/>
           </a:p>
           <a:p>
             <a:r>
               <a:rPr lang="zh-CN" altLang="en-US" dirty="0" smtClean="0"/>
-              <a:t>通</a:t>
-            </a:r>
-            <a:r>
-              <a:rPr lang="zh-CN" altLang="en-US" dirty="0"/>
-              <a:t>过本文对</a:t>
-            </a:r>
-            <a:r>
-              <a:rPr lang="en-US" altLang="zh-CN" dirty="0"/>
-              <a:t>Binder</a:t>
-            </a:r>
-            <a:r>
-              <a:rPr lang="zh-CN" altLang="en-US" dirty="0"/>
-              <a:t>的详细介绍以及与其它</a:t>
-            </a:r>
-            <a:r>
-              <a:rPr lang="en-US" altLang="zh-CN" dirty="0"/>
-              <a:t>IPC</a:t>
-            </a:r>
-            <a:r>
-              <a:rPr lang="zh-CN" altLang="en-US" dirty="0"/>
-              <a:t>通信方式的对比，读者将对</a:t>
-            </a:r>
-            <a:r>
-              <a:rPr lang="en-US" altLang="zh-CN" dirty="0"/>
-              <a:t>Binder</a:t>
-            </a:r>
-            <a:r>
-              <a:rPr lang="zh-CN" altLang="en-US" dirty="0"/>
-              <a:t>的优势和使用</a:t>
-            </a:r>
-            <a:r>
-              <a:rPr lang="en-US" altLang="zh-CN" dirty="0"/>
-              <a:t>Binder</a:t>
-            </a:r>
-            <a:r>
-              <a:rPr lang="zh-CN" altLang="en-US" dirty="0"/>
-              <a:t>作为</a:t>
-            </a:r>
-            <a:r>
-              <a:rPr lang="en-US" altLang="zh-CN" dirty="0"/>
-              <a:t>Android</a:t>
-            </a:r>
-            <a:r>
-              <a:rPr lang="zh-CN" altLang="en-US" dirty="0"/>
-              <a:t>主要</a:t>
-            </a:r>
-            <a:r>
-              <a:rPr lang="en-US" altLang="zh-CN" dirty="0"/>
-              <a:t>IPC</a:t>
-            </a:r>
-            <a:r>
-              <a:rPr lang="zh-CN" altLang="en-US" dirty="0"/>
-              <a:t>方式的原因有深入了解。</a:t>
-            </a:r>
-          </a:p>
-          <a:p>
-            <a:r>
-              <a:rPr lang="zh-CN" altLang="en-US" dirty="0"/>
               <a:t/>
             </a:r>
             <a:br>
-              <a:rPr lang="zh-CN" altLang="en-US" dirty="0"/>
+              <a:rPr lang="zh-CN" altLang="en-US" dirty="0" smtClean="0"/>
             </a:br>
             <a:endParaRPr lang="zh-CN" altLang="en-US" dirty="0">
               <a:latin typeface="微软雅黑" panose="020B0503020204020204" pitchFamily="34" charset="-122"/>
@@ -4957,7 +6529,7 @@
                   <a:srgbClr val="D60093"/>
                 </a:solidFill>
               </a:rPr>
-              <a:t>Binder-Android</a:t>
+              <a:t>Binder - Android</a:t>
             </a:r>
             <a:r>
               <a:rPr lang="zh-CN" altLang="en-US" dirty="0" smtClean="0">
@@ -4983,7 +6555,9 @@
         </p:nvSpPr>
         <p:spPr/>
         <p:txBody>
-          <a:bodyPr/>
+          <a:bodyPr>
+            <a:normAutofit lnSpcReduction="10000"/>
+          </a:bodyPr>
           <a:lstStyle/>
           <a:p>
             <a:pPr marL="0" indent="0">
@@ -4997,7 +6571,7 @@
             </a:pPr>
             <a:r>
               <a:rPr lang="zh-CN" altLang="en-US" dirty="0" smtClean="0"/>
-              <a:t>于</a:t>
+              <a:t>基于</a:t>
             </a:r>
             <a:r>
               <a:rPr lang="en-US" altLang="zh-CN" dirty="0"/>
@@ -5005,7 +6579,31 @@
             </a:r>
             <a:r>
               <a:rPr lang="zh-CN" altLang="en-US" dirty="0"/>
-              <a:t>的通信方式广泛应用于从互联网和数据库访问到嵌入式手持设备内部通信等各个领域。智能手机平台特别是</a:t>
+              <a:t>的通信方式广泛应用于从互联网和数据库访问到嵌入式手持设备内部通信等各个领域</a:t>
+            </a:r>
+            <a:r>
+              <a:rPr lang="zh-CN" altLang="en-US" dirty="0" smtClean="0"/>
+              <a:t>。</a:t>
+            </a:r>
+            <a:endParaRPr lang="en-US" altLang="zh-CN" dirty="0" smtClean="0"/>
+          </a:p>
+          <a:p>
+            <a:pPr marL="0" indent="0">
+              <a:buNone/>
+            </a:pPr>
+            <a:endParaRPr lang="en-US" altLang="zh-CN" dirty="0" smtClean="0"/>
+          </a:p>
+          <a:p>
+            <a:pPr marL="0" indent="0">
+              <a:buNone/>
+            </a:pPr>
+            <a:r>
+              <a:rPr lang="zh-CN" altLang="en-US" dirty="0" smtClean="0"/>
+              <a:t>智</a:t>
+            </a:r>
+            <a:r>
+              <a:rPr lang="zh-CN" altLang="en-US" dirty="0"/>
+              <a:t>能手机平台特别是</a:t>
             </a:r>
             <a:r>
               <a:rPr lang="en-US" altLang="zh-CN" dirty="0"/>
@@ -5037,7 +6635,87 @@
             </a:r>
             <a:r>
               <a:rPr lang="zh-CN" altLang="en-US" dirty="0"/>
-              <a:t>建立连接便可以使用这些服务，花很少的时间和精力就能开发出令人眩目的功能。</a:t>
+              <a:t>建立连接便可以使用这些服务，花很少的时间和精力就能开发出令人眩目的功能</a:t>
+            </a:r>
+            <a:r>
+              <a:rPr lang="zh-CN" altLang="en-US" dirty="0" smtClean="0"/>
+              <a:t>。</a:t>
+            </a:r>
+            <a:endParaRPr lang="en-US" altLang="zh-CN" dirty="0" smtClean="0"/>
+          </a:p>
+          <a:p>
+            <a:pPr marL="0" indent="0">
+              <a:buNone/>
+            </a:pPr>
+            <a:endParaRPr lang="en-US" altLang="zh-CN" dirty="0"/>
+          </a:p>
+          <a:p>
+            <a:pPr marL="0" indent="0">
+              <a:buNone/>
+            </a:pPr>
+            <a:r>
+              <a:rPr lang="en-US" altLang="zh-CN" dirty="0" smtClean="0">
+                <a:solidFill>
+                  <a:srgbClr val="FF0000"/>
+                </a:solidFill>
+              </a:rPr>
+              <a:t>Client-Server </a:t>
+            </a:r>
+            <a:r>
+              <a:rPr lang="zh-CN" altLang="en-US" dirty="0" smtClean="0">
+                <a:solidFill>
+                  <a:srgbClr val="FF0000"/>
+                </a:solidFill>
+              </a:rPr>
+              <a:t>方</a:t>
+            </a:r>
+            <a:r>
+              <a:rPr lang="zh-CN" altLang="en-US" dirty="0">
+                <a:solidFill>
+                  <a:srgbClr val="FF0000"/>
+                </a:solidFill>
+              </a:rPr>
+              <a:t>式</a:t>
+            </a:r>
+            <a:r>
+              <a:rPr lang="zh-CN" altLang="en-US" dirty="0"/>
+              <a:t>的广泛采用对进程间通信（</a:t>
+            </a:r>
+            <a:r>
+              <a:rPr lang="en-US" altLang="zh-CN" dirty="0"/>
+              <a:t>IPC</a:t>
+            </a:r>
+            <a:r>
+              <a:rPr lang="zh-CN" altLang="en-US" dirty="0"/>
+              <a:t>）机制是一个挑战</a:t>
+            </a:r>
+            <a:r>
+              <a:rPr lang="zh-CN" altLang="en-US" dirty="0" smtClean="0"/>
+              <a:t>。</a:t>
+            </a:r>
+            <a:endParaRPr lang="en-US" altLang="zh-CN" dirty="0" smtClean="0"/>
+          </a:p>
+          <a:p>
+            <a:pPr marL="0" indent="0">
+              <a:buNone/>
+            </a:pPr>
+            <a:endParaRPr lang="en-US" altLang="zh-CN" dirty="0"/>
+          </a:p>
+          <a:p>
+            <a:pPr marL="0" indent="0">
+              <a:buNone/>
+            </a:pPr>
+            <a:r>
+              <a:rPr lang="zh-CN" altLang="en-US" dirty="0"/>
+              <a:t>只有</a:t>
+            </a:r>
+            <a:r>
+              <a:rPr lang="en-US" altLang="zh-CN" dirty="0"/>
+              <a:t>socket</a:t>
+            </a:r>
+            <a:r>
+              <a:rPr lang="zh-CN" altLang="en-US" dirty="0"/>
+              <a:t>支持</a:t>
             </a:r>
             <a:r>
               <a:rPr lang="en-US" altLang="zh-CN" dirty="0"/>
@@ -5045,20 +6723,22 @@
             </a:r>
             <a:r>
               <a:rPr lang="zh-CN" altLang="en-US" dirty="0"/>
-              <a:t>方式的广泛采用对进程间通信（</a:t>
+              <a:t>的通信方式。当然也可以在这些底层机制上架设一套协议来实现</a:t>
             </a:r>
             <a:r>
               <a:rPr lang="en-US" altLang="zh-CN" dirty="0"/>
-              <a:t>IPC</a:t>
-            </a:r>
-            <a:r>
-              <a:rPr lang="zh-CN" altLang="en-US" dirty="0"/>
-              <a:t>）机制是一个挑战</a:t>
-            </a:r>
-            <a:r>
-              <a:rPr lang="zh-CN" altLang="en-US" dirty="0" smtClean="0"/>
-              <a:t>。</a:t>
-            </a:r>
+              <a:t>Client-Server</a:t>
+            </a:r>
+            <a:r>
+              <a:rPr lang="zh-CN" altLang="en-US" dirty="0"/>
+              <a:t>通信，但这样增加了系统的复杂性，在手机这种条件复杂，资源稀缺的环境下可靠性也难以保证。</a:t>
+            </a:r>
+            <a:endParaRPr lang="en-US" altLang="zh-CN" dirty="0"/>
+          </a:p>
+          <a:p>
+            <a:pPr marL="0" indent="0">
+              <a:buNone/>
+            </a:pPr>
             <a:endParaRPr lang="en-US" altLang="zh-CN" dirty="0" smtClean="0"/>
           </a:p>
         </p:txBody>
@@ -5122,7 +6802,7 @@
                   <a:srgbClr val="D60093"/>
                 </a:solidFill>
               </a:rPr>
-              <a:t>Binder-</a:t>
+              <a:t>Binder-CS</a:t>
             </a:r>
             <a:r>
               <a:rPr lang="zh-CN" altLang="en-US" dirty="0" smtClean="0">
@@ -5130,7 +6810,15 @@
                   <a:srgbClr val="D60093"/>
                 </a:solidFill>
               </a:rPr>
-              <a:t>传统</a:t>
+              <a:t>通信方式对传</a:t>
+            </a:r>
+            <a:r>
+              <a:rPr lang="zh-CN" altLang="en-US" dirty="0" smtClean="0">
+                <a:solidFill>
+                  <a:srgbClr val="D60093"/>
+                </a:solidFill>
+              </a:rPr>
+              <a:t>统</a:t>
             </a:r>
             <a:r>
               <a:rPr lang="en-US" altLang="zh-CN" dirty="0" smtClean="0">
@@ -5141,20 +6829,12 @@
               <a:t>IPC</a:t>
             </a:r>
             <a:r>
-              <a:rPr lang="zh-CN" altLang="en-US" dirty="0">
+              <a:rPr lang="zh-CN" altLang="en-US" dirty="0" smtClean="0">
                 <a:solidFill>
                   <a:srgbClr val="D60093"/>
                 </a:solidFill>
               </a:rPr>
-              <a:t>遇</a:t>
-            </a:r>
-            <a:r>
-              <a:rPr lang="zh-CN" altLang="en-US" dirty="0" smtClean="0">
-                <a:solidFill>
-                  <a:srgbClr val="D60093"/>
-                </a:solidFill>
-              </a:rPr>
-              <a:t>到的问题</a:t>
+              <a:t>的挑战</a:t>
             </a:r>
             <a:endParaRPr lang="zh-CN" altLang="en-US" dirty="0"/>
           </a:p>
@@ -5173,7 +6853,7 @@
         <p:spPr/>
         <p:txBody>
           <a:bodyPr>
-            <a:normAutofit fontScale="92500" lnSpcReduction="20000"/>
+            <a:normAutofit/>
           </a:bodyPr>
           <a:lstStyle/>
           <a:p>
@@ -5181,58 +6861,51 @@
               <a:buNone/>
             </a:pPr>
             <a:r>
-              <a:rPr lang="zh-CN" altLang="en-US" dirty="0" smtClean="0"/>
-              <a:t>目</a:t>
-            </a:r>
-            <a:r>
-              <a:rPr lang="zh-CN" altLang="en-US" dirty="0"/>
-              <a:t>前</a:t>
-            </a:r>
-            <a:r>
-              <a:rPr lang="en-US" altLang="zh-CN" dirty="0" err="1"/>
-              <a:t>linux</a:t>
-            </a:r>
-            <a:r>
-              <a:rPr lang="zh-CN" altLang="en-US" dirty="0"/>
-              <a:t>支持的</a:t>
-            </a:r>
-            <a:r>
-              <a:rPr lang="en-US" altLang="zh-CN" dirty="0"/>
-              <a:t>IPC</a:t>
-            </a:r>
-            <a:r>
-              <a:rPr lang="zh-CN" altLang="en-US" dirty="0"/>
-              <a:t>包括传统的管道，</a:t>
-            </a:r>
-            <a:r>
-              <a:rPr lang="en-US" altLang="zh-CN" dirty="0"/>
-              <a:t>System V IPC</a:t>
-            </a:r>
-            <a:r>
-              <a:rPr lang="zh-CN" altLang="en-US" dirty="0"/>
-              <a:t>，即消息队列</a:t>
-            </a:r>
-            <a:r>
-              <a:rPr lang="en-US" altLang="zh-CN" dirty="0"/>
-              <a:t>/</a:t>
-            </a:r>
-            <a:r>
-              <a:rPr lang="zh-CN" altLang="en-US" dirty="0"/>
-              <a:t>共享内存</a:t>
-            </a:r>
-            <a:r>
-              <a:rPr lang="en-US" altLang="zh-CN" dirty="0"/>
-              <a:t>/</a:t>
-            </a:r>
-            <a:r>
-              <a:rPr lang="zh-CN" altLang="en-US" dirty="0"/>
-              <a:t>信号量，以及</a:t>
-            </a:r>
+              <a:rPr lang="zh-CN" altLang="en-US" sz="3200" dirty="0" smtClean="0"/>
+              <a:t>传</a:t>
+            </a:r>
+            <a:r>
+              <a:rPr lang="zh-CN" altLang="en-US" sz="3200" dirty="0"/>
+              <a:t>输性</a:t>
+            </a:r>
+            <a:r>
+              <a:rPr lang="zh-CN" altLang="en-US" sz="3200" dirty="0" smtClean="0"/>
+              <a:t>能角</a:t>
+            </a:r>
+            <a:r>
+              <a:rPr lang="zh-CN" altLang="en-US" sz="3200" dirty="0" smtClean="0"/>
+              <a:t>度：</a:t>
+            </a:r>
+            <a:endParaRPr lang="en-US" altLang="zh-CN" sz="3200" dirty="0" smtClean="0"/>
+          </a:p>
+          <a:p>
+            <a:pPr marL="0" indent="0">
+              <a:buNone/>
+            </a:pPr>
+            <a:endParaRPr lang="en-US" altLang="zh-CN" dirty="0"/>
+          </a:p>
+          <a:p>
             <a:r>
               <a:rPr lang="en-US" altLang="zh-CN" dirty="0" smtClean="0"/>
               <a:t>socket</a:t>
             </a:r>
             <a:r>
+              <a:rPr lang="zh-CN" altLang="en-US" dirty="0"/>
+              <a:t>作为一款通用接口，其传输</a:t>
+            </a:r>
+            <a:r>
+              <a:rPr lang="zh-CN" altLang="en-US" dirty="0">
+                <a:solidFill>
+                  <a:srgbClr val="FF0000"/>
+                </a:solidFill>
+              </a:rPr>
+              <a:t>效率低，开销大</a:t>
+            </a:r>
+            <a:r>
+              <a:rPr lang="zh-CN" altLang="en-US" dirty="0"/>
+              <a:t>，主要用在跨网络的进程间通信和本机上进程间的低速通信</a:t>
+            </a:r>
+            <a:r>
               <a:rPr lang="zh-CN" altLang="en-US" dirty="0" smtClean="0"/>
               <a:t>。</a:t>
             </a:r>
@@ -5245,40 +6918,29 @@
             <a:endParaRPr lang="en-US" altLang="zh-CN" dirty="0"/>
           </a:p>
           <a:p>
-            <a:pPr marL="0" indent="0">
-              <a:buNone/>
-            </a:pPr>
             <a:r>
               <a:rPr lang="zh-CN" altLang="en-US" dirty="0" smtClean="0"/>
-              <a:t>只</a:t>
-            </a:r>
-            <a:r>
-              <a:rPr lang="zh-CN" altLang="en-US" dirty="0"/>
-              <a:t>有</a:t>
+              <a:t>消</a:t>
+            </a:r>
+            <a:r>
+              <a:rPr lang="zh-CN" altLang="en-US" dirty="0"/>
+              <a:t>息队列和管道采用存储</a:t>
             </a:r>
             <a:r>
               <a:rPr lang="en-US" altLang="zh-CN" dirty="0"/>
-              <a:t>socket</a:t>
-            </a:r>
-            <a:r>
-              <a:rPr lang="zh-CN" altLang="en-US" dirty="0"/>
-              <a:t>支持</a:t>
-            </a:r>
-            <a:r>
-              <a:rPr lang="en-US" altLang="zh-CN" dirty="0"/>
-              <a:t>Client-Server</a:t>
-            </a:r>
-            <a:r>
-              <a:rPr lang="zh-CN" altLang="en-US" dirty="0"/>
-              <a:t>的通信方式。当然也可以在这些底层机制上架设一套协议来实现</a:t>
-            </a:r>
-            <a:r>
-              <a:rPr lang="en-US" altLang="zh-CN" dirty="0"/>
-              <a:t>Client-Server</a:t>
-            </a:r>
-            <a:r>
-              <a:rPr lang="zh-CN" altLang="en-US" dirty="0"/>
-              <a:t>通信，但这样增加了系统的复杂性，在手机这种条件复杂，资源稀缺的环境下可靠性也难以保证</a:t>
+              <a:t>-</a:t>
+            </a:r>
+            <a:r>
+              <a:rPr lang="zh-CN" altLang="en-US" dirty="0"/>
+              <a:t>转发方式，即数据先从发送方缓存区拷贝到内核开辟的缓存区中，然后再从内核缓存区拷贝到接收方缓存区，</a:t>
+            </a:r>
+            <a:r>
+              <a:rPr lang="zh-CN" altLang="en-US" dirty="0">
+                <a:solidFill>
+                  <a:srgbClr val="FF0000"/>
+                </a:solidFill>
+              </a:rPr>
+              <a:t>至少有两次拷贝过程</a:t>
             </a:r>
             <a:r>
               <a:rPr lang="zh-CN" altLang="en-US" dirty="0" smtClean="0"/>
@@ -5287,196 +6949,30 @@
             <a:endParaRPr lang="en-US" altLang="zh-CN" dirty="0" smtClean="0"/>
           </a:p>
           <a:p>
-            <a:pPr marL="0" indent="0">
-              <a:buNone/>
-            </a:pPr>
+            <a:endParaRPr lang="en-US" altLang="zh-CN" dirty="0"/>
+          </a:p>
+          <a:p>
             <a:r>
               <a:rPr lang="zh-CN" altLang="en-US" dirty="0" smtClean="0"/>
-              <a:t>传</a:t>
-            </a:r>
-            <a:r>
-              <a:rPr lang="zh-CN" altLang="en-US" dirty="0"/>
-              <a:t>输性</a:t>
-            </a:r>
-            <a:r>
-              <a:rPr lang="zh-CN" altLang="en-US" dirty="0" smtClean="0"/>
-              <a:t>能角度。</a:t>
-            </a:r>
-            <a:r>
-              <a:rPr lang="en-US" altLang="zh-CN" dirty="0"/>
-              <a:t>socket</a:t>
-            </a:r>
-            <a:r>
-              <a:rPr lang="zh-CN" altLang="en-US" dirty="0"/>
-              <a:t>作为一款通用接口，其传输效率低，开销大，主要用在跨网络的进程间通信和本机上进程间的低速通信。消息队列和管道采用存储</a:t>
-            </a:r>
-            <a:r>
-              <a:rPr lang="en-US" altLang="zh-CN" dirty="0"/>
-              <a:t>-</a:t>
-            </a:r>
-            <a:r>
-              <a:rPr lang="zh-CN" altLang="en-US" dirty="0"/>
-              <a:t>转发方式，即数据先从发送方缓存区拷贝到内核开辟的缓存区中，然后再从内核缓存区拷贝到接收方缓存区，至少有两次拷贝过程。共享内存虽然无需拷贝，但控制复杂，难以使用</a:t>
+              <a:t>共</a:t>
+            </a:r>
+            <a:r>
+              <a:rPr lang="zh-CN" altLang="en-US" dirty="0"/>
+              <a:t>享内存虽然无需拷贝，但</a:t>
+            </a:r>
+            <a:r>
+              <a:rPr lang="zh-CN" altLang="en-US" dirty="0">
+                <a:solidFill>
+                  <a:srgbClr val="FF0000"/>
+                </a:solidFill>
+              </a:rPr>
+              <a:t>控制复杂，难以使用</a:t>
             </a:r>
             <a:r>
               <a:rPr lang="zh-CN" altLang="en-US" dirty="0" smtClean="0"/>
               <a:t>。</a:t>
             </a:r>
             <a:endParaRPr lang="en-US" altLang="zh-CN" dirty="0" smtClean="0"/>
-          </a:p>
-          <a:p>
-            <a:pPr marL="0" indent="0">
-              <a:buNone/>
-            </a:pPr>
-            <a:r>
-              <a:rPr lang="zh-CN" altLang="en-US" dirty="0" smtClean="0"/>
-              <a:t>安</a:t>
-            </a:r>
-            <a:r>
-              <a:rPr lang="zh-CN" altLang="en-US" dirty="0"/>
-              <a:t>全</a:t>
-            </a:r>
-            <a:r>
-              <a:rPr lang="zh-CN" altLang="en-US" dirty="0" smtClean="0"/>
-              <a:t>性</a:t>
-            </a:r>
-            <a:r>
-              <a:rPr lang="zh-CN" altLang="en-US" dirty="0"/>
-              <a:t>角度</a:t>
-            </a:r>
-            <a:r>
-              <a:rPr lang="zh-CN" altLang="en-US" dirty="0" smtClean="0"/>
-              <a:t>。</a:t>
-            </a:r>
-            <a:r>
-              <a:rPr lang="en-US" altLang="zh-CN" dirty="0"/>
-              <a:t>Android</a:t>
-            </a:r>
-            <a:r>
-              <a:rPr lang="zh-CN" altLang="en-US" dirty="0"/>
-              <a:t>作为一个开放式，拥有众多开发者的的平台，应用程序的来源广泛，确保智能终端的安全是非常重要的。终端用户不希望从网上下载的程序在不知情的情况下偷窥隐私数据，连接无线网络，长期操作底层设备导致电池很快耗尽等等。传统</a:t>
-            </a:r>
-            <a:r>
-              <a:rPr lang="en-US" altLang="zh-CN" dirty="0"/>
-              <a:t>IPC</a:t>
-            </a:r>
-            <a:r>
-              <a:rPr lang="zh-CN" altLang="en-US" dirty="0"/>
-              <a:t>没有任何安全措施，完全依赖上层协议来确保。首先传统</a:t>
-            </a:r>
-            <a:r>
-              <a:rPr lang="en-US" altLang="zh-CN" dirty="0"/>
-              <a:t>IPC</a:t>
-            </a:r>
-            <a:r>
-              <a:rPr lang="zh-CN" altLang="en-US" dirty="0"/>
-              <a:t>的接收方无法获得对方进程可靠的</a:t>
-            </a:r>
-            <a:r>
-              <a:rPr lang="en-US" altLang="zh-CN" dirty="0"/>
-              <a:t>UID/PID</a:t>
-            </a:r>
-            <a:r>
-              <a:rPr lang="zh-CN" altLang="en-US" dirty="0"/>
-              <a:t>（用户</a:t>
-            </a:r>
-            <a:r>
-              <a:rPr lang="en-US" altLang="zh-CN" dirty="0"/>
-              <a:t>ID/</a:t>
-            </a:r>
-            <a:r>
-              <a:rPr lang="zh-CN" altLang="en-US" dirty="0"/>
-              <a:t>进程</a:t>
-            </a:r>
-            <a:r>
-              <a:rPr lang="en-US" altLang="zh-CN" dirty="0"/>
-              <a:t>ID</a:t>
-            </a:r>
-            <a:r>
-              <a:rPr lang="zh-CN" altLang="en-US" dirty="0"/>
-              <a:t>），从而无法鉴别对方身份。</a:t>
-            </a:r>
-            <a:r>
-              <a:rPr lang="en-US" altLang="zh-CN" dirty="0"/>
-              <a:t>Android</a:t>
-            </a:r>
-            <a:r>
-              <a:rPr lang="zh-CN" altLang="en-US" dirty="0"/>
-              <a:t>为每个安装好的应用程序分配了自己的</a:t>
-            </a:r>
-            <a:r>
-              <a:rPr lang="en-US" altLang="zh-CN" dirty="0"/>
-              <a:t>UID</a:t>
-            </a:r>
-            <a:r>
-              <a:rPr lang="zh-CN" altLang="en-US" dirty="0"/>
-              <a:t>，故进程的</a:t>
-            </a:r>
-            <a:r>
-              <a:rPr lang="en-US" altLang="zh-CN" dirty="0"/>
-              <a:t>UID</a:t>
-            </a:r>
-            <a:r>
-              <a:rPr lang="zh-CN" altLang="en-US" dirty="0"/>
-              <a:t>是鉴别进程身份的重要标志。使用传统</a:t>
-            </a:r>
-            <a:r>
-              <a:rPr lang="en-US" altLang="zh-CN" dirty="0"/>
-              <a:t>IPC</a:t>
-            </a:r>
-            <a:r>
-              <a:rPr lang="zh-CN" altLang="en-US" dirty="0"/>
-              <a:t>只能由用户在数据包里填入</a:t>
-            </a:r>
-            <a:r>
-              <a:rPr lang="en-US" altLang="zh-CN" dirty="0"/>
-              <a:t>UID/PID</a:t>
-            </a:r>
-            <a:r>
-              <a:rPr lang="zh-CN" altLang="en-US" dirty="0"/>
-              <a:t>，但这样不可靠，容易被恶意程序利用。可靠的身份标记只有由</a:t>
-            </a:r>
-            <a:r>
-              <a:rPr lang="en-US" altLang="zh-CN" dirty="0"/>
-              <a:t>IPC</a:t>
-            </a:r>
-            <a:r>
-              <a:rPr lang="zh-CN" altLang="en-US" dirty="0"/>
-              <a:t>机制本身在内核中添加。其次传统</a:t>
-            </a:r>
-            <a:r>
-              <a:rPr lang="en-US" altLang="zh-CN" dirty="0"/>
-              <a:t>IPC</a:t>
-            </a:r>
-            <a:r>
-              <a:rPr lang="zh-CN" altLang="en-US" dirty="0"/>
-              <a:t>访问接入点是开放的，无法建立私有通道。比如命名管道的名称，</a:t>
-            </a:r>
-            <a:r>
-              <a:rPr lang="en-US" altLang="zh-CN" dirty="0"/>
-              <a:t>system V</a:t>
-            </a:r>
-            <a:r>
-              <a:rPr lang="zh-CN" altLang="en-US" dirty="0"/>
-              <a:t>的键值，</a:t>
-            </a:r>
-            <a:r>
-              <a:rPr lang="en-US" altLang="zh-CN" dirty="0"/>
-              <a:t>socket</a:t>
-            </a:r>
-            <a:r>
-              <a:rPr lang="zh-CN" altLang="en-US" dirty="0"/>
-              <a:t>的</a:t>
-            </a:r>
-            <a:r>
-              <a:rPr lang="en-US" altLang="zh-CN" dirty="0" err="1"/>
-              <a:t>ip</a:t>
-            </a:r>
-            <a:r>
-              <a:rPr lang="zh-CN" altLang="en-US" dirty="0"/>
-              <a:t>地址或文件名都是开放的，只要知道这些接入点的程序都可以和对端建立连接，不管怎样都无法阻止恶意程序通过猜测接收方地址获得连接。</a:t>
-            </a:r>
-            <a:endParaRPr lang="zh-CN" altLang="en-US" dirty="0"/>
           </a:p>
           <a:p>
             <a:endParaRPr lang="zh-CN" altLang="en-US" dirty="0"/>
@@ -5542,7 +7038,7 @@
                   <a:srgbClr val="D60093"/>
                 </a:solidFill>
               </a:rPr>
-              <a:t>Binder-</a:t>
+              <a:t>Binder-CS</a:t>
             </a:r>
             <a:r>
               <a:rPr lang="zh-CN" altLang="en-US" dirty="0">
@@ -5550,7 +7046,7 @@
                   <a:srgbClr val="D60093"/>
                 </a:solidFill>
               </a:rPr>
-              <a:t>传统</a:t>
+              <a:t>通信方式对传统</a:t>
             </a:r>
             <a:r>
               <a:rPr lang="en-US" altLang="zh-CN" dirty="0">
@@ -5566,7 +7062,7 @@
                   <a:srgbClr val="D60093"/>
                 </a:solidFill>
               </a:rPr>
-              <a:t>遇到的问题</a:t>
+              <a:t>的挑战</a:t>
             </a:r>
             <a:endParaRPr lang="zh-CN" altLang="en-US" dirty="0"/>
           </a:p>
@@ -5586,6 +7082,274 @@
         <p:txBody>
           <a:bodyPr/>
           <a:lstStyle/>
+          <a:p>
+            <a:pPr marL="0" indent="0">
+              <a:buNone/>
+            </a:pPr>
+            <a:r>
+              <a:rPr lang="zh-CN" altLang="en-US" sz="3200" dirty="0"/>
+              <a:t>安全性角</a:t>
+            </a:r>
+            <a:r>
+              <a:rPr lang="zh-CN" altLang="en-US" sz="3200" dirty="0" smtClean="0"/>
+              <a:t>度</a:t>
+            </a:r>
+            <a:r>
+              <a:rPr lang="zh-CN" altLang="en-US" sz="3200" dirty="0"/>
+              <a:t>：</a:t>
+            </a:r>
+            <a:endParaRPr lang="en-US" altLang="zh-CN" sz="3200" dirty="0" smtClean="0"/>
+          </a:p>
+          <a:p>
+            <a:pPr marL="0" indent="0">
+              <a:buNone/>
+            </a:pPr>
+            <a:r>
+              <a:rPr lang="en-US" altLang="zh-CN" dirty="0" smtClean="0"/>
+              <a:t>Android</a:t>
+            </a:r>
+            <a:r>
+              <a:rPr lang="zh-CN" altLang="en-US" dirty="0"/>
+              <a:t>作为一个开放式，拥有众多开发者的的平台，应用程序的</a:t>
+            </a:r>
+            <a:r>
+              <a:rPr lang="zh-CN" altLang="en-US" dirty="0">
+                <a:solidFill>
+                  <a:srgbClr val="FF0000"/>
+                </a:solidFill>
+              </a:rPr>
+              <a:t>来源广泛</a:t>
+            </a:r>
+            <a:r>
+              <a:rPr lang="zh-CN" altLang="en-US" dirty="0"/>
+              <a:t>，确保智能终端的安全是非常重要的。终端用户不希望从网上下载的程序在不知情的情况下偷窥隐私数据，连接无线网络，长期操作底层设备导致电池很快耗尽等等</a:t>
+            </a:r>
+            <a:r>
+              <a:rPr lang="zh-CN" altLang="en-US" dirty="0" smtClean="0"/>
+              <a:t>。</a:t>
+            </a:r>
+            <a:endParaRPr lang="en-US" altLang="zh-CN" dirty="0" smtClean="0"/>
+          </a:p>
+          <a:p>
+            <a:pPr>
+              <a:buFont typeface="+mj-lt"/>
+              <a:buAutoNum type="arabicPeriod"/>
+            </a:pPr>
+            <a:r>
+              <a:rPr lang="zh-CN" altLang="en-US" dirty="0" smtClean="0"/>
+              <a:t>传</a:t>
+            </a:r>
+            <a:r>
+              <a:rPr lang="zh-CN" altLang="en-US" dirty="0"/>
+              <a:t>统</a:t>
+            </a:r>
+            <a:r>
+              <a:rPr lang="en-US" altLang="zh-CN" dirty="0"/>
+              <a:t>IPC</a:t>
+            </a:r>
+            <a:r>
+              <a:rPr lang="zh-CN" altLang="en-US" dirty="0"/>
+              <a:t>没有任何安全措施，完全依赖上层协议来确保</a:t>
+            </a:r>
+            <a:r>
+              <a:rPr lang="zh-CN" altLang="en-US" dirty="0" smtClean="0"/>
+              <a:t>。</a:t>
+            </a:r>
+            <a:endParaRPr lang="en-US" altLang="zh-CN" dirty="0" smtClean="0"/>
+          </a:p>
+          <a:p>
+            <a:pPr>
+              <a:buFont typeface="+mj-lt"/>
+              <a:buAutoNum type="arabicPeriod"/>
+            </a:pPr>
+            <a:r>
+              <a:rPr lang="zh-CN" altLang="en-US" dirty="0" smtClean="0"/>
+              <a:t>传</a:t>
+            </a:r>
+            <a:r>
+              <a:rPr lang="zh-CN" altLang="en-US" dirty="0"/>
+              <a:t>统</a:t>
+            </a:r>
+            <a:r>
+              <a:rPr lang="en-US" altLang="zh-CN" dirty="0"/>
+              <a:t>IPC</a:t>
+            </a:r>
+            <a:r>
+              <a:rPr lang="zh-CN" altLang="en-US" dirty="0"/>
+              <a:t>的接收方无法获得对方进程</a:t>
+            </a:r>
+            <a:r>
+              <a:rPr lang="zh-CN" altLang="en-US" dirty="0">
+                <a:solidFill>
+                  <a:srgbClr val="FF0000"/>
+                </a:solidFill>
+              </a:rPr>
+              <a:t>可靠的</a:t>
+            </a:r>
+            <a:r>
+              <a:rPr lang="en-US" altLang="zh-CN" dirty="0">
+                <a:solidFill>
+                  <a:srgbClr val="FF0000"/>
+                </a:solidFill>
+              </a:rPr>
+              <a:t>UID/PID</a:t>
+            </a:r>
+            <a:r>
+              <a:rPr lang="zh-CN" altLang="en-US" dirty="0">
+                <a:solidFill>
+                  <a:srgbClr val="FF0000"/>
+                </a:solidFill>
+              </a:rPr>
+              <a:t>（用户</a:t>
+            </a:r>
+            <a:r>
+              <a:rPr lang="en-US" altLang="zh-CN" dirty="0">
+                <a:solidFill>
+                  <a:srgbClr val="FF0000"/>
+                </a:solidFill>
+              </a:rPr>
+              <a:t>ID/</a:t>
+            </a:r>
+            <a:r>
+              <a:rPr lang="zh-CN" altLang="en-US" dirty="0">
+                <a:solidFill>
+                  <a:srgbClr val="FF0000"/>
+                </a:solidFill>
+              </a:rPr>
+              <a:t>进程</a:t>
+            </a:r>
+            <a:r>
+              <a:rPr lang="en-US" altLang="zh-CN" dirty="0">
+                <a:solidFill>
+                  <a:srgbClr val="FF0000"/>
+                </a:solidFill>
+              </a:rPr>
+              <a:t>ID</a:t>
+            </a:r>
+            <a:r>
+              <a:rPr lang="zh-CN" altLang="en-US" dirty="0">
+                <a:solidFill>
+                  <a:srgbClr val="FF0000"/>
+                </a:solidFill>
+              </a:rPr>
+              <a:t>）</a:t>
+            </a:r>
+            <a:r>
+              <a:rPr lang="zh-CN" altLang="en-US" dirty="0"/>
+              <a:t>，从而无法鉴别对方身份。</a:t>
+            </a:r>
+            <a:r>
+              <a:rPr lang="en-US" altLang="zh-CN" dirty="0"/>
+              <a:t>Android</a:t>
+            </a:r>
+            <a:r>
+              <a:rPr lang="zh-CN" altLang="en-US" dirty="0"/>
+              <a:t>为</a:t>
+            </a:r>
+            <a:r>
+              <a:rPr lang="zh-CN" altLang="en-US" dirty="0">
+                <a:solidFill>
+                  <a:srgbClr val="FF0000"/>
+                </a:solidFill>
+              </a:rPr>
+              <a:t>每个安装好的应用程序分配了自己的</a:t>
+            </a:r>
+            <a:r>
+              <a:rPr lang="en-US" altLang="zh-CN" dirty="0">
+                <a:solidFill>
+                  <a:srgbClr val="FF0000"/>
+                </a:solidFill>
+              </a:rPr>
+              <a:t>UID</a:t>
+            </a:r>
+            <a:r>
+              <a:rPr lang="zh-CN" altLang="en-US" dirty="0"/>
+              <a:t>，故进程的</a:t>
+            </a:r>
+            <a:r>
+              <a:rPr lang="en-US" altLang="zh-CN" dirty="0"/>
+              <a:t>UID</a:t>
+            </a:r>
+            <a:r>
+              <a:rPr lang="zh-CN" altLang="en-US" dirty="0"/>
+              <a:t>是鉴别进程身份的重要标志。使用传统</a:t>
+            </a:r>
+            <a:r>
+              <a:rPr lang="en-US" altLang="zh-CN" dirty="0"/>
+              <a:t>IPC</a:t>
+            </a:r>
+            <a:r>
+              <a:rPr lang="zh-CN" altLang="en-US" dirty="0"/>
+              <a:t>只能由用户在数据包里填入</a:t>
+            </a:r>
+            <a:r>
+              <a:rPr lang="en-US" altLang="zh-CN" dirty="0"/>
+              <a:t>UID/PID</a:t>
+            </a:r>
+            <a:r>
+              <a:rPr lang="zh-CN" altLang="en-US" dirty="0"/>
+              <a:t>，但这样不可靠，容易被恶意程序利用。可靠的身份标记只有由</a:t>
+            </a:r>
+            <a:r>
+              <a:rPr lang="en-US" altLang="zh-CN" dirty="0"/>
+              <a:t>IPC</a:t>
+            </a:r>
+            <a:r>
+              <a:rPr lang="zh-CN" altLang="en-US" dirty="0"/>
+              <a:t>机制本身在内核中添</a:t>
+            </a:r>
+            <a:r>
+              <a:rPr lang="zh-CN" altLang="en-US" dirty="0" smtClean="0"/>
+              <a:t>加才能确保安全性。</a:t>
+            </a:r>
+            <a:endParaRPr lang="en-US" altLang="zh-CN" dirty="0" smtClean="0"/>
+          </a:p>
+          <a:p>
+            <a:pPr>
+              <a:buFont typeface="+mj-lt"/>
+              <a:buAutoNum type="arabicPeriod"/>
+            </a:pPr>
+            <a:r>
+              <a:rPr lang="zh-CN" altLang="en-US" dirty="0" smtClean="0"/>
+              <a:t>传</a:t>
+            </a:r>
+            <a:r>
+              <a:rPr lang="zh-CN" altLang="en-US" dirty="0"/>
+              <a:t>统</a:t>
+            </a:r>
+            <a:r>
+              <a:rPr lang="en-US" altLang="zh-CN" dirty="0"/>
+              <a:t>IPC</a:t>
+            </a:r>
+            <a:r>
+              <a:rPr lang="zh-CN" altLang="en-US" dirty="0"/>
+              <a:t>访问接入点是开放的，无法建立私有通道。比如命名管道的名称，</a:t>
+            </a:r>
+            <a:r>
+              <a:rPr lang="en-US" altLang="zh-CN" dirty="0"/>
+              <a:t>system V</a:t>
+            </a:r>
+            <a:r>
+              <a:rPr lang="zh-CN" altLang="en-US" dirty="0"/>
+              <a:t>的键值，</a:t>
+            </a:r>
+            <a:r>
+              <a:rPr lang="en-US" altLang="zh-CN" dirty="0"/>
+              <a:t>socket</a:t>
+            </a:r>
+            <a:r>
+              <a:rPr lang="zh-CN" altLang="en-US" dirty="0"/>
+              <a:t>的</a:t>
+            </a:r>
+            <a:r>
+              <a:rPr lang="en-US" altLang="zh-CN" dirty="0" err="1"/>
+              <a:t>ip</a:t>
+            </a:r>
+            <a:r>
+              <a:rPr lang="zh-CN" altLang="en-US" dirty="0"/>
+              <a:t>地址或文件名都是开放的，只要知道这些接入点的程序都可以和对端建立连接，不管怎样都无法阻止恶意程序通过猜测接收方地址获得连接。</a:t>
+            </a:r>
+          </a:p>
           <a:p>
             <a:endParaRPr lang="zh-CN" altLang="en-US" dirty="0"/>
           </a:p>
@@ -5636,29 +7400,304 @@
           <a:bodyPr/>
           <a:lstStyle/>
           <a:p>
-            <a:endParaRPr lang="zh-CN" altLang="en-US"/>
-          </a:p>
-        </p:txBody>
-      </p:sp>
-      <p:sp>
-        <p:nvSpPr>
-          <p:cNvPr id="3" name="内容占位符 2"/>
-          <p:cNvSpPr>
-            <a:spLocks noGrp="1"/>
-          </p:cNvSpPr>
+            <a:r>
+              <a:rPr lang="zh-CN" altLang="en-US" dirty="0">
+                <a:solidFill>
+                  <a:srgbClr val="D60093"/>
+                </a:solidFill>
+              </a:rPr>
+              <a:t>为什么需要 </a:t>
+            </a:r>
+            <a:r>
+              <a:rPr lang="en-US" altLang="zh-CN" dirty="0">
+                <a:solidFill>
+                  <a:srgbClr val="D60093"/>
+                </a:solidFill>
+              </a:rPr>
+              <a:t>Binder - IPC</a:t>
+            </a:r>
+            <a:r>
+              <a:rPr lang="zh-CN" altLang="en-US" dirty="0">
+                <a:solidFill>
+                  <a:srgbClr val="D60093"/>
+                </a:solidFill>
+              </a:rPr>
+              <a:t>方式数据拷贝次数</a:t>
+            </a:r>
+            <a:endParaRPr lang="zh-CN" altLang="en-US" dirty="0"/>
+          </a:p>
+        </p:txBody>
+      </p:sp>
+      <p:graphicFrame>
+        <p:nvGraphicFramePr>
+          <p:cNvPr id="6" name="内容占位符 5"/>
+          <p:cNvGraphicFramePr>
+            <a:graphicFrameLocks noGrp="1"/>
+          </p:cNvGraphicFramePr>
           <p:nvPr>
             <p:ph idx="1"/>
-          </p:nvPr>
-        </p:nvSpPr>
-        <p:spPr/>
-        <p:txBody>
-          <a:bodyPr/>
-          <a:lstStyle/>
-          <a:p>
-            <a:endParaRPr lang="zh-CN" altLang="en-US"/>
-          </a:p>
-        </p:txBody>
-      </p:sp>
+            <p:extLst>
+              <p:ext uri="{D42A27DB-BD31-4B8C-83A1-F6EECF244321}">
+                <p14:modId xmlns:p14="http://schemas.microsoft.com/office/powerpoint/2010/main" val="2472871280"/>
+              </p:ext>
+            </p:extLst>
+          </p:nvPr>
+        </p:nvGraphicFramePr>
+        <p:xfrm>
+          <a:off x="519113" y="771525"/>
+          <a:ext cx="8085138" cy="1483360"/>
+        </p:xfrm>
+        <a:graphic>
+          <a:graphicData uri="http://schemas.openxmlformats.org/drawingml/2006/table">
+            <a:tbl>
+              <a:tblPr firstRow="1" bandRow="1">
+                <a:tableStyleId>{5C22544A-7EE6-4342-B048-85BDC9FD1C3A}</a:tableStyleId>
+              </a:tblPr>
+              <a:tblGrid>
+                <a:gridCol w="4042569">
+                  <a:extLst>
+                    <a:ext uri="{9D8B030D-6E8A-4147-A177-3AD203B41FA5}">
+                      <a16:colId xmlns:a16="http://schemas.microsoft.com/office/drawing/2014/main" val="4218019815"/>
+                    </a:ext>
+                  </a:extLst>
+                </a:gridCol>
+                <a:gridCol w="4042569">
+                  <a:extLst>
+                    <a:ext uri="{9D8B030D-6E8A-4147-A177-3AD203B41FA5}">
+                      <a16:colId xmlns:a16="http://schemas.microsoft.com/office/drawing/2014/main" val="1488956409"/>
+                    </a:ext>
+                  </a:extLst>
+                </a:gridCol>
+              </a:tblGrid>
+              <a:tr h="370840">
+                <a:tc>
+                  <a:txBody>
+                    <a:bodyPr/>
+                    <a:lstStyle/>
+                    <a:p>
+                      <a:r>
+                        <a:rPr lang="en-US" altLang="zh-CN" sz="1800" b="0" i="0" u="none" strike="noStrike" kern="1200" dirty="0" smtClean="0">
+                          <a:solidFill>
+                            <a:schemeClr val="lt1"/>
+                          </a:solidFill>
+                          <a:effectLst/>
+                          <a:latin typeface="+mn-lt"/>
+                          <a:ea typeface="+mn-ea"/>
+                          <a:cs typeface="+mn-cs"/>
+                        </a:rPr>
+                        <a:t>IPC</a:t>
+                      </a:r>
+                      <a:endParaRPr lang="zh-CN" altLang="en-US" dirty="0"/>
+                    </a:p>
+                  </a:txBody>
+                  <a:tcPr/>
+                </a:tc>
+                <a:tc>
+                  <a:txBody>
+                    <a:bodyPr/>
+                    <a:lstStyle/>
+                    <a:p>
+                      <a:pPr rtl="0"/>
+                      <a:r>
+                        <a:rPr lang="zh-CN" altLang="en-US" sz="1800" b="0" i="0" u="none" strike="noStrike" kern="1200" dirty="0" smtClean="0">
+                          <a:solidFill>
+                            <a:schemeClr val="lt1"/>
+                          </a:solidFill>
+                          <a:effectLst/>
+                          <a:latin typeface="+mn-lt"/>
+                          <a:ea typeface="+mn-ea"/>
+                          <a:cs typeface="+mn-cs"/>
+                        </a:rPr>
+                        <a:t>拷贝次数</a:t>
+                      </a:r>
+                      <a:endParaRPr lang="zh-CN" altLang="en-US" b="0" dirty="0" smtClean="0">
+                        <a:effectLst/>
+                      </a:endParaRPr>
+                    </a:p>
+                  </a:txBody>
+                  <a:tcPr/>
+                </a:tc>
+                <a:extLst>
+                  <a:ext uri="{0D108BD9-81ED-4DB2-BD59-A6C34878D82A}">
+                    <a16:rowId xmlns:a16="http://schemas.microsoft.com/office/drawing/2014/main" val="3387145569"/>
+                  </a:ext>
+                </a:extLst>
+              </a:tr>
+              <a:tr h="370840">
+                <a:tc>
+                  <a:txBody>
+                    <a:bodyPr/>
+                    <a:lstStyle/>
+                    <a:p>
+                      <a:pPr rtl="0"/>
+                      <a:r>
+                        <a:rPr lang="zh-CN" altLang="en-US" sz="1800" b="0" i="0" u="none" strike="noStrike" kern="1200" dirty="0" smtClean="0">
+                          <a:solidFill>
+                            <a:schemeClr val="dk1"/>
+                          </a:solidFill>
+                          <a:effectLst/>
+                          <a:latin typeface="+mn-lt"/>
+                          <a:ea typeface="+mn-ea"/>
+                          <a:cs typeface="+mn-cs"/>
+                        </a:rPr>
+                        <a:t>共享内存</a:t>
+                      </a:r>
+                      <a:endParaRPr lang="zh-CN" altLang="en-US" b="0" dirty="0" smtClean="0">
+                        <a:effectLst/>
+                      </a:endParaRPr>
+                    </a:p>
+                  </a:txBody>
+                  <a:tcPr/>
+                </a:tc>
+                <a:tc>
+                  <a:txBody>
+                    <a:bodyPr/>
+                    <a:lstStyle/>
+                    <a:p>
+                      <a:r>
+                        <a:rPr lang="en-US" altLang="zh-CN" dirty="0" smtClean="0"/>
+                        <a:t>0</a:t>
+                      </a:r>
+                      <a:endParaRPr lang="zh-CN" altLang="en-US" dirty="0"/>
+                    </a:p>
+                  </a:txBody>
+                  <a:tcPr/>
+                </a:tc>
+                <a:extLst>
+                  <a:ext uri="{0D108BD9-81ED-4DB2-BD59-A6C34878D82A}">
+                    <a16:rowId xmlns:a16="http://schemas.microsoft.com/office/drawing/2014/main" val="3648002435"/>
+                  </a:ext>
+                </a:extLst>
+              </a:tr>
+              <a:tr h="370840">
+                <a:tc>
+                  <a:txBody>
+                    <a:bodyPr/>
+                    <a:lstStyle/>
+                    <a:p>
+                      <a:r>
+                        <a:rPr lang="en-US" altLang="zh-CN" sz="1800" b="0" i="0" u="none" strike="noStrike" kern="1200" dirty="0" smtClean="0">
+                          <a:solidFill>
+                            <a:schemeClr val="dk1"/>
+                          </a:solidFill>
+                          <a:effectLst/>
+                          <a:latin typeface="+mn-lt"/>
+                          <a:ea typeface="+mn-ea"/>
+                          <a:cs typeface="+mn-cs"/>
+                        </a:rPr>
+                        <a:t>Binder</a:t>
+                      </a:r>
+                      <a:endParaRPr lang="zh-CN" altLang="en-US" dirty="0"/>
+                    </a:p>
+                  </a:txBody>
+                  <a:tcPr/>
+                </a:tc>
+                <a:tc>
+                  <a:txBody>
+                    <a:bodyPr/>
+                    <a:lstStyle/>
+                    <a:p>
+                      <a:r>
+                        <a:rPr lang="en-US" altLang="zh-CN" dirty="0" smtClean="0"/>
+                        <a:t>1</a:t>
+                      </a:r>
+                      <a:endParaRPr lang="zh-CN" altLang="en-US" dirty="0"/>
+                    </a:p>
+                  </a:txBody>
+                  <a:tcPr/>
+                </a:tc>
+                <a:extLst>
+                  <a:ext uri="{0D108BD9-81ED-4DB2-BD59-A6C34878D82A}">
+                    <a16:rowId xmlns:a16="http://schemas.microsoft.com/office/drawing/2014/main" val="3651905809"/>
+                  </a:ext>
+                </a:extLst>
+              </a:tr>
+              <a:tr h="370840">
+                <a:tc>
+                  <a:txBody>
+                    <a:bodyPr/>
+                    <a:lstStyle/>
+                    <a:p>
+                      <a:pPr rtl="0"/>
+                      <a:r>
+                        <a:rPr lang="en-US" altLang="zh-CN" sz="1800" b="0" i="0" u="none" strike="noStrike" kern="1200" dirty="0" smtClean="0">
+                          <a:solidFill>
+                            <a:schemeClr val="dk1"/>
+                          </a:solidFill>
+                          <a:effectLst/>
+                          <a:latin typeface="+mn-lt"/>
+                          <a:ea typeface="+mn-ea"/>
+                          <a:cs typeface="+mn-cs"/>
+                        </a:rPr>
+                        <a:t>Socket/</a:t>
+                      </a:r>
+                      <a:r>
+                        <a:rPr lang="zh-CN" altLang="en-US" sz="1800" b="0" i="0" u="none" strike="noStrike" kern="1200" dirty="0" smtClean="0">
+                          <a:solidFill>
+                            <a:schemeClr val="dk1"/>
+                          </a:solidFill>
+                          <a:effectLst/>
+                          <a:latin typeface="+mn-lt"/>
+                          <a:ea typeface="+mn-ea"/>
+                          <a:cs typeface="+mn-cs"/>
+                        </a:rPr>
+                        <a:t>管道</a:t>
+                      </a:r>
+                      <a:r>
+                        <a:rPr lang="en-US" altLang="zh-CN" sz="1800" b="0" i="0" u="none" strike="noStrike" kern="1200" dirty="0" smtClean="0">
+                          <a:solidFill>
+                            <a:schemeClr val="dk1"/>
+                          </a:solidFill>
+                          <a:effectLst/>
+                          <a:latin typeface="+mn-lt"/>
+                          <a:ea typeface="+mn-ea"/>
+                          <a:cs typeface="+mn-cs"/>
+                        </a:rPr>
+                        <a:t>/</a:t>
+                      </a:r>
+                      <a:r>
+                        <a:rPr lang="zh-CN" altLang="en-US" sz="1800" b="0" i="0" u="none" strike="noStrike" kern="1200" dirty="0" smtClean="0">
+                          <a:solidFill>
+                            <a:schemeClr val="dk1"/>
+                          </a:solidFill>
+                          <a:effectLst/>
+                          <a:latin typeface="+mn-lt"/>
+                          <a:ea typeface="+mn-ea"/>
+                          <a:cs typeface="+mn-cs"/>
+                        </a:rPr>
+                        <a:t>消息队列</a:t>
+                      </a:r>
+                      <a:endParaRPr lang="zh-CN" altLang="en-US" b="0" dirty="0" smtClean="0">
+                        <a:effectLst/>
+                      </a:endParaRPr>
+                    </a:p>
+                  </a:txBody>
+                  <a:tcPr/>
+                </a:tc>
+                <a:tc>
+                  <a:txBody>
+                    <a:bodyPr/>
+                    <a:lstStyle/>
+                    <a:p>
+                      <a:r>
+                        <a:rPr lang="en-US" altLang="zh-CN" dirty="0" smtClean="0"/>
+                        <a:t>2</a:t>
+                      </a:r>
+                      <a:endParaRPr lang="zh-CN" altLang="en-US" dirty="0"/>
+                    </a:p>
+                  </a:txBody>
+                  <a:tcPr/>
+                </a:tc>
+                <a:extLst>
+                  <a:ext uri="{0D108BD9-81ED-4DB2-BD59-A6C34878D82A}">
+                    <a16:rowId xmlns:a16="http://schemas.microsoft.com/office/drawing/2014/main" val="2297276370"/>
+                  </a:ext>
+                </a:extLst>
+              </a:tr>
+            </a:tbl>
+          </a:graphicData>
+        </a:graphic>
+      </p:graphicFrame>
     </p:spTree>
     <p:extLst>
       <p:ext uri="{BB962C8B-B14F-4D97-AF65-F5344CB8AC3E}">
@@ -5704,13 +7743,281 @@
           <a:bodyPr/>
           <a:lstStyle/>
           <a:p>
+            <a:r>
+              <a:rPr lang="zh-CN" altLang="en-US" dirty="0">
+                <a:solidFill>
+                  <a:srgbClr val="D60093"/>
+                </a:solidFill>
+              </a:rPr>
+              <a:t>什</a:t>
+            </a:r>
+            <a:r>
+              <a:rPr lang="zh-CN" altLang="en-US" dirty="0" smtClean="0">
+                <a:solidFill>
+                  <a:srgbClr val="D60093"/>
+                </a:solidFill>
+              </a:rPr>
+              <a:t>么是</a:t>
+            </a:r>
+            <a:r>
+              <a:rPr lang="en-US" altLang="zh-CN" dirty="0" smtClean="0">
+                <a:solidFill>
+                  <a:srgbClr val="D60093"/>
+                </a:solidFill>
+              </a:rPr>
+              <a:t>Binder – </a:t>
+            </a:r>
+            <a:r>
+              <a:rPr lang="zh-CN" altLang="en-US" dirty="0" smtClean="0">
+                <a:solidFill>
+                  <a:srgbClr val="D60093"/>
+                </a:solidFill>
+              </a:rPr>
+              <a:t>概念</a:t>
+            </a:r>
             <a:endParaRPr lang="zh-CN" altLang="en-US" dirty="0"/>
+          </a:p>
+        </p:txBody>
+      </p:sp>
+      <p:sp>
+        <p:nvSpPr>
+          <p:cNvPr id="3" name="内容占位符 2"/>
+          <p:cNvSpPr>
+            <a:spLocks noGrp="1"/>
+          </p:cNvSpPr>
+          <p:nvPr>
+            <p:ph idx="1"/>
+          </p:nvPr>
+        </p:nvSpPr>
+        <p:spPr/>
+        <p:txBody>
+          <a:bodyPr/>
+          <a:lstStyle/>
+          <a:p>
+            <a:r>
+              <a:rPr lang="en-US" altLang="zh-CN" dirty="0"/>
+              <a:t>Binder </a:t>
+            </a:r>
+            <a:r>
+              <a:rPr lang="zh-CN" altLang="en-US" dirty="0"/>
+              <a:t>用于进程间通信，而 </a:t>
+            </a:r>
+            <a:r>
+              <a:rPr lang="en-US" altLang="zh-CN" dirty="0"/>
+              <a:t>Handler </a:t>
+            </a:r>
+            <a:r>
+              <a:rPr lang="zh-CN" altLang="en-US" dirty="0"/>
+              <a:t>消息机制用于同进程的线程间通信</a:t>
+            </a:r>
+            <a:r>
+              <a:rPr lang="zh-CN" altLang="en-US" dirty="0" smtClean="0"/>
+              <a:t>。</a:t>
+            </a:r>
+            <a:endParaRPr lang="en-US" altLang="zh-CN" dirty="0" smtClean="0"/>
+          </a:p>
+          <a:p>
+            <a:endParaRPr lang="en-US" altLang="zh-CN" dirty="0"/>
+          </a:p>
+          <a:p>
+            <a:pPr marL="0" indent="0">
+              <a:buNone/>
+            </a:pPr>
+            <a:endParaRPr lang="zh-CN" altLang="en-US" dirty="0"/>
+          </a:p>
+          <a:p>
+            <a:r>
+              <a:rPr lang="en-US" altLang="zh-CN" dirty="0"/>
+              <a:t>Binder </a:t>
+            </a:r>
+            <a:r>
+              <a:rPr lang="zh-CN" altLang="en-US" dirty="0"/>
+              <a:t>的英文涵义是别针，回形针的意思</a:t>
+            </a:r>
+            <a:r>
+              <a:rPr lang="zh-CN" altLang="en-US" dirty="0" smtClean="0"/>
+              <a:t>。</a:t>
+            </a:r>
+            <a:endParaRPr lang="en-US" altLang="zh-CN" dirty="0" smtClean="0"/>
+          </a:p>
+          <a:p>
+            <a:endParaRPr lang="en-US" altLang="zh-CN" dirty="0"/>
+          </a:p>
+          <a:p>
+            <a:pPr marL="0" indent="0">
+              <a:buNone/>
+            </a:pPr>
+            <a:endParaRPr lang="zh-CN" altLang="en-US" dirty="0"/>
+          </a:p>
+          <a:p>
+            <a:r>
+              <a:rPr lang="zh-CN" altLang="en-US" dirty="0"/>
+              <a:t>在 </a:t>
+            </a:r>
+            <a:r>
+              <a:rPr lang="en-US" altLang="zh-CN" dirty="0"/>
+              <a:t>Android </a:t>
+            </a:r>
+            <a:r>
+              <a:rPr lang="zh-CN" altLang="en-US" dirty="0"/>
+              <a:t>中 </a:t>
+            </a:r>
+            <a:r>
+              <a:rPr lang="en-US" altLang="zh-CN" dirty="0"/>
+              <a:t>Binder </a:t>
+            </a:r>
+            <a:r>
+              <a:rPr lang="zh-CN" altLang="en-US" dirty="0"/>
+              <a:t>的存在是为了完成进程间的通信，将进程”别” 在一起。比如说：普通应用可以调用播放器提供的服务：播放、暂停、停止等功能</a:t>
+            </a:r>
+            <a:r>
+              <a:rPr lang="zh-CN" altLang="en-US" dirty="0" smtClean="0"/>
+              <a:t>。</a:t>
+            </a:r>
+            <a:endParaRPr lang="en-US" altLang="zh-CN" dirty="0" smtClean="0"/>
+          </a:p>
+          <a:p>
+            <a:endParaRPr lang="en-US" altLang="zh-CN" dirty="0"/>
+          </a:p>
+          <a:p>
+            <a:pPr marL="0" indent="0">
+              <a:buNone/>
+            </a:pPr>
+            <a:endParaRPr lang="zh-CN" altLang="en-US" dirty="0"/>
+          </a:p>
+          <a:p>
+            <a:r>
+              <a:rPr lang="en-US" altLang="zh-CN" dirty="0"/>
+              <a:t>Binder </a:t>
+            </a:r>
+            <a:r>
+              <a:rPr lang="zh-CN" altLang="en-US" dirty="0"/>
+              <a:t>是工作在 </a:t>
+            </a:r>
+            <a:r>
+              <a:rPr lang="en-US" altLang="zh-CN" dirty="0"/>
+              <a:t>Linux </a:t>
+            </a:r>
+            <a:r>
+              <a:rPr lang="zh-CN" altLang="en-US" dirty="0"/>
+              <a:t>层面，属于一个驱动，只是这个驱动是不需要硬件的，或者说是基于操作系统的一小块内存。从线程的角度来讲，</a:t>
+            </a:r>
+            <a:r>
+              <a:rPr lang="en-US" altLang="zh-CN" dirty="0"/>
+              <a:t>Binder </a:t>
+            </a:r>
+            <a:r>
+              <a:rPr lang="zh-CN" altLang="en-US" dirty="0"/>
+              <a:t>驱动的代码是运行在内核态的，客户端程序调用 </a:t>
+            </a:r>
+            <a:r>
+              <a:rPr lang="en-US" altLang="zh-CN" dirty="0"/>
+              <a:t>Binder </a:t>
+            </a:r>
+            <a:r>
+              <a:rPr lang="zh-CN" altLang="en-US" dirty="0"/>
+              <a:t>是通过系统调用完完成。</a:t>
+            </a:r>
+          </a:p>
+        </p:txBody>
+      </p:sp>
+    </p:spTree>
+    <p:extLst>
+      <p:ext uri="{BB962C8B-B14F-4D97-AF65-F5344CB8AC3E}">
+        <p14:creationId xmlns:p14="http://schemas.microsoft.com/office/powerpoint/2010/main" val="984443406"/>
+      </p:ext>
+    </p:extLst>
+  </p:cSld>
+  <p:clrMapOvr>
+    <a:masterClrMapping/>
+  </p:clrMapOvr>
+  <p:timing>
+    <p:tnLst>
+      <p:par>
+        <p:cTn id="1" dur="indefinite" restart="never" nodeType="tmRoot"/>
+      </p:par>
+    </p:tnLst>
+  </p:timing>
+</p:sld>
+</file>
+
+<file path=ppt/slides/slide9.xml><?xml version="1.0" encoding="utf-8"?>
+<p:sld xmlns:a="http://schemas.openxmlformats.org/drawingml/2006/main" xmlns:r="http://schemas.openxmlformats.org/officeDocument/2006/relationships" xmlns:p="http://schemas.openxmlformats.org/presentationml/2006/main">
+  <p:cSld>
+    <p:spTree>
+      <p:nvGrpSpPr>
+        <p:cNvPr id="1" name=""/>
+        <p:cNvGrpSpPr/>
+        <p:nvPr/>
+      </p:nvGrpSpPr>
+      <p:grpSpPr>
+        <a:xfrm>
+          <a:off x="0" y="0"/>
+          <a:ext cx="0" cy="0"/>
+          <a:chOff x="0" y="0"/>
+          <a:chExt cx="0" cy="0"/>
+        </a:xfrm>
+      </p:grpSpPr>
+      <p:sp>
+        <p:nvSpPr>
+          <p:cNvPr id="2" name="标题 1"/>
+          <p:cNvSpPr>
+            <a:spLocks noGrp="1"/>
+          </p:cNvSpPr>
+          <p:nvPr>
+            <p:ph type="title"/>
+          </p:nvPr>
+        </p:nvSpPr>
+        <p:spPr/>
+        <p:txBody>
+          <a:bodyPr>
+            <a:normAutofit/>
+          </a:bodyPr>
+          <a:lstStyle/>
+          <a:p>
+            <a:r>
+              <a:rPr lang="zh-CN" altLang="en-US" dirty="0">
+                <a:solidFill>
+                  <a:srgbClr val="D60093"/>
+                </a:solidFill>
+              </a:rPr>
+              <a:t>什么是</a:t>
+            </a:r>
+            <a:r>
+              <a:rPr lang="en-US" altLang="zh-CN" dirty="0">
+                <a:solidFill>
+                  <a:srgbClr val="D60093"/>
+                </a:solidFill>
+              </a:rPr>
+              <a:t>Binder – </a:t>
+            </a:r>
+            <a:r>
+              <a:rPr lang="en-US" altLang="zh-CN" dirty="0" smtClean="0">
+                <a:solidFill>
+                  <a:srgbClr val="D60093"/>
+                </a:solidFill>
+              </a:rPr>
+              <a:t>Binder</a:t>
+            </a:r>
+            <a:r>
+              <a:rPr lang="zh-CN" altLang="en-US" dirty="0" smtClean="0">
+                <a:solidFill>
+                  <a:srgbClr val="D60093"/>
+                </a:solidFill>
+              </a:rPr>
+              <a:t>框架，一种架构</a:t>
+            </a:r>
+            <a:endParaRPr lang="zh-CN" altLang="en-US" dirty="0">
+              <a:solidFill>
+                <a:srgbClr val="FF0000"/>
+              </a:solidFill>
+            </a:endParaRPr>
           </a:p>
         </p:txBody>
       </p:sp>
       <p:pic>
         <p:nvPicPr>
-          <p:cNvPr id="4" name="内容占位符 3" descr="PPT模板-06.jpg"/>
+          <p:cNvPr id="4" name="内容占位符 3"/>
           <p:cNvPicPr>
             <a:picLocks noGrp="1" noChangeAspect="1"/>
           </p:cNvPicPr>
@@ -5719,23 +8026,41 @@
           </p:nvPr>
         </p:nvPicPr>
         <p:blipFill>
-          <a:blip r:embed="rId2" cstate="print"/>
+          <a:blip r:embed="rId2">
+            <a:extLst>
+              <a:ext uri="{28A0092B-C50C-407E-A947-70E740481C1C}">
+                <a14:useLocalDpi xmlns:a14="http://schemas.microsoft.com/office/drawing/2010/main" val="0"/>
+              </a:ext>
+            </a:extLst>
+          </a:blip>
           <a:stretch>
             <a:fillRect/>
           </a:stretch>
         </p:blipFill>
         <p:spPr>
           <a:xfrm>
-            <a:off x="0" y="0"/>
-            <a:ext cx="9144000" cy="5142895"/>
+            <a:off x="1475656" y="437413"/>
+            <a:ext cx="5726567" cy="4294925"/>
           </a:xfrm>
         </p:spPr>
       </p:pic>
     </p:spTree>
+    <p:extLst>
+      <p:ext uri="{BB962C8B-B14F-4D97-AF65-F5344CB8AC3E}">
+        <p14:creationId xmlns:p14="http://schemas.microsoft.com/office/powerpoint/2010/main" val="821582970"/>
+      </p:ext>
+    </p:extLst>
   </p:cSld>
   <p:clrMapOvr>
     <a:masterClrMapping/>
   </p:clrMapOvr>
+  <p:timing>
+    <p:tnLst>
+      <p:par>
+        <p:cTn id="1" dur="indefinite" restart="never" nodeType="tmRoot"/>
+      </p:par>
+    </p:tnLst>
+  </p:timing>
 </p:sld>
 </file>
 

--- a/notes/binder/binder简介.pptx
+++ b/notes/binder/binder简介.pptx
@@ -5341,7 +5341,23 @@
           <a:bodyPr/>
           <a:lstStyle/>
           <a:p>
-            <a:endParaRPr lang="zh-CN" altLang="en-US"/>
+            <a:r>
+              <a:rPr lang="zh-CN" altLang="en-US" dirty="0" smtClean="0">
+                <a:solidFill>
+                  <a:srgbClr val="D60093"/>
+                </a:solidFill>
+              </a:rPr>
+              <a:t>如何使用 </a:t>
+            </a:r>
+            <a:r>
+              <a:rPr lang="en-US" altLang="zh-CN" smtClean="0">
+                <a:solidFill>
+                  <a:srgbClr val="D60093"/>
+                </a:solidFill>
+              </a:rPr>
+              <a:t>Binder - </a:t>
+            </a:r>
+            <a:endParaRPr lang="zh-CN" altLang="en-US" dirty="0"/>
           </a:p>
         </p:txBody>
       </p:sp>
@@ -5827,14 +5843,7 @@
                 <a:latin typeface="微软雅黑" panose="020B0503020204020204" pitchFamily="34" charset="-122"/>
                 <a:ea typeface="微软雅黑" panose="020B0503020204020204" pitchFamily="34" charset="-122"/>
               </a:rPr>
-              <a:t>是什</a:t>
-            </a:r>
-            <a:r>
-              <a:rPr lang="zh-CN" altLang="en-US" sz="1600" dirty="0" smtClean="0">
-                <a:latin typeface="微软雅黑" panose="020B0503020204020204" pitchFamily="34" charset="-122"/>
-                <a:ea typeface="微软雅黑" panose="020B0503020204020204" pitchFamily="34" charset="-122"/>
-              </a:rPr>
-              <a:t>么</a:t>
+              <a:t>是什么</a:t>
             </a:r>
             <a:r>
               <a:rPr lang="en-US" altLang="zh-CN" sz="1600" dirty="0" smtClean="0">
@@ -6237,15 +6246,7 @@
                   <a:srgbClr val="D60093"/>
                 </a:solidFill>
               </a:rPr>
-              <a:t>概</a:t>
-            </a:r>
-            <a:r>
-              <a:rPr lang="zh-CN" altLang="en-US" sz="2000" b="1" dirty="0" smtClean="0">
-                <a:solidFill>
-                  <a:srgbClr val="D60093"/>
-                </a:solidFill>
-              </a:rPr>
-              <a:t>述</a:t>
+              <a:t>概述</a:t>
             </a:r>
             <a:endParaRPr lang="zh-CN" altLang="en-US" sz="2000" b="1" dirty="0">
               <a:solidFill>
@@ -6810,15 +6811,7 @@
                   <a:srgbClr val="D60093"/>
                 </a:solidFill>
               </a:rPr>
-              <a:t>通信方式对传</a:t>
-            </a:r>
-            <a:r>
-              <a:rPr lang="zh-CN" altLang="en-US" dirty="0" smtClean="0">
-                <a:solidFill>
-                  <a:srgbClr val="D60093"/>
-                </a:solidFill>
-              </a:rPr>
-              <a:t>统</a:t>
+              <a:t>通信方式对传统</a:t>
             </a:r>
             <a:r>
               <a:rPr lang="en-US" altLang="zh-CN" dirty="0" smtClean="0">
@@ -6870,11 +6863,7 @@
             </a:r>
             <a:r>
               <a:rPr lang="zh-CN" altLang="en-US" sz="3200" dirty="0" smtClean="0"/>
-              <a:t>能角</a:t>
-            </a:r>
-            <a:r>
-              <a:rPr lang="zh-CN" altLang="en-US" sz="3200" dirty="0" smtClean="0"/>
-              <a:t>度：</a:t>
+              <a:t>能角度：</a:t>
             </a:r>
             <a:endParaRPr lang="en-US" altLang="zh-CN" sz="3200" dirty="0" smtClean="0"/>
           </a:p>

--- a/notes/binder/binder简介.pptx
+++ b/notes/binder/binder简介.pptx
@@ -5,10 +5,10 @@
     <p:sldMasterId id="2147483648" r:id="rId1"/>
   </p:sldMasterIdLst>
   <p:notesMasterIdLst>
-    <p:notesMasterId r:id="rId19"/>
+    <p:notesMasterId r:id="rId24"/>
   </p:notesMasterIdLst>
   <p:handoutMasterIdLst>
-    <p:handoutMasterId r:id="rId20"/>
+    <p:handoutMasterId r:id="rId25"/>
   </p:handoutMasterIdLst>
   <p:sldIdLst>
     <p:sldId id="256" r:id="rId2"/>
@@ -25,9 +25,14 @@
     <p:sldId id="288" r:id="rId13"/>
     <p:sldId id="289" r:id="rId14"/>
     <p:sldId id="290" r:id="rId15"/>
-    <p:sldId id="291" r:id="rId16"/>
-    <p:sldId id="292" r:id="rId17"/>
-    <p:sldId id="259" r:id="rId18"/>
+    <p:sldId id="292" r:id="rId16"/>
+    <p:sldId id="293" r:id="rId17"/>
+    <p:sldId id="294" r:id="rId18"/>
+    <p:sldId id="295" r:id="rId19"/>
+    <p:sldId id="296" r:id="rId20"/>
+    <p:sldId id="297" r:id="rId21"/>
+    <p:sldId id="298" r:id="rId22"/>
+    <p:sldId id="259" r:id="rId23"/>
   </p:sldIdLst>
   <p:sldSz cx="9144000" cy="5143500" type="screen16x9"/>
   <p:notesSz cx="6858000" cy="9144000"/>
@@ -246,7 +251,7 @@
             <a:fld id="{0881A753-46D5-4B68-8810-8FBC26EF28A8}" type="datetimeFigureOut">
               <a:rPr lang="zh-CN" altLang="en-US" smtClean="0"/>
               <a:pPr/>
-              <a:t>2017/6/26</a:t>
+              <a:t>2017/7/3</a:t>
             </a:fld>
             <a:endParaRPr lang="zh-CN" altLang="en-US"/>
           </a:p>
@@ -413,7 +418,7 @@
             <a:fld id="{01EA217A-B113-4C57-8472-F2F54C716C63}" type="datetimeFigureOut">
               <a:rPr lang="zh-CN" altLang="en-US" smtClean="0"/>
               <a:pPr/>
-              <a:t>2017/6/26</a:t>
+              <a:t>2017/7/3</a:t>
             </a:fld>
             <a:endParaRPr lang="zh-CN" altLang="en-US"/>
           </a:p>
@@ -1002,6 +1007,1363 @@
 </p:notes>
 </file>
 
+<file path=ppt/notesSlides/notesSlide4.xml><?xml version="1.0" encoding="utf-8"?>
+<p:notes xmlns:a="http://schemas.openxmlformats.org/drawingml/2006/main" xmlns:r="http://schemas.openxmlformats.org/officeDocument/2006/relationships" xmlns:p="http://schemas.openxmlformats.org/presentationml/2006/main">
+  <p:cSld>
+    <p:spTree>
+      <p:nvGrpSpPr>
+        <p:cNvPr id="1" name=""/>
+        <p:cNvGrpSpPr/>
+        <p:nvPr/>
+      </p:nvGrpSpPr>
+      <p:grpSpPr>
+        <a:xfrm>
+          <a:off x="0" y="0"/>
+          <a:ext cx="0" cy="0"/>
+          <a:chOff x="0" y="0"/>
+          <a:chExt cx="0" cy="0"/>
+        </a:xfrm>
+      </p:grpSpPr>
+      <p:sp>
+        <p:nvSpPr>
+          <p:cNvPr id="2" name="幻灯片图像占位符 1"/>
+          <p:cNvSpPr>
+            <a:spLocks noGrp="1" noRot="1" noChangeAspect="1"/>
+          </p:cNvSpPr>
+          <p:nvPr>
+            <p:ph type="sldImg"/>
+          </p:nvPr>
+        </p:nvSpPr>
+        <p:spPr/>
+      </p:sp>
+      <p:sp>
+        <p:nvSpPr>
+          <p:cNvPr id="3" name="备注占位符 2"/>
+          <p:cNvSpPr>
+            <a:spLocks noGrp="1"/>
+          </p:cNvSpPr>
+          <p:nvPr>
+            <p:ph type="body" idx="1"/>
+          </p:nvPr>
+        </p:nvSpPr>
+        <p:spPr/>
+        <p:txBody>
+          <a:bodyPr/>
+          <a:lstStyle/>
+          <a:p>
+            <a:r>
+              <a:rPr lang="zh-CN" altLang="en-US" sz="1200" b="0" i="0" kern="1200" dirty="0" smtClean="0">
+                <a:solidFill>
+                  <a:schemeClr val="tx1"/>
+                </a:solidFill>
+                <a:effectLst/>
+                <a:latin typeface="+mn-lt"/>
+                <a:ea typeface="+mn-ea"/>
+                <a:cs typeface="+mn-cs"/>
+              </a:rPr>
+              <a:t>当调用客户端调用远程方法，经由 </a:t>
+            </a:r>
+            <a:r>
+              <a:rPr lang="en-US" altLang="zh-CN" sz="1200" b="0" i="0" kern="1200" dirty="0" err="1" smtClean="0">
+                <a:solidFill>
+                  <a:schemeClr val="tx1"/>
+                </a:solidFill>
+                <a:effectLst/>
+                <a:latin typeface="+mn-lt"/>
+                <a:ea typeface="+mn-ea"/>
+                <a:cs typeface="+mn-cs"/>
+              </a:rPr>
+              <a:t>mRemote</a:t>
+            </a:r>
+            <a:r>
+              <a:rPr lang="en-US" altLang="zh-CN" sz="1200" b="0" i="0" kern="1200" dirty="0" smtClean="0">
+                <a:solidFill>
+                  <a:schemeClr val="tx1"/>
+                </a:solidFill>
+                <a:effectLst/>
+                <a:latin typeface="+mn-lt"/>
+                <a:ea typeface="+mn-ea"/>
+                <a:cs typeface="+mn-cs"/>
+              </a:rPr>
+              <a:t> </a:t>
+            </a:r>
+            <a:r>
+              <a:rPr lang="zh-CN" altLang="en-US" sz="1200" b="0" i="0" kern="1200" dirty="0" smtClean="0">
+                <a:solidFill>
+                  <a:schemeClr val="tx1"/>
+                </a:solidFill>
+                <a:effectLst/>
+                <a:latin typeface="+mn-lt"/>
+                <a:ea typeface="+mn-ea"/>
+                <a:cs typeface="+mn-cs"/>
+              </a:rPr>
+              <a:t>调用 </a:t>
+            </a:r>
+            <a:r>
+              <a:rPr lang="en-US" altLang="zh-CN" sz="1200" b="0" i="0" kern="1200" dirty="0" smtClean="0">
+                <a:solidFill>
+                  <a:schemeClr val="tx1"/>
+                </a:solidFill>
+                <a:effectLst/>
+                <a:latin typeface="+mn-lt"/>
+                <a:ea typeface="+mn-ea"/>
+                <a:cs typeface="+mn-cs"/>
+              </a:rPr>
+              <a:t>transact </a:t>
+            </a:r>
+            <a:r>
+              <a:rPr lang="zh-CN" altLang="en-US" sz="1200" b="0" i="0" kern="1200" dirty="0" smtClean="0">
+                <a:solidFill>
+                  <a:schemeClr val="tx1"/>
+                </a:solidFill>
+                <a:effectLst/>
+                <a:latin typeface="+mn-lt"/>
+                <a:ea typeface="+mn-ea"/>
+                <a:cs typeface="+mn-cs"/>
+              </a:rPr>
+              <a:t>的时候，客户端线程进入 </a:t>
+            </a:r>
+            <a:r>
+              <a:rPr lang="en-US" altLang="zh-CN" sz="1200" b="0" i="0" kern="1200" dirty="0" smtClean="0">
+                <a:solidFill>
+                  <a:schemeClr val="tx1"/>
+                </a:solidFill>
+                <a:effectLst/>
+                <a:latin typeface="+mn-lt"/>
+                <a:ea typeface="+mn-ea"/>
+                <a:cs typeface="+mn-cs"/>
+              </a:rPr>
+              <a:t>Binder </a:t>
+            </a:r>
+            <a:r>
+              <a:rPr lang="zh-CN" altLang="en-US" sz="1200" b="0" i="0" kern="1200" dirty="0" smtClean="0">
+                <a:solidFill>
+                  <a:schemeClr val="tx1"/>
+                </a:solidFill>
+                <a:effectLst/>
+                <a:latin typeface="+mn-lt"/>
+                <a:ea typeface="+mn-ea"/>
+                <a:cs typeface="+mn-cs"/>
+              </a:rPr>
+              <a:t>驱动， </a:t>
+            </a:r>
+            <a:r>
+              <a:rPr lang="en-US" altLang="zh-CN" sz="1200" b="0" i="0" kern="1200" dirty="0" smtClean="0">
+                <a:solidFill>
+                  <a:schemeClr val="tx1"/>
+                </a:solidFill>
+                <a:effectLst/>
+                <a:latin typeface="+mn-lt"/>
+                <a:ea typeface="+mn-ea"/>
+                <a:cs typeface="+mn-cs"/>
+              </a:rPr>
+              <a:t>Binder </a:t>
+            </a:r>
+            <a:r>
+              <a:rPr lang="zh-CN" altLang="en-US" sz="1200" b="0" i="0" kern="1200" dirty="0" smtClean="0">
+                <a:solidFill>
+                  <a:schemeClr val="tx1"/>
+                </a:solidFill>
+                <a:effectLst/>
+                <a:latin typeface="+mn-lt"/>
+                <a:ea typeface="+mn-ea"/>
+                <a:cs typeface="+mn-cs"/>
+              </a:rPr>
+              <a:t>驱动就会挂起当前线程，并向远程服务发送一个消息，消息中包含了客户端传进来的包裹数据。</a:t>
+            </a:r>
+            <a:r>
+              <a:rPr lang="zh-CN" altLang="en-US" dirty="0" smtClean="0"/>
+              <a:t/>
+            </a:r>
+            <a:br>
+              <a:rPr lang="zh-CN" altLang="en-US" dirty="0" smtClean="0"/>
+            </a:br>
+            <a:r>
+              <a:rPr lang="zh-CN" altLang="en-US" sz="1200" b="0" i="0" kern="1200" dirty="0" smtClean="0">
+                <a:solidFill>
+                  <a:schemeClr val="tx1"/>
+                </a:solidFill>
+                <a:effectLst/>
+                <a:latin typeface="+mn-lt"/>
+                <a:ea typeface="+mn-ea"/>
+                <a:cs typeface="+mn-cs"/>
+              </a:rPr>
+              <a:t>当服务端 </a:t>
+            </a:r>
+            <a:r>
+              <a:rPr lang="en-US" altLang="zh-CN" sz="1200" b="0" i="0" kern="1200" dirty="0" smtClean="0">
+                <a:solidFill>
+                  <a:schemeClr val="tx1"/>
+                </a:solidFill>
+                <a:effectLst/>
+                <a:latin typeface="+mn-lt"/>
+                <a:ea typeface="+mn-ea"/>
+                <a:cs typeface="+mn-cs"/>
+              </a:rPr>
+              <a:t>service </a:t>
+            </a:r>
+            <a:r>
+              <a:rPr lang="zh-CN" altLang="en-US" sz="1200" b="0" i="0" kern="1200" dirty="0" smtClean="0">
+                <a:solidFill>
+                  <a:schemeClr val="tx1"/>
+                </a:solidFill>
+                <a:effectLst/>
+                <a:latin typeface="+mn-lt"/>
+                <a:ea typeface="+mn-ea"/>
+                <a:cs typeface="+mn-cs"/>
+              </a:rPr>
+              <a:t>执行 </a:t>
+            </a:r>
+            <a:r>
+              <a:rPr lang="en-US" altLang="zh-CN" sz="1200" b="0" i="0" kern="1200" dirty="0" err="1" smtClean="0">
+                <a:solidFill>
+                  <a:schemeClr val="tx1"/>
+                </a:solidFill>
+                <a:effectLst/>
+                <a:latin typeface="+mn-lt"/>
+                <a:ea typeface="+mn-ea"/>
+                <a:cs typeface="+mn-cs"/>
+              </a:rPr>
+              <a:t>onTrasact</a:t>
+            </a:r>
+            <a:r>
+              <a:rPr lang="en-US" altLang="zh-CN" sz="1200" b="0" i="0" kern="1200" dirty="0" smtClean="0">
+                <a:solidFill>
+                  <a:schemeClr val="tx1"/>
+                </a:solidFill>
+                <a:effectLst/>
+                <a:latin typeface="+mn-lt"/>
+                <a:ea typeface="+mn-ea"/>
+                <a:cs typeface="+mn-cs"/>
+              </a:rPr>
+              <a:t> </a:t>
+            </a:r>
+            <a:r>
+              <a:rPr lang="zh-CN" altLang="en-US" sz="1200" b="0" i="0" kern="1200" dirty="0" smtClean="0">
+                <a:solidFill>
+                  <a:schemeClr val="tx1"/>
+                </a:solidFill>
+                <a:effectLst/>
+                <a:latin typeface="+mn-lt"/>
+                <a:ea typeface="+mn-ea"/>
+                <a:cs typeface="+mn-cs"/>
+              </a:rPr>
+              <a:t>的时候，就可以对包裹 </a:t>
+            </a:r>
+            <a:r>
+              <a:rPr lang="en-US" altLang="zh-CN" sz="1200" b="0" i="0" kern="1200" dirty="0" smtClean="0">
+                <a:solidFill>
+                  <a:schemeClr val="tx1"/>
+                </a:solidFill>
+                <a:effectLst/>
+                <a:latin typeface="+mn-lt"/>
+                <a:ea typeface="+mn-ea"/>
+                <a:cs typeface="+mn-cs"/>
+              </a:rPr>
+              <a:t>data </a:t>
+            </a:r>
+            <a:r>
+              <a:rPr lang="zh-CN" altLang="en-US" sz="1200" b="0" i="0" kern="1200" dirty="0" smtClean="0">
+                <a:solidFill>
+                  <a:schemeClr val="tx1"/>
+                </a:solidFill>
+                <a:effectLst/>
+                <a:latin typeface="+mn-lt"/>
+                <a:ea typeface="+mn-ea"/>
+                <a:cs typeface="+mn-cs"/>
+              </a:rPr>
+              <a:t>进行拆解，然后根据参数执行相应的 服务函数，执行完之后，会将执行的结果放入 </a:t>
+            </a:r>
+            <a:r>
+              <a:rPr lang="en-US" altLang="zh-CN" sz="1200" b="0" i="0" kern="1200" dirty="0" smtClean="0">
+                <a:solidFill>
+                  <a:schemeClr val="tx1"/>
+                </a:solidFill>
+                <a:effectLst/>
+                <a:latin typeface="+mn-lt"/>
+                <a:ea typeface="+mn-ea"/>
+                <a:cs typeface="+mn-cs"/>
+              </a:rPr>
+              <a:t>reply </a:t>
+            </a:r>
+            <a:r>
+              <a:rPr lang="zh-CN" altLang="en-US" sz="1200" b="0" i="0" kern="1200" dirty="0" smtClean="0">
+                <a:solidFill>
+                  <a:schemeClr val="tx1"/>
+                </a:solidFill>
+                <a:effectLst/>
+                <a:latin typeface="+mn-lt"/>
+                <a:ea typeface="+mn-ea"/>
+                <a:cs typeface="+mn-cs"/>
+              </a:rPr>
+              <a:t>中。</a:t>
+            </a:r>
+            <a:endParaRPr lang="en-US" altLang="zh-CN" sz="1200" b="0" i="0" kern="1200" dirty="0" smtClean="0">
+              <a:solidFill>
+                <a:schemeClr val="tx1"/>
+              </a:solidFill>
+              <a:effectLst/>
+              <a:latin typeface="+mn-lt"/>
+              <a:ea typeface="+mn-ea"/>
+              <a:cs typeface="+mn-cs"/>
+            </a:endParaRPr>
+          </a:p>
+          <a:p>
+            <a:endParaRPr lang="en-US" altLang="zh-CN" sz="1200" b="0" i="0" kern="1200" dirty="0" smtClean="0">
+              <a:solidFill>
+                <a:schemeClr val="tx1"/>
+              </a:solidFill>
+              <a:effectLst/>
+              <a:latin typeface="+mn-lt"/>
+              <a:ea typeface="+mn-ea"/>
+              <a:cs typeface="+mn-cs"/>
+            </a:endParaRPr>
+          </a:p>
+          <a:p>
+            <a:r>
+              <a:rPr lang="zh-CN" altLang="en-US" dirty="0" smtClean="0"/>
+              <a:t/>
+            </a:r>
+            <a:br>
+              <a:rPr lang="zh-CN" altLang="en-US" dirty="0" smtClean="0"/>
+            </a:br>
+            <a:r>
+              <a:rPr lang="zh-CN" altLang="en-US" sz="1200" b="0" i="0" kern="1200" dirty="0" smtClean="0">
+                <a:solidFill>
+                  <a:schemeClr val="tx1"/>
+                </a:solidFill>
+                <a:effectLst/>
+                <a:latin typeface="+mn-lt"/>
+                <a:ea typeface="+mn-ea"/>
+                <a:cs typeface="+mn-cs"/>
+              </a:rPr>
+              <a:t>当这一切都执行完之后，服务端会向 </a:t>
+            </a:r>
+            <a:r>
+              <a:rPr lang="en-US" altLang="zh-CN" sz="1200" b="0" i="0" kern="1200" dirty="0" smtClean="0">
+                <a:solidFill>
+                  <a:schemeClr val="tx1"/>
+                </a:solidFill>
+                <a:effectLst/>
+                <a:latin typeface="+mn-lt"/>
+                <a:ea typeface="+mn-ea"/>
+                <a:cs typeface="+mn-cs"/>
+              </a:rPr>
+              <a:t>Binder </a:t>
+            </a:r>
+            <a:r>
+              <a:rPr lang="zh-CN" altLang="en-US" sz="1200" b="0" i="0" kern="1200" dirty="0" smtClean="0">
+                <a:solidFill>
+                  <a:schemeClr val="tx1"/>
+                </a:solidFill>
+                <a:effectLst/>
+                <a:latin typeface="+mn-lt"/>
+                <a:ea typeface="+mn-ea"/>
+                <a:cs typeface="+mn-cs"/>
+              </a:rPr>
+              <a:t>驱动发送一个 </a:t>
+            </a:r>
+            <a:r>
+              <a:rPr lang="en-US" altLang="zh-CN" sz="1200" b="0" i="0" kern="1200" dirty="0" smtClean="0">
+                <a:solidFill>
+                  <a:schemeClr val="tx1"/>
+                </a:solidFill>
+                <a:effectLst/>
+                <a:latin typeface="+mn-lt"/>
+                <a:ea typeface="+mn-ea"/>
+                <a:cs typeface="+mn-cs"/>
+              </a:rPr>
+              <a:t>notify </a:t>
+            </a:r>
+            <a:r>
+              <a:rPr lang="zh-CN" altLang="en-US" sz="1200" b="0" i="0" kern="1200" dirty="0" smtClean="0">
+                <a:solidFill>
+                  <a:schemeClr val="tx1"/>
+                </a:solidFill>
+                <a:effectLst/>
+                <a:latin typeface="+mn-lt"/>
+                <a:ea typeface="+mn-ea"/>
+                <a:cs typeface="+mn-cs"/>
+              </a:rPr>
+              <a:t>的消息（客户端线程在调用 </a:t>
+            </a:r>
+            <a:r>
+              <a:rPr lang="en-US" altLang="zh-CN" sz="1200" b="0" i="0" kern="1200" dirty="0" smtClean="0">
+                <a:solidFill>
+                  <a:schemeClr val="tx1"/>
+                </a:solidFill>
+                <a:effectLst/>
+                <a:latin typeface="+mn-lt"/>
+                <a:ea typeface="+mn-ea"/>
+                <a:cs typeface="+mn-cs"/>
+              </a:rPr>
+              <a:t>transact </a:t>
+            </a:r>
+            <a:r>
+              <a:rPr lang="zh-CN" altLang="en-US" sz="1200" b="0" i="0" kern="1200" dirty="0" smtClean="0">
+                <a:solidFill>
+                  <a:schemeClr val="tx1"/>
+                </a:solidFill>
+                <a:effectLst/>
+                <a:latin typeface="+mn-lt"/>
+                <a:ea typeface="+mn-ea"/>
+                <a:cs typeface="+mn-cs"/>
+              </a:rPr>
+              <a:t>的时候，客户端线程会被挂起），从使得客户端线程从 </a:t>
+            </a:r>
+            <a:r>
+              <a:rPr lang="en-US" altLang="zh-CN" sz="1200" b="0" i="0" kern="1200" dirty="0" smtClean="0">
+                <a:solidFill>
+                  <a:schemeClr val="tx1"/>
+                </a:solidFill>
+                <a:effectLst/>
+                <a:latin typeface="+mn-lt"/>
+                <a:ea typeface="+mn-ea"/>
+                <a:cs typeface="+mn-cs"/>
+              </a:rPr>
+              <a:t>Binder </a:t>
+            </a:r>
+            <a:r>
+              <a:rPr lang="zh-CN" altLang="en-US" sz="1200" b="0" i="0" kern="1200" dirty="0" smtClean="0">
+                <a:solidFill>
+                  <a:schemeClr val="tx1"/>
+                </a:solidFill>
+                <a:effectLst/>
+                <a:latin typeface="+mn-lt"/>
+                <a:ea typeface="+mn-ea"/>
+                <a:cs typeface="+mn-cs"/>
+              </a:rPr>
+              <a:t>驱动代码区返回到客户端代码区。</a:t>
+            </a:r>
+            <a:r>
+              <a:rPr lang="zh-CN" altLang="en-US" dirty="0" smtClean="0"/>
+              <a:t/>
+            </a:r>
+            <a:br>
+              <a:rPr lang="zh-CN" altLang="en-US" dirty="0" smtClean="0"/>
+            </a:br>
+            <a:r>
+              <a:rPr lang="zh-CN" altLang="en-US" sz="1200" b="0" i="0" kern="1200" dirty="0" smtClean="0">
+                <a:solidFill>
+                  <a:schemeClr val="tx1"/>
+                </a:solidFill>
+                <a:effectLst/>
+                <a:latin typeface="+mn-lt"/>
+                <a:ea typeface="+mn-ea"/>
+                <a:cs typeface="+mn-cs"/>
+              </a:rPr>
+              <a:t>对于最后一个参数 </a:t>
+            </a:r>
+            <a:r>
+              <a:rPr lang="en-US" altLang="zh-CN" sz="1200" b="0" i="0" kern="1200" dirty="0" smtClean="0">
+                <a:solidFill>
+                  <a:schemeClr val="tx1"/>
+                </a:solidFill>
+                <a:effectLst/>
+                <a:latin typeface="+mn-lt"/>
+                <a:ea typeface="+mn-ea"/>
+                <a:cs typeface="+mn-cs"/>
+              </a:rPr>
+              <a:t>flags </a:t>
+            </a:r>
+            <a:r>
+              <a:rPr lang="zh-CN" altLang="en-US" sz="1200" b="0" i="0" kern="1200" dirty="0" smtClean="0">
+                <a:solidFill>
+                  <a:schemeClr val="tx1"/>
+                </a:solidFill>
+                <a:effectLst/>
+                <a:latin typeface="+mn-lt"/>
+                <a:ea typeface="+mn-ea"/>
+                <a:cs typeface="+mn-cs"/>
+              </a:rPr>
+              <a:t>，表示的是 </a:t>
+            </a:r>
+            <a:r>
+              <a:rPr lang="en-US" altLang="zh-CN" sz="1200" b="0" i="0" kern="1200" dirty="0" smtClean="0">
+                <a:solidFill>
+                  <a:schemeClr val="tx1"/>
+                </a:solidFill>
+                <a:effectLst/>
+                <a:latin typeface="+mn-lt"/>
+                <a:ea typeface="+mn-ea"/>
+                <a:cs typeface="+mn-cs"/>
+              </a:rPr>
+              <a:t>IPC </a:t>
+            </a:r>
+            <a:r>
+              <a:rPr lang="zh-CN" altLang="en-US" sz="1200" b="0" i="0" kern="1200" dirty="0" smtClean="0">
+                <a:solidFill>
+                  <a:schemeClr val="tx1"/>
+                </a:solidFill>
+                <a:effectLst/>
+                <a:latin typeface="+mn-lt"/>
+                <a:ea typeface="+mn-ea"/>
+                <a:cs typeface="+mn-cs"/>
+              </a:rPr>
+              <a:t>调用的模式，分为：双向，用</a:t>
+            </a:r>
+            <a:r>
+              <a:rPr lang="en-US" altLang="zh-CN" sz="1200" b="0" i="0" kern="1200" dirty="0" smtClean="0">
+                <a:solidFill>
+                  <a:schemeClr val="tx1"/>
+                </a:solidFill>
+                <a:effectLst/>
+                <a:latin typeface="+mn-lt"/>
+                <a:ea typeface="+mn-ea"/>
+                <a:cs typeface="+mn-cs"/>
+              </a:rPr>
+              <a:t>0 </a:t>
+            </a:r>
+            <a:r>
+              <a:rPr lang="zh-CN" altLang="en-US" sz="1200" b="0" i="0" kern="1200" dirty="0" smtClean="0">
+                <a:solidFill>
+                  <a:schemeClr val="tx1"/>
+                </a:solidFill>
+                <a:effectLst/>
+                <a:latin typeface="+mn-lt"/>
+                <a:ea typeface="+mn-ea"/>
+                <a:cs typeface="+mn-cs"/>
+              </a:rPr>
+              <a:t>表示，含义是服务端执行完之后会返回一定的数据；还有一种是单向，用</a:t>
+            </a:r>
+            <a:r>
+              <a:rPr lang="en-US" altLang="zh-CN" sz="1200" b="0" i="0" kern="1200" dirty="0" smtClean="0">
+                <a:solidFill>
+                  <a:schemeClr val="tx1"/>
+                </a:solidFill>
+                <a:effectLst/>
+                <a:latin typeface="+mn-lt"/>
+                <a:ea typeface="+mn-ea"/>
+                <a:cs typeface="+mn-cs"/>
+              </a:rPr>
+              <a:t>1 </a:t>
+            </a:r>
+            <a:r>
+              <a:rPr lang="zh-CN" altLang="en-US" sz="1200" b="0" i="0" kern="1200" dirty="0" smtClean="0">
+                <a:solidFill>
+                  <a:schemeClr val="tx1"/>
+                </a:solidFill>
+                <a:effectLst/>
+                <a:latin typeface="+mn-lt"/>
+                <a:ea typeface="+mn-ea"/>
+                <a:cs typeface="+mn-cs"/>
+              </a:rPr>
+              <a:t>表示，含义是不返回任何数据。</a:t>
+            </a:r>
+            <a:r>
+              <a:rPr lang="zh-CN" altLang="en-US" dirty="0" smtClean="0"/>
+              <a:t/>
+            </a:r>
+            <a:br>
+              <a:rPr lang="zh-CN" altLang="en-US" dirty="0" smtClean="0"/>
+            </a:br>
+            <a:r>
+              <a:rPr lang="zh-CN" altLang="en-US" sz="1200" b="0" i="0" kern="1200" dirty="0" smtClean="0">
+                <a:solidFill>
+                  <a:schemeClr val="tx1"/>
+                </a:solidFill>
+                <a:effectLst/>
+                <a:latin typeface="+mn-lt"/>
+                <a:ea typeface="+mn-ea"/>
+                <a:cs typeface="+mn-cs"/>
+              </a:rPr>
+              <a:t>同样的，返回到结果都是在 </a:t>
+            </a:r>
+            <a:r>
+              <a:rPr lang="en-US" altLang="zh-CN" sz="1200" b="0" i="0" kern="1200" dirty="0" smtClean="0">
+                <a:solidFill>
+                  <a:schemeClr val="tx1"/>
+                </a:solidFill>
+                <a:effectLst/>
+                <a:latin typeface="+mn-lt"/>
+                <a:ea typeface="+mn-ea"/>
+                <a:cs typeface="+mn-cs"/>
+              </a:rPr>
+              <a:t>reply </a:t>
+            </a:r>
+            <a:r>
+              <a:rPr lang="zh-CN" altLang="en-US" sz="1200" b="0" i="0" kern="1200" dirty="0" smtClean="0">
+                <a:solidFill>
+                  <a:schemeClr val="tx1"/>
+                </a:solidFill>
+                <a:effectLst/>
+                <a:latin typeface="+mn-lt"/>
+                <a:ea typeface="+mn-ea"/>
+                <a:cs typeface="+mn-cs"/>
+              </a:rPr>
+              <a:t>中，客户端从这个 </a:t>
+            </a:r>
+            <a:r>
+              <a:rPr lang="en-US" altLang="zh-CN" sz="1200" b="0" i="0" kern="1200" dirty="0" smtClean="0">
+                <a:solidFill>
+                  <a:schemeClr val="tx1"/>
+                </a:solidFill>
+                <a:effectLst/>
+                <a:latin typeface="+mn-lt"/>
+                <a:ea typeface="+mn-ea"/>
+                <a:cs typeface="+mn-cs"/>
+              </a:rPr>
+              <a:t>reply </a:t>
+            </a:r>
+            <a:r>
+              <a:rPr lang="zh-CN" altLang="en-US" sz="1200" b="0" i="0" kern="1200" dirty="0" smtClean="0">
+                <a:solidFill>
+                  <a:schemeClr val="tx1"/>
+                </a:solidFill>
+                <a:effectLst/>
+                <a:latin typeface="+mn-lt"/>
+                <a:ea typeface="+mn-ea"/>
+                <a:cs typeface="+mn-cs"/>
+              </a:rPr>
+              <a:t>中取的数据，这部分顺序也必须实现约定好。</a:t>
+            </a:r>
+            <a:endParaRPr lang="zh-CN" altLang="en-US" dirty="0"/>
+          </a:p>
+        </p:txBody>
+      </p:sp>
+      <p:sp>
+        <p:nvSpPr>
+          <p:cNvPr id="4" name="灯片编号占位符 3"/>
+          <p:cNvSpPr>
+            <a:spLocks noGrp="1"/>
+          </p:cNvSpPr>
+          <p:nvPr>
+            <p:ph type="sldNum" sz="quarter" idx="10"/>
+          </p:nvPr>
+        </p:nvSpPr>
+        <p:spPr/>
+        <p:txBody>
+          <a:bodyPr/>
+          <a:lstStyle/>
+          <a:p>
+            <a:fld id="{48625887-CC43-44E8-B751-E53E56EEA21E}" type="slidenum">
+              <a:rPr lang="zh-CN" altLang="en-US" smtClean="0"/>
+              <a:pPr/>
+              <a:t>16</a:t>
+            </a:fld>
+            <a:endParaRPr lang="zh-CN" altLang="en-US"/>
+          </a:p>
+        </p:txBody>
+      </p:sp>
+    </p:spTree>
+    <p:extLst>
+      <p:ext uri="{BB962C8B-B14F-4D97-AF65-F5344CB8AC3E}">
+        <p14:creationId xmlns:p14="http://schemas.microsoft.com/office/powerpoint/2010/main" val="2320040799"/>
+      </p:ext>
+    </p:extLst>
+  </p:cSld>
+  <p:clrMapOvr>
+    <a:masterClrMapping/>
+  </p:clrMapOvr>
+</p:notes>
+</file>
+
+<file path=ppt/notesSlides/notesSlide5.xml><?xml version="1.0" encoding="utf-8"?>
+<p:notes xmlns:a="http://schemas.openxmlformats.org/drawingml/2006/main" xmlns:r="http://schemas.openxmlformats.org/officeDocument/2006/relationships" xmlns:p="http://schemas.openxmlformats.org/presentationml/2006/main">
+  <p:cSld>
+    <p:spTree>
+      <p:nvGrpSpPr>
+        <p:cNvPr id="1" name=""/>
+        <p:cNvGrpSpPr/>
+        <p:nvPr/>
+      </p:nvGrpSpPr>
+      <p:grpSpPr>
+        <a:xfrm>
+          <a:off x="0" y="0"/>
+          <a:ext cx="0" cy="0"/>
+          <a:chOff x="0" y="0"/>
+          <a:chExt cx="0" cy="0"/>
+        </a:xfrm>
+      </p:grpSpPr>
+      <p:sp>
+        <p:nvSpPr>
+          <p:cNvPr id="2" name="幻灯片图像占位符 1"/>
+          <p:cNvSpPr>
+            <a:spLocks noGrp="1" noRot="1" noChangeAspect="1"/>
+          </p:cNvSpPr>
+          <p:nvPr>
+            <p:ph type="sldImg"/>
+          </p:nvPr>
+        </p:nvSpPr>
+        <p:spPr/>
+      </p:sp>
+      <p:sp>
+        <p:nvSpPr>
+          <p:cNvPr id="3" name="备注占位符 2"/>
+          <p:cNvSpPr>
+            <a:spLocks noGrp="1"/>
+          </p:cNvSpPr>
+          <p:nvPr>
+            <p:ph type="body" idx="1"/>
+          </p:nvPr>
+        </p:nvSpPr>
+        <p:spPr/>
+        <p:txBody>
+          <a:bodyPr/>
+          <a:lstStyle/>
+          <a:p>
+            <a:r>
+              <a:rPr lang="zh-CN" altLang="en-US" sz="1200" b="0" i="0" kern="1200" dirty="0" smtClean="0">
+                <a:solidFill>
+                  <a:schemeClr val="tx1"/>
+                </a:solidFill>
+                <a:effectLst/>
+                <a:latin typeface="+mn-lt"/>
+                <a:ea typeface="+mn-ea"/>
+                <a:cs typeface="+mn-cs"/>
+              </a:rPr>
+              <a:t>当然完全可以不使用 </a:t>
+            </a:r>
+            <a:r>
+              <a:rPr lang="en-US" altLang="zh-CN" sz="1200" b="0" i="0" kern="1200" dirty="0" smtClean="0">
+                <a:solidFill>
+                  <a:schemeClr val="tx1"/>
+                </a:solidFill>
+                <a:effectLst/>
+                <a:latin typeface="+mn-lt"/>
+                <a:ea typeface="+mn-ea"/>
+                <a:cs typeface="+mn-cs"/>
+              </a:rPr>
+              <a:t>service </a:t>
+            </a:r>
+            <a:r>
+              <a:rPr lang="zh-CN" altLang="en-US" sz="1200" b="0" i="0" kern="1200" dirty="0" smtClean="0">
+                <a:solidFill>
+                  <a:schemeClr val="tx1"/>
+                </a:solidFill>
+                <a:effectLst/>
+                <a:latin typeface="+mn-lt"/>
+                <a:ea typeface="+mn-ea"/>
+                <a:cs typeface="+mn-cs"/>
+              </a:rPr>
+              <a:t>类，而是仅仅基于 </a:t>
+            </a:r>
+            <a:r>
+              <a:rPr lang="en-US" altLang="zh-CN" sz="1200" b="0" i="0" kern="1200" dirty="0" smtClean="0">
+                <a:solidFill>
+                  <a:schemeClr val="tx1"/>
+                </a:solidFill>
+                <a:effectLst/>
+                <a:latin typeface="+mn-lt"/>
+                <a:ea typeface="+mn-ea"/>
+                <a:cs typeface="+mn-cs"/>
+              </a:rPr>
+              <a:t>Binder </a:t>
+            </a:r>
+            <a:r>
+              <a:rPr lang="zh-CN" altLang="en-US" sz="1200" b="0" i="0" kern="1200" dirty="0" smtClean="0">
+                <a:solidFill>
+                  <a:schemeClr val="tx1"/>
+                </a:solidFill>
+                <a:effectLst/>
+                <a:latin typeface="+mn-lt"/>
+                <a:ea typeface="+mn-ea"/>
+                <a:cs typeface="+mn-cs"/>
+              </a:rPr>
+              <a:t>类编写服务程序，然而这个只是一部分。</a:t>
+            </a:r>
+            <a:endParaRPr lang="en-US" altLang="zh-CN" sz="1200" b="0" i="0" kern="1200" dirty="0" smtClean="0">
+              <a:solidFill>
+                <a:schemeClr val="tx1"/>
+              </a:solidFill>
+              <a:effectLst/>
+              <a:latin typeface="+mn-lt"/>
+              <a:ea typeface="+mn-ea"/>
+              <a:cs typeface="+mn-cs"/>
+            </a:endParaRPr>
+          </a:p>
+          <a:p>
+            <a:endParaRPr lang="en-US" altLang="zh-CN" sz="1200" b="0" i="0" kern="1200" dirty="0" smtClean="0">
+              <a:solidFill>
+                <a:schemeClr val="tx1"/>
+              </a:solidFill>
+              <a:effectLst/>
+              <a:latin typeface="+mn-lt"/>
+              <a:ea typeface="+mn-ea"/>
+              <a:cs typeface="+mn-cs"/>
+            </a:endParaRPr>
+          </a:p>
+          <a:p>
+            <a:r>
+              <a:rPr lang="zh-CN" altLang="en-US" sz="1200" b="0" i="0" kern="1200" dirty="0" smtClean="0">
+                <a:solidFill>
+                  <a:schemeClr val="tx1"/>
+                </a:solidFill>
+                <a:effectLst/>
+                <a:latin typeface="+mn-lt"/>
+                <a:ea typeface="+mn-ea"/>
+                <a:cs typeface="+mn-cs"/>
+              </a:rPr>
+              <a:t>具体来说，可以仅仅使用 </a:t>
+            </a:r>
+            <a:r>
+              <a:rPr lang="en-US" altLang="zh-CN" sz="1200" b="0" i="0" kern="1200" dirty="0" smtClean="0">
+                <a:solidFill>
+                  <a:schemeClr val="tx1"/>
+                </a:solidFill>
+                <a:effectLst/>
+                <a:latin typeface="+mn-lt"/>
+                <a:ea typeface="+mn-ea"/>
+                <a:cs typeface="+mn-cs"/>
+              </a:rPr>
+              <a:t>Binder </a:t>
+            </a:r>
+            <a:r>
+              <a:rPr lang="zh-CN" altLang="en-US" sz="1200" b="0" i="0" kern="1200" dirty="0" smtClean="0">
+                <a:solidFill>
+                  <a:schemeClr val="tx1"/>
+                </a:solidFill>
+                <a:effectLst/>
+                <a:latin typeface="+mn-lt"/>
+                <a:ea typeface="+mn-ea"/>
+                <a:cs typeface="+mn-cs"/>
+              </a:rPr>
+              <a:t>类扩展系统服务，对于客户端服务则必须是基于 </a:t>
+            </a:r>
+            <a:r>
+              <a:rPr lang="en-US" altLang="zh-CN" sz="1200" b="0" i="0" kern="1200" dirty="0" smtClean="0">
+                <a:solidFill>
+                  <a:schemeClr val="tx1"/>
+                </a:solidFill>
+                <a:effectLst/>
+                <a:latin typeface="+mn-lt"/>
+                <a:ea typeface="+mn-ea"/>
+                <a:cs typeface="+mn-cs"/>
+              </a:rPr>
+              <a:t>service </a:t>
+            </a:r>
+            <a:r>
+              <a:rPr lang="zh-CN" altLang="en-US" sz="1200" b="0" i="0" kern="1200" dirty="0" smtClean="0">
+                <a:solidFill>
+                  <a:schemeClr val="tx1"/>
+                </a:solidFill>
+                <a:effectLst/>
+                <a:latin typeface="+mn-lt"/>
+                <a:ea typeface="+mn-ea"/>
+                <a:cs typeface="+mn-cs"/>
+              </a:rPr>
+              <a:t>类来编写的。</a:t>
+            </a:r>
+            <a:endParaRPr lang="en-US" altLang="zh-CN" sz="1200" b="0" i="0" kern="1200" dirty="0" smtClean="0">
+              <a:solidFill>
+                <a:schemeClr val="tx1"/>
+              </a:solidFill>
+              <a:effectLst/>
+              <a:latin typeface="+mn-lt"/>
+              <a:ea typeface="+mn-ea"/>
+              <a:cs typeface="+mn-cs"/>
+            </a:endParaRPr>
+          </a:p>
+          <a:p>
+            <a:endParaRPr lang="en-US" altLang="zh-CN" sz="1200" b="0" i="0" kern="1200" dirty="0" smtClean="0">
+              <a:solidFill>
+                <a:schemeClr val="tx1"/>
+              </a:solidFill>
+              <a:effectLst/>
+              <a:latin typeface="+mn-lt"/>
+              <a:ea typeface="+mn-ea"/>
+              <a:cs typeface="+mn-cs"/>
+            </a:endParaRPr>
+          </a:p>
+          <a:p>
+            <a:r>
+              <a:rPr lang="zh-CN" altLang="en-US" sz="1200" b="0" i="0" kern="1200" dirty="0" smtClean="0">
+                <a:solidFill>
+                  <a:schemeClr val="tx1"/>
+                </a:solidFill>
+                <a:effectLst/>
+                <a:latin typeface="+mn-lt"/>
+                <a:ea typeface="+mn-ea"/>
+                <a:cs typeface="+mn-cs"/>
+              </a:rPr>
+              <a:t>系统服务是指那些通过 </a:t>
+            </a:r>
+            <a:r>
+              <a:rPr lang="en-US" altLang="zh-CN" sz="1200" b="0" i="0" kern="1200" dirty="0" err="1" smtClean="0">
+                <a:solidFill>
+                  <a:schemeClr val="tx1"/>
+                </a:solidFill>
+                <a:effectLst/>
+                <a:latin typeface="+mn-lt"/>
+                <a:ea typeface="+mn-ea"/>
+                <a:cs typeface="+mn-cs"/>
+              </a:rPr>
+              <a:t>getSystemService</a:t>
+            </a:r>
+            <a:r>
+              <a:rPr lang="en-US" altLang="zh-CN" sz="1200" b="0" i="0" kern="1200" dirty="0" smtClean="0">
+                <a:solidFill>
+                  <a:schemeClr val="tx1"/>
+                </a:solidFill>
+                <a:effectLst/>
+                <a:latin typeface="+mn-lt"/>
+                <a:ea typeface="+mn-ea"/>
+                <a:cs typeface="+mn-cs"/>
+              </a:rPr>
+              <a:t> </a:t>
+            </a:r>
+            <a:r>
+              <a:rPr lang="zh-CN" altLang="en-US" sz="1200" b="0" i="0" kern="1200" dirty="0" smtClean="0">
+                <a:solidFill>
+                  <a:schemeClr val="tx1"/>
+                </a:solidFill>
+                <a:effectLst/>
+                <a:latin typeface="+mn-lt"/>
+                <a:ea typeface="+mn-ea"/>
+                <a:cs typeface="+mn-cs"/>
+              </a:rPr>
+              <a:t>方法获取的服务，而客户端服务是指应用程序提供的自定义服务。</a:t>
+            </a:r>
+            <a:endParaRPr lang="en-US" altLang="zh-CN" sz="1200" b="0" i="0" kern="1200" dirty="0" smtClean="0">
+              <a:solidFill>
+                <a:schemeClr val="tx1"/>
+              </a:solidFill>
+              <a:effectLst/>
+              <a:latin typeface="+mn-lt"/>
+              <a:ea typeface="+mn-ea"/>
+              <a:cs typeface="+mn-cs"/>
+            </a:endParaRPr>
+          </a:p>
+          <a:p>
+            <a:r>
+              <a:rPr lang="zh-CN" altLang="en-US" dirty="0" smtClean="0"/>
+              <a:t/>
+            </a:r>
+            <a:br>
+              <a:rPr lang="zh-CN" altLang="en-US" dirty="0" smtClean="0"/>
+            </a:br>
+            <a:r>
+              <a:rPr lang="zh-CN" altLang="en-US" sz="1200" b="0" i="0" kern="1200" dirty="0" smtClean="0">
+                <a:solidFill>
+                  <a:schemeClr val="tx1"/>
+                </a:solidFill>
+                <a:effectLst/>
+                <a:latin typeface="+mn-lt"/>
+                <a:ea typeface="+mn-ea"/>
+                <a:cs typeface="+mn-cs"/>
+              </a:rPr>
+              <a:t>也就是说，扩展系统服务的时候，可以完全只使用 </a:t>
+            </a:r>
+            <a:r>
+              <a:rPr lang="en-US" altLang="zh-CN" sz="1200" b="0" i="0" kern="1200" dirty="0" smtClean="0">
+                <a:solidFill>
+                  <a:schemeClr val="tx1"/>
+                </a:solidFill>
+                <a:effectLst/>
+                <a:latin typeface="+mn-lt"/>
+                <a:ea typeface="+mn-ea"/>
+                <a:cs typeface="+mn-cs"/>
+              </a:rPr>
+              <a:t>Binder </a:t>
+            </a:r>
+            <a:r>
+              <a:rPr lang="zh-CN" altLang="en-US" sz="1200" b="0" i="0" kern="1200" dirty="0" smtClean="0">
+                <a:solidFill>
+                  <a:schemeClr val="tx1"/>
+                </a:solidFill>
+                <a:effectLst/>
+                <a:latin typeface="+mn-lt"/>
+                <a:ea typeface="+mn-ea"/>
+                <a:cs typeface="+mn-cs"/>
+              </a:rPr>
+              <a:t>类；而对于客户端的服务则必须基于 </a:t>
+            </a:r>
+            <a:r>
+              <a:rPr lang="en-US" altLang="zh-CN" sz="1200" b="0" i="0" kern="1200" dirty="0" smtClean="0">
+                <a:solidFill>
+                  <a:schemeClr val="tx1"/>
+                </a:solidFill>
+                <a:effectLst/>
+                <a:latin typeface="+mn-lt"/>
+                <a:ea typeface="+mn-ea"/>
+                <a:cs typeface="+mn-cs"/>
+              </a:rPr>
+              <a:t>service</a:t>
+            </a:r>
+            <a:r>
+              <a:rPr lang="zh-CN" altLang="en-US" sz="1200" b="0" i="0" kern="1200" dirty="0" smtClean="0">
+                <a:solidFill>
+                  <a:schemeClr val="tx1"/>
+                </a:solidFill>
+                <a:effectLst/>
+                <a:latin typeface="+mn-lt"/>
+                <a:ea typeface="+mn-ea"/>
+                <a:cs typeface="+mn-cs"/>
+              </a:rPr>
+              <a:t>。</a:t>
+            </a:r>
+            <a:endParaRPr lang="zh-CN" altLang="en-US" dirty="0"/>
+          </a:p>
+        </p:txBody>
+      </p:sp>
+      <p:sp>
+        <p:nvSpPr>
+          <p:cNvPr id="4" name="灯片编号占位符 3"/>
+          <p:cNvSpPr>
+            <a:spLocks noGrp="1"/>
+          </p:cNvSpPr>
+          <p:nvPr>
+            <p:ph type="sldNum" sz="quarter" idx="10"/>
+          </p:nvPr>
+        </p:nvSpPr>
+        <p:spPr/>
+        <p:txBody>
+          <a:bodyPr/>
+          <a:lstStyle/>
+          <a:p>
+            <a:fld id="{48625887-CC43-44E8-B751-E53E56EEA21E}" type="slidenum">
+              <a:rPr lang="zh-CN" altLang="en-US" smtClean="0"/>
+              <a:pPr/>
+              <a:t>17</a:t>
+            </a:fld>
+            <a:endParaRPr lang="zh-CN" altLang="en-US"/>
+          </a:p>
+        </p:txBody>
+      </p:sp>
+    </p:spTree>
+    <p:extLst>
+      <p:ext uri="{BB962C8B-B14F-4D97-AF65-F5344CB8AC3E}">
+        <p14:creationId xmlns:p14="http://schemas.microsoft.com/office/powerpoint/2010/main" val="3937757545"/>
+      </p:ext>
+    </p:extLst>
+  </p:cSld>
+  <p:clrMapOvr>
+    <a:masterClrMapping/>
+  </p:clrMapOvr>
+</p:notes>
+</file>
+
+<file path=ppt/notesSlides/notesSlide6.xml><?xml version="1.0" encoding="utf-8"?>
+<p:notes xmlns:a="http://schemas.openxmlformats.org/drawingml/2006/main" xmlns:r="http://schemas.openxmlformats.org/officeDocument/2006/relationships" xmlns:p="http://schemas.openxmlformats.org/presentationml/2006/main">
+  <p:cSld>
+    <p:spTree>
+      <p:nvGrpSpPr>
+        <p:cNvPr id="1" name=""/>
+        <p:cNvGrpSpPr/>
+        <p:nvPr/>
+      </p:nvGrpSpPr>
+      <p:grpSpPr>
+        <a:xfrm>
+          <a:off x="0" y="0"/>
+          <a:ext cx="0" cy="0"/>
+          <a:chOff x="0" y="0"/>
+          <a:chExt cx="0" cy="0"/>
+        </a:xfrm>
+      </p:grpSpPr>
+      <p:sp>
+        <p:nvSpPr>
+          <p:cNvPr id="2" name="幻灯片图像占位符 1"/>
+          <p:cNvSpPr>
+            <a:spLocks noGrp="1" noRot="1" noChangeAspect="1"/>
+          </p:cNvSpPr>
+          <p:nvPr>
+            <p:ph type="sldImg"/>
+          </p:nvPr>
+        </p:nvSpPr>
+        <p:spPr/>
+      </p:sp>
+      <p:sp>
+        <p:nvSpPr>
+          <p:cNvPr id="3" name="备注占位符 2"/>
+          <p:cNvSpPr>
+            <a:spLocks noGrp="1"/>
+          </p:cNvSpPr>
+          <p:nvPr>
+            <p:ph type="body" idx="1"/>
+          </p:nvPr>
+        </p:nvSpPr>
+        <p:spPr/>
+        <p:txBody>
+          <a:bodyPr/>
+          <a:lstStyle/>
+          <a:p>
+            <a:endParaRPr lang="zh-CN" altLang="en-US" dirty="0"/>
+          </a:p>
+        </p:txBody>
+      </p:sp>
+      <p:sp>
+        <p:nvSpPr>
+          <p:cNvPr id="4" name="灯片编号占位符 3"/>
+          <p:cNvSpPr>
+            <a:spLocks noGrp="1"/>
+          </p:cNvSpPr>
+          <p:nvPr>
+            <p:ph type="sldNum" sz="quarter" idx="10"/>
+          </p:nvPr>
+        </p:nvSpPr>
+        <p:spPr/>
+        <p:txBody>
+          <a:bodyPr/>
+          <a:lstStyle/>
+          <a:p>
+            <a:fld id="{48625887-CC43-44E8-B751-E53E56EEA21E}" type="slidenum">
+              <a:rPr lang="zh-CN" altLang="en-US" smtClean="0"/>
+              <a:pPr/>
+              <a:t>18</a:t>
+            </a:fld>
+            <a:endParaRPr lang="zh-CN" altLang="en-US"/>
+          </a:p>
+        </p:txBody>
+      </p:sp>
+    </p:spTree>
+    <p:extLst>
+      <p:ext uri="{BB962C8B-B14F-4D97-AF65-F5344CB8AC3E}">
+        <p14:creationId xmlns:p14="http://schemas.microsoft.com/office/powerpoint/2010/main" val="363033478"/>
+      </p:ext>
+    </p:extLst>
+  </p:cSld>
+  <p:clrMapOvr>
+    <a:masterClrMapping/>
+  </p:clrMapOvr>
+</p:notes>
+</file>
+
+<file path=ppt/notesSlides/notesSlide7.xml><?xml version="1.0" encoding="utf-8"?>
+<p:notes xmlns:a="http://schemas.openxmlformats.org/drawingml/2006/main" xmlns:r="http://schemas.openxmlformats.org/officeDocument/2006/relationships" xmlns:p="http://schemas.openxmlformats.org/presentationml/2006/main">
+  <p:cSld>
+    <p:spTree>
+      <p:nvGrpSpPr>
+        <p:cNvPr id="1" name=""/>
+        <p:cNvGrpSpPr/>
+        <p:nvPr/>
+      </p:nvGrpSpPr>
+      <p:grpSpPr>
+        <a:xfrm>
+          <a:off x="0" y="0"/>
+          <a:ext cx="0" cy="0"/>
+          <a:chOff x="0" y="0"/>
+          <a:chExt cx="0" cy="0"/>
+        </a:xfrm>
+      </p:grpSpPr>
+      <p:sp>
+        <p:nvSpPr>
+          <p:cNvPr id="2" name="幻灯片图像占位符 1"/>
+          <p:cNvSpPr>
+            <a:spLocks noGrp="1" noRot="1" noChangeAspect="1"/>
+          </p:cNvSpPr>
+          <p:nvPr>
+            <p:ph type="sldImg"/>
+          </p:nvPr>
+        </p:nvSpPr>
+        <p:spPr/>
+      </p:sp>
+      <p:sp>
+        <p:nvSpPr>
+          <p:cNvPr id="3" name="备注占位符 2"/>
+          <p:cNvSpPr>
+            <a:spLocks noGrp="1"/>
+          </p:cNvSpPr>
+          <p:nvPr>
+            <p:ph type="body" idx="1"/>
+          </p:nvPr>
+        </p:nvSpPr>
+        <p:spPr/>
+        <p:txBody>
+          <a:bodyPr/>
+          <a:lstStyle/>
+          <a:p>
+            <a:endParaRPr lang="en-US" altLang="zh-CN" dirty="0" smtClean="0"/>
+          </a:p>
+          <a:p>
+            <a:r>
+              <a:rPr lang="zh-CN" altLang="en-US" dirty="0" smtClean="0"/>
+              <a:t>具体的运行过程中，当客户端请求启动 </a:t>
+            </a:r>
+            <a:r>
+              <a:rPr lang="en-US" altLang="zh-CN" dirty="0" smtClean="0"/>
+              <a:t>service </a:t>
+            </a:r>
+            <a:r>
+              <a:rPr lang="zh-CN" altLang="en-US" dirty="0" smtClean="0"/>
+              <a:t>的时候，请求就会通过 </a:t>
+            </a:r>
+            <a:r>
+              <a:rPr lang="en-US" altLang="zh-CN" dirty="0" err="1" smtClean="0"/>
+              <a:t>Ams</a:t>
+            </a:r>
+            <a:r>
+              <a:rPr lang="en-US" altLang="zh-CN" dirty="0" smtClean="0"/>
+              <a:t> </a:t>
+            </a:r>
+            <a:r>
+              <a:rPr lang="zh-CN" altLang="en-US" dirty="0" smtClean="0"/>
+              <a:t>发出，若 </a:t>
+            </a:r>
+            <a:r>
+              <a:rPr lang="en-US" altLang="zh-CN" dirty="0" smtClean="0"/>
+              <a:t>service </a:t>
+            </a:r>
+            <a:r>
+              <a:rPr lang="zh-CN" altLang="en-US" dirty="0" smtClean="0"/>
+              <a:t>正常启动了，那么 </a:t>
+            </a:r>
+            <a:r>
+              <a:rPr lang="en-US" altLang="zh-CN" dirty="0" err="1" smtClean="0"/>
+              <a:t>Ams</a:t>
+            </a:r>
+            <a:r>
+              <a:rPr lang="en-US" altLang="zh-CN" dirty="0" smtClean="0"/>
+              <a:t> </a:t>
+            </a:r>
+            <a:r>
+              <a:rPr lang="zh-CN" altLang="en-US" dirty="0" smtClean="0"/>
+              <a:t>就会远程调用 </a:t>
+            </a:r>
+            <a:r>
+              <a:rPr lang="en-US" altLang="zh-CN" dirty="0" err="1" smtClean="0"/>
+              <a:t>ActivityThread</a:t>
+            </a:r>
+            <a:r>
+              <a:rPr lang="en-US" altLang="zh-CN" dirty="0" smtClean="0"/>
+              <a:t> </a:t>
+            </a:r>
+            <a:r>
+              <a:rPr lang="zh-CN" altLang="en-US" dirty="0" smtClean="0"/>
+              <a:t>类中的 </a:t>
+            </a:r>
+            <a:r>
+              <a:rPr lang="en-US" altLang="zh-CN" dirty="0" err="1" smtClean="0"/>
+              <a:t>ApplicationThread</a:t>
+            </a:r>
+            <a:r>
+              <a:rPr lang="en-US" altLang="zh-CN" dirty="0" smtClean="0"/>
+              <a:t> </a:t>
+            </a:r>
+            <a:r>
+              <a:rPr lang="zh-CN" altLang="en-US" dirty="0" smtClean="0"/>
+              <a:t>对象，调用的参数就包含了 </a:t>
+            </a:r>
+            <a:r>
+              <a:rPr lang="en-US" altLang="zh-CN" dirty="0" smtClean="0"/>
+              <a:t>service </a:t>
+            </a:r>
+            <a:r>
+              <a:rPr lang="zh-CN" altLang="en-US" dirty="0" smtClean="0"/>
+              <a:t>的 </a:t>
+            </a:r>
+            <a:r>
+              <a:rPr lang="en-US" altLang="zh-CN" dirty="0" smtClean="0"/>
+              <a:t>Binder </a:t>
+            </a:r>
+            <a:r>
+              <a:rPr lang="zh-CN" altLang="en-US" dirty="0" smtClean="0"/>
+              <a:t>对象的引用，然后在 </a:t>
+            </a:r>
+            <a:r>
+              <a:rPr lang="en-US" altLang="zh-CN" dirty="0" err="1" smtClean="0"/>
+              <a:t>ApplicationThread</a:t>
+            </a:r>
+            <a:r>
+              <a:rPr lang="en-US" altLang="zh-CN" dirty="0" smtClean="0"/>
+              <a:t> </a:t>
+            </a:r>
+            <a:r>
+              <a:rPr lang="zh-CN" altLang="en-US" dirty="0" smtClean="0"/>
+              <a:t>中回调 </a:t>
+            </a:r>
+            <a:r>
+              <a:rPr lang="en-US" altLang="zh-CN" dirty="0" err="1" smtClean="0"/>
+              <a:t>bindService</a:t>
+            </a:r>
+            <a:r>
+              <a:rPr lang="en-US" altLang="zh-CN" dirty="0" smtClean="0"/>
+              <a:t> </a:t>
+            </a:r>
+            <a:r>
+              <a:rPr lang="zh-CN" altLang="en-US" dirty="0" smtClean="0"/>
+              <a:t>的第二个参数 </a:t>
+            </a:r>
+            <a:r>
+              <a:rPr lang="en-US" altLang="zh-CN" dirty="0" err="1" smtClean="0"/>
+              <a:t>ServiceConnection</a:t>
+            </a:r>
+            <a:r>
+              <a:rPr lang="en-US" altLang="zh-CN" dirty="0" smtClean="0"/>
+              <a:t> </a:t>
+            </a:r>
+            <a:r>
+              <a:rPr lang="zh-CN" altLang="en-US" dirty="0" smtClean="0"/>
+              <a:t>的方法 </a:t>
+            </a:r>
+            <a:r>
+              <a:rPr lang="en-US" altLang="zh-CN" dirty="0" err="1" smtClean="0"/>
+              <a:t>onServiceConnected</a:t>
+            </a:r>
+            <a:r>
+              <a:rPr lang="en-US" altLang="zh-CN" dirty="0" smtClean="0"/>
+              <a:t> </a:t>
+            </a:r>
+            <a:r>
+              <a:rPr lang="zh-CN" altLang="en-US" dirty="0" smtClean="0"/>
+              <a:t>，将 </a:t>
+            </a:r>
+            <a:r>
+              <a:rPr lang="en-US" altLang="zh-CN" dirty="0" smtClean="0"/>
+              <a:t>Binder </a:t>
+            </a:r>
+            <a:r>
+              <a:rPr lang="zh-CN" altLang="en-US" dirty="0" smtClean="0"/>
+              <a:t>引用传递回客户端，这样客户端就拿到了远程服务的 </a:t>
+            </a:r>
+            <a:r>
+              <a:rPr lang="en-US" altLang="zh-CN" dirty="0" smtClean="0"/>
+              <a:t>Binder </a:t>
+            </a:r>
+            <a:r>
+              <a:rPr lang="zh-CN" altLang="en-US" dirty="0" smtClean="0"/>
+              <a:t>对象引用。在实际操作中，常常可以这个 </a:t>
+            </a:r>
+            <a:r>
+              <a:rPr lang="en-US" altLang="zh-CN" dirty="0" smtClean="0"/>
+              <a:t>Binder </a:t>
+            </a:r>
+            <a:r>
+              <a:rPr lang="zh-CN" altLang="en-US" dirty="0" smtClean="0"/>
+              <a:t>对象引用设置成一个全局变量，可以在客户端的任何地方都可以访问到。</a:t>
+            </a:r>
+          </a:p>
+          <a:p>
+            <a:endParaRPr lang="zh-CN" altLang="en-US" dirty="0"/>
+          </a:p>
+        </p:txBody>
+      </p:sp>
+      <p:sp>
+        <p:nvSpPr>
+          <p:cNvPr id="4" name="灯片编号占位符 3"/>
+          <p:cNvSpPr>
+            <a:spLocks noGrp="1"/>
+          </p:cNvSpPr>
+          <p:nvPr>
+            <p:ph type="sldNum" sz="quarter" idx="10"/>
+          </p:nvPr>
+        </p:nvSpPr>
+        <p:spPr/>
+        <p:txBody>
+          <a:bodyPr/>
+          <a:lstStyle/>
+          <a:p>
+            <a:fld id="{48625887-CC43-44E8-B751-E53E56EEA21E}" type="slidenum">
+              <a:rPr lang="zh-CN" altLang="en-US" smtClean="0"/>
+              <a:pPr/>
+              <a:t>19</a:t>
+            </a:fld>
+            <a:endParaRPr lang="zh-CN" altLang="en-US"/>
+          </a:p>
+        </p:txBody>
+      </p:sp>
+    </p:spTree>
+    <p:extLst>
+      <p:ext uri="{BB962C8B-B14F-4D97-AF65-F5344CB8AC3E}">
+        <p14:creationId xmlns:p14="http://schemas.microsoft.com/office/powerpoint/2010/main" val="2556939979"/>
+      </p:ext>
+    </p:extLst>
+  </p:cSld>
+  <p:clrMapOvr>
+    <a:masterClrMapping/>
+  </p:clrMapOvr>
+</p:notes>
+</file>
+
 <file path=ppt/slideLayouts/slideLayout1.xml><?xml version="1.0" encoding="utf-8"?>
 <p:sldLayout xmlns:a="http://schemas.openxmlformats.org/drawingml/2006/main" xmlns:r="http://schemas.openxmlformats.org/officeDocument/2006/relationships" xmlns:p="http://schemas.openxmlformats.org/presentationml/2006/main" type="title" preserve="1">
   <p:cSld name="标题幻灯片">
@@ -1190,7 +2552,7 @@
             <a:fld id="{918F5BD1-E764-4D65-9399-12C6B8652A7F}" type="datetimeFigureOut">
               <a:rPr lang="zh-CN" altLang="en-US" smtClean="0"/>
               <a:pPr/>
-              <a:t>2017/6/26</a:t>
+              <a:t>2017/7/3</a:t>
             </a:fld>
             <a:endParaRPr lang="zh-CN" altLang="en-US"/>
           </a:p>
@@ -1379,7 +2741,7 @@
             <a:fld id="{918F5BD1-E764-4D65-9399-12C6B8652A7F}" type="datetimeFigureOut">
               <a:rPr lang="zh-CN" altLang="en-US" smtClean="0"/>
               <a:pPr/>
-              <a:t>2017/6/26</a:t>
+              <a:t>2017/7/3</a:t>
             </a:fld>
             <a:endParaRPr lang="zh-CN" altLang="en-US"/>
           </a:p>
@@ -1578,7 +2940,7 @@
             <a:fld id="{918F5BD1-E764-4D65-9399-12C6B8652A7F}" type="datetimeFigureOut">
               <a:rPr lang="zh-CN" altLang="en-US" smtClean="0"/>
               <a:pPr/>
-              <a:t>2017/6/26</a:t>
+              <a:t>2017/7/3</a:t>
             </a:fld>
             <a:endParaRPr lang="zh-CN" altLang="en-US"/>
           </a:p>
@@ -1767,7 +3129,7 @@
             <a:fld id="{918F5BD1-E764-4D65-9399-12C6B8652A7F}" type="datetimeFigureOut">
               <a:rPr lang="zh-CN" altLang="en-US" smtClean="0"/>
               <a:pPr/>
-              <a:t>2017/6/26</a:t>
+              <a:t>2017/7/3</a:t>
             </a:fld>
             <a:endParaRPr lang="zh-CN" altLang="en-US"/>
           </a:p>
@@ -2033,7 +3395,7 @@
             <a:fld id="{918F5BD1-E764-4D65-9399-12C6B8652A7F}" type="datetimeFigureOut">
               <a:rPr lang="zh-CN" altLang="en-US" smtClean="0"/>
               <a:pPr/>
-              <a:t>2017/6/26</a:t>
+              <a:t>2017/7/3</a:t>
             </a:fld>
             <a:endParaRPr lang="zh-CN" altLang="en-US"/>
           </a:p>
@@ -2339,7 +3701,7 @@
             <a:fld id="{918F5BD1-E764-4D65-9399-12C6B8652A7F}" type="datetimeFigureOut">
               <a:rPr lang="zh-CN" altLang="en-US" smtClean="0"/>
               <a:pPr/>
-              <a:t>2017/6/26</a:t>
+              <a:t>2017/7/3</a:t>
             </a:fld>
             <a:endParaRPr lang="zh-CN" altLang="en-US"/>
           </a:p>
@@ -2784,7 +4146,7 @@
             <a:fld id="{918F5BD1-E764-4D65-9399-12C6B8652A7F}" type="datetimeFigureOut">
               <a:rPr lang="zh-CN" altLang="en-US" smtClean="0"/>
               <a:pPr/>
-              <a:t>2017/6/26</a:t>
+              <a:t>2017/7/3</a:t>
             </a:fld>
             <a:endParaRPr lang="zh-CN" altLang="en-US"/>
           </a:p>
@@ -2922,7 +4284,7 @@
             <a:fld id="{918F5BD1-E764-4D65-9399-12C6B8652A7F}" type="datetimeFigureOut">
               <a:rPr lang="zh-CN" altLang="en-US" smtClean="0"/>
               <a:pPr/>
-              <a:t>2017/6/26</a:t>
+              <a:t>2017/7/3</a:t>
             </a:fld>
             <a:endParaRPr lang="zh-CN" altLang="en-US"/>
           </a:p>
@@ -3038,7 +4400,7 @@
             <a:fld id="{918F5BD1-E764-4D65-9399-12C6B8652A7F}" type="datetimeFigureOut">
               <a:rPr lang="zh-CN" altLang="en-US" smtClean="0"/>
               <a:pPr/>
-              <a:t>2017/6/26</a:t>
+              <a:t>2017/7/3</a:t>
             </a:fld>
             <a:endParaRPr lang="zh-CN" altLang="en-US"/>
           </a:p>
@@ -3334,7 +4696,7 @@
             <a:fld id="{918F5BD1-E764-4D65-9399-12C6B8652A7F}" type="datetimeFigureOut">
               <a:rPr lang="zh-CN" altLang="en-US" smtClean="0"/>
               <a:pPr/>
-              <a:t>2017/6/26</a:t>
+              <a:t>2017/7/3</a:t>
             </a:fld>
             <a:endParaRPr lang="zh-CN" altLang="en-US"/>
           </a:p>
@@ -3607,7 +4969,7 @@
             <a:fld id="{918F5BD1-E764-4D65-9399-12C6B8652A7F}" type="datetimeFigureOut">
               <a:rPr lang="zh-CN" altLang="en-US" smtClean="0"/>
               <a:pPr/>
-              <a:t>2017/6/26</a:t>
+              <a:t>2017/7/3</a:t>
             </a:fld>
             <a:endParaRPr lang="zh-CN" altLang="en-US"/>
           </a:p>
@@ -5350,12 +6712,28 @@
               <a:t>如何使用 </a:t>
             </a:r>
             <a:r>
-              <a:rPr lang="en-US" altLang="zh-CN" smtClean="0">
+              <a:rPr lang="en-US" altLang="zh-CN" dirty="0" smtClean="0">
                 <a:solidFill>
                   <a:srgbClr val="D60093"/>
                 </a:solidFill>
               </a:rPr>
-              <a:t>Binder - </a:t>
+              <a:t>Binder </a:t>
+            </a:r>
+            <a:r>
+              <a:rPr lang="en-US" altLang="zh-CN" dirty="0" smtClean="0">
+                <a:solidFill>
+                  <a:srgbClr val="D60093"/>
+                </a:solidFill>
+              </a:rPr>
+              <a:t>– </a:t>
+            </a:r>
+            <a:r>
+              <a:rPr lang="zh-CN" altLang="en-US" dirty="0" smtClean="0">
+                <a:solidFill>
+                  <a:srgbClr val="D60093"/>
+                </a:solidFill>
+              </a:rPr>
+              <a:t>设计服务端</a:t>
             </a:r>
             <a:endParaRPr lang="zh-CN" altLang="en-US" dirty="0"/>
           </a:p>
@@ -5376,7 +6754,1118 @@
           <a:bodyPr/>
           <a:lstStyle/>
           <a:p>
-            <a:endParaRPr lang="zh-CN" altLang="en-US"/>
+            <a:r>
+              <a:rPr lang="zh-CN" altLang="en-US" dirty="0" smtClean="0"/>
+              <a:t>从代码的角度来说，设</a:t>
+            </a:r>
+            <a:r>
+              <a:rPr lang="zh-CN" altLang="en-US" dirty="0"/>
+              <a:t>计 </a:t>
+            </a:r>
+            <a:r>
+              <a:rPr lang="en-US" altLang="zh-CN" dirty="0" smtClean="0"/>
+              <a:t>Server </a:t>
+            </a:r>
+            <a:r>
+              <a:rPr lang="zh-CN" altLang="en-US" dirty="0"/>
+              <a:t>端只需要新建一个继承 </a:t>
+            </a:r>
+            <a:r>
+              <a:rPr lang="en-US" altLang="zh-CN" dirty="0"/>
+              <a:t>Binder </a:t>
+            </a:r>
+            <a:r>
+              <a:rPr lang="zh-CN" altLang="en-US" dirty="0"/>
+              <a:t>的 </a:t>
+            </a:r>
+            <a:r>
+              <a:rPr lang="en-US" altLang="zh-CN" dirty="0"/>
+              <a:t>service </a:t>
+            </a:r>
+            <a:r>
+              <a:rPr lang="zh-CN" altLang="en-US" dirty="0"/>
+              <a:t>即</a:t>
+            </a:r>
+            <a:r>
+              <a:rPr lang="zh-CN" altLang="en-US" dirty="0" smtClean="0"/>
+              <a:t>可。</a:t>
+            </a:r>
+            <a:endParaRPr lang="en-US" altLang="zh-CN" dirty="0" smtClean="0"/>
+          </a:p>
+          <a:p>
+            <a:endParaRPr lang="en-US" altLang="zh-CN" dirty="0"/>
+          </a:p>
+          <a:p>
+            <a:endParaRPr lang="en-US" altLang="zh-CN" dirty="0" smtClean="0"/>
+          </a:p>
+          <a:p>
+            <a:pPr marL="0" indent="0">
+              <a:buNone/>
+            </a:pPr>
+            <a:r>
+              <a:rPr lang="en-US" altLang="zh-CN" dirty="0"/>
+              <a:t/>
+            </a:r>
+            <a:br>
+              <a:rPr lang="en-US" altLang="zh-CN" dirty="0"/>
+            </a:br>
+            <a:endParaRPr lang="en-US" altLang="zh-CN" dirty="0" smtClean="0"/>
+          </a:p>
+          <a:p>
+            <a:endParaRPr lang="zh-CN" altLang="en-US" dirty="0"/>
+          </a:p>
+        </p:txBody>
+      </p:sp>
+      <p:sp>
+        <p:nvSpPr>
+          <p:cNvPr id="8" name="Rectangle 2"/>
+          <p:cNvSpPr>
+            <a:spLocks noChangeArrowheads="1"/>
+          </p:cNvSpPr>
+          <p:nvPr/>
+        </p:nvSpPr>
+        <p:spPr bwMode="auto">
+          <a:xfrm>
+            <a:off x="683568" y="1505275"/>
+            <a:ext cx="7776864" cy="2492990"/>
+          </a:xfrm>
+          <a:prstGeom prst="rect">
+            <a:avLst/>
+          </a:prstGeom>
+          <a:solidFill>
+            <a:srgbClr val="FFFFE6"/>
+          </a:solidFill>
+          <a:ln>
+            <a:noFill/>
+          </a:ln>
+          <a:effectLst/>
+          <a:extLst>
+            <a:ext uri="{91240B29-F687-4F45-9708-019B960494DF}">
+              <a14:hiddenLine xmlns:a14="http://schemas.microsoft.com/office/drawing/2010/main" w="9525">
+                <a:solidFill>
+                  <a:schemeClr val="tx1"/>
+                </a:solidFill>
+                <a:miter lim="800000"/>
+                <a:headEnd/>
+                <a:tailEnd/>
+              </a14:hiddenLine>
+            </a:ext>
+            <a:ext uri="{AF507438-7753-43E0-B8FC-AC1667EBCBE1}">
+              <a14:hiddenEffects xmlns:a14="http://schemas.microsoft.com/office/drawing/2010/main">
+                <a:effectLst>
+                  <a:outerShdw dist="35921" dir="2700000" algn="ctr" rotWithShape="0">
+                    <a:schemeClr val="bg2"/>
+                  </a:outerShdw>
+                </a:effectLst>
+              </a14:hiddenEffects>
+            </a:ext>
+          </a:extLst>
+        </p:spPr>
+        <p:txBody>
+          <a:bodyPr vert="horz" wrap="square" lIns="91440" tIns="45720" rIns="91440" bIns="45720" numCol="1" anchor="ctr" anchorCtr="0" compatLnSpc="1">
+            <a:prstTxWarp prst="textNoShape">
+              <a:avLst/>
+            </a:prstTxWarp>
+            <a:spAutoFit/>
+          </a:bodyPr>
+          <a:lstStyle/>
+          <a:p>
+            <a:pPr marL="0" marR="0" lvl="0" indent="0" algn="l" defTabSz="914400" rtl="0" eaLnBrk="0" fontAlgn="base" latinLnBrk="0" hangingPunct="0">
+              <a:lnSpc>
+                <a:spcPct val="100000"/>
+              </a:lnSpc>
+              <a:spcBef>
+                <a:spcPct val="0"/>
+              </a:spcBef>
+              <a:spcAft>
+                <a:spcPct val="0"/>
+              </a:spcAft>
+              <a:buClrTx/>
+              <a:buSzTx/>
+              <a:buFontTx/>
+              <a:buNone/>
+              <a:tabLst/>
+            </a:pPr>
+            <a:r>
+              <a:rPr kumimoji="0" lang="zh-CN" altLang="zh-CN" sz="1300" b="1" i="0" u="none" strike="noStrike" cap="none" normalizeH="0" baseline="0" dirty="0" smtClean="0">
+                <a:ln>
+                  <a:noFill/>
+                </a:ln>
+                <a:solidFill>
+                  <a:srgbClr val="0000A0"/>
+                </a:solidFill>
+                <a:effectLst/>
+                <a:latin typeface="宋体" panose="02010600030101010101" pitchFamily="2" charset="-122"/>
+                <a:ea typeface="宋体" panose="02010600030101010101" pitchFamily="2" charset="-122"/>
+              </a:rPr>
+              <a:t>public class </a:t>
+            </a:r>
+            <a:r>
+              <a:rPr kumimoji="0" lang="zh-CN" altLang="zh-CN" sz="1300" b="0" i="0" u="none" strike="noStrike" cap="none" normalizeH="0" baseline="0" dirty="0" smtClean="0">
+                <a:ln>
+                  <a:noFill/>
+                </a:ln>
+                <a:solidFill>
+                  <a:srgbClr val="800000"/>
+                </a:solidFill>
+                <a:effectLst/>
+                <a:latin typeface="宋体" panose="02010600030101010101" pitchFamily="2" charset="-122"/>
+                <a:ea typeface="宋体" panose="02010600030101010101" pitchFamily="2" charset="-122"/>
+              </a:rPr>
+              <a:t>MusicPlayService </a:t>
+            </a:r>
+            <a:r>
+              <a:rPr kumimoji="0" lang="zh-CN" altLang="zh-CN" sz="1300" b="1" i="0" u="none" strike="noStrike" cap="none" normalizeH="0" baseline="0" dirty="0" smtClean="0">
+                <a:ln>
+                  <a:noFill/>
+                </a:ln>
+                <a:solidFill>
+                  <a:srgbClr val="0000A0"/>
+                </a:solidFill>
+                <a:effectLst/>
+                <a:latin typeface="宋体" panose="02010600030101010101" pitchFamily="2" charset="-122"/>
+                <a:ea typeface="宋体" panose="02010600030101010101" pitchFamily="2" charset="-122"/>
+              </a:rPr>
+              <a:t>extends </a:t>
+            </a:r>
+            <a:r>
+              <a:rPr kumimoji="0" lang="zh-CN" altLang="zh-CN" sz="1300" b="0" i="0" u="none" strike="noStrike" cap="none" normalizeH="0" baseline="0" dirty="0" smtClean="0">
+                <a:ln>
+                  <a:noFill/>
+                </a:ln>
+                <a:solidFill>
+                  <a:srgbClr val="800000"/>
+                </a:solidFill>
+                <a:effectLst/>
+                <a:latin typeface="宋体" panose="02010600030101010101" pitchFamily="2" charset="-122"/>
+                <a:ea typeface="宋体" panose="02010600030101010101" pitchFamily="2" charset="-122"/>
+              </a:rPr>
+              <a:t>Binder</a:t>
+            </a:r>
+            <a:r>
+              <a:rPr kumimoji="0" lang="zh-CN" altLang="zh-CN" sz="1300" b="0" i="0" u="none" strike="noStrike" cap="none" normalizeH="0" baseline="0" dirty="0" smtClean="0">
+                <a:ln>
+                  <a:noFill/>
+                </a:ln>
+                <a:solidFill>
+                  <a:srgbClr val="444444"/>
+                </a:solidFill>
+                <a:effectLst/>
+                <a:latin typeface="宋体" panose="02010600030101010101" pitchFamily="2" charset="-122"/>
+                <a:ea typeface="宋体" panose="02010600030101010101" pitchFamily="2" charset="-122"/>
+              </a:rPr>
+              <a:t>{</a:t>
+            </a:r>
+            <a:br>
+              <a:rPr kumimoji="0" lang="zh-CN" altLang="zh-CN" sz="1300" b="0" i="0" u="none" strike="noStrike" cap="none" normalizeH="0" baseline="0" dirty="0" smtClean="0">
+                <a:ln>
+                  <a:noFill/>
+                </a:ln>
+                <a:solidFill>
+                  <a:srgbClr val="444444"/>
+                </a:solidFill>
+                <a:effectLst/>
+                <a:latin typeface="宋体" panose="02010600030101010101" pitchFamily="2" charset="-122"/>
+                <a:ea typeface="宋体" panose="02010600030101010101" pitchFamily="2" charset="-122"/>
+              </a:rPr>
+            </a:br>
+            <a:r>
+              <a:rPr kumimoji="0" lang="zh-CN" altLang="zh-CN" sz="1300" b="0" i="0" u="none" strike="noStrike" cap="none" normalizeH="0" baseline="0" dirty="0" smtClean="0">
+                <a:ln>
+                  <a:noFill/>
+                </a:ln>
+                <a:solidFill>
+                  <a:srgbClr val="444444"/>
+                </a:solidFill>
+                <a:effectLst/>
+                <a:latin typeface="宋体" panose="02010600030101010101" pitchFamily="2" charset="-122"/>
+                <a:ea typeface="宋体" panose="02010600030101010101" pitchFamily="2" charset="-122"/>
+              </a:rPr>
+              <a:t>    </a:t>
+            </a:r>
+            <a:r>
+              <a:rPr kumimoji="0" lang="zh-CN" altLang="zh-CN" sz="1300" b="0" i="0" u="none" strike="noStrike" cap="none" normalizeH="0" baseline="0" dirty="0" smtClean="0">
+                <a:ln>
+                  <a:noFill/>
+                </a:ln>
+                <a:solidFill>
+                  <a:srgbClr val="008040"/>
+                </a:solidFill>
+                <a:effectLst/>
+                <a:latin typeface="宋体" panose="02010600030101010101" pitchFamily="2" charset="-122"/>
+                <a:ea typeface="宋体" panose="02010600030101010101" pitchFamily="2" charset="-122"/>
+              </a:rPr>
+              <a:t>@Override</a:t>
+            </a:r>
+            <a:br>
+              <a:rPr kumimoji="0" lang="zh-CN" altLang="zh-CN" sz="1300" b="0" i="0" u="none" strike="noStrike" cap="none" normalizeH="0" baseline="0" dirty="0" smtClean="0">
+                <a:ln>
+                  <a:noFill/>
+                </a:ln>
+                <a:solidFill>
+                  <a:srgbClr val="008040"/>
+                </a:solidFill>
+                <a:effectLst/>
+                <a:latin typeface="宋体" panose="02010600030101010101" pitchFamily="2" charset="-122"/>
+                <a:ea typeface="宋体" panose="02010600030101010101" pitchFamily="2" charset="-122"/>
+              </a:rPr>
+            </a:br>
+            <a:r>
+              <a:rPr kumimoji="0" lang="zh-CN" altLang="zh-CN" sz="1300" b="0" i="0" u="none" strike="noStrike" cap="none" normalizeH="0" baseline="0" dirty="0" smtClean="0">
+                <a:ln>
+                  <a:noFill/>
+                </a:ln>
+                <a:solidFill>
+                  <a:srgbClr val="008040"/>
+                </a:solidFill>
+                <a:effectLst/>
+                <a:latin typeface="宋体" panose="02010600030101010101" pitchFamily="2" charset="-122"/>
+                <a:ea typeface="宋体" panose="02010600030101010101" pitchFamily="2" charset="-122"/>
+              </a:rPr>
+              <a:t>    </a:t>
+            </a:r>
+            <a:r>
+              <a:rPr kumimoji="0" lang="zh-CN" altLang="zh-CN" sz="1300" b="1" i="0" u="none" strike="noStrike" cap="none" normalizeH="0" baseline="0" dirty="0" smtClean="0">
+                <a:ln>
+                  <a:noFill/>
+                </a:ln>
+                <a:solidFill>
+                  <a:srgbClr val="0000A0"/>
+                </a:solidFill>
+                <a:effectLst/>
+                <a:latin typeface="宋体" panose="02010600030101010101" pitchFamily="2" charset="-122"/>
+                <a:ea typeface="宋体" panose="02010600030101010101" pitchFamily="2" charset="-122"/>
+              </a:rPr>
+              <a:t>protected boolean </a:t>
+            </a:r>
+            <a:r>
+              <a:rPr kumimoji="0" lang="zh-CN" altLang="zh-CN" sz="1300" b="1" i="0" u="none" strike="noStrike" cap="none" normalizeH="0" baseline="0" dirty="0" smtClean="0">
+                <a:ln>
+                  <a:noFill/>
+                </a:ln>
+                <a:solidFill>
+                  <a:srgbClr val="444444"/>
+                </a:solidFill>
+                <a:effectLst/>
+                <a:latin typeface="宋体" panose="02010600030101010101" pitchFamily="2" charset="-122"/>
+                <a:ea typeface="宋体" panose="02010600030101010101" pitchFamily="2" charset="-122"/>
+              </a:rPr>
+              <a:t>onTransact</a:t>
+            </a:r>
+            <a:r>
+              <a:rPr kumimoji="0" lang="zh-CN" altLang="zh-CN" sz="1300" b="0" i="0" u="none" strike="noStrike" cap="none" normalizeH="0" baseline="0" dirty="0" smtClean="0">
+                <a:ln>
+                  <a:noFill/>
+                </a:ln>
+                <a:solidFill>
+                  <a:srgbClr val="444444"/>
+                </a:solidFill>
+                <a:effectLst/>
+                <a:latin typeface="宋体" panose="02010600030101010101" pitchFamily="2" charset="-122"/>
+                <a:ea typeface="宋体" panose="02010600030101010101" pitchFamily="2" charset="-122"/>
+              </a:rPr>
+              <a:t>(</a:t>
+            </a:r>
+            <a:r>
+              <a:rPr kumimoji="0" lang="zh-CN" altLang="zh-CN" sz="1300" b="1" i="0" u="none" strike="noStrike" cap="none" normalizeH="0" baseline="0" dirty="0" smtClean="0">
+                <a:ln>
+                  <a:noFill/>
+                </a:ln>
+                <a:solidFill>
+                  <a:srgbClr val="0000A0"/>
+                </a:solidFill>
+                <a:effectLst/>
+                <a:latin typeface="宋体" panose="02010600030101010101" pitchFamily="2" charset="-122"/>
+                <a:ea typeface="宋体" panose="02010600030101010101" pitchFamily="2" charset="-122"/>
+              </a:rPr>
+              <a:t>int </a:t>
+            </a:r>
+            <a:r>
+              <a:rPr kumimoji="0" lang="zh-CN" altLang="zh-CN" sz="1300" b="0" i="0" u="none" strike="noStrike" cap="none" normalizeH="0" baseline="0" dirty="0" smtClean="0">
+                <a:ln>
+                  <a:noFill/>
+                </a:ln>
+                <a:solidFill>
+                  <a:srgbClr val="885D3B"/>
+                </a:solidFill>
+                <a:effectLst/>
+                <a:latin typeface="宋体" panose="02010600030101010101" pitchFamily="2" charset="-122"/>
+                <a:ea typeface="宋体" panose="02010600030101010101" pitchFamily="2" charset="-122"/>
+              </a:rPr>
+              <a:t>code</a:t>
+            </a:r>
+            <a:r>
+              <a:rPr kumimoji="0" lang="zh-CN" altLang="zh-CN" sz="1300" b="0" i="0" u="none" strike="noStrike" cap="none" normalizeH="0" baseline="0" dirty="0" smtClean="0">
+                <a:ln>
+                  <a:noFill/>
+                </a:ln>
+                <a:solidFill>
+                  <a:srgbClr val="000000"/>
+                </a:solidFill>
+                <a:effectLst/>
+                <a:latin typeface="宋体" panose="02010600030101010101" pitchFamily="2" charset="-122"/>
+                <a:ea typeface="宋体" panose="02010600030101010101" pitchFamily="2" charset="-122"/>
+              </a:rPr>
+              <a:t>, </a:t>
+            </a:r>
+            <a:r>
+              <a:rPr kumimoji="0" lang="zh-CN" altLang="zh-CN" sz="1300" b="0" i="0" u="none" strike="noStrike" cap="none" normalizeH="0" baseline="0" dirty="0" smtClean="0">
+                <a:ln>
+                  <a:noFill/>
+                </a:ln>
+                <a:solidFill>
+                  <a:srgbClr val="800000"/>
+                </a:solidFill>
+                <a:effectLst/>
+                <a:latin typeface="宋体" panose="02010600030101010101" pitchFamily="2" charset="-122"/>
+                <a:ea typeface="宋体" panose="02010600030101010101" pitchFamily="2" charset="-122"/>
+              </a:rPr>
+              <a:t>Parcel </a:t>
+            </a:r>
+            <a:r>
+              <a:rPr kumimoji="0" lang="zh-CN" altLang="zh-CN" sz="1300" b="0" i="0" u="none" strike="noStrike" cap="none" normalizeH="0" baseline="0" dirty="0" smtClean="0">
+                <a:ln>
+                  <a:noFill/>
+                </a:ln>
+                <a:solidFill>
+                  <a:srgbClr val="885D3B"/>
+                </a:solidFill>
+                <a:effectLst/>
+                <a:latin typeface="宋体" panose="02010600030101010101" pitchFamily="2" charset="-122"/>
+                <a:ea typeface="宋体" panose="02010600030101010101" pitchFamily="2" charset="-122"/>
+              </a:rPr>
+              <a:t>data</a:t>
+            </a:r>
+            <a:r>
+              <a:rPr kumimoji="0" lang="zh-CN" altLang="zh-CN" sz="1300" b="0" i="0" u="none" strike="noStrike" cap="none" normalizeH="0" baseline="0" dirty="0" smtClean="0">
+                <a:ln>
+                  <a:noFill/>
+                </a:ln>
+                <a:solidFill>
+                  <a:srgbClr val="000000"/>
+                </a:solidFill>
+                <a:effectLst/>
+                <a:latin typeface="宋体" panose="02010600030101010101" pitchFamily="2" charset="-122"/>
+                <a:ea typeface="宋体" panose="02010600030101010101" pitchFamily="2" charset="-122"/>
+              </a:rPr>
+              <a:t>, </a:t>
+            </a:r>
+            <a:r>
+              <a:rPr kumimoji="0" lang="zh-CN" altLang="zh-CN" sz="1300" b="0" i="0" u="none" strike="noStrike" cap="none" normalizeH="0" baseline="0" dirty="0" smtClean="0">
+                <a:ln>
+                  <a:noFill/>
+                </a:ln>
+                <a:solidFill>
+                  <a:srgbClr val="800000"/>
+                </a:solidFill>
+                <a:effectLst/>
+                <a:latin typeface="宋体" panose="02010600030101010101" pitchFamily="2" charset="-122"/>
+                <a:ea typeface="宋体" panose="02010600030101010101" pitchFamily="2" charset="-122"/>
+              </a:rPr>
+              <a:t>Parcel </a:t>
+            </a:r>
+            <a:r>
+              <a:rPr kumimoji="0" lang="zh-CN" altLang="zh-CN" sz="1300" b="0" i="0" u="none" strike="noStrike" cap="none" normalizeH="0" baseline="0" dirty="0" smtClean="0">
+                <a:ln>
+                  <a:noFill/>
+                </a:ln>
+                <a:solidFill>
+                  <a:srgbClr val="885D3B"/>
+                </a:solidFill>
+                <a:effectLst/>
+                <a:latin typeface="宋体" panose="02010600030101010101" pitchFamily="2" charset="-122"/>
+                <a:ea typeface="宋体" panose="02010600030101010101" pitchFamily="2" charset="-122"/>
+              </a:rPr>
+              <a:t>reply</a:t>
+            </a:r>
+            <a:r>
+              <a:rPr kumimoji="0" lang="zh-CN" altLang="zh-CN" sz="1300" b="0" i="0" u="none" strike="noStrike" cap="none" normalizeH="0" baseline="0" dirty="0" smtClean="0">
+                <a:ln>
+                  <a:noFill/>
+                </a:ln>
+                <a:solidFill>
+                  <a:srgbClr val="000000"/>
+                </a:solidFill>
+                <a:effectLst/>
+                <a:latin typeface="宋体" panose="02010600030101010101" pitchFamily="2" charset="-122"/>
+                <a:ea typeface="宋体" panose="02010600030101010101" pitchFamily="2" charset="-122"/>
+              </a:rPr>
+              <a:t>, </a:t>
+            </a:r>
+            <a:r>
+              <a:rPr kumimoji="0" lang="zh-CN" altLang="zh-CN" sz="1300" b="1" i="0" u="none" strike="noStrike" cap="none" normalizeH="0" baseline="0" dirty="0" smtClean="0">
+                <a:ln>
+                  <a:noFill/>
+                </a:ln>
+                <a:solidFill>
+                  <a:srgbClr val="0000A0"/>
+                </a:solidFill>
+                <a:effectLst/>
+                <a:latin typeface="宋体" panose="02010600030101010101" pitchFamily="2" charset="-122"/>
+                <a:ea typeface="宋体" panose="02010600030101010101" pitchFamily="2" charset="-122"/>
+              </a:rPr>
+              <a:t>int </a:t>
+            </a:r>
+            <a:r>
+              <a:rPr kumimoji="0" lang="zh-CN" altLang="zh-CN" sz="1300" b="0" i="0" u="none" strike="noStrike" cap="none" normalizeH="0" baseline="0" dirty="0" smtClean="0">
+                <a:ln>
+                  <a:noFill/>
+                </a:ln>
+                <a:solidFill>
+                  <a:srgbClr val="885D3B"/>
+                </a:solidFill>
+                <a:effectLst/>
+                <a:latin typeface="宋体" panose="02010600030101010101" pitchFamily="2" charset="-122"/>
+                <a:ea typeface="宋体" panose="02010600030101010101" pitchFamily="2" charset="-122"/>
+              </a:rPr>
+              <a:t>flags</a:t>
+            </a:r>
+            <a:r>
+              <a:rPr kumimoji="0" lang="zh-CN" altLang="zh-CN" sz="1300" b="0" i="0" u="none" strike="noStrike" cap="none" normalizeH="0" baseline="0" dirty="0" smtClean="0">
+                <a:ln>
+                  <a:noFill/>
+                </a:ln>
+                <a:solidFill>
+                  <a:srgbClr val="444444"/>
+                </a:solidFill>
+                <a:effectLst/>
+                <a:latin typeface="宋体" panose="02010600030101010101" pitchFamily="2" charset="-122"/>
+                <a:ea typeface="宋体" panose="02010600030101010101" pitchFamily="2" charset="-122"/>
+              </a:rPr>
+              <a:t>) </a:t>
+            </a:r>
+            <a:r>
+              <a:rPr kumimoji="0" lang="zh-CN" altLang="zh-CN" sz="1300" b="1" i="0" u="none" strike="noStrike" cap="none" normalizeH="0" baseline="0" dirty="0" smtClean="0">
+                <a:ln>
+                  <a:noFill/>
+                </a:ln>
+                <a:solidFill>
+                  <a:srgbClr val="0000A0"/>
+                </a:solidFill>
+                <a:effectLst/>
+                <a:latin typeface="宋体" panose="02010600030101010101" pitchFamily="2" charset="-122"/>
+                <a:ea typeface="宋体" panose="02010600030101010101" pitchFamily="2" charset="-122"/>
+              </a:rPr>
+              <a:t>throws </a:t>
+            </a:r>
+            <a:r>
+              <a:rPr kumimoji="0" lang="en-US" altLang="zh-CN" sz="1300" b="1" i="0" u="none" strike="noStrike" cap="none" normalizeH="0" baseline="0" dirty="0" smtClean="0">
+                <a:ln>
+                  <a:noFill/>
+                </a:ln>
+                <a:solidFill>
+                  <a:srgbClr val="0000A0"/>
+                </a:solidFill>
+                <a:effectLst/>
+                <a:latin typeface="宋体" panose="02010600030101010101" pitchFamily="2" charset="-122"/>
+                <a:ea typeface="宋体" panose="02010600030101010101" pitchFamily="2" charset="-122"/>
+              </a:rPr>
+              <a:t>	</a:t>
+            </a:r>
+            <a:r>
+              <a:rPr kumimoji="0" lang="zh-CN" altLang="zh-CN" sz="1300" b="0" i="0" u="none" strike="noStrike" cap="none" normalizeH="0" baseline="0" dirty="0" smtClean="0">
+                <a:ln>
+                  <a:noFill/>
+                </a:ln>
+                <a:solidFill>
+                  <a:srgbClr val="800000"/>
+                </a:solidFill>
+                <a:effectLst/>
+                <a:latin typeface="宋体" panose="02010600030101010101" pitchFamily="2" charset="-122"/>
+                <a:ea typeface="宋体" panose="02010600030101010101" pitchFamily="2" charset="-122"/>
+              </a:rPr>
+              <a:t>RemoteException </a:t>
+            </a:r>
+            <a:r>
+              <a:rPr kumimoji="0" lang="zh-CN" altLang="zh-CN" sz="1300" b="0" i="0" u="none" strike="noStrike" cap="none" normalizeH="0" baseline="0" dirty="0" smtClean="0">
+                <a:ln>
+                  <a:noFill/>
+                </a:ln>
+                <a:solidFill>
+                  <a:srgbClr val="444444"/>
+                </a:solidFill>
+                <a:effectLst/>
+                <a:latin typeface="宋体" panose="02010600030101010101" pitchFamily="2" charset="-122"/>
+                <a:ea typeface="宋体" panose="02010600030101010101" pitchFamily="2" charset="-122"/>
+              </a:rPr>
+              <a:t>{</a:t>
+            </a:r>
+            <a:br>
+              <a:rPr kumimoji="0" lang="zh-CN" altLang="zh-CN" sz="1300" b="0" i="0" u="none" strike="noStrike" cap="none" normalizeH="0" baseline="0" dirty="0" smtClean="0">
+                <a:ln>
+                  <a:noFill/>
+                </a:ln>
+                <a:solidFill>
+                  <a:srgbClr val="444444"/>
+                </a:solidFill>
+                <a:effectLst/>
+                <a:latin typeface="宋体" panose="02010600030101010101" pitchFamily="2" charset="-122"/>
+                <a:ea typeface="宋体" panose="02010600030101010101" pitchFamily="2" charset="-122"/>
+              </a:rPr>
+            </a:br>
+            <a:r>
+              <a:rPr kumimoji="0" lang="zh-CN" altLang="zh-CN" sz="1300" b="0" i="0" u="none" strike="noStrike" cap="none" normalizeH="0" baseline="0" dirty="0" smtClean="0">
+                <a:ln>
+                  <a:noFill/>
+                </a:ln>
+                <a:solidFill>
+                  <a:srgbClr val="444444"/>
+                </a:solidFill>
+                <a:effectLst/>
+                <a:latin typeface="宋体" panose="02010600030101010101" pitchFamily="2" charset="-122"/>
+                <a:ea typeface="宋体" panose="02010600030101010101" pitchFamily="2" charset="-122"/>
+              </a:rPr>
+              <a:t>        </a:t>
+            </a:r>
+            <a:r>
+              <a:rPr kumimoji="0" lang="zh-CN" altLang="zh-CN" sz="1300" b="1" i="0" u="none" strike="noStrike" cap="none" normalizeH="0" baseline="0" dirty="0" smtClean="0">
+                <a:ln>
+                  <a:noFill/>
+                </a:ln>
+                <a:solidFill>
+                  <a:srgbClr val="0000A0"/>
+                </a:solidFill>
+                <a:effectLst/>
+                <a:latin typeface="宋体" panose="02010600030101010101" pitchFamily="2" charset="-122"/>
+                <a:ea typeface="宋体" panose="02010600030101010101" pitchFamily="2" charset="-122"/>
+              </a:rPr>
+              <a:t>return super</a:t>
+            </a:r>
+            <a:r>
+              <a:rPr kumimoji="0" lang="zh-CN" altLang="zh-CN" sz="1300" b="0" i="0" u="none" strike="noStrike" cap="none" normalizeH="0" baseline="0" dirty="0" smtClean="0">
+                <a:ln>
+                  <a:noFill/>
+                </a:ln>
+                <a:solidFill>
+                  <a:srgbClr val="000000"/>
+                </a:solidFill>
+                <a:effectLst/>
+                <a:latin typeface="宋体" panose="02010600030101010101" pitchFamily="2" charset="-122"/>
+                <a:ea typeface="宋体" panose="02010600030101010101" pitchFamily="2" charset="-122"/>
+              </a:rPr>
+              <a:t>.</a:t>
+            </a:r>
+            <a:r>
+              <a:rPr kumimoji="0" lang="zh-CN" altLang="zh-CN" sz="1300" b="1" i="0" u="none" strike="noStrike" cap="none" normalizeH="0" baseline="0" dirty="0" smtClean="0">
+                <a:ln>
+                  <a:noFill/>
+                </a:ln>
+                <a:solidFill>
+                  <a:srgbClr val="444444"/>
+                </a:solidFill>
+                <a:effectLst/>
+                <a:latin typeface="宋体" panose="02010600030101010101" pitchFamily="2" charset="-122"/>
+                <a:ea typeface="宋体" panose="02010600030101010101" pitchFamily="2" charset="-122"/>
+              </a:rPr>
+              <a:t>onTransact</a:t>
+            </a:r>
+            <a:r>
+              <a:rPr kumimoji="0" lang="zh-CN" altLang="zh-CN" sz="1300" b="0" i="0" u="none" strike="noStrike" cap="none" normalizeH="0" baseline="0" dirty="0" smtClean="0">
+                <a:ln>
+                  <a:noFill/>
+                </a:ln>
+                <a:solidFill>
+                  <a:srgbClr val="444444"/>
+                </a:solidFill>
+                <a:effectLst/>
+                <a:latin typeface="宋体" panose="02010600030101010101" pitchFamily="2" charset="-122"/>
+                <a:ea typeface="宋体" panose="02010600030101010101" pitchFamily="2" charset="-122"/>
+              </a:rPr>
+              <a:t>(</a:t>
+            </a:r>
+            <a:r>
+              <a:rPr kumimoji="0" lang="zh-CN" altLang="zh-CN" sz="1300" b="0" i="0" u="none" strike="noStrike" cap="none" normalizeH="0" baseline="0" dirty="0" smtClean="0">
+                <a:ln>
+                  <a:noFill/>
+                </a:ln>
+                <a:solidFill>
+                  <a:srgbClr val="885D3B"/>
+                </a:solidFill>
+                <a:effectLst/>
+                <a:latin typeface="宋体" panose="02010600030101010101" pitchFamily="2" charset="-122"/>
+                <a:ea typeface="宋体" panose="02010600030101010101" pitchFamily="2" charset="-122"/>
+              </a:rPr>
+              <a:t>code</a:t>
+            </a:r>
+            <a:r>
+              <a:rPr kumimoji="0" lang="zh-CN" altLang="zh-CN" sz="1300" b="0" i="0" u="none" strike="noStrike" cap="none" normalizeH="0" baseline="0" dirty="0" smtClean="0">
+                <a:ln>
+                  <a:noFill/>
+                </a:ln>
+                <a:solidFill>
+                  <a:srgbClr val="000000"/>
+                </a:solidFill>
+                <a:effectLst/>
+                <a:latin typeface="宋体" panose="02010600030101010101" pitchFamily="2" charset="-122"/>
+                <a:ea typeface="宋体" panose="02010600030101010101" pitchFamily="2" charset="-122"/>
+              </a:rPr>
+              <a:t>, </a:t>
+            </a:r>
+            <a:r>
+              <a:rPr kumimoji="0" lang="zh-CN" altLang="zh-CN" sz="1300" b="0" i="0" u="none" strike="noStrike" cap="none" normalizeH="0" baseline="0" dirty="0" smtClean="0">
+                <a:ln>
+                  <a:noFill/>
+                </a:ln>
+                <a:solidFill>
+                  <a:srgbClr val="885D3B"/>
+                </a:solidFill>
+                <a:effectLst/>
+                <a:latin typeface="宋体" panose="02010600030101010101" pitchFamily="2" charset="-122"/>
+                <a:ea typeface="宋体" panose="02010600030101010101" pitchFamily="2" charset="-122"/>
+              </a:rPr>
+              <a:t>data</a:t>
+            </a:r>
+            <a:r>
+              <a:rPr kumimoji="0" lang="zh-CN" altLang="zh-CN" sz="1300" b="0" i="0" u="none" strike="noStrike" cap="none" normalizeH="0" baseline="0" dirty="0" smtClean="0">
+                <a:ln>
+                  <a:noFill/>
+                </a:ln>
+                <a:solidFill>
+                  <a:srgbClr val="000000"/>
+                </a:solidFill>
+                <a:effectLst/>
+                <a:latin typeface="宋体" panose="02010600030101010101" pitchFamily="2" charset="-122"/>
+                <a:ea typeface="宋体" panose="02010600030101010101" pitchFamily="2" charset="-122"/>
+              </a:rPr>
+              <a:t>, </a:t>
+            </a:r>
+            <a:r>
+              <a:rPr kumimoji="0" lang="zh-CN" altLang="zh-CN" sz="1300" b="0" i="0" u="none" strike="noStrike" cap="none" normalizeH="0" baseline="0" dirty="0" smtClean="0">
+                <a:ln>
+                  <a:noFill/>
+                </a:ln>
+                <a:solidFill>
+                  <a:srgbClr val="885D3B"/>
+                </a:solidFill>
+                <a:effectLst/>
+                <a:latin typeface="宋体" panose="02010600030101010101" pitchFamily="2" charset="-122"/>
+                <a:ea typeface="宋体" panose="02010600030101010101" pitchFamily="2" charset="-122"/>
+              </a:rPr>
+              <a:t>reply</a:t>
+            </a:r>
+            <a:r>
+              <a:rPr kumimoji="0" lang="zh-CN" altLang="zh-CN" sz="1300" b="0" i="0" u="none" strike="noStrike" cap="none" normalizeH="0" baseline="0" dirty="0" smtClean="0">
+                <a:ln>
+                  <a:noFill/>
+                </a:ln>
+                <a:solidFill>
+                  <a:srgbClr val="000000"/>
+                </a:solidFill>
+                <a:effectLst/>
+                <a:latin typeface="宋体" panose="02010600030101010101" pitchFamily="2" charset="-122"/>
+                <a:ea typeface="宋体" panose="02010600030101010101" pitchFamily="2" charset="-122"/>
+              </a:rPr>
+              <a:t>, </a:t>
+            </a:r>
+            <a:r>
+              <a:rPr kumimoji="0" lang="zh-CN" altLang="zh-CN" sz="1300" b="0" i="0" u="none" strike="noStrike" cap="none" normalizeH="0" baseline="0" dirty="0" smtClean="0">
+                <a:ln>
+                  <a:noFill/>
+                </a:ln>
+                <a:solidFill>
+                  <a:srgbClr val="885D3B"/>
+                </a:solidFill>
+                <a:effectLst/>
+                <a:latin typeface="宋体" panose="02010600030101010101" pitchFamily="2" charset="-122"/>
+                <a:ea typeface="宋体" panose="02010600030101010101" pitchFamily="2" charset="-122"/>
+              </a:rPr>
+              <a:t>flags</a:t>
+            </a:r>
+            <a:r>
+              <a:rPr kumimoji="0" lang="zh-CN" altLang="zh-CN" sz="1300" b="0" i="0" u="none" strike="noStrike" cap="none" normalizeH="0" baseline="0" dirty="0" smtClean="0">
+                <a:ln>
+                  <a:noFill/>
+                </a:ln>
+                <a:solidFill>
+                  <a:srgbClr val="444444"/>
+                </a:solidFill>
+                <a:effectLst/>
+                <a:latin typeface="宋体" panose="02010600030101010101" pitchFamily="2" charset="-122"/>
+                <a:ea typeface="宋体" panose="02010600030101010101" pitchFamily="2" charset="-122"/>
+              </a:rPr>
+              <a:t>)</a:t>
+            </a:r>
+            <a:r>
+              <a:rPr kumimoji="0" lang="zh-CN" altLang="zh-CN" sz="1300" b="0" i="0" u="none" strike="noStrike" cap="none" normalizeH="0" baseline="0" dirty="0" smtClean="0">
+                <a:ln>
+                  <a:noFill/>
+                </a:ln>
+                <a:solidFill>
+                  <a:srgbClr val="000000"/>
+                </a:solidFill>
+                <a:effectLst/>
+                <a:latin typeface="宋体" panose="02010600030101010101" pitchFamily="2" charset="-122"/>
+                <a:ea typeface="宋体" panose="02010600030101010101" pitchFamily="2" charset="-122"/>
+              </a:rPr>
+              <a:t>;</a:t>
+            </a:r>
+            <a:br>
+              <a:rPr kumimoji="0" lang="zh-CN" altLang="zh-CN" sz="1300" b="0" i="0" u="none" strike="noStrike" cap="none" normalizeH="0" baseline="0" dirty="0" smtClean="0">
+                <a:ln>
+                  <a:noFill/>
+                </a:ln>
+                <a:solidFill>
+                  <a:srgbClr val="000000"/>
+                </a:solidFill>
+                <a:effectLst/>
+                <a:latin typeface="宋体" panose="02010600030101010101" pitchFamily="2" charset="-122"/>
+                <a:ea typeface="宋体" panose="02010600030101010101" pitchFamily="2" charset="-122"/>
+              </a:rPr>
+            </a:br>
+            <a:r>
+              <a:rPr kumimoji="0" lang="zh-CN" altLang="zh-CN" sz="1300" b="0" i="0" u="none" strike="noStrike" cap="none" normalizeH="0" baseline="0" dirty="0" smtClean="0">
+                <a:ln>
+                  <a:noFill/>
+                </a:ln>
+                <a:solidFill>
+                  <a:srgbClr val="000000"/>
+                </a:solidFill>
+                <a:effectLst/>
+                <a:latin typeface="宋体" panose="02010600030101010101" pitchFamily="2" charset="-122"/>
+                <a:ea typeface="宋体" panose="02010600030101010101" pitchFamily="2" charset="-122"/>
+              </a:rPr>
+              <a:t>    </a:t>
+            </a:r>
+            <a:r>
+              <a:rPr kumimoji="0" lang="zh-CN" altLang="zh-CN" sz="1300" b="0" i="0" u="none" strike="noStrike" cap="none" normalizeH="0" baseline="0" dirty="0" smtClean="0">
+                <a:ln>
+                  <a:noFill/>
+                </a:ln>
+                <a:solidFill>
+                  <a:srgbClr val="444444"/>
+                </a:solidFill>
+                <a:effectLst/>
+                <a:latin typeface="宋体" panose="02010600030101010101" pitchFamily="2" charset="-122"/>
+                <a:ea typeface="宋体" panose="02010600030101010101" pitchFamily="2" charset="-122"/>
+              </a:rPr>
+              <a:t>}</a:t>
+            </a:r>
+            <a:br>
+              <a:rPr kumimoji="0" lang="zh-CN" altLang="zh-CN" sz="1300" b="0" i="0" u="none" strike="noStrike" cap="none" normalizeH="0" baseline="0" dirty="0" smtClean="0">
+                <a:ln>
+                  <a:noFill/>
+                </a:ln>
+                <a:solidFill>
+                  <a:srgbClr val="444444"/>
+                </a:solidFill>
+                <a:effectLst/>
+                <a:latin typeface="宋体" panose="02010600030101010101" pitchFamily="2" charset="-122"/>
+                <a:ea typeface="宋体" panose="02010600030101010101" pitchFamily="2" charset="-122"/>
+              </a:rPr>
+            </a:br>
+            <a:r>
+              <a:rPr kumimoji="0" lang="zh-CN" altLang="zh-CN" sz="1300" b="0" i="0" u="none" strike="noStrike" cap="none" normalizeH="0" baseline="0" dirty="0" smtClean="0">
+                <a:ln>
+                  <a:noFill/>
+                </a:ln>
+                <a:solidFill>
+                  <a:srgbClr val="444444"/>
+                </a:solidFill>
+                <a:effectLst/>
+                <a:latin typeface="宋体" panose="02010600030101010101" pitchFamily="2" charset="-122"/>
+                <a:ea typeface="宋体" panose="02010600030101010101" pitchFamily="2" charset="-122"/>
+              </a:rPr>
+              <a:t>    </a:t>
+            </a:r>
+            <a:r>
+              <a:rPr kumimoji="0" lang="zh-CN" altLang="zh-CN" sz="1300" b="1" i="0" u="none" strike="noStrike" cap="none" normalizeH="0" baseline="0" dirty="0" smtClean="0">
+                <a:ln>
+                  <a:noFill/>
+                </a:ln>
+                <a:solidFill>
+                  <a:srgbClr val="0000A0"/>
+                </a:solidFill>
+                <a:effectLst/>
+                <a:latin typeface="宋体" panose="02010600030101010101" pitchFamily="2" charset="-122"/>
+                <a:ea typeface="宋体" panose="02010600030101010101" pitchFamily="2" charset="-122"/>
+              </a:rPr>
+              <a:t>public void </a:t>
+            </a:r>
+            <a:r>
+              <a:rPr kumimoji="0" lang="zh-CN" altLang="zh-CN" sz="1300" b="1" i="0" u="none" strike="noStrike" cap="none" normalizeH="0" baseline="0" dirty="0" smtClean="0">
+                <a:ln>
+                  <a:noFill/>
+                </a:ln>
+                <a:solidFill>
+                  <a:srgbClr val="444444"/>
+                </a:solidFill>
+                <a:effectLst/>
+                <a:latin typeface="宋体" panose="02010600030101010101" pitchFamily="2" charset="-122"/>
+                <a:ea typeface="宋体" panose="02010600030101010101" pitchFamily="2" charset="-122"/>
+              </a:rPr>
+              <a:t>start</a:t>
+            </a:r>
+            <a:r>
+              <a:rPr kumimoji="0" lang="zh-CN" altLang="zh-CN" sz="1300" b="0" i="0" u="none" strike="noStrike" cap="none" normalizeH="0" baseline="0" dirty="0" smtClean="0">
+                <a:ln>
+                  <a:noFill/>
+                </a:ln>
+                <a:solidFill>
+                  <a:srgbClr val="444444"/>
+                </a:solidFill>
+                <a:effectLst/>
+                <a:latin typeface="宋体" panose="02010600030101010101" pitchFamily="2" charset="-122"/>
+                <a:ea typeface="宋体" panose="02010600030101010101" pitchFamily="2" charset="-122"/>
+              </a:rPr>
+              <a:t>(</a:t>
+            </a:r>
+            <a:r>
+              <a:rPr kumimoji="0" lang="zh-CN" altLang="zh-CN" sz="1300" b="0" i="0" u="none" strike="noStrike" cap="none" normalizeH="0" baseline="0" dirty="0" smtClean="0">
+                <a:ln>
+                  <a:noFill/>
+                </a:ln>
+                <a:solidFill>
+                  <a:srgbClr val="800000"/>
+                </a:solidFill>
+                <a:effectLst/>
+                <a:latin typeface="宋体" panose="02010600030101010101" pitchFamily="2" charset="-122"/>
+                <a:ea typeface="宋体" panose="02010600030101010101" pitchFamily="2" charset="-122"/>
+              </a:rPr>
+              <a:t>String </a:t>
+            </a:r>
+            <a:r>
+              <a:rPr kumimoji="0" lang="zh-CN" altLang="zh-CN" sz="1300" b="0" i="0" u="none" strike="noStrike" cap="none" normalizeH="0" baseline="0" dirty="0" smtClean="0">
+                <a:ln>
+                  <a:noFill/>
+                </a:ln>
+                <a:solidFill>
+                  <a:srgbClr val="885D3B"/>
+                </a:solidFill>
+                <a:effectLst/>
+                <a:latin typeface="宋体" panose="02010600030101010101" pitchFamily="2" charset="-122"/>
+                <a:ea typeface="宋体" panose="02010600030101010101" pitchFamily="2" charset="-122"/>
+              </a:rPr>
+              <a:t>musicPath</a:t>
+            </a:r>
+            <a:r>
+              <a:rPr kumimoji="0" lang="zh-CN" altLang="zh-CN" sz="1300" b="0" i="0" u="none" strike="noStrike" cap="none" normalizeH="0" baseline="0" dirty="0" smtClean="0">
+                <a:ln>
+                  <a:noFill/>
+                </a:ln>
+                <a:solidFill>
+                  <a:srgbClr val="444444"/>
+                </a:solidFill>
+                <a:effectLst/>
+                <a:latin typeface="宋体" panose="02010600030101010101" pitchFamily="2" charset="-122"/>
+                <a:ea typeface="宋体" panose="02010600030101010101" pitchFamily="2" charset="-122"/>
+              </a:rPr>
+              <a:t>){</a:t>
+            </a:r>
+            <a:br>
+              <a:rPr kumimoji="0" lang="zh-CN" altLang="zh-CN" sz="1300" b="0" i="0" u="none" strike="noStrike" cap="none" normalizeH="0" baseline="0" dirty="0" smtClean="0">
+                <a:ln>
+                  <a:noFill/>
+                </a:ln>
+                <a:solidFill>
+                  <a:srgbClr val="444444"/>
+                </a:solidFill>
+                <a:effectLst/>
+                <a:latin typeface="宋体" panose="02010600030101010101" pitchFamily="2" charset="-122"/>
+                <a:ea typeface="宋体" panose="02010600030101010101" pitchFamily="2" charset="-122"/>
+              </a:rPr>
+            </a:br>
+            <a:r>
+              <a:rPr kumimoji="0" lang="zh-CN" altLang="zh-CN" sz="1300" b="0" i="0" u="none" strike="noStrike" cap="none" normalizeH="0" baseline="0" dirty="0" smtClean="0">
+                <a:ln>
+                  <a:noFill/>
+                </a:ln>
+                <a:solidFill>
+                  <a:srgbClr val="444444"/>
+                </a:solidFill>
+                <a:effectLst/>
+                <a:latin typeface="宋体" panose="02010600030101010101" pitchFamily="2" charset="-122"/>
+                <a:ea typeface="宋体" panose="02010600030101010101" pitchFamily="2" charset="-122"/>
+              </a:rPr>
+              <a:t>        </a:t>
+            </a:r>
+            <a:r>
+              <a:rPr kumimoji="0" lang="zh-CN" altLang="zh-CN" sz="1300" b="0" i="0" u="none" strike="noStrike" cap="none" normalizeH="0" baseline="0" dirty="0" smtClean="0">
+                <a:ln>
+                  <a:noFill/>
+                </a:ln>
+                <a:solidFill>
+                  <a:srgbClr val="38B5B5"/>
+                </a:solidFill>
+                <a:effectLst/>
+                <a:latin typeface="宋体" panose="02010600030101010101" pitchFamily="2" charset="-122"/>
+                <a:ea typeface="宋体" panose="02010600030101010101" pitchFamily="2" charset="-122"/>
+              </a:rPr>
+              <a:t>// 播放</a:t>
+            </a:r>
+            <a:br>
+              <a:rPr kumimoji="0" lang="zh-CN" altLang="zh-CN" sz="1300" b="0" i="0" u="none" strike="noStrike" cap="none" normalizeH="0" baseline="0" dirty="0" smtClean="0">
+                <a:ln>
+                  <a:noFill/>
+                </a:ln>
+                <a:solidFill>
+                  <a:srgbClr val="38B5B5"/>
+                </a:solidFill>
+                <a:effectLst/>
+                <a:latin typeface="宋体" panose="02010600030101010101" pitchFamily="2" charset="-122"/>
+                <a:ea typeface="宋体" panose="02010600030101010101" pitchFamily="2" charset="-122"/>
+              </a:rPr>
+            </a:br>
+            <a:r>
+              <a:rPr kumimoji="0" lang="zh-CN" altLang="zh-CN" sz="1300" b="0" i="0" u="none" strike="noStrike" cap="none" normalizeH="0" baseline="0" dirty="0" smtClean="0">
+                <a:ln>
+                  <a:noFill/>
+                </a:ln>
+                <a:solidFill>
+                  <a:srgbClr val="38B5B5"/>
+                </a:solidFill>
+                <a:effectLst/>
+                <a:latin typeface="宋体" panose="02010600030101010101" pitchFamily="2" charset="-122"/>
+                <a:ea typeface="宋体" panose="02010600030101010101" pitchFamily="2" charset="-122"/>
+              </a:rPr>
+              <a:t>    </a:t>
+            </a:r>
+            <a:r>
+              <a:rPr kumimoji="0" lang="zh-CN" altLang="zh-CN" sz="1300" b="0" i="0" u="none" strike="noStrike" cap="none" normalizeH="0" baseline="0" dirty="0" smtClean="0">
+                <a:ln>
+                  <a:noFill/>
+                </a:ln>
+                <a:solidFill>
+                  <a:srgbClr val="444444"/>
+                </a:solidFill>
+                <a:effectLst/>
+                <a:latin typeface="宋体" panose="02010600030101010101" pitchFamily="2" charset="-122"/>
+                <a:ea typeface="宋体" panose="02010600030101010101" pitchFamily="2" charset="-122"/>
+              </a:rPr>
+              <a:t>}</a:t>
+            </a:r>
+            <a:br>
+              <a:rPr kumimoji="0" lang="zh-CN" altLang="zh-CN" sz="1300" b="0" i="0" u="none" strike="noStrike" cap="none" normalizeH="0" baseline="0" dirty="0" smtClean="0">
+                <a:ln>
+                  <a:noFill/>
+                </a:ln>
+                <a:solidFill>
+                  <a:srgbClr val="444444"/>
+                </a:solidFill>
+                <a:effectLst/>
+                <a:latin typeface="宋体" panose="02010600030101010101" pitchFamily="2" charset="-122"/>
+                <a:ea typeface="宋体" panose="02010600030101010101" pitchFamily="2" charset="-122"/>
+              </a:rPr>
+            </a:br>
+            <a:r>
+              <a:rPr kumimoji="0" lang="zh-CN" altLang="zh-CN" sz="1300" b="0" i="0" u="none" strike="noStrike" cap="none" normalizeH="0" baseline="0" dirty="0" smtClean="0">
+                <a:ln>
+                  <a:noFill/>
+                </a:ln>
+                <a:solidFill>
+                  <a:srgbClr val="444444"/>
+                </a:solidFill>
+                <a:effectLst/>
+                <a:latin typeface="宋体" panose="02010600030101010101" pitchFamily="2" charset="-122"/>
+                <a:ea typeface="宋体" panose="02010600030101010101" pitchFamily="2" charset="-122"/>
+              </a:rPr>
+              <a:t>    </a:t>
+            </a:r>
+            <a:r>
+              <a:rPr kumimoji="0" lang="zh-CN" altLang="zh-CN" sz="1300" b="1" i="0" u="none" strike="noStrike" cap="none" normalizeH="0" baseline="0" dirty="0" smtClean="0">
+                <a:ln>
+                  <a:noFill/>
+                </a:ln>
+                <a:solidFill>
+                  <a:srgbClr val="0000A0"/>
+                </a:solidFill>
+                <a:effectLst/>
+                <a:latin typeface="宋体" panose="02010600030101010101" pitchFamily="2" charset="-122"/>
+                <a:ea typeface="宋体" panose="02010600030101010101" pitchFamily="2" charset="-122"/>
+              </a:rPr>
+              <a:t>public void </a:t>
+            </a:r>
+            <a:r>
+              <a:rPr kumimoji="0" lang="zh-CN" altLang="zh-CN" sz="1300" b="1" i="0" u="none" strike="noStrike" cap="none" normalizeH="0" baseline="0" dirty="0" smtClean="0">
+                <a:ln>
+                  <a:noFill/>
+                </a:ln>
+                <a:solidFill>
+                  <a:srgbClr val="444444"/>
+                </a:solidFill>
+                <a:effectLst/>
+                <a:latin typeface="宋体" panose="02010600030101010101" pitchFamily="2" charset="-122"/>
+                <a:ea typeface="宋体" panose="02010600030101010101" pitchFamily="2" charset="-122"/>
+              </a:rPr>
+              <a:t>stop</a:t>
+            </a:r>
+            <a:r>
+              <a:rPr kumimoji="0" lang="zh-CN" altLang="zh-CN" sz="1300" b="0" i="0" u="none" strike="noStrike" cap="none" normalizeH="0" baseline="0" dirty="0" smtClean="0">
+                <a:ln>
+                  <a:noFill/>
+                </a:ln>
+                <a:solidFill>
+                  <a:srgbClr val="444444"/>
+                </a:solidFill>
+                <a:effectLst/>
+                <a:latin typeface="宋体" panose="02010600030101010101" pitchFamily="2" charset="-122"/>
+                <a:ea typeface="宋体" panose="02010600030101010101" pitchFamily="2" charset="-122"/>
+              </a:rPr>
+              <a:t>(){</a:t>
+            </a:r>
+            <a:br>
+              <a:rPr kumimoji="0" lang="zh-CN" altLang="zh-CN" sz="1300" b="0" i="0" u="none" strike="noStrike" cap="none" normalizeH="0" baseline="0" dirty="0" smtClean="0">
+                <a:ln>
+                  <a:noFill/>
+                </a:ln>
+                <a:solidFill>
+                  <a:srgbClr val="444444"/>
+                </a:solidFill>
+                <a:effectLst/>
+                <a:latin typeface="宋体" panose="02010600030101010101" pitchFamily="2" charset="-122"/>
+                <a:ea typeface="宋体" panose="02010600030101010101" pitchFamily="2" charset="-122"/>
+              </a:rPr>
+            </a:br>
+            <a:r>
+              <a:rPr kumimoji="0" lang="zh-CN" altLang="zh-CN" sz="1300" b="0" i="0" u="none" strike="noStrike" cap="none" normalizeH="0" baseline="0" dirty="0" smtClean="0">
+                <a:ln>
+                  <a:noFill/>
+                </a:ln>
+                <a:solidFill>
+                  <a:srgbClr val="444444"/>
+                </a:solidFill>
+                <a:effectLst/>
+                <a:latin typeface="宋体" panose="02010600030101010101" pitchFamily="2" charset="-122"/>
+                <a:ea typeface="宋体" panose="02010600030101010101" pitchFamily="2" charset="-122"/>
+              </a:rPr>
+              <a:t>    }</a:t>
+            </a:r>
+            <a:br>
+              <a:rPr kumimoji="0" lang="zh-CN" altLang="zh-CN" sz="1300" b="0" i="0" u="none" strike="noStrike" cap="none" normalizeH="0" baseline="0" dirty="0" smtClean="0">
+                <a:ln>
+                  <a:noFill/>
+                </a:ln>
+                <a:solidFill>
+                  <a:srgbClr val="444444"/>
+                </a:solidFill>
+                <a:effectLst/>
+                <a:latin typeface="宋体" panose="02010600030101010101" pitchFamily="2" charset="-122"/>
+                <a:ea typeface="宋体" panose="02010600030101010101" pitchFamily="2" charset="-122"/>
+              </a:rPr>
+            </a:br>
+            <a:r>
+              <a:rPr kumimoji="0" lang="zh-CN" altLang="zh-CN" sz="1300" b="0" i="0" u="none" strike="noStrike" cap="none" normalizeH="0" baseline="0" dirty="0" smtClean="0">
+                <a:ln>
+                  <a:noFill/>
+                </a:ln>
+                <a:solidFill>
+                  <a:srgbClr val="444444"/>
+                </a:solidFill>
+                <a:effectLst/>
+                <a:latin typeface="宋体" panose="02010600030101010101" pitchFamily="2" charset="-122"/>
+                <a:ea typeface="宋体" panose="02010600030101010101" pitchFamily="2" charset="-122"/>
+              </a:rPr>
+              <a:t>}</a:t>
+            </a:r>
+            <a:endParaRPr kumimoji="0" lang="zh-CN" altLang="zh-CN" sz="1800" b="0" i="0" u="none" strike="noStrike" cap="none" normalizeH="0" baseline="0" dirty="0" smtClean="0">
+              <a:ln>
+                <a:noFill/>
+              </a:ln>
+              <a:solidFill>
+                <a:schemeClr val="tx1"/>
+              </a:solidFill>
+              <a:effectLst/>
+              <a:latin typeface="Arial" panose="020B0604020202020204" pitchFamily="34" charset="0"/>
+            </a:endParaRPr>
           </a:p>
         </p:txBody>
       </p:sp>
@@ -5390,6 +7879,13 @@
   <p:clrMapOvr>
     <a:masterClrMapping/>
   </p:clrMapOvr>
+  <p:timing>
+    <p:tnLst>
+      <p:par>
+        <p:cTn id="1" dur="indefinite" restart="never" nodeType="tmRoot"/>
+      </p:par>
+    </p:tnLst>
+  </p:timing>
 </p:sld>
 </file>
 
@@ -5425,7 +7921,31 @@
           <a:bodyPr/>
           <a:lstStyle/>
           <a:p>
-            <a:endParaRPr lang="zh-CN" altLang="en-US"/>
+            <a:r>
+              <a:rPr lang="zh-CN" altLang="en-US" dirty="0">
+                <a:solidFill>
+                  <a:srgbClr val="D60093"/>
+                </a:solidFill>
+              </a:rPr>
+              <a:t>如何使用 </a:t>
+            </a:r>
+            <a:r>
+              <a:rPr lang="en-US" altLang="zh-CN" dirty="0">
+                <a:solidFill>
+                  <a:srgbClr val="D60093"/>
+                </a:solidFill>
+              </a:rPr>
+              <a:t>Binder – </a:t>
+            </a:r>
+            <a:r>
+              <a:rPr lang="zh-CN" altLang="en-US" dirty="0">
+                <a:solidFill>
+                  <a:srgbClr val="D60093"/>
+                </a:solidFill>
+              </a:rPr>
+              <a:t>设计服务端</a:t>
+            </a:r>
+            <a:endParaRPr lang="zh-CN" altLang="en-US" dirty="0"/>
           </a:p>
         </p:txBody>
       </p:sp>
@@ -5444,20 +7964,1426 @@
           <a:bodyPr/>
           <a:lstStyle/>
           <a:p>
-            <a:endParaRPr lang="zh-CN" altLang="en-US"/>
+            <a:r>
+              <a:rPr lang="zh-CN" altLang="en-US" dirty="0"/>
+              <a:t>定义完 </a:t>
+            </a:r>
+            <a:r>
+              <a:rPr lang="en-US" altLang="zh-CN" dirty="0"/>
+              <a:t>service </a:t>
+            </a:r>
+            <a:r>
+              <a:rPr lang="zh-CN" altLang="en-US" dirty="0"/>
+              <a:t>，接下来需要重载 </a:t>
+            </a:r>
+            <a:r>
+              <a:rPr lang="en-US" altLang="zh-CN" dirty="0" err="1"/>
+              <a:t>onTrasact</a:t>
+            </a:r>
+            <a:r>
+              <a:rPr lang="en-US" altLang="zh-CN" dirty="0"/>
+              <a:t> </a:t>
+            </a:r>
+            <a:r>
+              <a:rPr lang="zh-CN" altLang="en-US" dirty="0"/>
+              <a:t>方法，并从 </a:t>
+            </a:r>
+            <a:r>
+              <a:rPr lang="en-US" altLang="zh-CN" dirty="0"/>
+              <a:t>data </a:t>
+            </a:r>
+            <a:r>
+              <a:rPr lang="zh-CN" altLang="en-US" dirty="0"/>
+              <a:t>变量中读取客户端传递进来的参数。 假如，这里有很多参数，那么怎么知道参数的顺序呢？所以，这个需要一个双方的约定</a:t>
+            </a:r>
+            <a:r>
+              <a:rPr lang="zh-CN" altLang="en-US" dirty="0" smtClean="0"/>
+              <a:t>。</a:t>
+            </a:r>
+            <a:endParaRPr lang="en-US" altLang="zh-CN" dirty="0" smtClean="0"/>
+          </a:p>
+          <a:p>
+            <a:pPr marL="0" indent="0">
+              <a:buNone/>
+            </a:pPr>
+            <a:endParaRPr lang="zh-CN" altLang="en-US" dirty="0"/>
+          </a:p>
+        </p:txBody>
+      </p:sp>
+      <p:sp>
+        <p:nvSpPr>
+          <p:cNvPr id="4" name="Rectangle 1"/>
+          <p:cNvSpPr>
+            <a:spLocks noChangeArrowheads="1"/>
+          </p:cNvSpPr>
+          <p:nvPr/>
+        </p:nvSpPr>
+        <p:spPr bwMode="auto">
+          <a:xfrm>
+            <a:off x="827584" y="1582797"/>
+            <a:ext cx="7468144" cy="3293209"/>
+          </a:xfrm>
+          <a:prstGeom prst="rect">
+            <a:avLst/>
+          </a:prstGeom>
+          <a:solidFill>
+            <a:srgbClr val="FFFFE6"/>
+          </a:solidFill>
+          <a:ln>
+            <a:noFill/>
+          </a:ln>
+          <a:effectLst/>
+          <a:extLst>
+            <a:ext uri="{91240B29-F687-4F45-9708-019B960494DF}">
+              <a14:hiddenLine xmlns:a14="http://schemas.microsoft.com/office/drawing/2010/main" w="9525">
+                <a:solidFill>
+                  <a:schemeClr val="tx1"/>
+                </a:solidFill>
+                <a:miter lim="800000"/>
+                <a:headEnd/>
+                <a:tailEnd/>
+              </a14:hiddenLine>
+            </a:ext>
+            <a:ext uri="{AF507438-7753-43E0-B8FC-AC1667EBCBE1}">
+              <a14:hiddenEffects xmlns:a14="http://schemas.microsoft.com/office/drawing/2010/main">
+                <a:effectLst>
+                  <a:outerShdw dist="35921" dir="2700000" algn="ctr" rotWithShape="0">
+                    <a:schemeClr val="bg2"/>
+                  </a:outerShdw>
+                </a:effectLst>
+              </a14:hiddenEffects>
+            </a:ext>
+          </a:extLst>
+        </p:spPr>
+        <p:txBody>
+          <a:bodyPr vert="horz" wrap="square" lIns="91440" tIns="45720" rIns="91440" bIns="45720" numCol="1" anchor="ctr" anchorCtr="0" compatLnSpc="1">
+            <a:prstTxWarp prst="textNoShape">
+              <a:avLst/>
+            </a:prstTxWarp>
+            <a:spAutoFit/>
+          </a:bodyPr>
+          <a:lstStyle/>
+          <a:p>
+            <a:pPr marL="0" marR="0" lvl="0" indent="0" algn="l" defTabSz="914400" rtl="0" eaLnBrk="0" fontAlgn="base" latinLnBrk="0" hangingPunct="0">
+              <a:lnSpc>
+                <a:spcPct val="100000"/>
+              </a:lnSpc>
+              <a:spcBef>
+                <a:spcPct val="0"/>
+              </a:spcBef>
+              <a:spcAft>
+                <a:spcPct val="0"/>
+              </a:spcAft>
+              <a:buClrTx/>
+              <a:buSzTx/>
+              <a:buFontTx/>
+              <a:buNone/>
+              <a:tabLst/>
+            </a:pPr>
+            <a:r>
+              <a:rPr kumimoji="0" lang="zh-CN" altLang="zh-CN" sz="1300" b="0" i="0" u="none" strike="noStrike" cap="none" normalizeH="0" baseline="0" dirty="0" smtClean="0">
+                <a:ln>
+                  <a:noFill/>
+                </a:ln>
+                <a:solidFill>
+                  <a:srgbClr val="008040"/>
+                </a:solidFill>
+                <a:effectLst/>
+                <a:latin typeface="宋体" panose="02010600030101010101" pitchFamily="2" charset="-122"/>
+                <a:ea typeface="宋体" panose="02010600030101010101" pitchFamily="2" charset="-122"/>
+              </a:rPr>
+              <a:t>@Override</a:t>
+            </a:r>
+            <a:br>
+              <a:rPr kumimoji="0" lang="zh-CN" altLang="zh-CN" sz="1300" b="0" i="0" u="none" strike="noStrike" cap="none" normalizeH="0" baseline="0" dirty="0" smtClean="0">
+                <a:ln>
+                  <a:noFill/>
+                </a:ln>
+                <a:solidFill>
+                  <a:srgbClr val="008040"/>
+                </a:solidFill>
+                <a:effectLst/>
+                <a:latin typeface="宋体" panose="02010600030101010101" pitchFamily="2" charset="-122"/>
+                <a:ea typeface="宋体" panose="02010600030101010101" pitchFamily="2" charset="-122"/>
+              </a:rPr>
+            </a:br>
+            <a:r>
+              <a:rPr kumimoji="0" lang="zh-CN" altLang="zh-CN" sz="1300" b="1" i="0" u="none" strike="noStrike" cap="none" normalizeH="0" baseline="0" dirty="0" smtClean="0">
+                <a:ln>
+                  <a:noFill/>
+                </a:ln>
+                <a:solidFill>
+                  <a:srgbClr val="0000A0"/>
+                </a:solidFill>
+                <a:effectLst/>
+                <a:latin typeface="宋体" panose="02010600030101010101" pitchFamily="2" charset="-122"/>
+                <a:ea typeface="宋体" panose="02010600030101010101" pitchFamily="2" charset="-122"/>
+              </a:rPr>
+              <a:t>protected boolean </a:t>
+            </a:r>
+            <a:r>
+              <a:rPr kumimoji="0" lang="zh-CN" altLang="zh-CN" sz="1300" b="1" i="0" u="none" strike="noStrike" cap="none" normalizeH="0" baseline="0" dirty="0" smtClean="0">
+                <a:ln>
+                  <a:noFill/>
+                </a:ln>
+                <a:solidFill>
+                  <a:srgbClr val="444444"/>
+                </a:solidFill>
+                <a:effectLst/>
+                <a:latin typeface="宋体" panose="02010600030101010101" pitchFamily="2" charset="-122"/>
+                <a:ea typeface="宋体" panose="02010600030101010101" pitchFamily="2" charset="-122"/>
+              </a:rPr>
+              <a:t>onTransact</a:t>
+            </a:r>
+            <a:r>
+              <a:rPr kumimoji="0" lang="zh-CN" altLang="zh-CN" sz="1300" b="0" i="0" u="none" strike="noStrike" cap="none" normalizeH="0" baseline="0" dirty="0" smtClean="0">
+                <a:ln>
+                  <a:noFill/>
+                </a:ln>
+                <a:solidFill>
+                  <a:srgbClr val="444444"/>
+                </a:solidFill>
+                <a:effectLst/>
+                <a:latin typeface="宋体" panose="02010600030101010101" pitchFamily="2" charset="-122"/>
+                <a:ea typeface="宋体" panose="02010600030101010101" pitchFamily="2" charset="-122"/>
+              </a:rPr>
+              <a:t>(</a:t>
+            </a:r>
+            <a:r>
+              <a:rPr kumimoji="0" lang="zh-CN" altLang="zh-CN" sz="1300" b="1" i="0" u="none" strike="noStrike" cap="none" normalizeH="0" baseline="0" dirty="0" smtClean="0">
+                <a:ln>
+                  <a:noFill/>
+                </a:ln>
+                <a:solidFill>
+                  <a:srgbClr val="0000A0"/>
+                </a:solidFill>
+                <a:effectLst/>
+                <a:latin typeface="宋体" panose="02010600030101010101" pitchFamily="2" charset="-122"/>
+                <a:ea typeface="宋体" panose="02010600030101010101" pitchFamily="2" charset="-122"/>
+              </a:rPr>
+              <a:t>int </a:t>
+            </a:r>
+            <a:r>
+              <a:rPr kumimoji="0" lang="zh-CN" altLang="zh-CN" sz="1300" b="0" i="0" u="none" strike="noStrike" cap="none" normalizeH="0" baseline="0" dirty="0" smtClean="0">
+                <a:ln>
+                  <a:noFill/>
+                </a:ln>
+                <a:solidFill>
+                  <a:srgbClr val="885D3B"/>
+                </a:solidFill>
+                <a:effectLst/>
+                <a:latin typeface="宋体" panose="02010600030101010101" pitchFamily="2" charset="-122"/>
+                <a:ea typeface="宋体" panose="02010600030101010101" pitchFamily="2" charset="-122"/>
+              </a:rPr>
+              <a:t>code</a:t>
+            </a:r>
+            <a:r>
+              <a:rPr kumimoji="0" lang="zh-CN" altLang="zh-CN" sz="1300" b="0" i="0" u="none" strike="noStrike" cap="none" normalizeH="0" baseline="0" dirty="0" smtClean="0">
+                <a:ln>
+                  <a:noFill/>
+                </a:ln>
+                <a:solidFill>
+                  <a:srgbClr val="000000"/>
+                </a:solidFill>
+                <a:effectLst/>
+                <a:latin typeface="宋体" panose="02010600030101010101" pitchFamily="2" charset="-122"/>
+                <a:ea typeface="宋体" panose="02010600030101010101" pitchFamily="2" charset="-122"/>
+              </a:rPr>
+              <a:t>, </a:t>
+            </a:r>
+            <a:r>
+              <a:rPr kumimoji="0" lang="zh-CN" altLang="zh-CN" sz="1300" b="0" i="0" u="none" strike="noStrike" cap="none" normalizeH="0" baseline="0" dirty="0" smtClean="0">
+                <a:ln>
+                  <a:noFill/>
+                </a:ln>
+                <a:solidFill>
+                  <a:srgbClr val="800000"/>
+                </a:solidFill>
+                <a:effectLst/>
+                <a:latin typeface="宋体" panose="02010600030101010101" pitchFamily="2" charset="-122"/>
+                <a:ea typeface="宋体" panose="02010600030101010101" pitchFamily="2" charset="-122"/>
+              </a:rPr>
+              <a:t>Parcel </a:t>
+            </a:r>
+            <a:r>
+              <a:rPr kumimoji="0" lang="zh-CN" altLang="zh-CN" sz="1300" b="0" i="0" u="none" strike="noStrike" cap="none" normalizeH="0" baseline="0" dirty="0" smtClean="0">
+                <a:ln>
+                  <a:noFill/>
+                </a:ln>
+                <a:solidFill>
+                  <a:srgbClr val="885D3B"/>
+                </a:solidFill>
+                <a:effectLst/>
+                <a:latin typeface="宋体" panose="02010600030101010101" pitchFamily="2" charset="-122"/>
+                <a:ea typeface="宋体" panose="02010600030101010101" pitchFamily="2" charset="-122"/>
+              </a:rPr>
+              <a:t>data</a:t>
+            </a:r>
+            <a:r>
+              <a:rPr kumimoji="0" lang="zh-CN" altLang="zh-CN" sz="1300" b="0" i="0" u="none" strike="noStrike" cap="none" normalizeH="0" baseline="0" dirty="0" smtClean="0">
+                <a:ln>
+                  <a:noFill/>
+                </a:ln>
+                <a:solidFill>
+                  <a:srgbClr val="000000"/>
+                </a:solidFill>
+                <a:effectLst/>
+                <a:latin typeface="宋体" panose="02010600030101010101" pitchFamily="2" charset="-122"/>
+                <a:ea typeface="宋体" panose="02010600030101010101" pitchFamily="2" charset="-122"/>
+              </a:rPr>
+              <a:t>, </a:t>
+            </a:r>
+            <a:r>
+              <a:rPr kumimoji="0" lang="zh-CN" altLang="zh-CN" sz="1300" b="0" i="0" u="none" strike="noStrike" cap="none" normalizeH="0" baseline="0" dirty="0" smtClean="0">
+                <a:ln>
+                  <a:noFill/>
+                </a:ln>
+                <a:solidFill>
+                  <a:srgbClr val="800000"/>
+                </a:solidFill>
+                <a:effectLst/>
+                <a:latin typeface="宋体" panose="02010600030101010101" pitchFamily="2" charset="-122"/>
+                <a:ea typeface="宋体" panose="02010600030101010101" pitchFamily="2" charset="-122"/>
+              </a:rPr>
+              <a:t>Parcel </a:t>
+            </a:r>
+            <a:r>
+              <a:rPr kumimoji="0" lang="zh-CN" altLang="zh-CN" sz="1300" b="0" i="0" u="none" strike="noStrike" cap="none" normalizeH="0" baseline="0" dirty="0" smtClean="0">
+                <a:ln>
+                  <a:noFill/>
+                </a:ln>
+                <a:solidFill>
+                  <a:srgbClr val="885D3B"/>
+                </a:solidFill>
+                <a:effectLst/>
+                <a:latin typeface="宋体" panose="02010600030101010101" pitchFamily="2" charset="-122"/>
+                <a:ea typeface="宋体" panose="02010600030101010101" pitchFamily="2" charset="-122"/>
+              </a:rPr>
+              <a:t>reply</a:t>
+            </a:r>
+            <a:r>
+              <a:rPr kumimoji="0" lang="zh-CN" altLang="zh-CN" sz="1300" b="0" i="0" u="none" strike="noStrike" cap="none" normalizeH="0" baseline="0" dirty="0" smtClean="0">
+                <a:ln>
+                  <a:noFill/>
+                </a:ln>
+                <a:solidFill>
+                  <a:srgbClr val="000000"/>
+                </a:solidFill>
+                <a:effectLst/>
+                <a:latin typeface="宋体" panose="02010600030101010101" pitchFamily="2" charset="-122"/>
+                <a:ea typeface="宋体" panose="02010600030101010101" pitchFamily="2" charset="-122"/>
+              </a:rPr>
+              <a:t>, </a:t>
+            </a:r>
+            <a:r>
+              <a:rPr kumimoji="0" lang="zh-CN" altLang="zh-CN" sz="1300" b="1" i="0" u="none" strike="noStrike" cap="none" normalizeH="0" baseline="0" dirty="0" smtClean="0">
+                <a:ln>
+                  <a:noFill/>
+                </a:ln>
+                <a:solidFill>
+                  <a:srgbClr val="0000A0"/>
+                </a:solidFill>
+                <a:effectLst/>
+                <a:latin typeface="宋体" panose="02010600030101010101" pitchFamily="2" charset="-122"/>
+                <a:ea typeface="宋体" panose="02010600030101010101" pitchFamily="2" charset="-122"/>
+              </a:rPr>
+              <a:t>int </a:t>
+            </a:r>
+            <a:r>
+              <a:rPr kumimoji="0" lang="zh-CN" altLang="zh-CN" sz="1300" b="0" i="0" u="none" strike="noStrike" cap="none" normalizeH="0" baseline="0" dirty="0" smtClean="0">
+                <a:ln>
+                  <a:noFill/>
+                </a:ln>
+                <a:solidFill>
+                  <a:srgbClr val="885D3B"/>
+                </a:solidFill>
+                <a:effectLst/>
+                <a:latin typeface="宋体" panose="02010600030101010101" pitchFamily="2" charset="-122"/>
+                <a:ea typeface="宋体" panose="02010600030101010101" pitchFamily="2" charset="-122"/>
+              </a:rPr>
+              <a:t>flags</a:t>
+            </a:r>
+            <a:r>
+              <a:rPr kumimoji="0" lang="zh-CN" altLang="zh-CN" sz="1300" b="0" i="0" u="none" strike="noStrike" cap="none" normalizeH="0" baseline="0" dirty="0" smtClean="0">
+                <a:ln>
+                  <a:noFill/>
+                </a:ln>
+                <a:solidFill>
+                  <a:srgbClr val="444444"/>
+                </a:solidFill>
+                <a:effectLst/>
+                <a:latin typeface="宋体" panose="02010600030101010101" pitchFamily="2" charset="-122"/>
+                <a:ea typeface="宋体" panose="02010600030101010101" pitchFamily="2" charset="-122"/>
+              </a:rPr>
+              <a:t>) </a:t>
+            </a:r>
+            <a:r>
+              <a:rPr kumimoji="0" lang="zh-CN" altLang="zh-CN" sz="1300" b="1" i="0" u="none" strike="noStrike" cap="none" normalizeH="0" baseline="0" dirty="0" smtClean="0">
+                <a:ln>
+                  <a:noFill/>
+                </a:ln>
+                <a:solidFill>
+                  <a:srgbClr val="0000A0"/>
+                </a:solidFill>
+                <a:effectLst/>
+                <a:latin typeface="宋体" panose="02010600030101010101" pitchFamily="2" charset="-122"/>
+                <a:ea typeface="宋体" panose="02010600030101010101" pitchFamily="2" charset="-122"/>
+              </a:rPr>
+              <a:t>throws </a:t>
+            </a:r>
+            <a:r>
+              <a:rPr kumimoji="0" lang="zh-CN" altLang="zh-CN" sz="1300" b="0" i="0" u="none" strike="noStrike" cap="none" normalizeH="0" baseline="0" dirty="0" smtClean="0">
+                <a:ln>
+                  <a:noFill/>
+                </a:ln>
+                <a:solidFill>
+                  <a:srgbClr val="800000"/>
+                </a:solidFill>
+                <a:effectLst/>
+                <a:latin typeface="宋体" panose="02010600030101010101" pitchFamily="2" charset="-122"/>
+                <a:ea typeface="宋体" panose="02010600030101010101" pitchFamily="2" charset="-122"/>
+              </a:rPr>
+              <a:t>RemoteException </a:t>
+            </a:r>
+            <a:r>
+              <a:rPr kumimoji="0" lang="zh-CN" altLang="zh-CN" sz="1300" b="0" i="0" u="none" strike="noStrike" cap="none" normalizeH="0" baseline="0" dirty="0" smtClean="0">
+                <a:ln>
+                  <a:noFill/>
+                </a:ln>
+                <a:solidFill>
+                  <a:srgbClr val="444444"/>
+                </a:solidFill>
+                <a:effectLst/>
+                <a:latin typeface="宋体" panose="02010600030101010101" pitchFamily="2" charset="-122"/>
+                <a:ea typeface="宋体" panose="02010600030101010101" pitchFamily="2" charset="-122"/>
+              </a:rPr>
+              <a:t>{</a:t>
+            </a:r>
+            <a:br>
+              <a:rPr kumimoji="0" lang="zh-CN" altLang="zh-CN" sz="1300" b="0" i="0" u="none" strike="noStrike" cap="none" normalizeH="0" baseline="0" dirty="0" smtClean="0">
+                <a:ln>
+                  <a:noFill/>
+                </a:ln>
+                <a:solidFill>
+                  <a:srgbClr val="444444"/>
+                </a:solidFill>
+                <a:effectLst/>
+                <a:latin typeface="宋体" panose="02010600030101010101" pitchFamily="2" charset="-122"/>
+                <a:ea typeface="宋体" panose="02010600030101010101" pitchFamily="2" charset="-122"/>
+              </a:rPr>
+            </a:br>
+            <a:r>
+              <a:rPr kumimoji="0" lang="zh-CN" altLang="zh-CN" sz="1300" b="0" i="0" u="none" strike="noStrike" cap="none" normalizeH="0" baseline="0" dirty="0" smtClean="0">
+                <a:ln>
+                  <a:noFill/>
+                </a:ln>
+                <a:solidFill>
+                  <a:srgbClr val="444444"/>
+                </a:solidFill>
+                <a:effectLst/>
+                <a:latin typeface="宋体" panose="02010600030101010101" pitchFamily="2" charset="-122"/>
+                <a:ea typeface="宋体" panose="02010600030101010101" pitchFamily="2" charset="-122"/>
+              </a:rPr>
+              <a:t>    </a:t>
+            </a:r>
+            <a:r>
+              <a:rPr kumimoji="0" lang="zh-CN" altLang="zh-CN" sz="1300" b="0" i="0" u="none" strike="noStrike" cap="none" normalizeH="0" baseline="0" dirty="0" smtClean="0">
+                <a:ln>
+                  <a:noFill/>
+                </a:ln>
+                <a:solidFill>
+                  <a:srgbClr val="38B5B5"/>
+                </a:solidFill>
+                <a:effectLst/>
+                <a:latin typeface="宋体" panose="02010600030101010101" pitchFamily="2" charset="-122"/>
+                <a:ea typeface="宋体" panose="02010600030101010101" pitchFamily="2" charset="-122"/>
+              </a:rPr>
+              <a:t>// 通过code标识期望调用服务端的方法，data 中读取客户端传来的参数。</a:t>
+            </a:r>
+            <a:br>
+              <a:rPr kumimoji="0" lang="zh-CN" altLang="zh-CN" sz="1300" b="0" i="0" u="none" strike="noStrike" cap="none" normalizeH="0" baseline="0" dirty="0" smtClean="0">
+                <a:ln>
+                  <a:noFill/>
+                </a:ln>
+                <a:solidFill>
+                  <a:srgbClr val="38B5B5"/>
+                </a:solidFill>
+                <a:effectLst/>
+                <a:latin typeface="宋体" panose="02010600030101010101" pitchFamily="2" charset="-122"/>
+                <a:ea typeface="宋体" panose="02010600030101010101" pitchFamily="2" charset="-122"/>
+              </a:rPr>
+            </a:br>
+            <a:r>
+              <a:rPr kumimoji="0" lang="zh-CN" altLang="zh-CN" sz="1300" b="0" i="0" u="none" strike="noStrike" cap="none" normalizeH="0" baseline="0" dirty="0" smtClean="0">
+                <a:ln>
+                  <a:noFill/>
+                </a:ln>
+                <a:solidFill>
+                  <a:srgbClr val="38B5B5"/>
+                </a:solidFill>
+                <a:effectLst/>
+                <a:latin typeface="宋体" panose="02010600030101010101" pitchFamily="2" charset="-122"/>
+                <a:ea typeface="宋体" panose="02010600030101010101" pitchFamily="2" charset="-122"/>
+              </a:rPr>
+              <a:t>    // 如何保证顺序呢？需要客户端和服务端实现保持约定</a:t>
+            </a:r>
+            <a:br>
+              <a:rPr kumimoji="0" lang="zh-CN" altLang="zh-CN" sz="1300" b="0" i="0" u="none" strike="noStrike" cap="none" normalizeH="0" baseline="0" dirty="0" smtClean="0">
+                <a:ln>
+                  <a:noFill/>
+                </a:ln>
+                <a:solidFill>
+                  <a:srgbClr val="38B5B5"/>
+                </a:solidFill>
+                <a:effectLst/>
+                <a:latin typeface="宋体" panose="02010600030101010101" pitchFamily="2" charset="-122"/>
+                <a:ea typeface="宋体" panose="02010600030101010101" pitchFamily="2" charset="-122"/>
+              </a:rPr>
+            </a:br>
+            <a:r>
+              <a:rPr kumimoji="0" lang="zh-CN" altLang="zh-CN" sz="1300" b="0" i="0" u="none" strike="noStrike" cap="none" normalizeH="0" baseline="0" dirty="0" smtClean="0">
+                <a:ln>
+                  <a:noFill/>
+                </a:ln>
+                <a:solidFill>
+                  <a:srgbClr val="38B5B5"/>
+                </a:solidFill>
+                <a:effectLst/>
+                <a:latin typeface="宋体" panose="02010600030101010101" pitchFamily="2" charset="-122"/>
+                <a:ea typeface="宋体" panose="02010600030101010101" pitchFamily="2" charset="-122"/>
+              </a:rPr>
+              <a:t>    </a:t>
+            </a:r>
+            <a:r>
+              <a:rPr kumimoji="0" lang="zh-CN" altLang="zh-CN" sz="1300" b="1" i="0" u="none" strike="noStrike" cap="none" normalizeH="0" baseline="0" dirty="0" smtClean="0">
+                <a:ln>
+                  <a:noFill/>
+                </a:ln>
+                <a:solidFill>
+                  <a:srgbClr val="0000A0"/>
+                </a:solidFill>
+                <a:effectLst/>
+                <a:latin typeface="宋体" panose="02010600030101010101" pitchFamily="2" charset="-122"/>
+                <a:ea typeface="宋体" panose="02010600030101010101" pitchFamily="2" charset="-122"/>
+              </a:rPr>
+              <a:t>switch </a:t>
+            </a:r>
+            <a:r>
+              <a:rPr kumimoji="0" lang="zh-CN" altLang="zh-CN" sz="1300" b="0" i="0" u="none" strike="noStrike" cap="none" normalizeH="0" baseline="0" dirty="0" smtClean="0">
+                <a:ln>
+                  <a:noFill/>
+                </a:ln>
+                <a:solidFill>
+                  <a:srgbClr val="444444"/>
+                </a:solidFill>
+                <a:effectLst/>
+                <a:latin typeface="宋体" panose="02010600030101010101" pitchFamily="2" charset="-122"/>
+                <a:ea typeface="宋体" panose="02010600030101010101" pitchFamily="2" charset="-122"/>
+              </a:rPr>
+              <a:t>(</a:t>
+            </a:r>
+            <a:r>
+              <a:rPr kumimoji="0" lang="zh-CN" altLang="zh-CN" sz="1300" b="0" i="0" u="none" strike="noStrike" cap="none" normalizeH="0" baseline="0" dirty="0" smtClean="0">
+                <a:ln>
+                  <a:noFill/>
+                </a:ln>
+                <a:solidFill>
+                  <a:srgbClr val="885D3B"/>
+                </a:solidFill>
+                <a:effectLst/>
+                <a:latin typeface="宋体" panose="02010600030101010101" pitchFamily="2" charset="-122"/>
+                <a:ea typeface="宋体" panose="02010600030101010101" pitchFamily="2" charset="-122"/>
+              </a:rPr>
+              <a:t>code</a:t>
+            </a:r>
+            <a:r>
+              <a:rPr kumimoji="0" lang="zh-CN" altLang="zh-CN" sz="1300" b="0" i="0" u="none" strike="noStrike" cap="none" normalizeH="0" baseline="0" dirty="0" smtClean="0">
+                <a:ln>
+                  <a:noFill/>
+                </a:ln>
+                <a:solidFill>
+                  <a:srgbClr val="444444"/>
+                </a:solidFill>
+                <a:effectLst/>
+                <a:latin typeface="宋体" panose="02010600030101010101" pitchFamily="2" charset="-122"/>
+                <a:ea typeface="宋体" panose="02010600030101010101" pitchFamily="2" charset="-122"/>
+              </a:rPr>
+              <a:t>) {</a:t>
+            </a:r>
+            <a:br>
+              <a:rPr kumimoji="0" lang="zh-CN" altLang="zh-CN" sz="1300" b="0" i="0" u="none" strike="noStrike" cap="none" normalizeH="0" baseline="0" dirty="0" smtClean="0">
+                <a:ln>
+                  <a:noFill/>
+                </a:ln>
+                <a:solidFill>
+                  <a:srgbClr val="444444"/>
+                </a:solidFill>
+                <a:effectLst/>
+                <a:latin typeface="宋体" panose="02010600030101010101" pitchFamily="2" charset="-122"/>
+                <a:ea typeface="宋体" panose="02010600030101010101" pitchFamily="2" charset="-122"/>
+              </a:rPr>
+            </a:br>
+            <a:r>
+              <a:rPr kumimoji="0" lang="zh-CN" altLang="zh-CN" sz="1300" b="0" i="0" u="none" strike="noStrike" cap="none" normalizeH="0" baseline="0" dirty="0" smtClean="0">
+                <a:ln>
+                  <a:noFill/>
+                </a:ln>
+                <a:solidFill>
+                  <a:srgbClr val="444444"/>
+                </a:solidFill>
+                <a:effectLst/>
+                <a:latin typeface="宋体" panose="02010600030101010101" pitchFamily="2" charset="-122"/>
+                <a:ea typeface="宋体" panose="02010600030101010101" pitchFamily="2" charset="-122"/>
+              </a:rPr>
+              <a:t>        </a:t>
+            </a:r>
+            <a:r>
+              <a:rPr kumimoji="0" lang="zh-CN" altLang="zh-CN" sz="1300" b="1" i="0" u="none" strike="noStrike" cap="none" normalizeH="0" baseline="0" dirty="0" smtClean="0">
+                <a:ln>
+                  <a:noFill/>
+                </a:ln>
+                <a:solidFill>
+                  <a:srgbClr val="0000A0"/>
+                </a:solidFill>
+                <a:effectLst/>
+                <a:latin typeface="宋体" panose="02010600030101010101" pitchFamily="2" charset="-122"/>
+                <a:ea typeface="宋体" panose="02010600030101010101" pitchFamily="2" charset="-122"/>
+              </a:rPr>
+              <a:t>case </a:t>
+            </a:r>
+            <a:r>
+              <a:rPr kumimoji="0" lang="zh-CN" altLang="zh-CN" sz="1300" b="0" i="0" u="none" strike="noStrike" cap="none" normalizeH="0" baseline="0" dirty="0" smtClean="0">
+                <a:ln>
+                  <a:noFill/>
+                </a:ln>
+                <a:solidFill>
+                  <a:srgbClr val="801F91"/>
+                </a:solidFill>
+                <a:effectLst/>
+                <a:latin typeface="宋体" panose="02010600030101010101" pitchFamily="2" charset="-122"/>
+                <a:ea typeface="宋体" panose="02010600030101010101" pitchFamily="2" charset="-122"/>
+              </a:rPr>
+              <a:t>1000</a:t>
+            </a:r>
+            <a:r>
+              <a:rPr kumimoji="0" lang="zh-CN" altLang="zh-CN" sz="1300" b="0" i="0" u="none" strike="noStrike" cap="none" normalizeH="0" baseline="0" dirty="0" smtClean="0">
+                <a:ln>
+                  <a:noFill/>
+                </a:ln>
+                <a:solidFill>
+                  <a:srgbClr val="000000"/>
+                </a:solidFill>
+                <a:effectLst/>
+                <a:latin typeface="宋体" panose="02010600030101010101" pitchFamily="2" charset="-122"/>
+                <a:ea typeface="宋体" panose="02010600030101010101" pitchFamily="2" charset="-122"/>
+              </a:rPr>
+              <a:t>:</a:t>
+            </a:r>
+            <a:br>
+              <a:rPr kumimoji="0" lang="zh-CN" altLang="zh-CN" sz="1300" b="0" i="0" u="none" strike="noStrike" cap="none" normalizeH="0" baseline="0" dirty="0" smtClean="0">
+                <a:ln>
+                  <a:noFill/>
+                </a:ln>
+                <a:solidFill>
+                  <a:srgbClr val="000000"/>
+                </a:solidFill>
+                <a:effectLst/>
+                <a:latin typeface="宋体" panose="02010600030101010101" pitchFamily="2" charset="-122"/>
+                <a:ea typeface="宋体" panose="02010600030101010101" pitchFamily="2" charset="-122"/>
+              </a:rPr>
+            </a:br>
+            <a:r>
+              <a:rPr kumimoji="0" lang="zh-CN" altLang="zh-CN" sz="1300" b="0" i="0" u="none" strike="noStrike" cap="none" normalizeH="0" baseline="0" dirty="0" smtClean="0">
+                <a:ln>
+                  <a:noFill/>
+                </a:ln>
+                <a:solidFill>
+                  <a:srgbClr val="000000"/>
+                </a:solidFill>
+                <a:effectLst/>
+                <a:latin typeface="宋体" panose="02010600030101010101" pitchFamily="2" charset="-122"/>
+                <a:ea typeface="宋体" panose="02010600030101010101" pitchFamily="2" charset="-122"/>
+              </a:rPr>
+              <a:t>            </a:t>
+            </a:r>
+            <a:r>
+              <a:rPr kumimoji="0" lang="zh-CN" altLang="zh-CN" sz="1300" b="0" i="0" u="none" strike="noStrike" cap="none" normalizeH="0" baseline="0" dirty="0" smtClean="0">
+                <a:ln>
+                  <a:noFill/>
+                </a:ln>
+                <a:solidFill>
+                  <a:srgbClr val="38B5B5"/>
+                </a:solidFill>
+                <a:effectLst/>
+                <a:latin typeface="宋体" panose="02010600030101010101" pitchFamily="2" charset="-122"/>
+                <a:ea typeface="宋体" panose="02010600030101010101" pitchFamily="2" charset="-122"/>
+              </a:rPr>
+              <a:t>// 假定客户端传入的数据中，第一个就是文件的路径</a:t>
+            </a:r>
+            <a:br>
+              <a:rPr kumimoji="0" lang="zh-CN" altLang="zh-CN" sz="1300" b="0" i="0" u="none" strike="noStrike" cap="none" normalizeH="0" baseline="0" dirty="0" smtClean="0">
+                <a:ln>
+                  <a:noFill/>
+                </a:ln>
+                <a:solidFill>
+                  <a:srgbClr val="38B5B5"/>
+                </a:solidFill>
+                <a:effectLst/>
+                <a:latin typeface="宋体" panose="02010600030101010101" pitchFamily="2" charset="-122"/>
+                <a:ea typeface="宋体" panose="02010600030101010101" pitchFamily="2" charset="-122"/>
+              </a:rPr>
+            </a:br>
+            <a:r>
+              <a:rPr kumimoji="0" lang="zh-CN" altLang="zh-CN" sz="1300" b="0" i="0" u="none" strike="noStrike" cap="none" normalizeH="0" baseline="0" dirty="0" smtClean="0">
+                <a:ln>
+                  <a:noFill/>
+                </a:ln>
+                <a:solidFill>
+                  <a:srgbClr val="38B5B5"/>
+                </a:solidFill>
+                <a:effectLst/>
+                <a:latin typeface="宋体" panose="02010600030101010101" pitchFamily="2" charset="-122"/>
+                <a:ea typeface="宋体" panose="02010600030101010101" pitchFamily="2" charset="-122"/>
+              </a:rPr>
+              <a:t>            </a:t>
+            </a:r>
+            <a:r>
+              <a:rPr kumimoji="0" lang="zh-CN" altLang="zh-CN" sz="1300" b="0" i="0" u="none" strike="noStrike" cap="none" normalizeH="0" baseline="0" dirty="0" smtClean="0">
+                <a:ln>
+                  <a:noFill/>
+                </a:ln>
+                <a:solidFill>
+                  <a:srgbClr val="885D3B"/>
+                </a:solidFill>
+                <a:effectLst/>
+                <a:latin typeface="宋体" panose="02010600030101010101" pitchFamily="2" charset="-122"/>
+                <a:ea typeface="宋体" panose="02010600030101010101" pitchFamily="2" charset="-122"/>
+              </a:rPr>
+              <a:t>data</a:t>
+            </a:r>
+            <a:r>
+              <a:rPr kumimoji="0" lang="zh-CN" altLang="zh-CN" sz="1300" b="0" i="0" u="none" strike="noStrike" cap="none" normalizeH="0" baseline="0" dirty="0" smtClean="0">
+                <a:ln>
+                  <a:noFill/>
+                </a:ln>
+                <a:solidFill>
+                  <a:srgbClr val="000000"/>
+                </a:solidFill>
+                <a:effectLst/>
+                <a:latin typeface="宋体" panose="02010600030101010101" pitchFamily="2" charset="-122"/>
+                <a:ea typeface="宋体" panose="02010600030101010101" pitchFamily="2" charset="-122"/>
+              </a:rPr>
+              <a:t>.</a:t>
+            </a:r>
+            <a:r>
+              <a:rPr kumimoji="0" lang="zh-CN" altLang="zh-CN" sz="1300" b="1" i="0" u="none" strike="noStrike" cap="none" normalizeH="0" baseline="0" dirty="0" smtClean="0">
+                <a:ln>
+                  <a:noFill/>
+                </a:ln>
+                <a:solidFill>
+                  <a:srgbClr val="444444"/>
+                </a:solidFill>
+                <a:effectLst/>
+                <a:latin typeface="宋体" panose="02010600030101010101" pitchFamily="2" charset="-122"/>
+                <a:ea typeface="宋体" panose="02010600030101010101" pitchFamily="2" charset="-122"/>
+              </a:rPr>
+              <a:t>enforceInterface</a:t>
+            </a:r>
+            <a:r>
+              <a:rPr kumimoji="0" lang="zh-CN" altLang="zh-CN" sz="1300" b="0" i="0" u="none" strike="noStrike" cap="none" normalizeH="0" baseline="0" dirty="0" smtClean="0">
+                <a:ln>
+                  <a:noFill/>
+                </a:ln>
+                <a:solidFill>
+                  <a:srgbClr val="444444"/>
+                </a:solidFill>
+                <a:effectLst/>
+                <a:latin typeface="宋体" panose="02010600030101010101" pitchFamily="2" charset="-122"/>
+                <a:ea typeface="宋体" panose="02010600030101010101" pitchFamily="2" charset="-122"/>
+              </a:rPr>
+              <a:t>(</a:t>
+            </a:r>
+            <a:r>
+              <a:rPr kumimoji="0" lang="zh-CN" altLang="zh-CN" sz="1300" b="0" i="0" u="none" strike="noStrike" cap="none" normalizeH="0" baseline="0" dirty="0" smtClean="0">
+                <a:ln>
+                  <a:noFill/>
+                </a:ln>
+                <a:solidFill>
+                  <a:srgbClr val="018A8A"/>
+                </a:solidFill>
+                <a:effectLst/>
+                <a:latin typeface="宋体" panose="02010600030101010101" pitchFamily="2" charset="-122"/>
+                <a:ea typeface="宋体" panose="02010600030101010101" pitchFamily="2" charset="-122"/>
+              </a:rPr>
+              <a:t>"MusicPlayerService"</a:t>
+            </a:r>
+            <a:r>
+              <a:rPr kumimoji="0" lang="zh-CN" altLang="zh-CN" sz="1300" b="0" i="0" u="none" strike="noStrike" cap="none" normalizeH="0" baseline="0" dirty="0" smtClean="0">
+                <a:ln>
+                  <a:noFill/>
+                </a:ln>
+                <a:solidFill>
+                  <a:srgbClr val="444444"/>
+                </a:solidFill>
+                <a:effectLst/>
+                <a:latin typeface="宋体" panose="02010600030101010101" pitchFamily="2" charset="-122"/>
+                <a:ea typeface="宋体" panose="02010600030101010101" pitchFamily="2" charset="-122"/>
+              </a:rPr>
+              <a:t>)</a:t>
+            </a:r>
+            <a:r>
+              <a:rPr kumimoji="0" lang="zh-CN" altLang="zh-CN" sz="1300" b="0" i="0" u="none" strike="noStrike" cap="none" normalizeH="0" baseline="0" dirty="0" smtClean="0">
+                <a:ln>
+                  <a:noFill/>
+                </a:ln>
+                <a:solidFill>
+                  <a:srgbClr val="000000"/>
+                </a:solidFill>
+                <a:effectLst/>
+                <a:latin typeface="宋体" panose="02010600030101010101" pitchFamily="2" charset="-122"/>
+                <a:ea typeface="宋体" panose="02010600030101010101" pitchFamily="2" charset="-122"/>
+              </a:rPr>
+              <a:t>;</a:t>
+            </a:r>
+            <a:br>
+              <a:rPr kumimoji="0" lang="zh-CN" altLang="zh-CN" sz="1300" b="0" i="0" u="none" strike="noStrike" cap="none" normalizeH="0" baseline="0" dirty="0" smtClean="0">
+                <a:ln>
+                  <a:noFill/>
+                </a:ln>
+                <a:solidFill>
+                  <a:srgbClr val="000000"/>
+                </a:solidFill>
+                <a:effectLst/>
+                <a:latin typeface="宋体" panose="02010600030101010101" pitchFamily="2" charset="-122"/>
+                <a:ea typeface="宋体" panose="02010600030101010101" pitchFamily="2" charset="-122"/>
+              </a:rPr>
+            </a:br>
+            <a:r>
+              <a:rPr kumimoji="0" lang="zh-CN" altLang="zh-CN" sz="1300" b="0" i="0" u="none" strike="noStrike" cap="none" normalizeH="0" baseline="0" dirty="0" smtClean="0">
+                <a:ln>
+                  <a:noFill/>
+                </a:ln>
+                <a:solidFill>
+                  <a:srgbClr val="000000"/>
+                </a:solidFill>
+                <a:effectLst/>
+                <a:latin typeface="宋体" panose="02010600030101010101" pitchFamily="2" charset="-122"/>
+                <a:ea typeface="宋体" panose="02010600030101010101" pitchFamily="2" charset="-122"/>
+              </a:rPr>
+              <a:t>            </a:t>
+            </a:r>
+            <a:r>
+              <a:rPr kumimoji="0" lang="zh-CN" altLang="zh-CN" sz="1300" b="0" i="0" u="none" strike="noStrike" cap="none" normalizeH="0" baseline="0" dirty="0" smtClean="0">
+                <a:ln>
+                  <a:noFill/>
+                </a:ln>
+                <a:solidFill>
+                  <a:srgbClr val="800000"/>
+                </a:solidFill>
+                <a:effectLst/>
+                <a:latin typeface="宋体" panose="02010600030101010101" pitchFamily="2" charset="-122"/>
+                <a:ea typeface="宋体" panose="02010600030101010101" pitchFamily="2" charset="-122"/>
+              </a:rPr>
+              <a:t>String </a:t>
+            </a:r>
+            <a:r>
+              <a:rPr kumimoji="0" lang="zh-CN" altLang="zh-CN" sz="1300" b="0" i="0" u="none" strike="noStrike" cap="none" normalizeH="0" baseline="0" dirty="0" smtClean="0">
+                <a:ln>
+                  <a:noFill/>
+                </a:ln>
+                <a:solidFill>
+                  <a:srgbClr val="5C8198"/>
+                </a:solidFill>
+                <a:effectLst/>
+                <a:latin typeface="宋体" panose="02010600030101010101" pitchFamily="2" charset="-122"/>
+                <a:ea typeface="宋体" panose="02010600030101010101" pitchFamily="2" charset="-122"/>
+              </a:rPr>
+              <a:t>filePath </a:t>
+            </a:r>
+            <a:r>
+              <a:rPr kumimoji="0" lang="zh-CN" altLang="zh-CN" sz="1300" b="0" i="0" u="none" strike="noStrike" cap="none" normalizeH="0" baseline="0" dirty="0" smtClean="0">
+                <a:ln>
+                  <a:noFill/>
+                </a:ln>
+                <a:solidFill>
+                  <a:srgbClr val="000000"/>
+                </a:solidFill>
+                <a:effectLst/>
+                <a:latin typeface="宋体" panose="02010600030101010101" pitchFamily="2" charset="-122"/>
+                <a:ea typeface="宋体" panose="02010600030101010101" pitchFamily="2" charset="-122"/>
+              </a:rPr>
+              <a:t>= </a:t>
+            </a:r>
+            <a:r>
+              <a:rPr kumimoji="0" lang="zh-CN" altLang="zh-CN" sz="1300" b="0" i="0" u="none" strike="noStrike" cap="none" normalizeH="0" baseline="0" dirty="0" smtClean="0">
+                <a:ln>
+                  <a:noFill/>
+                </a:ln>
+                <a:solidFill>
+                  <a:srgbClr val="885D3B"/>
+                </a:solidFill>
+                <a:effectLst/>
+                <a:latin typeface="宋体" panose="02010600030101010101" pitchFamily="2" charset="-122"/>
+                <a:ea typeface="宋体" panose="02010600030101010101" pitchFamily="2" charset="-122"/>
+              </a:rPr>
+              <a:t>data</a:t>
+            </a:r>
+            <a:r>
+              <a:rPr kumimoji="0" lang="zh-CN" altLang="zh-CN" sz="1300" b="0" i="0" u="none" strike="noStrike" cap="none" normalizeH="0" baseline="0" dirty="0" smtClean="0">
+                <a:ln>
+                  <a:noFill/>
+                </a:ln>
+                <a:solidFill>
+                  <a:srgbClr val="000000"/>
+                </a:solidFill>
+                <a:effectLst/>
+                <a:latin typeface="宋体" panose="02010600030101010101" pitchFamily="2" charset="-122"/>
+                <a:ea typeface="宋体" panose="02010600030101010101" pitchFamily="2" charset="-122"/>
+              </a:rPr>
+              <a:t>.</a:t>
+            </a:r>
+            <a:r>
+              <a:rPr kumimoji="0" lang="zh-CN" altLang="zh-CN" sz="1300" b="1" i="0" u="none" strike="noStrike" cap="none" normalizeH="0" baseline="0" dirty="0" smtClean="0">
+                <a:ln>
+                  <a:noFill/>
+                </a:ln>
+                <a:solidFill>
+                  <a:srgbClr val="444444"/>
+                </a:solidFill>
+                <a:effectLst/>
+                <a:latin typeface="宋体" panose="02010600030101010101" pitchFamily="2" charset="-122"/>
+                <a:ea typeface="宋体" panose="02010600030101010101" pitchFamily="2" charset="-122"/>
+              </a:rPr>
+              <a:t>readString</a:t>
+            </a:r>
+            <a:r>
+              <a:rPr kumimoji="0" lang="zh-CN" altLang="zh-CN" sz="1300" b="0" i="0" u="none" strike="noStrike" cap="none" normalizeH="0" baseline="0" dirty="0" smtClean="0">
+                <a:ln>
+                  <a:noFill/>
+                </a:ln>
+                <a:solidFill>
+                  <a:srgbClr val="444444"/>
+                </a:solidFill>
+                <a:effectLst/>
+                <a:latin typeface="宋体" panose="02010600030101010101" pitchFamily="2" charset="-122"/>
+                <a:ea typeface="宋体" panose="02010600030101010101" pitchFamily="2" charset="-122"/>
+              </a:rPr>
+              <a:t>()</a:t>
+            </a:r>
+            <a:r>
+              <a:rPr kumimoji="0" lang="zh-CN" altLang="zh-CN" sz="1300" b="0" i="0" u="none" strike="noStrike" cap="none" normalizeH="0" baseline="0" dirty="0" smtClean="0">
+                <a:ln>
+                  <a:noFill/>
+                </a:ln>
+                <a:solidFill>
+                  <a:srgbClr val="000000"/>
+                </a:solidFill>
+                <a:effectLst/>
+                <a:latin typeface="宋体" panose="02010600030101010101" pitchFamily="2" charset="-122"/>
+                <a:ea typeface="宋体" panose="02010600030101010101" pitchFamily="2" charset="-122"/>
+              </a:rPr>
+              <a:t>;</a:t>
+            </a:r>
+            <a:br>
+              <a:rPr kumimoji="0" lang="zh-CN" altLang="zh-CN" sz="1300" b="0" i="0" u="none" strike="noStrike" cap="none" normalizeH="0" baseline="0" dirty="0" smtClean="0">
+                <a:ln>
+                  <a:noFill/>
+                </a:ln>
+                <a:solidFill>
+                  <a:srgbClr val="000000"/>
+                </a:solidFill>
+                <a:effectLst/>
+                <a:latin typeface="宋体" panose="02010600030101010101" pitchFamily="2" charset="-122"/>
+                <a:ea typeface="宋体" panose="02010600030101010101" pitchFamily="2" charset="-122"/>
+              </a:rPr>
+            </a:br>
+            <a:r>
+              <a:rPr kumimoji="0" lang="zh-CN" altLang="zh-CN" sz="1300" b="0" i="0" u="none" strike="noStrike" cap="none" normalizeH="0" baseline="0" dirty="0" smtClean="0">
+                <a:ln>
+                  <a:noFill/>
+                </a:ln>
+                <a:solidFill>
+                  <a:srgbClr val="000000"/>
+                </a:solidFill>
+                <a:effectLst/>
+                <a:latin typeface="宋体" panose="02010600030101010101" pitchFamily="2" charset="-122"/>
+                <a:ea typeface="宋体" panose="02010600030101010101" pitchFamily="2" charset="-122"/>
+              </a:rPr>
+              <a:t>            </a:t>
+            </a:r>
+            <a:r>
+              <a:rPr kumimoji="0" lang="zh-CN" altLang="zh-CN" sz="1300" b="1" i="0" u="none" strike="noStrike" cap="none" normalizeH="0" baseline="0" dirty="0" smtClean="0">
+                <a:ln>
+                  <a:noFill/>
+                </a:ln>
+                <a:solidFill>
+                  <a:srgbClr val="444444"/>
+                </a:solidFill>
+                <a:effectLst/>
+                <a:latin typeface="宋体" panose="02010600030101010101" pitchFamily="2" charset="-122"/>
+                <a:ea typeface="宋体" panose="02010600030101010101" pitchFamily="2" charset="-122"/>
+              </a:rPr>
+              <a:t>start</a:t>
+            </a:r>
+            <a:r>
+              <a:rPr kumimoji="0" lang="zh-CN" altLang="zh-CN" sz="1300" b="0" i="0" u="none" strike="noStrike" cap="none" normalizeH="0" baseline="0" dirty="0" smtClean="0">
+                <a:ln>
+                  <a:noFill/>
+                </a:ln>
+                <a:solidFill>
+                  <a:srgbClr val="444444"/>
+                </a:solidFill>
+                <a:effectLst/>
+                <a:latin typeface="宋体" panose="02010600030101010101" pitchFamily="2" charset="-122"/>
+                <a:ea typeface="宋体" panose="02010600030101010101" pitchFamily="2" charset="-122"/>
+              </a:rPr>
+              <a:t>(</a:t>
+            </a:r>
+            <a:r>
+              <a:rPr kumimoji="0" lang="zh-CN" altLang="zh-CN" sz="1300" b="0" i="0" u="none" strike="noStrike" cap="none" normalizeH="0" baseline="0" dirty="0" smtClean="0">
+                <a:ln>
+                  <a:noFill/>
+                </a:ln>
+                <a:solidFill>
+                  <a:srgbClr val="5C8198"/>
+                </a:solidFill>
+                <a:effectLst/>
+                <a:latin typeface="宋体" panose="02010600030101010101" pitchFamily="2" charset="-122"/>
+                <a:ea typeface="宋体" panose="02010600030101010101" pitchFamily="2" charset="-122"/>
+              </a:rPr>
+              <a:t>filePath</a:t>
+            </a:r>
+            <a:r>
+              <a:rPr kumimoji="0" lang="zh-CN" altLang="zh-CN" sz="1300" b="0" i="0" u="none" strike="noStrike" cap="none" normalizeH="0" baseline="0" dirty="0" smtClean="0">
+                <a:ln>
+                  <a:noFill/>
+                </a:ln>
+                <a:solidFill>
+                  <a:srgbClr val="444444"/>
+                </a:solidFill>
+                <a:effectLst/>
+                <a:latin typeface="宋体" panose="02010600030101010101" pitchFamily="2" charset="-122"/>
+                <a:ea typeface="宋体" panose="02010600030101010101" pitchFamily="2" charset="-122"/>
+              </a:rPr>
+              <a:t>)</a:t>
+            </a:r>
+            <a:r>
+              <a:rPr kumimoji="0" lang="zh-CN" altLang="zh-CN" sz="1300" b="0" i="0" u="none" strike="noStrike" cap="none" normalizeH="0" baseline="0" dirty="0" smtClean="0">
+                <a:ln>
+                  <a:noFill/>
+                </a:ln>
+                <a:solidFill>
+                  <a:srgbClr val="000000"/>
+                </a:solidFill>
+                <a:effectLst/>
+                <a:latin typeface="宋体" panose="02010600030101010101" pitchFamily="2" charset="-122"/>
+                <a:ea typeface="宋体" panose="02010600030101010101" pitchFamily="2" charset="-122"/>
+              </a:rPr>
+              <a:t>;</a:t>
+            </a:r>
+            <a:br>
+              <a:rPr kumimoji="0" lang="zh-CN" altLang="zh-CN" sz="1300" b="0" i="0" u="none" strike="noStrike" cap="none" normalizeH="0" baseline="0" dirty="0" smtClean="0">
+                <a:ln>
+                  <a:noFill/>
+                </a:ln>
+                <a:solidFill>
+                  <a:srgbClr val="000000"/>
+                </a:solidFill>
+                <a:effectLst/>
+                <a:latin typeface="宋体" panose="02010600030101010101" pitchFamily="2" charset="-122"/>
+                <a:ea typeface="宋体" panose="02010600030101010101" pitchFamily="2" charset="-122"/>
+              </a:rPr>
+            </a:br>
+            <a:r>
+              <a:rPr kumimoji="0" lang="zh-CN" altLang="zh-CN" sz="1300" b="0" i="0" u="none" strike="noStrike" cap="none" normalizeH="0" baseline="0" dirty="0" smtClean="0">
+                <a:ln>
+                  <a:noFill/>
+                </a:ln>
+                <a:solidFill>
+                  <a:srgbClr val="000000"/>
+                </a:solidFill>
+                <a:effectLst/>
+                <a:latin typeface="宋体" panose="02010600030101010101" pitchFamily="2" charset="-122"/>
+                <a:ea typeface="宋体" panose="02010600030101010101" pitchFamily="2" charset="-122"/>
+              </a:rPr>
+              <a:t>            </a:t>
+            </a:r>
+            <a:r>
+              <a:rPr kumimoji="0" lang="zh-CN" altLang="zh-CN" sz="1300" b="0" i="0" u="none" strike="noStrike" cap="none" normalizeH="0" baseline="0" dirty="0" smtClean="0">
+                <a:ln>
+                  <a:noFill/>
+                </a:ln>
+                <a:solidFill>
+                  <a:srgbClr val="38B5B5"/>
+                </a:solidFill>
+                <a:effectLst/>
+                <a:latin typeface="宋体" panose="02010600030101010101" pitchFamily="2" charset="-122"/>
+                <a:ea typeface="宋体" panose="02010600030101010101" pitchFamily="2" charset="-122"/>
+              </a:rPr>
+              <a:t>// reply.writeString("return value");</a:t>
+            </a:r>
+            <a:br>
+              <a:rPr kumimoji="0" lang="zh-CN" altLang="zh-CN" sz="1300" b="0" i="0" u="none" strike="noStrike" cap="none" normalizeH="0" baseline="0" dirty="0" smtClean="0">
+                <a:ln>
+                  <a:noFill/>
+                </a:ln>
+                <a:solidFill>
+                  <a:srgbClr val="38B5B5"/>
+                </a:solidFill>
+                <a:effectLst/>
+                <a:latin typeface="宋体" panose="02010600030101010101" pitchFamily="2" charset="-122"/>
+                <a:ea typeface="宋体" panose="02010600030101010101" pitchFamily="2" charset="-122"/>
+              </a:rPr>
+            </a:br>
+            <a:r>
+              <a:rPr kumimoji="0" lang="zh-CN" altLang="zh-CN" sz="1300" b="0" i="0" u="none" strike="noStrike" cap="none" normalizeH="0" baseline="0" dirty="0" smtClean="0">
+                <a:ln>
+                  <a:noFill/>
+                </a:ln>
+                <a:solidFill>
+                  <a:srgbClr val="38B5B5"/>
+                </a:solidFill>
+                <a:effectLst/>
+                <a:latin typeface="宋体" panose="02010600030101010101" pitchFamily="2" charset="-122"/>
+                <a:ea typeface="宋体" panose="02010600030101010101" pitchFamily="2" charset="-122"/>
+              </a:rPr>
+              <a:t>            </a:t>
+            </a:r>
+            <a:r>
+              <a:rPr kumimoji="0" lang="zh-CN" altLang="zh-CN" sz="1300" b="1" i="0" u="none" strike="noStrike" cap="none" normalizeH="0" baseline="0" dirty="0" smtClean="0">
+                <a:ln>
+                  <a:noFill/>
+                </a:ln>
+                <a:solidFill>
+                  <a:srgbClr val="0000A0"/>
+                </a:solidFill>
+                <a:effectLst/>
+                <a:latin typeface="宋体" panose="02010600030101010101" pitchFamily="2" charset="-122"/>
+                <a:ea typeface="宋体" panose="02010600030101010101" pitchFamily="2" charset="-122"/>
+              </a:rPr>
+              <a:t>break</a:t>
+            </a:r>
+            <a:r>
+              <a:rPr kumimoji="0" lang="zh-CN" altLang="zh-CN" sz="1300" b="0" i="0" u="none" strike="noStrike" cap="none" normalizeH="0" baseline="0" dirty="0" smtClean="0">
+                <a:ln>
+                  <a:noFill/>
+                </a:ln>
+                <a:solidFill>
+                  <a:srgbClr val="000000"/>
+                </a:solidFill>
+                <a:effectLst/>
+                <a:latin typeface="宋体" panose="02010600030101010101" pitchFamily="2" charset="-122"/>
+                <a:ea typeface="宋体" panose="02010600030101010101" pitchFamily="2" charset="-122"/>
+              </a:rPr>
+              <a:t>;</a:t>
+            </a:r>
+            <a:br>
+              <a:rPr kumimoji="0" lang="zh-CN" altLang="zh-CN" sz="1300" b="0" i="0" u="none" strike="noStrike" cap="none" normalizeH="0" baseline="0" dirty="0" smtClean="0">
+                <a:ln>
+                  <a:noFill/>
+                </a:ln>
+                <a:solidFill>
+                  <a:srgbClr val="000000"/>
+                </a:solidFill>
+                <a:effectLst/>
+                <a:latin typeface="宋体" panose="02010600030101010101" pitchFamily="2" charset="-122"/>
+                <a:ea typeface="宋体" panose="02010600030101010101" pitchFamily="2" charset="-122"/>
+              </a:rPr>
+            </a:br>
+            <a:r>
+              <a:rPr kumimoji="0" lang="zh-CN" altLang="zh-CN" sz="1300" b="0" i="0" u="none" strike="noStrike" cap="none" normalizeH="0" baseline="0" dirty="0" smtClean="0">
+                <a:ln>
+                  <a:noFill/>
+                </a:ln>
+                <a:solidFill>
+                  <a:srgbClr val="000000"/>
+                </a:solidFill>
+                <a:effectLst/>
+                <a:latin typeface="宋体" panose="02010600030101010101" pitchFamily="2" charset="-122"/>
+                <a:ea typeface="宋体" panose="02010600030101010101" pitchFamily="2" charset="-122"/>
+              </a:rPr>
+              <a:t>    </a:t>
+            </a:r>
+            <a:r>
+              <a:rPr kumimoji="0" lang="zh-CN" altLang="zh-CN" sz="1300" b="0" i="0" u="none" strike="noStrike" cap="none" normalizeH="0" baseline="0" dirty="0" smtClean="0">
+                <a:ln>
+                  <a:noFill/>
+                </a:ln>
+                <a:solidFill>
+                  <a:srgbClr val="444444"/>
+                </a:solidFill>
+                <a:effectLst/>
+                <a:latin typeface="宋体" panose="02010600030101010101" pitchFamily="2" charset="-122"/>
+                <a:ea typeface="宋体" panose="02010600030101010101" pitchFamily="2" charset="-122"/>
+              </a:rPr>
+              <a:t>}</a:t>
+            </a:r>
+            <a:br>
+              <a:rPr kumimoji="0" lang="zh-CN" altLang="zh-CN" sz="1300" b="0" i="0" u="none" strike="noStrike" cap="none" normalizeH="0" baseline="0" dirty="0" smtClean="0">
+                <a:ln>
+                  <a:noFill/>
+                </a:ln>
+                <a:solidFill>
+                  <a:srgbClr val="444444"/>
+                </a:solidFill>
+                <a:effectLst/>
+                <a:latin typeface="宋体" panose="02010600030101010101" pitchFamily="2" charset="-122"/>
+                <a:ea typeface="宋体" panose="02010600030101010101" pitchFamily="2" charset="-122"/>
+              </a:rPr>
+            </a:br>
+            <a:r>
+              <a:rPr kumimoji="0" lang="zh-CN" altLang="zh-CN" sz="1300" b="0" i="0" u="none" strike="noStrike" cap="none" normalizeH="0" baseline="0" dirty="0" smtClean="0">
+                <a:ln>
+                  <a:noFill/>
+                </a:ln>
+                <a:solidFill>
+                  <a:srgbClr val="444444"/>
+                </a:solidFill>
+                <a:effectLst/>
+                <a:latin typeface="宋体" panose="02010600030101010101" pitchFamily="2" charset="-122"/>
+                <a:ea typeface="宋体" panose="02010600030101010101" pitchFamily="2" charset="-122"/>
+              </a:rPr>
+              <a:t>    </a:t>
+            </a:r>
+            <a:r>
+              <a:rPr kumimoji="0" lang="zh-CN" altLang="zh-CN" sz="1300" b="1" i="0" u="none" strike="noStrike" cap="none" normalizeH="0" baseline="0" dirty="0" smtClean="0">
+                <a:ln>
+                  <a:noFill/>
+                </a:ln>
+                <a:solidFill>
+                  <a:srgbClr val="0000A0"/>
+                </a:solidFill>
+                <a:effectLst/>
+                <a:latin typeface="宋体" panose="02010600030101010101" pitchFamily="2" charset="-122"/>
+                <a:ea typeface="宋体" panose="02010600030101010101" pitchFamily="2" charset="-122"/>
+              </a:rPr>
+              <a:t>return super</a:t>
+            </a:r>
+            <a:r>
+              <a:rPr kumimoji="0" lang="zh-CN" altLang="zh-CN" sz="1300" b="0" i="0" u="none" strike="noStrike" cap="none" normalizeH="0" baseline="0" dirty="0" smtClean="0">
+                <a:ln>
+                  <a:noFill/>
+                </a:ln>
+                <a:solidFill>
+                  <a:srgbClr val="000000"/>
+                </a:solidFill>
+                <a:effectLst/>
+                <a:latin typeface="宋体" panose="02010600030101010101" pitchFamily="2" charset="-122"/>
+                <a:ea typeface="宋体" panose="02010600030101010101" pitchFamily="2" charset="-122"/>
+              </a:rPr>
+              <a:t>.</a:t>
+            </a:r>
+            <a:r>
+              <a:rPr kumimoji="0" lang="zh-CN" altLang="zh-CN" sz="1300" b="1" i="0" u="none" strike="noStrike" cap="none" normalizeH="0" baseline="0" dirty="0" smtClean="0">
+                <a:ln>
+                  <a:noFill/>
+                </a:ln>
+                <a:solidFill>
+                  <a:srgbClr val="444444"/>
+                </a:solidFill>
+                <a:effectLst/>
+                <a:latin typeface="宋体" panose="02010600030101010101" pitchFamily="2" charset="-122"/>
+                <a:ea typeface="宋体" panose="02010600030101010101" pitchFamily="2" charset="-122"/>
+              </a:rPr>
+              <a:t>onTransact</a:t>
+            </a:r>
+            <a:r>
+              <a:rPr kumimoji="0" lang="zh-CN" altLang="zh-CN" sz="1300" b="0" i="0" u="none" strike="noStrike" cap="none" normalizeH="0" baseline="0" dirty="0" smtClean="0">
+                <a:ln>
+                  <a:noFill/>
+                </a:ln>
+                <a:solidFill>
+                  <a:srgbClr val="444444"/>
+                </a:solidFill>
+                <a:effectLst/>
+                <a:latin typeface="宋体" panose="02010600030101010101" pitchFamily="2" charset="-122"/>
+                <a:ea typeface="宋体" panose="02010600030101010101" pitchFamily="2" charset="-122"/>
+              </a:rPr>
+              <a:t>(</a:t>
+            </a:r>
+            <a:r>
+              <a:rPr kumimoji="0" lang="zh-CN" altLang="zh-CN" sz="1300" b="0" i="0" u="none" strike="noStrike" cap="none" normalizeH="0" baseline="0" dirty="0" smtClean="0">
+                <a:ln>
+                  <a:noFill/>
+                </a:ln>
+                <a:solidFill>
+                  <a:srgbClr val="885D3B"/>
+                </a:solidFill>
+                <a:effectLst/>
+                <a:latin typeface="宋体" panose="02010600030101010101" pitchFamily="2" charset="-122"/>
+                <a:ea typeface="宋体" panose="02010600030101010101" pitchFamily="2" charset="-122"/>
+              </a:rPr>
+              <a:t>code</a:t>
+            </a:r>
+            <a:r>
+              <a:rPr kumimoji="0" lang="zh-CN" altLang="zh-CN" sz="1300" b="0" i="0" u="none" strike="noStrike" cap="none" normalizeH="0" baseline="0" dirty="0" smtClean="0">
+                <a:ln>
+                  <a:noFill/>
+                </a:ln>
+                <a:solidFill>
+                  <a:srgbClr val="000000"/>
+                </a:solidFill>
+                <a:effectLst/>
+                <a:latin typeface="宋体" panose="02010600030101010101" pitchFamily="2" charset="-122"/>
+                <a:ea typeface="宋体" panose="02010600030101010101" pitchFamily="2" charset="-122"/>
+              </a:rPr>
+              <a:t>, </a:t>
+            </a:r>
+            <a:r>
+              <a:rPr kumimoji="0" lang="zh-CN" altLang="zh-CN" sz="1300" b="0" i="0" u="none" strike="noStrike" cap="none" normalizeH="0" baseline="0" dirty="0" smtClean="0">
+                <a:ln>
+                  <a:noFill/>
+                </a:ln>
+                <a:solidFill>
+                  <a:srgbClr val="885D3B"/>
+                </a:solidFill>
+                <a:effectLst/>
+                <a:latin typeface="宋体" panose="02010600030101010101" pitchFamily="2" charset="-122"/>
+                <a:ea typeface="宋体" panose="02010600030101010101" pitchFamily="2" charset="-122"/>
+              </a:rPr>
+              <a:t>data</a:t>
+            </a:r>
+            <a:r>
+              <a:rPr kumimoji="0" lang="zh-CN" altLang="zh-CN" sz="1300" b="0" i="0" u="none" strike="noStrike" cap="none" normalizeH="0" baseline="0" dirty="0" smtClean="0">
+                <a:ln>
+                  <a:noFill/>
+                </a:ln>
+                <a:solidFill>
+                  <a:srgbClr val="000000"/>
+                </a:solidFill>
+                <a:effectLst/>
+                <a:latin typeface="宋体" panose="02010600030101010101" pitchFamily="2" charset="-122"/>
+                <a:ea typeface="宋体" panose="02010600030101010101" pitchFamily="2" charset="-122"/>
+              </a:rPr>
+              <a:t>, </a:t>
+            </a:r>
+            <a:r>
+              <a:rPr kumimoji="0" lang="zh-CN" altLang="zh-CN" sz="1300" b="0" i="0" u="none" strike="noStrike" cap="none" normalizeH="0" baseline="0" dirty="0" smtClean="0">
+                <a:ln>
+                  <a:noFill/>
+                </a:ln>
+                <a:solidFill>
+                  <a:srgbClr val="885D3B"/>
+                </a:solidFill>
+                <a:effectLst/>
+                <a:latin typeface="宋体" panose="02010600030101010101" pitchFamily="2" charset="-122"/>
+                <a:ea typeface="宋体" panose="02010600030101010101" pitchFamily="2" charset="-122"/>
+              </a:rPr>
+              <a:t>reply</a:t>
+            </a:r>
+            <a:r>
+              <a:rPr kumimoji="0" lang="zh-CN" altLang="zh-CN" sz="1300" b="0" i="0" u="none" strike="noStrike" cap="none" normalizeH="0" baseline="0" dirty="0" smtClean="0">
+                <a:ln>
+                  <a:noFill/>
+                </a:ln>
+                <a:solidFill>
+                  <a:srgbClr val="000000"/>
+                </a:solidFill>
+                <a:effectLst/>
+                <a:latin typeface="宋体" panose="02010600030101010101" pitchFamily="2" charset="-122"/>
+                <a:ea typeface="宋体" panose="02010600030101010101" pitchFamily="2" charset="-122"/>
+              </a:rPr>
+              <a:t>, </a:t>
+            </a:r>
+            <a:r>
+              <a:rPr kumimoji="0" lang="zh-CN" altLang="zh-CN" sz="1300" b="0" i="0" u="none" strike="noStrike" cap="none" normalizeH="0" baseline="0" dirty="0" smtClean="0">
+                <a:ln>
+                  <a:noFill/>
+                </a:ln>
+                <a:solidFill>
+                  <a:srgbClr val="885D3B"/>
+                </a:solidFill>
+                <a:effectLst/>
+                <a:latin typeface="宋体" panose="02010600030101010101" pitchFamily="2" charset="-122"/>
+                <a:ea typeface="宋体" panose="02010600030101010101" pitchFamily="2" charset="-122"/>
+              </a:rPr>
+              <a:t>flags</a:t>
+            </a:r>
+            <a:r>
+              <a:rPr kumimoji="0" lang="zh-CN" altLang="zh-CN" sz="1300" b="0" i="0" u="none" strike="noStrike" cap="none" normalizeH="0" baseline="0" dirty="0" smtClean="0">
+                <a:ln>
+                  <a:noFill/>
+                </a:ln>
+                <a:solidFill>
+                  <a:srgbClr val="444444"/>
+                </a:solidFill>
+                <a:effectLst/>
+                <a:latin typeface="宋体" panose="02010600030101010101" pitchFamily="2" charset="-122"/>
+                <a:ea typeface="宋体" panose="02010600030101010101" pitchFamily="2" charset="-122"/>
+              </a:rPr>
+              <a:t>)</a:t>
+            </a:r>
+            <a:r>
+              <a:rPr kumimoji="0" lang="zh-CN" altLang="zh-CN" sz="1300" b="0" i="0" u="none" strike="noStrike" cap="none" normalizeH="0" baseline="0" dirty="0" smtClean="0">
+                <a:ln>
+                  <a:noFill/>
+                </a:ln>
+                <a:solidFill>
+                  <a:srgbClr val="000000"/>
+                </a:solidFill>
+                <a:effectLst/>
+                <a:latin typeface="宋体" panose="02010600030101010101" pitchFamily="2" charset="-122"/>
+                <a:ea typeface="宋体" panose="02010600030101010101" pitchFamily="2" charset="-122"/>
+              </a:rPr>
+              <a:t>;</a:t>
+            </a:r>
+            <a:br>
+              <a:rPr kumimoji="0" lang="zh-CN" altLang="zh-CN" sz="1300" b="0" i="0" u="none" strike="noStrike" cap="none" normalizeH="0" baseline="0" dirty="0" smtClean="0">
+                <a:ln>
+                  <a:noFill/>
+                </a:ln>
+                <a:solidFill>
+                  <a:srgbClr val="000000"/>
+                </a:solidFill>
+                <a:effectLst/>
+                <a:latin typeface="宋体" panose="02010600030101010101" pitchFamily="2" charset="-122"/>
+                <a:ea typeface="宋体" panose="02010600030101010101" pitchFamily="2" charset="-122"/>
+              </a:rPr>
+            </a:br>
+            <a:r>
+              <a:rPr kumimoji="0" lang="zh-CN" altLang="zh-CN" sz="1300" b="0" i="0" u="none" strike="noStrike" cap="none" normalizeH="0" baseline="0" dirty="0" smtClean="0">
+                <a:ln>
+                  <a:noFill/>
+                </a:ln>
+                <a:solidFill>
+                  <a:srgbClr val="444444"/>
+                </a:solidFill>
+                <a:effectLst/>
+                <a:latin typeface="宋体" panose="02010600030101010101" pitchFamily="2" charset="-122"/>
+                <a:ea typeface="宋体" panose="02010600030101010101" pitchFamily="2" charset="-122"/>
+              </a:rPr>
+              <a:t>}</a:t>
+            </a:r>
+            <a:endParaRPr kumimoji="0" lang="zh-CN" altLang="zh-CN" sz="1800" b="0" i="0" u="none" strike="noStrike" cap="none" normalizeH="0" baseline="0" dirty="0" smtClean="0">
+              <a:ln>
+                <a:noFill/>
+              </a:ln>
+              <a:solidFill>
+                <a:schemeClr val="tx1"/>
+              </a:solidFill>
+              <a:effectLst/>
+              <a:latin typeface="Arial" panose="020B0604020202020204" pitchFamily="34" charset="0"/>
+            </a:endParaRPr>
           </a:p>
         </p:txBody>
       </p:sp>
     </p:spTree>
     <p:extLst>
       <p:ext uri="{BB962C8B-B14F-4D97-AF65-F5344CB8AC3E}">
-        <p14:creationId xmlns:p14="http://schemas.microsoft.com/office/powerpoint/2010/main" val="3488744736"/>
+        <p14:creationId xmlns:p14="http://schemas.microsoft.com/office/powerpoint/2010/main" val="3524459660"/>
       </p:ext>
     </p:extLst>
   </p:cSld>
   <p:clrMapOvr>
     <a:masterClrMapping/>
   </p:clrMapOvr>
+  <p:timing>
+    <p:tnLst>
+      <p:par>
+        <p:cTn id="1" dur="indefinite" restart="never" nodeType="tmRoot"/>
+      </p:par>
+    </p:tnLst>
+  </p:timing>
 </p:sld>
 </file>
 
@@ -5493,39 +9419,1787 @@
           <a:bodyPr/>
           <a:lstStyle/>
           <a:p>
-            <a:endParaRPr lang="zh-CN" altLang="en-US"/>
+            <a:r>
+              <a:rPr lang="zh-CN" altLang="en-US" dirty="0">
+                <a:solidFill>
+                  <a:srgbClr val="D60093"/>
+                </a:solidFill>
+              </a:rPr>
+              <a:t>如何使用 </a:t>
+            </a:r>
+            <a:r>
+              <a:rPr lang="en-US" altLang="zh-CN" dirty="0">
+                <a:solidFill>
+                  <a:srgbClr val="D60093"/>
+                </a:solidFill>
+              </a:rPr>
+              <a:t>Binder – </a:t>
+            </a:r>
+            <a:r>
+              <a:rPr lang="zh-CN" altLang="en-US" dirty="0">
+                <a:solidFill>
+                  <a:srgbClr val="D60093"/>
+                </a:solidFill>
+              </a:rPr>
+              <a:t>设</a:t>
+            </a:r>
+            <a:r>
+              <a:rPr lang="zh-CN" altLang="en-US" dirty="0" smtClean="0">
+                <a:solidFill>
+                  <a:srgbClr val="D60093"/>
+                </a:solidFill>
+              </a:rPr>
+              <a:t>计客户端</a:t>
+            </a:r>
+            <a:endParaRPr lang="zh-CN" altLang="en-US" dirty="0"/>
           </a:p>
         </p:txBody>
       </p:sp>
       <p:sp>
         <p:nvSpPr>
-          <p:cNvPr id="3" name="内容占位符 2"/>
+          <p:cNvPr id="4" name="Rectangle 1"/>
           <p:cNvSpPr>
-            <a:spLocks noGrp="1"/>
+            <a:spLocks noGrp="1" noChangeArrowheads="1"/>
           </p:cNvSpPr>
           <p:nvPr>
             <p:ph idx="1"/>
           </p:nvPr>
         </p:nvSpPr>
-        <p:spPr/>
+        <p:spPr bwMode="auto">
+          <a:xfrm>
+            <a:off x="0" y="660489"/>
+            <a:ext cx="9108504" cy="3970318"/>
+          </a:xfrm>
+          <a:prstGeom prst="rect">
+            <a:avLst/>
+          </a:prstGeom>
+          <a:solidFill>
+            <a:srgbClr val="FFFFE6"/>
+          </a:solidFill>
+          <a:ln>
+            <a:noFill/>
+          </a:ln>
+          <a:effectLst/>
+          <a:extLst>
+            <a:ext uri="{91240B29-F687-4F45-9708-019B960494DF}">
+              <a14:hiddenLine xmlns:a14="http://schemas.microsoft.com/office/drawing/2010/main" w="9525">
+                <a:solidFill>
+                  <a:schemeClr val="tx1"/>
+                </a:solidFill>
+                <a:miter lim="800000"/>
+                <a:headEnd/>
+                <a:tailEnd/>
+              </a14:hiddenLine>
+            </a:ext>
+            <a:ext uri="{AF507438-7753-43E0-B8FC-AC1667EBCBE1}">
+              <a14:hiddenEffects xmlns:a14="http://schemas.microsoft.com/office/drawing/2010/main">
+                <a:effectLst>
+                  <a:outerShdw dist="35921" dir="2700000" algn="ctr" rotWithShape="0">
+                    <a:schemeClr val="bg2"/>
+                  </a:outerShdw>
+                </a:effectLst>
+              </a14:hiddenEffects>
+            </a:ext>
+          </a:extLst>
+        </p:spPr>
         <p:txBody>
-          <a:bodyPr/>
+          <a:bodyPr vert="horz" wrap="square" lIns="91440" tIns="45720" rIns="91440" bIns="45720" numCol="1" anchor="ctr" anchorCtr="0" compatLnSpc="1">
+            <a:prstTxWarp prst="textNoShape">
+              <a:avLst/>
+            </a:prstTxWarp>
+            <a:spAutoFit/>
+          </a:bodyPr>
           <a:lstStyle/>
           <a:p>
-            <a:endParaRPr lang="zh-CN" altLang="en-US"/>
+            <a:pPr marL="0" marR="0" lvl="0" indent="0" algn="l" defTabSz="914400" rtl="0" eaLnBrk="0" fontAlgn="base" latinLnBrk="0" hangingPunct="0">
+              <a:lnSpc>
+                <a:spcPct val="100000"/>
+              </a:lnSpc>
+              <a:spcBef>
+                <a:spcPct val="0"/>
+              </a:spcBef>
+              <a:spcAft>
+                <a:spcPct val="0"/>
+              </a:spcAft>
+              <a:buClrTx/>
+              <a:buSzTx/>
+              <a:buFontTx/>
+              <a:buNone/>
+              <a:tabLst/>
+            </a:pPr>
+            <a:r>
+              <a:rPr kumimoji="0" lang="zh-CN" altLang="zh-CN" sz="1050" b="0" i="0" u="none" strike="noStrike" cap="none" normalizeH="0" baseline="0" dirty="0" smtClean="0">
+                <a:ln>
+                  <a:noFill/>
+                </a:ln>
+                <a:solidFill>
+                  <a:srgbClr val="18AADE"/>
+                </a:solidFill>
+                <a:effectLst/>
+                <a:latin typeface="宋体" panose="02010600030101010101" pitchFamily="2" charset="-122"/>
+                <a:ea typeface="宋体" panose="02010600030101010101" pitchFamily="2" charset="-122"/>
+              </a:rPr>
+              <a:t>IBinder </a:t>
+            </a:r>
+            <a:r>
+              <a:rPr kumimoji="0" lang="zh-CN" altLang="zh-CN" sz="1050" b="0" i="0" u="none" strike="noStrike" cap="none" normalizeH="0" baseline="0" dirty="0" smtClean="0">
+                <a:ln>
+                  <a:noFill/>
+                </a:ln>
+                <a:solidFill>
+                  <a:srgbClr val="5C8198"/>
+                </a:solidFill>
+                <a:effectLst/>
+                <a:latin typeface="宋体" panose="02010600030101010101" pitchFamily="2" charset="-122"/>
+                <a:ea typeface="宋体" panose="02010600030101010101" pitchFamily="2" charset="-122"/>
+              </a:rPr>
+              <a:t>mRemote </a:t>
+            </a:r>
+            <a:r>
+              <a:rPr kumimoji="0" lang="zh-CN" altLang="zh-CN" sz="1050" b="0" i="0" u="none" strike="noStrike" cap="none" normalizeH="0" baseline="0" dirty="0" smtClean="0">
+                <a:ln>
+                  <a:noFill/>
+                </a:ln>
+                <a:solidFill>
+                  <a:srgbClr val="000000"/>
+                </a:solidFill>
+                <a:effectLst/>
+                <a:latin typeface="宋体" panose="02010600030101010101" pitchFamily="2" charset="-122"/>
+                <a:ea typeface="宋体" panose="02010600030101010101" pitchFamily="2" charset="-122"/>
+              </a:rPr>
+              <a:t>= </a:t>
+            </a:r>
+            <a:r>
+              <a:rPr kumimoji="0" lang="zh-CN" altLang="zh-CN" sz="1050" b="1" i="0" u="none" strike="noStrike" cap="none" normalizeH="0" baseline="0" dirty="0" smtClean="0">
+                <a:ln>
+                  <a:noFill/>
+                </a:ln>
+                <a:solidFill>
+                  <a:srgbClr val="0000A0"/>
+                </a:solidFill>
+                <a:effectLst/>
+                <a:latin typeface="宋体" panose="02010600030101010101" pitchFamily="2" charset="-122"/>
+                <a:ea typeface="宋体" panose="02010600030101010101" pitchFamily="2" charset="-122"/>
+              </a:rPr>
+              <a:t>null</a:t>
+            </a:r>
+            <a:r>
+              <a:rPr kumimoji="0" lang="zh-CN" altLang="zh-CN" sz="1050" b="0" i="0" u="none" strike="noStrike" cap="none" normalizeH="0" baseline="0" dirty="0" smtClean="0">
+                <a:ln>
+                  <a:noFill/>
+                </a:ln>
+                <a:solidFill>
+                  <a:srgbClr val="000000"/>
+                </a:solidFill>
+                <a:effectLst/>
+                <a:latin typeface="宋体" panose="02010600030101010101" pitchFamily="2" charset="-122"/>
+                <a:ea typeface="宋体" panose="02010600030101010101" pitchFamily="2" charset="-122"/>
+              </a:rPr>
+              <a:t>;</a:t>
+            </a:r>
+            <a:br>
+              <a:rPr kumimoji="0" lang="zh-CN" altLang="zh-CN" sz="1050" b="0" i="0" u="none" strike="noStrike" cap="none" normalizeH="0" baseline="0" dirty="0" smtClean="0">
+                <a:ln>
+                  <a:noFill/>
+                </a:ln>
+                <a:solidFill>
+                  <a:srgbClr val="000000"/>
+                </a:solidFill>
+                <a:effectLst/>
+                <a:latin typeface="宋体" panose="02010600030101010101" pitchFamily="2" charset="-122"/>
+                <a:ea typeface="宋体" panose="02010600030101010101" pitchFamily="2" charset="-122"/>
+              </a:rPr>
+            </a:br>
+            <a:r>
+              <a:rPr kumimoji="0" lang="zh-CN" altLang="zh-CN" sz="1050" b="0" i="0" u="none" strike="noStrike" cap="none" normalizeH="0" baseline="0" dirty="0" smtClean="0">
+                <a:ln>
+                  <a:noFill/>
+                </a:ln>
+                <a:solidFill>
+                  <a:srgbClr val="38B5B5"/>
+                </a:solidFill>
+                <a:effectLst/>
+                <a:latin typeface="宋体" panose="02010600030101010101" pitchFamily="2" charset="-122"/>
+                <a:ea typeface="宋体" panose="02010600030101010101" pitchFamily="2" charset="-122"/>
+              </a:rPr>
+              <a:t>// 客户端欲传递的实参</a:t>
+            </a:r>
+            <a:br>
+              <a:rPr kumimoji="0" lang="zh-CN" altLang="zh-CN" sz="1050" b="0" i="0" u="none" strike="noStrike" cap="none" normalizeH="0" baseline="0" dirty="0" smtClean="0">
+                <a:ln>
+                  <a:noFill/>
+                </a:ln>
+                <a:solidFill>
+                  <a:srgbClr val="38B5B5"/>
+                </a:solidFill>
+                <a:effectLst/>
+                <a:latin typeface="宋体" panose="02010600030101010101" pitchFamily="2" charset="-122"/>
+                <a:ea typeface="宋体" panose="02010600030101010101" pitchFamily="2" charset="-122"/>
+              </a:rPr>
+            </a:br>
+            <a:r>
+              <a:rPr kumimoji="0" lang="zh-CN" altLang="zh-CN" sz="1050" b="0" i="0" u="none" strike="noStrike" cap="none" normalizeH="0" baseline="0" dirty="0" smtClean="0">
+                <a:ln>
+                  <a:noFill/>
+                </a:ln>
+                <a:solidFill>
+                  <a:srgbClr val="800000"/>
+                </a:solidFill>
+                <a:effectLst/>
+                <a:latin typeface="宋体" panose="02010600030101010101" pitchFamily="2" charset="-122"/>
+                <a:ea typeface="宋体" panose="02010600030101010101" pitchFamily="2" charset="-122"/>
+              </a:rPr>
+              <a:t>String </a:t>
+            </a:r>
+            <a:r>
+              <a:rPr kumimoji="0" lang="zh-CN" altLang="zh-CN" sz="1050" b="0" i="0" u="none" strike="noStrike" cap="none" normalizeH="0" baseline="0" dirty="0" smtClean="0">
+                <a:ln>
+                  <a:noFill/>
+                </a:ln>
+                <a:solidFill>
+                  <a:srgbClr val="5C8198"/>
+                </a:solidFill>
+                <a:effectLst/>
+                <a:latin typeface="宋体" panose="02010600030101010101" pitchFamily="2" charset="-122"/>
+                <a:ea typeface="宋体" panose="02010600030101010101" pitchFamily="2" charset="-122"/>
+              </a:rPr>
+              <a:t>filePath </a:t>
+            </a:r>
+            <a:r>
+              <a:rPr kumimoji="0" lang="zh-CN" altLang="zh-CN" sz="1050" b="0" i="0" u="none" strike="noStrike" cap="none" normalizeH="0" baseline="0" dirty="0" smtClean="0">
+                <a:ln>
+                  <a:noFill/>
+                </a:ln>
+                <a:solidFill>
+                  <a:srgbClr val="000000"/>
+                </a:solidFill>
+                <a:effectLst/>
+                <a:latin typeface="宋体" panose="02010600030101010101" pitchFamily="2" charset="-122"/>
+                <a:ea typeface="宋体" panose="02010600030101010101" pitchFamily="2" charset="-122"/>
+              </a:rPr>
+              <a:t>= </a:t>
+            </a:r>
+            <a:r>
+              <a:rPr kumimoji="0" lang="zh-CN" altLang="zh-CN" sz="1050" b="0" i="0" u="none" strike="noStrike" cap="none" normalizeH="0" baseline="0" dirty="0" smtClean="0">
+                <a:ln>
+                  <a:noFill/>
+                </a:ln>
+                <a:solidFill>
+                  <a:srgbClr val="018A8A"/>
+                </a:solidFill>
+                <a:effectLst/>
+                <a:latin typeface="宋体" panose="02010600030101010101" pitchFamily="2" charset="-122"/>
+                <a:ea typeface="宋体" panose="02010600030101010101" pitchFamily="2" charset="-122"/>
+              </a:rPr>
+              <a:t>"/sdcard/music/123.mp3"</a:t>
+            </a:r>
+            <a:r>
+              <a:rPr kumimoji="0" lang="zh-CN" altLang="zh-CN" sz="1050" b="0" i="0" u="none" strike="noStrike" cap="none" normalizeH="0" baseline="0" dirty="0" smtClean="0">
+                <a:ln>
+                  <a:noFill/>
+                </a:ln>
+                <a:solidFill>
+                  <a:srgbClr val="000000"/>
+                </a:solidFill>
+                <a:effectLst/>
+                <a:latin typeface="宋体" panose="02010600030101010101" pitchFamily="2" charset="-122"/>
+                <a:ea typeface="宋体" panose="02010600030101010101" pitchFamily="2" charset="-122"/>
+              </a:rPr>
+              <a:t>;</a:t>
+            </a:r>
+            <a:br>
+              <a:rPr kumimoji="0" lang="zh-CN" altLang="zh-CN" sz="1050" b="0" i="0" u="none" strike="noStrike" cap="none" normalizeH="0" baseline="0" dirty="0" smtClean="0">
+                <a:ln>
+                  <a:noFill/>
+                </a:ln>
+                <a:solidFill>
+                  <a:srgbClr val="000000"/>
+                </a:solidFill>
+                <a:effectLst/>
+                <a:latin typeface="宋体" panose="02010600030101010101" pitchFamily="2" charset="-122"/>
+                <a:ea typeface="宋体" panose="02010600030101010101" pitchFamily="2" charset="-122"/>
+              </a:rPr>
+            </a:br>
+            <a:r>
+              <a:rPr kumimoji="0" lang="zh-CN" altLang="zh-CN" sz="1050" b="0" i="0" u="none" strike="noStrike" cap="none" normalizeH="0" baseline="0" dirty="0" smtClean="0">
+                <a:ln>
+                  <a:noFill/>
+                </a:ln>
+                <a:solidFill>
+                  <a:srgbClr val="38B5B5"/>
+                </a:solidFill>
+                <a:effectLst/>
+                <a:latin typeface="宋体" panose="02010600030101010101" pitchFamily="2" charset="-122"/>
+                <a:ea typeface="宋体" panose="02010600030101010101" pitchFamily="2" charset="-122"/>
+              </a:rPr>
+              <a:t>// 客户端欲调用的方法代码</a:t>
+            </a:r>
+            <a:br>
+              <a:rPr kumimoji="0" lang="zh-CN" altLang="zh-CN" sz="1050" b="0" i="0" u="none" strike="noStrike" cap="none" normalizeH="0" baseline="0" dirty="0" smtClean="0">
+                <a:ln>
+                  <a:noFill/>
+                </a:ln>
+                <a:solidFill>
+                  <a:srgbClr val="38B5B5"/>
+                </a:solidFill>
+                <a:effectLst/>
+                <a:latin typeface="宋体" panose="02010600030101010101" pitchFamily="2" charset="-122"/>
+                <a:ea typeface="宋体" panose="02010600030101010101" pitchFamily="2" charset="-122"/>
+              </a:rPr>
+            </a:br>
+            <a:r>
+              <a:rPr kumimoji="0" lang="zh-CN" altLang="zh-CN" sz="1050" b="1" i="0" u="none" strike="noStrike" cap="none" normalizeH="0" baseline="0" dirty="0" smtClean="0">
+                <a:ln>
+                  <a:noFill/>
+                </a:ln>
+                <a:solidFill>
+                  <a:srgbClr val="0000A0"/>
+                </a:solidFill>
+                <a:effectLst/>
+                <a:latin typeface="宋体" panose="02010600030101010101" pitchFamily="2" charset="-122"/>
+                <a:ea typeface="宋体" panose="02010600030101010101" pitchFamily="2" charset="-122"/>
+              </a:rPr>
+              <a:t>int </a:t>
+            </a:r>
+            <a:r>
+              <a:rPr kumimoji="0" lang="zh-CN" altLang="zh-CN" sz="1050" b="0" i="0" u="none" strike="noStrike" cap="none" normalizeH="0" baseline="0" dirty="0" smtClean="0">
+                <a:ln>
+                  <a:noFill/>
+                </a:ln>
+                <a:solidFill>
+                  <a:srgbClr val="5C8198"/>
+                </a:solidFill>
+                <a:effectLst/>
+                <a:latin typeface="宋体" panose="02010600030101010101" pitchFamily="2" charset="-122"/>
+                <a:ea typeface="宋体" panose="02010600030101010101" pitchFamily="2" charset="-122"/>
+              </a:rPr>
+              <a:t>code </a:t>
+            </a:r>
+            <a:r>
+              <a:rPr kumimoji="0" lang="zh-CN" altLang="zh-CN" sz="1050" b="0" i="0" u="none" strike="noStrike" cap="none" normalizeH="0" baseline="0" dirty="0" smtClean="0">
+                <a:ln>
+                  <a:noFill/>
+                </a:ln>
+                <a:solidFill>
+                  <a:srgbClr val="000000"/>
+                </a:solidFill>
+                <a:effectLst/>
+                <a:latin typeface="宋体" panose="02010600030101010101" pitchFamily="2" charset="-122"/>
+                <a:ea typeface="宋体" panose="02010600030101010101" pitchFamily="2" charset="-122"/>
+              </a:rPr>
+              <a:t>= </a:t>
+            </a:r>
+            <a:r>
+              <a:rPr kumimoji="0" lang="zh-CN" altLang="zh-CN" sz="1050" b="0" i="0" u="none" strike="noStrike" cap="none" normalizeH="0" baseline="0" dirty="0" smtClean="0">
+                <a:ln>
+                  <a:noFill/>
+                </a:ln>
+                <a:solidFill>
+                  <a:srgbClr val="801F91"/>
+                </a:solidFill>
+                <a:effectLst/>
+                <a:latin typeface="宋体" panose="02010600030101010101" pitchFamily="2" charset="-122"/>
+                <a:ea typeface="宋体" panose="02010600030101010101" pitchFamily="2" charset="-122"/>
+              </a:rPr>
+              <a:t>1000</a:t>
+            </a:r>
+            <a:r>
+              <a:rPr kumimoji="0" lang="zh-CN" altLang="zh-CN" sz="1050" b="0" i="0" u="none" strike="noStrike" cap="none" normalizeH="0" baseline="0" dirty="0" smtClean="0">
+                <a:ln>
+                  <a:noFill/>
+                </a:ln>
+                <a:solidFill>
+                  <a:srgbClr val="000000"/>
+                </a:solidFill>
+                <a:effectLst/>
+                <a:latin typeface="宋体" panose="02010600030101010101" pitchFamily="2" charset="-122"/>
+                <a:ea typeface="宋体" panose="02010600030101010101" pitchFamily="2" charset="-122"/>
+              </a:rPr>
+              <a:t>;</a:t>
+            </a:r>
+            <a:br>
+              <a:rPr kumimoji="0" lang="zh-CN" altLang="zh-CN" sz="1050" b="0" i="0" u="none" strike="noStrike" cap="none" normalizeH="0" baseline="0" dirty="0" smtClean="0">
+                <a:ln>
+                  <a:noFill/>
+                </a:ln>
+                <a:solidFill>
+                  <a:srgbClr val="000000"/>
+                </a:solidFill>
+                <a:effectLst/>
+                <a:latin typeface="宋体" panose="02010600030101010101" pitchFamily="2" charset="-122"/>
+                <a:ea typeface="宋体" panose="02010600030101010101" pitchFamily="2" charset="-122"/>
+              </a:rPr>
+            </a:br>
+            <a:r>
+              <a:rPr kumimoji="0" lang="zh-CN" altLang="zh-CN" sz="1050" b="0" i="0" u="none" strike="noStrike" cap="none" normalizeH="0" baseline="0" dirty="0" smtClean="0">
+                <a:ln>
+                  <a:noFill/>
+                </a:ln>
+                <a:solidFill>
+                  <a:srgbClr val="38B5B5"/>
+                </a:solidFill>
+                <a:effectLst/>
+                <a:latin typeface="宋体" panose="02010600030101010101" pitchFamily="2" charset="-122"/>
+                <a:ea typeface="宋体" panose="02010600030101010101" pitchFamily="2" charset="-122"/>
+              </a:rPr>
+              <a:t>// 创建包裹</a:t>
+            </a:r>
+            <a:br>
+              <a:rPr kumimoji="0" lang="zh-CN" altLang="zh-CN" sz="1050" b="0" i="0" u="none" strike="noStrike" cap="none" normalizeH="0" baseline="0" dirty="0" smtClean="0">
+                <a:ln>
+                  <a:noFill/>
+                </a:ln>
+                <a:solidFill>
+                  <a:srgbClr val="38B5B5"/>
+                </a:solidFill>
+                <a:effectLst/>
+                <a:latin typeface="宋体" panose="02010600030101010101" pitchFamily="2" charset="-122"/>
+                <a:ea typeface="宋体" panose="02010600030101010101" pitchFamily="2" charset="-122"/>
+              </a:rPr>
+            </a:br>
+            <a:r>
+              <a:rPr kumimoji="0" lang="zh-CN" altLang="zh-CN" sz="1050" b="0" i="0" u="none" strike="noStrike" cap="none" normalizeH="0" baseline="0" dirty="0" smtClean="0">
+                <a:ln>
+                  <a:noFill/>
+                </a:ln>
+                <a:solidFill>
+                  <a:srgbClr val="38B5B5"/>
+                </a:solidFill>
+                <a:effectLst/>
+                <a:latin typeface="宋体" panose="02010600030101010101" pitchFamily="2" charset="-122"/>
+                <a:ea typeface="宋体" panose="02010600030101010101" pitchFamily="2" charset="-122"/>
+              </a:rPr>
+              <a:t>// 客户端传递给服务端的参数包裹</a:t>
+            </a:r>
+            <a:br>
+              <a:rPr kumimoji="0" lang="zh-CN" altLang="zh-CN" sz="1050" b="0" i="0" u="none" strike="noStrike" cap="none" normalizeH="0" baseline="0" dirty="0" smtClean="0">
+                <a:ln>
+                  <a:noFill/>
+                </a:ln>
+                <a:solidFill>
+                  <a:srgbClr val="38B5B5"/>
+                </a:solidFill>
+                <a:effectLst/>
+                <a:latin typeface="宋体" panose="02010600030101010101" pitchFamily="2" charset="-122"/>
+                <a:ea typeface="宋体" panose="02010600030101010101" pitchFamily="2" charset="-122"/>
+              </a:rPr>
+            </a:br>
+            <a:r>
+              <a:rPr kumimoji="0" lang="zh-CN" altLang="zh-CN" sz="1050" b="0" i="0" u="none" strike="noStrike" cap="none" normalizeH="0" baseline="0" dirty="0" smtClean="0">
+                <a:ln>
+                  <a:noFill/>
+                </a:ln>
+                <a:solidFill>
+                  <a:srgbClr val="800000"/>
+                </a:solidFill>
+                <a:effectLst/>
+                <a:latin typeface="宋体" panose="02010600030101010101" pitchFamily="2" charset="-122"/>
+                <a:ea typeface="宋体" panose="02010600030101010101" pitchFamily="2" charset="-122"/>
+              </a:rPr>
+              <a:t>Parcel </a:t>
+            </a:r>
+            <a:r>
+              <a:rPr kumimoji="0" lang="zh-CN" altLang="zh-CN" sz="1050" b="0" i="0" u="none" strike="noStrike" cap="none" normalizeH="0" baseline="0" dirty="0" smtClean="0">
+                <a:ln>
+                  <a:noFill/>
+                </a:ln>
+                <a:solidFill>
+                  <a:srgbClr val="5C8198"/>
+                </a:solidFill>
+                <a:effectLst/>
+                <a:latin typeface="宋体" panose="02010600030101010101" pitchFamily="2" charset="-122"/>
+                <a:ea typeface="宋体" panose="02010600030101010101" pitchFamily="2" charset="-122"/>
+              </a:rPr>
+              <a:t>data </a:t>
+            </a:r>
+            <a:r>
+              <a:rPr kumimoji="0" lang="zh-CN" altLang="zh-CN" sz="1050" b="0" i="0" u="none" strike="noStrike" cap="none" normalizeH="0" baseline="0" dirty="0" smtClean="0">
+                <a:ln>
+                  <a:noFill/>
+                </a:ln>
+                <a:solidFill>
+                  <a:srgbClr val="000000"/>
+                </a:solidFill>
+                <a:effectLst/>
+                <a:latin typeface="宋体" panose="02010600030101010101" pitchFamily="2" charset="-122"/>
+                <a:ea typeface="宋体" panose="02010600030101010101" pitchFamily="2" charset="-122"/>
+              </a:rPr>
+              <a:t>= </a:t>
+            </a:r>
+            <a:r>
+              <a:rPr kumimoji="0" lang="zh-CN" altLang="zh-CN" sz="1050" b="0" i="0" u="none" strike="noStrike" cap="none" normalizeH="0" baseline="0" dirty="0" smtClean="0">
+                <a:ln>
+                  <a:noFill/>
+                </a:ln>
+                <a:solidFill>
+                  <a:srgbClr val="800000"/>
+                </a:solidFill>
+                <a:effectLst/>
+                <a:latin typeface="宋体" panose="02010600030101010101" pitchFamily="2" charset="-122"/>
+                <a:ea typeface="宋体" panose="02010600030101010101" pitchFamily="2" charset="-122"/>
+              </a:rPr>
+              <a:t>Parcel</a:t>
+            </a:r>
+            <a:r>
+              <a:rPr kumimoji="0" lang="zh-CN" altLang="zh-CN" sz="1050" b="0" i="0" u="none" strike="noStrike" cap="none" normalizeH="0" baseline="0" dirty="0" smtClean="0">
+                <a:ln>
+                  <a:noFill/>
+                </a:ln>
+                <a:solidFill>
+                  <a:srgbClr val="000000"/>
+                </a:solidFill>
+                <a:effectLst/>
+                <a:latin typeface="宋体" panose="02010600030101010101" pitchFamily="2" charset="-122"/>
+                <a:ea typeface="宋体" panose="02010600030101010101" pitchFamily="2" charset="-122"/>
+              </a:rPr>
+              <a:t>.</a:t>
+            </a:r>
+            <a:r>
+              <a:rPr kumimoji="0" lang="zh-CN" altLang="zh-CN" sz="1050" b="1" i="0" u="none" strike="noStrike" cap="none" normalizeH="0" baseline="0" dirty="0" smtClean="0">
+                <a:ln>
+                  <a:noFill/>
+                </a:ln>
+                <a:solidFill>
+                  <a:srgbClr val="004F27"/>
+                </a:solidFill>
+                <a:effectLst/>
+                <a:latin typeface="宋体" panose="02010600030101010101" pitchFamily="2" charset="-122"/>
+                <a:ea typeface="宋体" panose="02010600030101010101" pitchFamily="2" charset="-122"/>
+              </a:rPr>
+              <a:t>obtain</a:t>
+            </a:r>
+            <a:r>
+              <a:rPr kumimoji="0" lang="zh-CN" altLang="zh-CN" sz="1050" b="0" i="0" u="none" strike="noStrike" cap="none" normalizeH="0" baseline="0" dirty="0" smtClean="0">
+                <a:ln>
+                  <a:noFill/>
+                </a:ln>
+                <a:solidFill>
+                  <a:srgbClr val="444444"/>
+                </a:solidFill>
+                <a:effectLst/>
+                <a:latin typeface="宋体" panose="02010600030101010101" pitchFamily="2" charset="-122"/>
+                <a:ea typeface="宋体" panose="02010600030101010101" pitchFamily="2" charset="-122"/>
+              </a:rPr>
+              <a:t>()</a:t>
+            </a:r>
+            <a:r>
+              <a:rPr kumimoji="0" lang="zh-CN" altLang="zh-CN" sz="1050" b="0" i="0" u="none" strike="noStrike" cap="none" normalizeH="0" baseline="0" dirty="0" smtClean="0">
+                <a:ln>
+                  <a:noFill/>
+                </a:ln>
+                <a:solidFill>
+                  <a:srgbClr val="000000"/>
+                </a:solidFill>
+                <a:effectLst/>
+                <a:latin typeface="宋体" panose="02010600030101010101" pitchFamily="2" charset="-122"/>
+                <a:ea typeface="宋体" panose="02010600030101010101" pitchFamily="2" charset="-122"/>
+              </a:rPr>
+              <a:t>;</a:t>
+            </a:r>
+            <a:br>
+              <a:rPr kumimoji="0" lang="zh-CN" altLang="zh-CN" sz="1050" b="0" i="0" u="none" strike="noStrike" cap="none" normalizeH="0" baseline="0" dirty="0" smtClean="0">
+                <a:ln>
+                  <a:noFill/>
+                </a:ln>
+                <a:solidFill>
+                  <a:srgbClr val="000000"/>
+                </a:solidFill>
+                <a:effectLst/>
+                <a:latin typeface="宋体" panose="02010600030101010101" pitchFamily="2" charset="-122"/>
+                <a:ea typeface="宋体" panose="02010600030101010101" pitchFamily="2" charset="-122"/>
+              </a:rPr>
+            </a:br>
+            <a:r>
+              <a:rPr kumimoji="0" lang="zh-CN" altLang="zh-CN" sz="1050" b="0" i="0" u="none" strike="noStrike" cap="none" normalizeH="0" baseline="0" dirty="0" smtClean="0">
+                <a:ln>
+                  <a:noFill/>
+                </a:ln>
+                <a:solidFill>
+                  <a:srgbClr val="38B5B5"/>
+                </a:solidFill>
+                <a:effectLst/>
+                <a:latin typeface="宋体" panose="02010600030101010101" pitchFamily="2" charset="-122"/>
+                <a:ea typeface="宋体" panose="02010600030101010101" pitchFamily="2" charset="-122"/>
+              </a:rPr>
+              <a:t>// 存储服务端处理结果返回值的包裹</a:t>
+            </a:r>
+            <a:br>
+              <a:rPr kumimoji="0" lang="zh-CN" altLang="zh-CN" sz="1050" b="0" i="0" u="none" strike="noStrike" cap="none" normalizeH="0" baseline="0" dirty="0" smtClean="0">
+                <a:ln>
+                  <a:noFill/>
+                </a:ln>
+                <a:solidFill>
+                  <a:srgbClr val="38B5B5"/>
+                </a:solidFill>
+                <a:effectLst/>
+                <a:latin typeface="宋体" panose="02010600030101010101" pitchFamily="2" charset="-122"/>
+                <a:ea typeface="宋体" panose="02010600030101010101" pitchFamily="2" charset="-122"/>
+              </a:rPr>
+            </a:br>
+            <a:r>
+              <a:rPr kumimoji="0" lang="zh-CN" altLang="zh-CN" sz="1050" b="0" i="0" u="none" strike="noStrike" cap="none" normalizeH="0" baseline="0" dirty="0" smtClean="0">
+                <a:ln>
+                  <a:noFill/>
+                </a:ln>
+                <a:solidFill>
+                  <a:srgbClr val="800000"/>
+                </a:solidFill>
+                <a:effectLst/>
+                <a:latin typeface="宋体" panose="02010600030101010101" pitchFamily="2" charset="-122"/>
+                <a:ea typeface="宋体" panose="02010600030101010101" pitchFamily="2" charset="-122"/>
+              </a:rPr>
+              <a:t>Parcel </a:t>
+            </a:r>
+            <a:r>
+              <a:rPr kumimoji="0" lang="zh-CN" altLang="zh-CN" sz="1050" b="0" i="0" u="none" strike="noStrike" cap="none" normalizeH="0" baseline="0" dirty="0" smtClean="0">
+                <a:ln>
+                  <a:noFill/>
+                </a:ln>
+                <a:solidFill>
+                  <a:srgbClr val="5C8198"/>
+                </a:solidFill>
+                <a:effectLst/>
+                <a:latin typeface="宋体" panose="02010600030101010101" pitchFamily="2" charset="-122"/>
+                <a:ea typeface="宋体" panose="02010600030101010101" pitchFamily="2" charset="-122"/>
+              </a:rPr>
+              <a:t>reply</a:t>
+            </a:r>
+            <a:r>
+              <a:rPr kumimoji="0" lang="zh-CN" altLang="zh-CN" sz="1050" b="0" i="0" u="none" strike="noStrike" cap="none" normalizeH="0" baseline="0" dirty="0" smtClean="0">
+                <a:ln>
+                  <a:noFill/>
+                </a:ln>
+                <a:solidFill>
+                  <a:srgbClr val="000000"/>
+                </a:solidFill>
+                <a:effectLst/>
+                <a:latin typeface="宋体" panose="02010600030101010101" pitchFamily="2" charset="-122"/>
+                <a:ea typeface="宋体" panose="02010600030101010101" pitchFamily="2" charset="-122"/>
+              </a:rPr>
+              <a:t>= </a:t>
+            </a:r>
+            <a:r>
+              <a:rPr kumimoji="0" lang="zh-CN" altLang="zh-CN" sz="1050" b="0" i="0" u="none" strike="noStrike" cap="none" normalizeH="0" baseline="0" dirty="0" smtClean="0">
+                <a:ln>
+                  <a:noFill/>
+                </a:ln>
+                <a:solidFill>
+                  <a:srgbClr val="800000"/>
+                </a:solidFill>
+                <a:effectLst/>
+                <a:latin typeface="宋体" panose="02010600030101010101" pitchFamily="2" charset="-122"/>
+                <a:ea typeface="宋体" panose="02010600030101010101" pitchFamily="2" charset="-122"/>
+              </a:rPr>
+              <a:t>Parcel</a:t>
+            </a:r>
+            <a:r>
+              <a:rPr kumimoji="0" lang="zh-CN" altLang="zh-CN" sz="1050" b="0" i="0" u="none" strike="noStrike" cap="none" normalizeH="0" baseline="0" dirty="0" smtClean="0">
+                <a:ln>
+                  <a:noFill/>
+                </a:ln>
+                <a:solidFill>
+                  <a:srgbClr val="000000"/>
+                </a:solidFill>
+                <a:effectLst/>
+                <a:latin typeface="宋体" panose="02010600030101010101" pitchFamily="2" charset="-122"/>
+                <a:ea typeface="宋体" panose="02010600030101010101" pitchFamily="2" charset="-122"/>
+              </a:rPr>
+              <a:t>.</a:t>
+            </a:r>
+            <a:r>
+              <a:rPr kumimoji="0" lang="zh-CN" altLang="zh-CN" sz="1050" b="1" i="0" u="none" strike="noStrike" cap="none" normalizeH="0" baseline="0" dirty="0" smtClean="0">
+                <a:ln>
+                  <a:noFill/>
+                </a:ln>
+                <a:solidFill>
+                  <a:srgbClr val="004F27"/>
+                </a:solidFill>
+                <a:effectLst/>
+                <a:latin typeface="宋体" panose="02010600030101010101" pitchFamily="2" charset="-122"/>
+                <a:ea typeface="宋体" panose="02010600030101010101" pitchFamily="2" charset="-122"/>
+              </a:rPr>
+              <a:t>obtain</a:t>
+            </a:r>
+            <a:r>
+              <a:rPr kumimoji="0" lang="zh-CN" altLang="zh-CN" sz="1050" b="0" i="0" u="none" strike="noStrike" cap="none" normalizeH="0" baseline="0" dirty="0" smtClean="0">
+                <a:ln>
+                  <a:noFill/>
+                </a:ln>
+                <a:solidFill>
+                  <a:srgbClr val="444444"/>
+                </a:solidFill>
+                <a:effectLst/>
+                <a:latin typeface="宋体" panose="02010600030101010101" pitchFamily="2" charset="-122"/>
+                <a:ea typeface="宋体" panose="02010600030101010101" pitchFamily="2" charset="-122"/>
+              </a:rPr>
+              <a:t>()</a:t>
+            </a:r>
+            <a:r>
+              <a:rPr kumimoji="0" lang="zh-CN" altLang="zh-CN" sz="1050" b="0" i="0" u="none" strike="noStrike" cap="none" normalizeH="0" baseline="0" dirty="0" smtClean="0">
+                <a:ln>
+                  <a:noFill/>
+                </a:ln>
+                <a:solidFill>
+                  <a:srgbClr val="000000"/>
+                </a:solidFill>
+                <a:effectLst/>
+                <a:latin typeface="宋体" panose="02010600030101010101" pitchFamily="2" charset="-122"/>
+                <a:ea typeface="宋体" panose="02010600030101010101" pitchFamily="2" charset="-122"/>
+              </a:rPr>
+              <a:t>;</a:t>
+            </a:r>
+            <a:br>
+              <a:rPr kumimoji="0" lang="zh-CN" altLang="zh-CN" sz="1050" b="0" i="0" u="none" strike="noStrike" cap="none" normalizeH="0" baseline="0" dirty="0" smtClean="0">
+                <a:ln>
+                  <a:noFill/>
+                </a:ln>
+                <a:solidFill>
+                  <a:srgbClr val="000000"/>
+                </a:solidFill>
+                <a:effectLst/>
+                <a:latin typeface="宋体" panose="02010600030101010101" pitchFamily="2" charset="-122"/>
+                <a:ea typeface="宋体" panose="02010600030101010101" pitchFamily="2" charset="-122"/>
+              </a:rPr>
+            </a:br>
+            <a:r>
+              <a:rPr kumimoji="0" lang="zh-CN" altLang="zh-CN" sz="1050" b="0" i="0" u="none" strike="noStrike" cap="none" normalizeH="0" baseline="0" dirty="0" smtClean="0">
+                <a:ln>
+                  <a:noFill/>
+                </a:ln>
+                <a:solidFill>
+                  <a:srgbClr val="38B5B5"/>
+                </a:solidFill>
+                <a:effectLst/>
+                <a:latin typeface="宋体" panose="02010600030101010101" pitchFamily="2" charset="-122"/>
+                <a:ea typeface="宋体" panose="02010600030101010101" pitchFamily="2" charset="-122"/>
+              </a:rPr>
+              <a:t>// 按照约定的顺序将参数写入包裹，顺序需要实现约定好</a:t>
+            </a:r>
+            <a:br>
+              <a:rPr kumimoji="0" lang="zh-CN" altLang="zh-CN" sz="1050" b="0" i="0" u="none" strike="noStrike" cap="none" normalizeH="0" baseline="0" dirty="0" smtClean="0">
+                <a:ln>
+                  <a:noFill/>
+                </a:ln>
+                <a:solidFill>
+                  <a:srgbClr val="38B5B5"/>
+                </a:solidFill>
+                <a:effectLst/>
+                <a:latin typeface="宋体" panose="02010600030101010101" pitchFamily="2" charset="-122"/>
+                <a:ea typeface="宋体" panose="02010600030101010101" pitchFamily="2" charset="-122"/>
+              </a:rPr>
+            </a:br>
+            <a:r>
+              <a:rPr kumimoji="0" lang="zh-CN" altLang="zh-CN" sz="1050" b="0" i="0" u="none" strike="noStrike" cap="none" normalizeH="0" baseline="0" dirty="0" smtClean="0">
+                <a:ln>
+                  <a:noFill/>
+                </a:ln>
+                <a:solidFill>
+                  <a:srgbClr val="38B5B5"/>
+                </a:solidFill>
+                <a:effectLst/>
+                <a:latin typeface="宋体" panose="02010600030101010101" pitchFamily="2" charset="-122"/>
+                <a:ea typeface="宋体" panose="02010600030101010101" pitchFamily="2" charset="-122"/>
+              </a:rPr>
+              <a:t>// 标注远程服务名称，Binder 驱动用来确保客户端想调用指定的服务端</a:t>
+            </a:r>
+            <a:br>
+              <a:rPr kumimoji="0" lang="zh-CN" altLang="zh-CN" sz="1050" b="0" i="0" u="none" strike="noStrike" cap="none" normalizeH="0" baseline="0" dirty="0" smtClean="0">
+                <a:ln>
+                  <a:noFill/>
+                </a:ln>
+                <a:solidFill>
+                  <a:srgbClr val="38B5B5"/>
+                </a:solidFill>
+                <a:effectLst/>
+                <a:latin typeface="宋体" panose="02010600030101010101" pitchFamily="2" charset="-122"/>
+                <a:ea typeface="宋体" panose="02010600030101010101" pitchFamily="2" charset="-122"/>
+              </a:rPr>
+            </a:br>
+            <a:r>
+              <a:rPr kumimoji="0" lang="zh-CN" altLang="zh-CN" sz="1050" b="0" i="0" u="none" strike="noStrike" cap="none" normalizeH="0" baseline="0" dirty="0" smtClean="0">
+                <a:ln>
+                  <a:noFill/>
+                </a:ln>
+                <a:solidFill>
+                  <a:srgbClr val="5C8198"/>
+                </a:solidFill>
+                <a:effectLst/>
+                <a:latin typeface="宋体" panose="02010600030101010101" pitchFamily="2" charset="-122"/>
+                <a:ea typeface="宋体" panose="02010600030101010101" pitchFamily="2" charset="-122"/>
+              </a:rPr>
+              <a:t>data</a:t>
+            </a:r>
+            <a:r>
+              <a:rPr kumimoji="0" lang="zh-CN" altLang="zh-CN" sz="1050" b="0" i="0" u="none" strike="noStrike" cap="none" normalizeH="0" baseline="0" dirty="0" smtClean="0">
+                <a:ln>
+                  <a:noFill/>
+                </a:ln>
+                <a:solidFill>
+                  <a:srgbClr val="000000"/>
+                </a:solidFill>
+                <a:effectLst/>
+                <a:latin typeface="宋体" panose="02010600030101010101" pitchFamily="2" charset="-122"/>
+                <a:ea typeface="宋体" panose="02010600030101010101" pitchFamily="2" charset="-122"/>
+              </a:rPr>
+              <a:t>.</a:t>
+            </a:r>
+            <a:r>
+              <a:rPr kumimoji="0" lang="zh-CN" altLang="zh-CN" sz="1050" b="1" i="0" u="none" strike="noStrike" cap="none" normalizeH="0" baseline="0" dirty="0" smtClean="0">
+                <a:ln>
+                  <a:noFill/>
+                </a:ln>
+                <a:solidFill>
+                  <a:srgbClr val="444444"/>
+                </a:solidFill>
+                <a:effectLst/>
+                <a:latin typeface="宋体" panose="02010600030101010101" pitchFamily="2" charset="-122"/>
+                <a:ea typeface="宋体" panose="02010600030101010101" pitchFamily="2" charset="-122"/>
+              </a:rPr>
+              <a:t>writeInterfaceToken</a:t>
+            </a:r>
+            <a:r>
+              <a:rPr kumimoji="0" lang="zh-CN" altLang="zh-CN" sz="1050" b="0" i="0" u="none" strike="noStrike" cap="none" normalizeH="0" baseline="0" dirty="0" smtClean="0">
+                <a:ln>
+                  <a:noFill/>
+                </a:ln>
+                <a:solidFill>
+                  <a:srgbClr val="444444"/>
+                </a:solidFill>
+                <a:effectLst/>
+                <a:latin typeface="宋体" panose="02010600030101010101" pitchFamily="2" charset="-122"/>
+                <a:ea typeface="宋体" panose="02010600030101010101" pitchFamily="2" charset="-122"/>
+              </a:rPr>
+              <a:t>(</a:t>
+            </a:r>
+            <a:r>
+              <a:rPr kumimoji="0" lang="zh-CN" altLang="zh-CN" sz="1050" b="0" i="0" u="none" strike="noStrike" cap="none" normalizeH="0" baseline="0" dirty="0" smtClean="0">
+                <a:ln>
+                  <a:noFill/>
+                </a:ln>
+                <a:solidFill>
+                  <a:srgbClr val="018A8A"/>
+                </a:solidFill>
+                <a:effectLst/>
+                <a:latin typeface="宋体" panose="02010600030101010101" pitchFamily="2" charset="-122"/>
+                <a:ea typeface="宋体" panose="02010600030101010101" pitchFamily="2" charset="-122"/>
+              </a:rPr>
+              <a:t>"MusicPlayerService"</a:t>
+            </a:r>
+            <a:r>
+              <a:rPr kumimoji="0" lang="zh-CN" altLang="zh-CN" sz="1050" b="0" i="0" u="none" strike="noStrike" cap="none" normalizeH="0" baseline="0" dirty="0" smtClean="0">
+                <a:ln>
+                  <a:noFill/>
+                </a:ln>
+                <a:solidFill>
+                  <a:srgbClr val="444444"/>
+                </a:solidFill>
+                <a:effectLst/>
+                <a:latin typeface="宋体" panose="02010600030101010101" pitchFamily="2" charset="-122"/>
+                <a:ea typeface="宋体" panose="02010600030101010101" pitchFamily="2" charset="-122"/>
+              </a:rPr>
+              <a:t>)</a:t>
+            </a:r>
+            <a:r>
+              <a:rPr kumimoji="0" lang="zh-CN" altLang="zh-CN" sz="1050" b="0" i="0" u="none" strike="noStrike" cap="none" normalizeH="0" baseline="0" dirty="0" smtClean="0">
+                <a:ln>
+                  <a:noFill/>
+                </a:ln>
+                <a:solidFill>
+                  <a:srgbClr val="000000"/>
+                </a:solidFill>
+                <a:effectLst/>
+                <a:latin typeface="宋体" panose="02010600030101010101" pitchFamily="2" charset="-122"/>
+                <a:ea typeface="宋体" panose="02010600030101010101" pitchFamily="2" charset="-122"/>
+              </a:rPr>
+              <a:t>;</a:t>
+            </a:r>
+            <a:br>
+              <a:rPr kumimoji="0" lang="zh-CN" altLang="zh-CN" sz="1050" b="0" i="0" u="none" strike="noStrike" cap="none" normalizeH="0" baseline="0" dirty="0" smtClean="0">
+                <a:ln>
+                  <a:noFill/>
+                </a:ln>
+                <a:solidFill>
+                  <a:srgbClr val="000000"/>
+                </a:solidFill>
+                <a:effectLst/>
+                <a:latin typeface="宋体" panose="02010600030101010101" pitchFamily="2" charset="-122"/>
+                <a:ea typeface="宋体" panose="02010600030101010101" pitchFamily="2" charset="-122"/>
+              </a:rPr>
+            </a:br>
+            <a:r>
+              <a:rPr kumimoji="0" lang="zh-CN" altLang="zh-CN" sz="1050" b="0" i="0" u="none" strike="noStrike" cap="none" normalizeH="0" baseline="0" dirty="0" smtClean="0">
+                <a:ln>
+                  <a:noFill/>
+                </a:ln>
+                <a:solidFill>
+                  <a:srgbClr val="5C8198"/>
+                </a:solidFill>
+                <a:effectLst/>
+                <a:latin typeface="宋体" panose="02010600030101010101" pitchFamily="2" charset="-122"/>
+                <a:ea typeface="宋体" panose="02010600030101010101" pitchFamily="2" charset="-122"/>
+              </a:rPr>
+              <a:t>data</a:t>
+            </a:r>
+            <a:r>
+              <a:rPr kumimoji="0" lang="zh-CN" altLang="zh-CN" sz="1050" b="0" i="0" u="none" strike="noStrike" cap="none" normalizeH="0" baseline="0" dirty="0" smtClean="0">
+                <a:ln>
+                  <a:noFill/>
+                </a:ln>
+                <a:solidFill>
+                  <a:srgbClr val="000000"/>
+                </a:solidFill>
+                <a:effectLst/>
+                <a:latin typeface="宋体" panose="02010600030101010101" pitchFamily="2" charset="-122"/>
+                <a:ea typeface="宋体" panose="02010600030101010101" pitchFamily="2" charset="-122"/>
+              </a:rPr>
+              <a:t>.</a:t>
+            </a:r>
+            <a:r>
+              <a:rPr kumimoji="0" lang="zh-CN" altLang="zh-CN" sz="1050" b="1" i="0" u="none" strike="noStrike" cap="none" normalizeH="0" baseline="0" dirty="0" smtClean="0">
+                <a:ln>
+                  <a:noFill/>
+                </a:ln>
+                <a:solidFill>
+                  <a:srgbClr val="444444"/>
+                </a:solidFill>
+                <a:effectLst/>
+                <a:latin typeface="宋体" panose="02010600030101010101" pitchFamily="2" charset="-122"/>
+                <a:ea typeface="宋体" panose="02010600030101010101" pitchFamily="2" charset="-122"/>
+              </a:rPr>
+              <a:t>writeString</a:t>
+            </a:r>
+            <a:r>
+              <a:rPr kumimoji="0" lang="zh-CN" altLang="zh-CN" sz="1050" b="0" i="0" u="none" strike="noStrike" cap="none" normalizeH="0" baseline="0" dirty="0" smtClean="0">
+                <a:ln>
+                  <a:noFill/>
+                </a:ln>
+                <a:solidFill>
+                  <a:srgbClr val="444444"/>
+                </a:solidFill>
+                <a:effectLst/>
+                <a:latin typeface="宋体" panose="02010600030101010101" pitchFamily="2" charset="-122"/>
+                <a:ea typeface="宋体" panose="02010600030101010101" pitchFamily="2" charset="-122"/>
+              </a:rPr>
+              <a:t>(</a:t>
+            </a:r>
+            <a:r>
+              <a:rPr kumimoji="0" lang="zh-CN" altLang="zh-CN" sz="1050" b="0" i="0" u="none" strike="noStrike" cap="none" normalizeH="0" baseline="0" dirty="0" smtClean="0">
+                <a:ln>
+                  <a:noFill/>
+                </a:ln>
+                <a:solidFill>
+                  <a:srgbClr val="5C8198"/>
+                </a:solidFill>
+                <a:effectLst/>
+                <a:latin typeface="宋体" panose="02010600030101010101" pitchFamily="2" charset="-122"/>
+                <a:ea typeface="宋体" panose="02010600030101010101" pitchFamily="2" charset="-122"/>
+              </a:rPr>
+              <a:t>filePath</a:t>
+            </a:r>
+            <a:r>
+              <a:rPr kumimoji="0" lang="zh-CN" altLang="zh-CN" sz="1050" b="0" i="0" u="none" strike="noStrike" cap="none" normalizeH="0" baseline="0" dirty="0" smtClean="0">
+                <a:ln>
+                  <a:noFill/>
+                </a:ln>
+                <a:solidFill>
+                  <a:srgbClr val="444444"/>
+                </a:solidFill>
+                <a:effectLst/>
+                <a:latin typeface="宋体" panose="02010600030101010101" pitchFamily="2" charset="-122"/>
+                <a:ea typeface="宋体" panose="02010600030101010101" pitchFamily="2" charset="-122"/>
+              </a:rPr>
+              <a:t>)</a:t>
+            </a:r>
+            <a:r>
+              <a:rPr kumimoji="0" lang="zh-CN" altLang="zh-CN" sz="1050" b="0" i="0" u="none" strike="noStrike" cap="none" normalizeH="0" baseline="0" dirty="0" smtClean="0">
+                <a:ln>
+                  <a:noFill/>
+                </a:ln>
+                <a:solidFill>
+                  <a:srgbClr val="000000"/>
+                </a:solidFill>
+                <a:effectLst/>
+                <a:latin typeface="宋体" panose="02010600030101010101" pitchFamily="2" charset="-122"/>
+                <a:ea typeface="宋体" panose="02010600030101010101" pitchFamily="2" charset="-122"/>
+              </a:rPr>
+              <a:t>;</a:t>
+            </a:r>
+            <a:br>
+              <a:rPr kumimoji="0" lang="zh-CN" altLang="zh-CN" sz="1050" b="0" i="0" u="none" strike="noStrike" cap="none" normalizeH="0" baseline="0" dirty="0" smtClean="0">
+                <a:ln>
+                  <a:noFill/>
+                </a:ln>
+                <a:solidFill>
+                  <a:srgbClr val="000000"/>
+                </a:solidFill>
+                <a:effectLst/>
+                <a:latin typeface="宋体" panose="02010600030101010101" pitchFamily="2" charset="-122"/>
+                <a:ea typeface="宋体" panose="02010600030101010101" pitchFamily="2" charset="-122"/>
+              </a:rPr>
+            </a:br>
+            <a:r>
+              <a:rPr kumimoji="0" lang="zh-CN" altLang="zh-CN" sz="1050" b="0" i="0" u="none" strike="noStrike" cap="none" normalizeH="0" baseline="0" dirty="0" smtClean="0">
+                <a:ln>
+                  <a:noFill/>
+                </a:ln>
+                <a:solidFill>
+                  <a:srgbClr val="38B5B5"/>
+                </a:solidFill>
+                <a:effectLst/>
+                <a:latin typeface="宋体" panose="02010600030101010101" pitchFamily="2" charset="-122"/>
+                <a:ea typeface="宋体" panose="02010600030101010101" pitchFamily="2" charset="-122"/>
+              </a:rPr>
+              <a:t>// 该方法调用之后，客户端线程进入 Binder 驱动，Binder 驱动会挂起当前线程，并向远程服务发送一个消息，消息中包含了客户端传进来的包裹</a:t>
+            </a:r>
+            <a:br>
+              <a:rPr kumimoji="0" lang="zh-CN" altLang="zh-CN" sz="1050" b="0" i="0" u="none" strike="noStrike" cap="none" normalizeH="0" baseline="0" dirty="0" smtClean="0">
+                <a:ln>
+                  <a:noFill/>
+                </a:ln>
+                <a:solidFill>
+                  <a:srgbClr val="38B5B5"/>
+                </a:solidFill>
+                <a:effectLst/>
+                <a:latin typeface="宋体" panose="02010600030101010101" pitchFamily="2" charset="-122"/>
+                <a:ea typeface="宋体" panose="02010600030101010101" pitchFamily="2" charset="-122"/>
+              </a:rPr>
+            </a:br>
+            <a:r>
+              <a:rPr kumimoji="0" lang="zh-CN" altLang="zh-CN" sz="1050" b="0" i="0" u="none" strike="noStrike" cap="none" normalizeH="0" baseline="0" dirty="0" smtClean="0">
+                <a:ln>
+                  <a:noFill/>
+                </a:ln>
+                <a:solidFill>
+                  <a:srgbClr val="38B5B5"/>
+                </a:solidFill>
+                <a:effectLst/>
+                <a:latin typeface="宋体" panose="02010600030101010101" pitchFamily="2" charset="-122"/>
+                <a:ea typeface="宋体" panose="02010600030101010101" pitchFamily="2" charset="-122"/>
+              </a:rPr>
+              <a:t>// 服务端拿到包裹之后，进行拆解，然后执行客户端指定的方法，执行完之后，将结果写入客户端提供的reply 中</a:t>
+            </a:r>
+            <a:br>
+              <a:rPr kumimoji="0" lang="zh-CN" altLang="zh-CN" sz="1050" b="0" i="0" u="none" strike="noStrike" cap="none" normalizeH="0" baseline="0" dirty="0" smtClean="0">
+                <a:ln>
+                  <a:noFill/>
+                </a:ln>
+                <a:solidFill>
+                  <a:srgbClr val="38B5B5"/>
+                </a:solidFill>
+                <a:effectLst/>
+                <a:latin typeface="宋体" panose="02010600030101010101" pitchFamily="2" charset="-122"/>
+                <a:ea typeface="宋体" panose="02010600030101010101" pitchFamily="2" charset="-122"/>
+              </a:rPr>
+            </a:br>
+            <a:r>
+              <a:rPr kumimoji="0" lang="zh-CN" altLang="zh-CN" sz="1050" b="0" i="0" u="none" strike="noStrike" cap="none" normalizeH="0" baseline="0" dirty="0" smtClean="0">
+                <a:ln>
+                  <a:noFill/>
+                </a:ln>
+                <a:solidFill>
+                  <a:srgbClr val="38B5B5"/>
+                </a:solidFill>
+                <a:effectLst/>
+                <a:latin typeface="宋体" panose="02010600030101010101" pitchFamily="2" charset="-122"/>
+                <a:ea typeface="宋体" panose="02010600030101010101" pitchFamily="2" charset="-122"/>
+              </a:rPr>
+              <a:t>// 然后服务端向 Binder 驱动发送一个 notify 的消息，从而使得客户端线程从 Binder 驱动代码区返回到客户端代码区</a:t>
+            </a:r>
+            <a:br>
+              <a:rPr kumimoji="0" lang="zh-CN" altLang="zh-CN" sz="1050" b="0" i="0" u="none" strike="noStrike" cap="none" normalizeH="0" baseline="0" dirty="0" smtClean="0">
+                <a:ln>
+                  <a:noFill/>
+                </a:ln>
+                <a:solidFill>
+                  <a:srgbClr val="38B5B5"/>
+                </a:solidFill>
+                <a:effectLst/>
+                <a:latin typeface="宋体" panose="02010600030101010101" pitchFamily="2" charset="-122"/>
+                <a:ea typeface="宋体" panose="02010600030101010101" pitchFamily="2" charset="-122"/>
+              </a:rPr>
+            </a:br>
+            <a:r>
+              <a:rPr kumimoji="0" lang="zh-CN" altLang="zh-CN" sz="1050" b="0" i="0" u="none" strike="noStrike" cap="none" normalizeH="0" baseline="0" dirty="0" smtClean="0">
+                <a:ln>
+                  <a:noFill/>
+                </a:ln>
+                <a:solidFill>
+                  <a:srgbClr val="38B5B5"/>
+                </a:solidFill>
+                <a:effectLst/>
+                <a:latin typeface="宋体" panose="02010600030101010101" pitchFamily="2" charset="-122"/>
+                <a:ea typeface="宋体" panose="02010600030101010101" pitchFamily="2" charset="-122"/>
+              </a:rPr>
+              <a:t>// 第四个参数，表示IPC调用的方式，0表示双向，执行完之后一定有返回值。1表示单向，没有返回值。</a:t>
+            </a:r>
+            <a:br>
+              <a:rPr kumimoji="0" lang="zh-CN" altLang="zh-CN" sz="1050" b="0" i="0" u="none" strike="noStrike" cap="none" normalizeH="0" baseline="0" dirty="0" smtClean="0">
+                <a:ln>
+                  <a:noFill/>
+                </a:ln>
+                <a:solidFill>
+                  <a:srgbClr val="38B5B5"/>
+                </a:solidFill>
+                <a:effectLst/>
+                <a:latin typeface="宋体" panose="02010600030101010101" pitchFamily="2" charset="-122"/>
+                <a:ea typeface="宋体" panose="02010600030101010101" pitchFamily="2" charset="-122"/>
+              </a:rPr>
+            </a:br>
+            <a:r>
+              <a:rPr kumimoji="0" lang="zh-CN" altLang="zh-CN" sz="1050" b="0" i="0" u="none" strike="noStrike" cap="none" normalizeH="0" baseline="0" dirty="0" smtClean="0">
+                <a:ln>
+                  <a:noFill/>
+                </a:ln>
+                <a:solidFill>
+                  <a:srgbClr val="5C8198"/>
+                </a:solidFill>
+                <a:effectLst/>
+                <a:latin typeface="宋体" panose="02010600030101010101" pitchFamily="2" charset="-122"/>
+                <a:ea typeface="宋体" panose="02010600030101010101" pitchFamily="2" charset="-122"/>
+              </a:rPr>
+              <a:t>mRemote</a:t>
+            </a:r>
+            <a:r>
+              <a:rPr kumimoji="0" lang="zh-CN" altLang="zh-CN" sz="1050" b="0" i="0" u="none" strike="noStrike" cap="none" normalizeH="0" baseline="0" dirty="0" smtClean="0">
+                <a:ln>
+                  <a:noFill/>
+                </a:ln>
+                <a:solidFill>
+                  <a:srgbClr val="000000"/>
+                </a:solidFill>
+                <a:effectLst/>
+                <a:latin typeface="宋体" panose="02010600030101010101" pitchFamily="2" charset="-122"/>
+                <a:ea typeface="宋体" panose="02010600030101010101" pitchFamily="2" charset="-122"/>
+              </a:rPr>
+              <a:t>.</a:t>
+            </a:r>
+            <a:r>
+              <a:rPr kumimoji="0" lang="zh-CN" altLang="zh-CN" sz="1050" b="1" i="0" u="none" strike="noStrike" cap="none" normalizeH="0" baseline="0" dirty="0" smtClean="0">
+                <a:ln>
+                  <a:noFill/>
+                </a:ln>
+                <a:solidFill>
+                  <a:srgbClr val="444444"/>
+                </a:solidFill>
+                <a:effectLst/>
+                <a:latin typeface="宋体" panose="02010600030101010101" pitchFamily="2" charset="-122"/>
+                <a:ea typeface="宋体" panose="02010600030101010101" pitchFamily="2" charset="-122"/>
+              </a:rPr>
+              <a:t>transact</a:t>
+            </a:r>
+            <a:r>
+              <a:rPr kumimoji="0" lang="zh-CN" altLang="zh-CN" sz="1050" b="0" i="0" u="none" strike="noStrike" cap="none" normalizeH="0" baseline="0" dirty="0" smtClean="0">
+                <a:ln>
+                  <a:noFill/>
+                </a:ln>
+                <a:solidFill>
+                  <a:srgbClr val="444444"/>
+                </a:solidFill>
+                <a:effectLst/>
+                <a:latin typeface="宋体" panose="02010600030101010101" pitchFamily="2" charset="-122"/>
+                <a:ea typeface="宋体" panose="02010600030101010101" pitchFamily="2" charset="-122"/>
+              </a:rPr>
+              <a:t>(</a:t>
+            </a:r>
+            <a:r>
+              <a:rPr kumimoji="0" lang="zh-CN" altLang="zh-CN" sz="1050" b="0" i="0" u="none" strike="noStrike" cap="none" normalizeH="0" baseline="0" dirty="0" smtClean="0">
+                <a:ln>
+                  <a:noFill/>
+                </a:ln>
+                <a:solidFill>
+                  <a:srgbClr val="5C8198"/>
+                </a:solidFill>
+                <a:effectLst/>
+                <a:latin typeface="宋体" panose="02010600030101010101" pitchFamily="2" charset="-122"/>
+                <a:ea typeface="宋体" panose="02010600030101010101" pitchFamily="2" charset="-122"/>
+              </a:rPr>
+              <a:t>code</a:t>
+            </a:r>
+            <a:r>
+              <a:rPr kumimoji="0" lang="zh-CN" altLang="zh-CN" sz="1050" b="0" i="0" u="none" strike="noStrike" cap="none" normalizeH="0" baseline="0" dirty="0" smtClean="0">
+                <a:ln>
+                  <a:noFill/>
+                </a:ln>
+                <a:solidFill>
+                  <a:srgbClr val="000000"/>
+                </a:solidFill>
+                <a:effectLst/>
+                <a:latin typeface="宋体" panose="02010600030101010101" pitchFamily="2" charset="-122"/>
+                <a:ea typeface="宋体" panose="02010600030101010101" pitchFamily="2" charset="-122"/>
+              </a:rPr>
+              <a:t>,</a:t>
+            </a:r>
+            <a:r>
+              <a:rPr kumimoji="0" lang="zh-CN" altLang="zh-CN" sz="1050" b="0" i="0" u="none" strike="noStrike" cap="none" normalizeH="0" baseline="0" dirty="0" smtClean="0">
+                <a:ln>
+                  <a:noFill/>
+                </a:ln>
+                <a:solidFill>
+                  <a:srgbClr val="5C8198"/>
+                </a:solidFill>
+                <a:effectLst/>
+                <a:latin typeface="宋体" panose="02010600030101010101" pitchFamily="2" charset="-122"/>
+                <a:ea typeface="宋体" panose="02010600030101010101" pitchFamily="2" charset="-122"/>
+              </a:rPr>
+              <a:t>data</a:t>
+            </a:r>
+            <a:r>
+              <a:rPr kumimoji="0" lang="zh-CN" altLang="zh-CN" sz="1050" b="0" i="0" u="none" strike="noStrike" cap="none" normalizeH="0" baseline="0" dirty="0" smtClean="0">
+                <a:ln>
+                  <a:noFill/>
+                </a:ln>
+                <a:solidFill>
+                  <a:srgbClr val="000000"/>
+                </a:solidFill>
+                <a:effectLst/>
+                <a:latin typeface="宋体" panose="02010600030101010101" pitchFamily="2" charset="-122"/>
+                <a:ea typeface="宋体" panose="02010600030101010101" pitchFamily="2" charset="-122"/>
+              </a:rPr>
+              <a:t>,</a:t>
+            </a:r>
+            <a:r>
+              <a:rPr kumimoji="0" lang="zh-CN" altLang="zh-CN" sz="1050" b="0" i="0" u="none" strike="noStrike" cap="none" normalizeH="0" baseline="0" dirty="0" smtClean="0">
+                <a:ln>
+                  <a:noFill/>
+                </a:ln>
+                <a:solidFill>
+                  <a:srgbClr val="5C8198"/>
+                </a:solidFill>
+                <a:effectLst/>
+                <a:latin typeface="宋体" panose="02010600030101010101" pitchFamily="2" charset="-122"/>
+                <a:ea typeface="宋体" panose="02010600030101010101" pitchFamily="2" charset="-122"/>
+              </a:rPr>
+              <a:t>reply</a:t>
+            </a:r>
+            <a:r>
+              <a:rPr kumimoji="0" lang="zh-CN" altLang="zh-CN" sz="1050" b="0" i="0" u="none" strike="noStrike" cap="none" normalizeH="0" baseline="0" dirty="0" smtClean="0">
+                <a:ln>
+                  <a:noFill/>
+                </a:ln>
+                <a:solidFill>
+                  <a:srgbClr val="000000"/>
+                </a:solidFill>
+                <a:effectLst/>
+                <a:latin typeface="宋体" panose="02010600030101010101" pitchFamily="2" charset="-122"/>
+                <a:ea typeface="宋体" panose="02010600030101010101" pitchFamily="2" charset="-122"/>
+              </a:rPr>
+              <a:t>,</a:t>
+            </a:r>
+            <a:r>
+              <a:rPr kumimoji="0" lang="zh-CN" altLang="zh-CN" sz="1050" b="0" i="0" u="none" strike="noStrike" cap="none" normalizeH="0" baseline="0" dirty="0" smtClean="0">
+                <a:ln>
+                  <a:noFill/>
+                </a:ln>
+                <a:solidFill>
+                  <a:srgbClr val="801F91"/>
+                </a:solidFill>
+                <a:effectLst/>
+                <a:latin typeface="宋体" panose="02010600030101010101" pitchFamily="2" charset="-122"/>
+                <a:ea typeface="宋体" panose="02010600030101010101" pitchFamily="2" charset="-122"/>
+              </a:rPr>
+              <a:t>0</a:t>
+            </a:r>
+            <a:r>
+              <a:rPr kumimoji="0" lang="zh-CN" altLang="zh-CN" sz="1050" b="0" i="0" u="none" strike="noStrike" cap="none" normalizeH="0" baseline="0" dirty="0" smtClean="0">
+                <a:ln>
+                  <a:noFill/>
+                </a:ln>
+                <a:solidFill>
+                  <a:srgbClr val="444444"/>
+                </a:solidFill>
+                <a:effectLst/>
+                <a:latin typeface="宋体" panose="02010600030101010101" pitchFamily="2" charset="-122"/>
+                <a:ea typeface="宋体" panose="02010600030101010101" pitchFamily="2" charset="-122"/>
+              </a:rPr>
+              <a:t>)</a:t>
+            </a:r>
+            <a:r>
+              <a:rPr kumimoji="0" lang="zh-CN" altLang="zh-CN" sz="1050" b="0" i="0" u="none" strike="noStrike" cap="none" normalizeH="0" baseline="0" dirty="0" smtClean="0">
+                <a:ln>
+                  <a:noFill/>
+                </a:ln>
+                <a:solidFill>
+                  <a:srgbClr val="000000"/>
+                </a:solidFill>
+                <a:effectLst/>
+                <a:latin typeface="宋体" panose="02010600030101010101" pitchFamily="2" charset="-122"/>
+                <a:ea typeface="宋体" panose="02010600030101010101" pitchFamily="2" charset="-122"/>
+              </a:rPr>
+              <a:t>;</a:t>
+            </a:r>
+            <a:br>
+              <a:rPr kumimoji="0" lang="zh-CN" altLang="zh-CN" sz="1050" b="0" i="0" u="none" strike="noStrike" cap="none" normalizeH="0" baseline="0" dirty="0" smtClean="0">
+                <a:ln>
+                  <a:noFill/>
+                </a:ln>
+                <a:solidFill>
+                  <a:srgbClr val="000000"/>
+                </a:solidFill>
+                <a:effectLst/>
+                <a:latin typeface="宋体" panose="02010600030101010101" pitchFamily="2" charset="-122"/>
+                <a:ea typeface="宋体" panose="02010600030101010101" pitchFamily="2" charset="-122"/>
+              </a:rPr>
+            </a:br>
+            <a:r>
+              <a:rPr kumimoji="0" lang="zh-CN" altLang="zh-CN" sz="1050" b="0" i="0" u="none" strike="noStrike" cap="none" normalizeH="0" baseline="0" dirty="0" smtClean="0">
+                <a:ln>
+                  <a:noFill/>
+                </a:ln>
+                <a:solidFill>
+                  <a:srgbClr val="38B5B5"/>
+                </a:solidFill>
+                <a:effectLst/>
+                <a:latin typeface="宋体" panose="02010600030101010101" pitchFamily="2" charset="-122"/>
+                <a:ea typeface="宋体" panose="02010600030101010101" pitchFamily="2" charset="-122"/>
+              </a:rPr>
+              <a:t>// 最后，客户端就可以从reply中解析数据了。同样，这个数据也是有序的，需要实现约定好。</a:t>
+            </a:r>
+            <a:br>
+              <a:rPr kumimoji="0" lang="zh-CN" altLang="zh-CN" sz="1050" b="0" i="0" u="none" strike="noStrike" cap="none" normalizeH="0" baseline="0" dirty="0" smtClean="0">
+                <a:ln>
+                  <a:noFill/>
+                </a:ln>
+                <a:solidFill>
+                  <a:srgbClr val="38B5B5"/>
+                </a:solidFill>
+                <a:effectLst/>
+                <a:latin typeface="宋体" panose="02010600030101010101" pitchFamily="2" charset="-122"/>
+                <a:ea typeface="宋体" panose="02010600030101010101" pitchFamily="2" charset="-122"/>
+              </a:rPr>
+            </a:br>
+            <a:r>
+              <a:rPr kumimoji="0" lang="zh-CN" altLang="zh-CN" sz="1050" b="0" i="0" u="none" strike="noStrike" cap="none" normalizeH="0" baseline="0" dirty="0" smtClean="0">
+                <a:ln>
+                  <a:noFill/>
+                </a:ln>
+                <a:solidFill>
+                  <a:srgbClr val="18AADE"/>
+                </a:solidFill>
+                <a:effectLst/>
+                <a:latin typeface="宋体" panose="02010600030101010101" pitchFamily="2" charset="-122"/>
+                <a:ea typeface="宋体" panose="02010600030101010101" pitchFamily="2" charset="-122"/>
+              </a:rPr>
+              <a:t>IBinder </a:t>
+            </a:r>
+            <a:r>
+              <a:rPr kumimoji="0" lang="zh-CN" altLang="zh-CN" sz="1050" b="0" i="0" u="none" strike="noStrike" cap="none" normalizeH="0" baseline="0" dirty="0" smtClean="0">
+                <a:ln>
+                  <a:noFill/>
+                </a:ln>
+                <a:solidFill>
+                  <a:srgbClr val="5C8198"/>
+                </a:solidFill>
+                <a:effectLst/>
+                <a:latin typeface="宋体" panose="02010600030101010101" pitchFamily="2" charset="-122"/>
+                <a:ea typeface="宋体" panose="02010600030101010101" pitchFamily="2" charset="-122"/>
+              </a:rPr>
+              <a:t>binder </a:t>
+            </a:r>
+            <a:r>
+              <a:rPr kumimoji="0" lang="zh-CN" altLang="zh-CN" sz="1050" b="0" i="0" u="none" strike="noStrike" cap="none" normalizeH="0" baseline="0" dirty="0" smtClean="0">
+                <a:ln>
+                  <a:noFill/>
+                </a:ln>
+                <a:solidFill>
+                  <a:srgbClr val="000000"/>
+                </a:solidFill>
+                <a:effectLst/>
+                <a:latin typeface="宋体" panose="02010600030101010101" pitchFamily="2" charset="-122"/>
+                <a:ea typeface="宋体" panose="02010600030101010101" pitchFamily="2" charset="-122"/>
+              </a:rPr>
+              <a:t>= </a:t>
+            </a:r>
+            <a:r>
+              <a:rPr kumimoji="0" lang="zh-CN" altLang="zh-CN" sz="1050" b="0" i="0" u="none" strike="noStrike" cap="none" normalizeH="0" baseline="0" dirty="0" smtClean="0">
+                <a:ln>
+                  <a:noFill/>
+                </a:ln>
+                <a:solidFill>
+                  <a:srgbClr val="5C8198"/>
+                </a:solidFill>
+                <a:effectLst/>
+                <a:latin typeface="宋体" panose="02010600030101010101" pitchFamily="2" charset="-122"/>
+                <a:ea typeface="宋体" panose="02010600030101010101" pitchFamily="2" charset="-122"/>
+              </a:rPr>
+              <a:t>reply</a:t>
+            </a:r>
+            <a:r>
+              <a:rPr kumimoji="0" lang="zh-CN" altLang="zh-CN" sz="1050" b="0" i="0" u="none" strike="noStrike" cap="none" normalizeH="0" baseline="0" dirty="0" smtClean="0">
+                <a:ln>
+                  <a:noFill/>
+                </a:ln>
+                <a:solidFill>
+                  <a:srgbClr val="000000"/>
+                </a:solidFill>
+                <a:effectLst/>
+                <a:latin typeface="宋体" panose="02010600030101010101" pitchFamily="2" charset="-122"/>
+                <a:ea typeface="宋体" panose="02010600030101010101" pitchFamily="2" charset="-122"/>
+              </a:rPr>
+              <a:t>.</a:t>
+            </a:r>
+            <a:r>
+              <a:rPr kumimoji="0" lang="zh-CN" altLang="zh-CN" sz="1050" b="1" i="0" u="none" strike="noStrike" cap="none" normalizeH="0" baseline="0" dirty="0" smtClean="0">
+                <a:ln>
+                  <a:noFill/>
+                </a:ln>
+                <a:solidFill>
+                  <a:srgbClr val="444444"/>
+                </a:solidFill>
+                <a:effectLst/>
+                <a:latin typeface="宋体" panose="02010600030101010101" pitchFamily="2" charset="-122"/>
+                <a:ea typeface="宋体" panose="02010600030101010101" pitchFamily="2" charset="-122"/>
+              </a:rPr>
+              <a:t>readStrongBinder</a:t>
+            </a:r>
+            <a:r>
+              <a:rPr kumimoji="0" lang="zh-CN" altLang="zh-CN" sz="1050" b="0" i="0" u="none" strike="noStrike" cap="none" normalizeH="0" baseline="0" dirty="0" smtClean="0">
+                <a:ln>
+                  <a:noFill/>
+                </a:ln>
+                <a:solidFill>
+                  <a:srgbClr val="444444"/>
+                </a:solidFill>
+                <a:effectLst/>
+                <a:latin typeface="宋体" panose="02010600030101010101" pitchFamily="2" charset="-122"/>
+                <a:ea typeface="宋体" panose="02010600030101010101" pitchFamily="2" charset="-122"/>
+              </a:rPr>
+              <a:t>()</a:t>
+            </a:r>
+            <a:r>
+              <a:rPr kumimoji="0" lang="zh-CN" altLang="zh-CN" sz="1050" b="0" i="0" u="none" strike="noStrike" cap="none" normalizeH="0" baseline="0" dirty="0" smtClean="0">
+                <a:ln>
+                  <a:noFill/>
+                </a:ln>
+                <a:solidFill>
+                  <a:srgbClr val="000000"/>
+                </a:solidFill>
+                <a:effectLst/>
+                <a:latin typeface="宋体" panose="02010600030101010101" pitchFamily="2" charset="-122"/>
+                <a:ea typeface="宋体" panose="02010600030101010101" pitchFamily="2" charset="-122"/>
+              </a:rPr>
+              <a:t>;</a:t>
+            </a:r>
+            <a:br>
+              <a:rPr kumimoji="0" lang="zh-CN" altLang="zh-CN" sz="1050" b="0" i="0" u="none" strike="noStrike" cap="none" normalizeH="0" baseline="0" dirty="0" smtClean="0">
+                <a:ln>
+                  <a:noFill/>
+                </a:ln>
+                <a:solidFill>
+                  <a:srgbClr val="000000"/>
+                </a:solidFill>
+                <a:effectLst/>
+                <a:latin typeface="宋体" panose="02010600030101010101" pitchFamily="2" charset="-122"/>
+                <a:ea typeface="宋体" panose="02010600030101010101" pitchFamily="2" charset="-122"/>
+              </a:rPr>
+            </a:br>
+            <a:r>
+              <a:rPr kumimoji="0" lang="zh-CN" altLang="zh-CN" sz="1050" b="1" i="0" u="none" strike="noStrike" cap="none" normalizeH="0" baseline="0" dirty="0" smtClean="0">
+                <a:ln>
+                  <a:noFill/>
+                </a:ln>
+                <a:solidFill>
+                  <a:srgbClr val="0000A0"/>
+                </a:solidFill>
+                <a:effectLst/>
+                <a:latin typeface="宋体" panose="02010600030101010101" pitchFamily="2" charset="-122"/>
+                <a:ea typeface="宋体" panose="02010600030101010101" pitchFamily="2" charset="-122"/>
+              </a:rPr>
+              <a:t>int </a:t>
+            </a:r>
+            <a:r>
+              <a:rPr kumimoji="0" lang="zh-CN" altLang="zh-CN" sz="1050" b="0" i="0" u="none" strike="noStrike" cap="none" normalizeH="0" baseline="0" dirty="0" smtClean="0">
+                <a:ln>
+                  <a:noFill/>
+                </a:ln>
+                <a:solidFill>
+                  <a:srgbClr val="5C8198"/>
+                </a:solidFill>
+                <a:effectLst/>
+                <a:latin typeface="宋体" panose="02010600030101010101" pitchFamily="2" charset="-122"/>
+                <a:ea typeface="宋体" panose="02010600030101010101" pitchFamily="2" charset="-122"/>
+              </a:rPr>
+              <a:t>result </a:t>
+            </a:r>
+            <a:r>
+              <a:rPr kumimoji="0" lang="zh-CN" altLang="zh-CN" sz="1050" b="0" i="0" u="none" strike="noStrike" cap="none" normalizeH="0" baseline="0" dirty="0" smtClean="0">
+                <a:ln>
+                  <a:noFill/>
+                </a:ln>
+                <a:solidFill>
+                  <a:srgbClr val="000000"/>
+                </a:solidFill>
+                <a:effectLst/>
+                <a:latin typeface="宋体" panose="02010600030101010101" pitchFamily="2" charset="-122"/>
+                <a:ea typeface="宋体" panose="02010600030101010101" pitchFamily="2" charset="-122"/>
+              </a:rPr>
+              <a:t>= </a:t>
+            </a:r>
+            <a:r>
+              <a:rPr kumimoji="0" lang="zh-CN" altLang="zh-CN" sz="1050" b="0" i="0" u="none" strike="noStrike" cap="none" normalizeH="0" baseline="0" dirty="0" smtClean="0">
+                <a:ln>
+                  <a:noFill/>
+                </a:ln>
+                <a:solidFill>
+                  <a:srgbClr val="5C8198"/>
+                </a:solidFill>
+                <a:effectLst/>
+                <a:latin typeface="宋体" panose="02010600030101010101" pitchFamily="2" charset="-122"/>
+                <a:ea typeface="宋体" panose="02010600030101010101" pitchFamily="2" charset="-122"/>
+              </a:rPr>
+              <a:t>reply</a:t>
+            </a:r>
+            <a:r>
+              <a:rPr kumimoji="0" lang="zh-CN" altLang="zh-CN" sz="1050" b="0" i="0" u="none" strike="noStrike" cap="none" normalizeH="0" baseline="0" dirty="0" smtClean="0">
+                <a:ln>
+                  <a:noFill/>
+                </a:ln>
+                <a:solidFill>
+                  <a:srgbClr val="000000"/>
+                </a:solidFill>
+                <a:effectLst/>
+                <a:latin typeface="宋体" panose="02010600030101010101" pitchFamily="2" charset="-122"/>
+                <a:ea typeface="宋体" panose="02010600030101010101" pitchFamily="2" charset="-122"/>
+              </a:rPr>
+              <a:t>.</a:t>
+            </a:r>
+            <a:r>
+              <a:rPr kumimoji="0" lang="zh-CN" altLang="zh-CN" sz="1050" b="1" i="0" u="none" strike="noStrike" cap="none" normalizeH="0" baseline="0" dirty="0" smtClean="0">
+                <a:ln>
+                  <a:noFill/>
+                </a:ln>
+                <a:solidFill>
+                  <a:srgbClr val="444444"/>
+                </a:solidFill>
+                <a:effectLst/>
+                <a:latin typeface="宋体" panose="02010600030101010101" pitchFamily="2" charset="-122"/>
+                <a:ea typeface="宋体" panose="02010600030101010101" pitchFamily="2" charset="-122"/>
+              </a:rPr>
+              <a:t>readInt</a:t>
+            </a:r>
+            <a:r>
+              <a:rPr kumimoji="0" lang="zh-CN" altLang="zh-CN" sz="1050" b="0" i="0" u="none" strike="noStrike" cap="none" normalizeH="0" baseline="0" dirty="0" smtClean="0">
+                <a:ln>
+                  <a:noFill/>
+                </a:ln>
+                <a:solidFill>
+                  <a:srgbClr val="444444"/>
+                </a:solidFill>
+                <a:effectLst/>
+                <a:latin typeface="宋体" panose="02010600030101010101" pitchFamily="2" charset="-122"/>
+                <a:ea typeface="宋体" panose="02010600030101010101" pitchFamily="2" charset="-122"/>
+              </a:rPr>
+              <a:t>()</a:t>
+            </a:r>
+            <a:r>
+              <a:rPr kumimoji="0" lang="zh-CN" altLang="zh-CN" sz="1050" b="0" i="0" u="none" strike="noStrike" cap="none" normalizeH="0" baseline="0" dirty="0" smtClean="0">
+                <a:ln>
+                  <a:noFill/>
+                </a:ln>
+                <a:solidFill>
+                  <a:srgbClr val="000000"/>
+                </a:solidFill>
+                <a:effectLst/>
+                <a:latin typeface="宋体" panose="02010600030101010101" pitchFamily="2" charset="-122"/>
+                <a:ea typeface="宋体" panose="02010600030101010101" pitchFamily="2" charset="-122"/>
+              </a:rPr>
+              <a:t>;</a:t>
+            </a:r>
+            <a:br>
+              <a:rPr kumimoji="0" lang="zh-CN" altLang="zh-CN" sz="1050" b="0" i="0" u="none" strike="noStrike" cap="none" normalizeH="0" baseline="0" dirty="0" smtClean="0">
+                <a:ln>
+                  <a:noFill/>
+                </a:ln>
+                <a:solidFill>
+                  <a:srgbClr val="000000"/>
+                </a:solidFill>
+                <a:effectLst/>
+                <a:latin typeface="宋体" panose="02010600030101010101" pitchFamily="2" charset="-122"/>
+                <a:ea typeface="宋体" panose="02010600030101010101" pitchFamily="2" charset="-122"/>
+              </a:rPr>
+            </a:br>
+            <a:r>
+              <a:rPr kumimoji="0" lang="zh-CN" altLang="zh-CN" sz="1050" b="0" i="0" u="none" strike="noStrike" cap="none" normalizeH="0" baseline="0" dirty="0" smtClean="0">
+                <a:ln>
+                  <a:noFill/>
+                </a:ln>
+                <a:solidFill>
+                  <a:srgbClr val="5C8198"/>
+                </a:solidFill>
+                <a:effectLst/>
+                <a:latin typeface="宋体" panose="02010600030101010101" pitchFamily="2" charset="-122"/>
+                <a:ea typeface="宋体" panose="02010600030101010101" pitchFamily="2" charset="-122"/>
+              </a:rPr>
+              <a:t>reply</a:t>
+            </a:r>
+            <a:r>
+              <a:rPr kumimoji="0" lang="zh-CN" altLang="zh-CN" sz="1050" b="0" i="0" u="none" strike="noStrike" cap="none" normalizeH="0" baseline="0" dirty="0" smtClean="0">
+                <a:ln>
+                  <a:noFill/>
+                </a:ln>
+                <a:solidFill>
+                  <a:srgbClr val="000000"/>
+                </a:solidFill>
+                <a:effectLst/>
+                <a:latin typeface="宋体" panose="02010600030101010101" pitchFamily="2" charset="-122"/>
+                <a:ea typeface="宋体" panose="02010600030101010101" pitchFamily="2" charset="-122"/>
+              </a:rPr>
+              <a:t>.</a:t>
+            </a:r>
+            <a:r>
+              <a:rPr kumimoji="0" lang="zh-CN" altLang="zh-CN" sz="1050" b="1" i="0" u="none" strike="noStrike" cap="none" normalizeH="0" baseline="0" dirty="0" smtClean="0">
+                <a:ln>
+                  <a:noFill/>
+                </a:ln>
+                <a:solidFill>
+                  <a:srgbClr val="444444"/>
+                </a:solidFill>
+                <a:effectLst/>
+                <a:latin typeface="宋体" panose="02010600030101010101" pitchFamily="2" charset="-122"/>
+                <a:ea typeface="宋体" panose="02010600030101010101" pitchFamily="2" charset="-122"/>
+              </a:rPr>
+              <a:t>recycle</a:t>
+            </a:r>
+            <a:r>
+              <a:rPr kumimoji="0" lang="zh-CN" altLang="zh-CN" sz="1050" b="0" i="0" u="none" strike="noStrike" cap="none" normalizeH="0" baseline="0" dirty="0" smtClean="0">
+                <a:ln>
+                  <a:noFill/>
+                </a:ln>
+                <a:solidFill>
+                  <a:srgbClr val="444444"/>
+                </a:solidFill>
+                <a:effectLst/>
+                <a:latin typeface="宋体" panose="02010600030101010101" pitchFamily="2" charset="-122"/>
+                <a:ea typeface="宋体" panose="02010600030101010101" pitchFamily="2" charset="-122"/>
+              </a:rPr>
+              <a:t>()</a:t>
+            </a:r>
+            <a:r>
+              <a:rPr kumimoji="0" lang="zh-CN" altLang="zh-CN" sz="1050" b="0" i="0" u="none" strike="noStrike" cap="none" normalizeH="0" baseline="0" dirty="0" smtClean="0">
+                <a:ln>
+                  <a:noFill/>
+                </a:ln>
+                <a:solidFill>
+                  <a:srgbClr val="000000"/>
+                </a:solidFill>
+                <a:effectLst/>
+                <a:latin typeface="宋体" panose="02010600030101010101" pitchFamily="2" charset="-122"/>
+                <a:ea typeface="宋体" panose="02010600030101010101" pitchFamily="2" charset="-122"/>
+              </a:rPr>
+              <a:t>;</a:t>
+            </a:r>
+            <a:br>
+              <a:rPr kumimoji="0" lang="zh-CN" altLang="zh-CN" sz="1050" b="0" i="0" u="none" strike="noStrike" cap="none" normalizeH="0" baseline="0" dirty="0" smtClean="0">
+                <a:ln>
+                  <a:noFill/>
+                </a:ln>
+                <a:solidFill>
+                  <a:srgbClr val="000000"/>
+                </a:solidFill>
+                <a:effectLst/>
+                <a:latin typeface="宋体" panose="02010600030101010101" pitchFamily="2" charset="-122"/>
+                <a:ea typeface="宋体" panose="02010600030101010101" pitchFamily="2" charset="-122"/>
+              </a:rPr>
+            </a:br>
+            <a:r>
+              <a:rPr kumimoji="0" lang="zh-CN" altLang="zh-CN" sz="1050" b="0" i="0" u="none" strike="noStrike" cap="none" normalizeH="0" baseline="0" dirty="0" smtClean="0">
+                <a:ln>
+                  <a:noFill/>
+                </a:ln>
+                <a:solidFill>
+                  <a:srgbClr val="5C8198"/>
+                </a:solidFill>
+                <a:effectLst/>
+                <a:latin typeface="宋体" panose="02010600030101010101" pitchFamily="2" charset="-122"/>
+                <a:ea typeface="宋体" panose="02010600030101010101" pitchFamily="2" charset="-122"/>
+              </a:rPr>
+              <a:t>data</a:t>
+            </a:r>
+            <a:r>
+              <a:rPr kumimoji="0" lang="zh-CN" altLang="zh-CN" sz="1050" b="0" i="0" u="none" strike="noStrike" cap="none" normalizeH="0" baseline="0" dirty="0" smtClean="0">
+                <a:ln>
+                  <a:noFill/>
+                </a:ln>
+                <a:solidFill>
+                  <a:srgbClr val="000000"/>
+                </a:solidFill>
+                <a:effectLst/>
+                <a:latin typeface="宋体" panose="02010600030101010101" pitchFamily="2" charset="-122"/>
+                <a:ea typeface="宋体" panose="02010600030101010101" pitchFamily="2" charset="-122"/>
+              </a:rPr>
+              <a:t>.</a:t>
+            </a:r>
+            <a:r>
+              <a:rPr kumimoji="0" lang="zh-CN" altLang="zh-CN" sz="1050" b="1" i="0" u="none" strike="noStrike" cap="none" normalizeH="0" baseline="0" dirty="0" smtClean="0">
+                <a:ln>
+                  <a:noFill/>
+                </a:ln>
+                <a:solidFill>
+                  <a:srgbClr val="444444"/>
+                </a:solidFill>
+                <a:effectLst/>
+                <a:latin typeface="宋体" panose="02010600030101010101" pitchFamily="2" charset="-122"/>
+                <a:ea typeface="宋体" panose="02010600030101010101" pitchFamily="2" charset="-122"/>
+              </a:rPr>
+              <a:t>recycle</a:t>
+            </a:r>
+            <a:r>
+              <a:rPr kumimoji="0" lang="zh-CN" altLang="zh-CN" sz="1050" b="0" i="0" u="none" strike="noStrike" cap="none" normalizeH="0" baseline="0" dirty="0" smtClean="0">
+                <a:ln>
+                  <a:noFill/>
+                </a:ln>
+                <a:solidFill>
+                  <a:srgbClr val="444444"/>
+                </a:solidFill>
+                <a:effectLst/>
+                <a:latin typeface="宋体" panose="02010600030101010101" pitchFamily="2" charset="-122"/>
+                <a:ea typeface="宋体" panose="02010600030101010101" pitchFamily="2" charset="-122"/>
+              </a:rPr>
+              <a:t>()</a:t>
+            </a:r>
+            <a:r>
+              <a:rPr kumimoji="0" lang="zh-CN" altLang="zh-CN" sz="1050" b="0" i="0" u="none" strike="noStrike" cap="none" normalizeH="0" baseline="0" dirty="0" smtClean="0">
+                <a:ln>
+                  <a:noFill/>
+                </a:ln>
+                <a:solidFill>
+                  <a:srgbClr val="000000"/>
+                </a:solidFill>
+                <a:effectLst/>
+                <a:latin typeface="宋体" panose="02010600030101010101" pitchFamily="2" charset="-122"/>
+                <a:ea typeface="宋体" panose="02010600030101010101" pitchFamily="2" charset="-122"/>
+              </a:rPr>
+              <a:t>;</a:t>
+            </a:r>
+            <a:endParaRPr kumimoji="0" lang="zh-CN" altLang="zh-CN" sz="1200" b="0" i="0" u="none" strike="noStrike" cap="none" normalizeH="0" baseline="0" dirty="0" smtClean="0">
+              <a:ln>
+                <a:noFill/>
+              </a:ln>
+              <a:solidFill>
+                <a:schemeClr val="tx1"/>
+              </a:solidFill>
+              <a:effectLst/>
+              <a:latin typeface="Arial" panose="020B0604020202020204" pitchFamily="34" charset="0"/>
+            </a:endParaRPr>
           </a:p>
         </p:txBody>
       </p:sp>
     </p:spTree>
     <p:extLst>
       <p:ext uri="{BB962C8B-B14F-4D97-AF65-F5344CB8AC3E}">
-        <p14:creationId xmlns:p14="http://schemas.microsoft.com/office/powerpoint/2010/main" val="3524459660"/>
+        <p14:creationId xmlns:p14="http://schemas.microsoft.com/office/powerpoint/2010/main" val="972856443"/>
       </p:ext>
     </p:extLst>
   </p:cSld>
   <p:clrMapOvr>
     <a:masterClrMapping/>
   </p:clrMapOvr>
+  <p:timing>
+    <p:tnLst>
+      <p:par>
+        <p:cTn id="1" dur="indefinite" restart="never" nodeType="tmRoot"/>
+      </p:par>
+    </p:tnLst>
+  </p:timing>
 </p:sld>
 </file>
 
@@ -5561,34 +11235,1577 @@
           <a:bodyPr/>
           <a:lstStyle/>
           <a:p>
+            <a:r>
+              <a:rPr lang="zh-CN" altLang="en-US" dirty="0">
+                <a:solidFill>
+                  <a:srgbClr val="D60093"/>
+                </a:solidFill>
+              </a:rPr>
+              <a:t>如何使用 </a:t>
+            </a:r>
+            <a:r>
+              <a:rPr lang="en-US" altLang="zh-CN" dirty="0">
+                <a:solidFill>
+                  <a:srgbClr val="D60093"/>
+                </a:solidFill>
+              </a:rPr>
+              <a:t>Binder – </a:t>
+            </a:r>
+            <a:r>
+              <a:rPr lang="zh-CN" altLang="en-US" dirty="0" smtClean="0">
+                <a:solidFill>
+                  <a:srgbClr val="D60093"/>
+                </a:solidFill>
+              </a:rPr>
+              <a:t>使用 </a:t>
+            </a:r>
+            <a:r>
+              <a:rPr lang="en-US" altLang="zh-CN" dirty="0" smtClean="0">
+                <a:solidFill>
+                  <a:srgbClr val="D60093"/>
+                </a:solidFill>
+              </a:rPr>
+              <a:t>Service </a:t>
+            </a:r>
+            <a:r>
+              <a:rPr lang="zh-CN" altLang="en-US" dirty="0" smtClean="0">
+                <a:solidFill>
+                  <a:srgbClr val="D60093"/>
+                </a:solidFill>
+              </a:rPr>
+              <a:t>类</a:t>
+            </a:r>
             <a:endParaRPr lang="zh-CN" altLang="en-US" dirty="0"/>
           </a:p>
         </p:txBody>
       </p:sp>
-      <p:pic>
-        <p:nvPicPr>
-          <p:cNvPr id="4" name="内容占位符 3" descr="PPT模板-06.jpg"/>
-          <p:cNvPicPr>
-            <a:picLocks noGrp="1" noChangeAspect="1"/>
-          </p:cNvPicPr>
+      <p:sp>
+        <p:nvSpPr>
+          <p:cNvPr id="3" name="内容占位符 2"/>
+          <p:cNvSpPr>
+            <a:spLocks noGrp="1"/>
+          </p:cNvSpPr>
           <p:nvPr>
             <p:ph idx="1"/>
           </p:nvPr>
-        </p:nvPicPr>
-        <p:blipFill>
-          <a:blip r:embed="rId2" cstate="print"/>
-          <a:stretch>
-            <a:fillRect/>
-          </a:stretch>
-        </p:blipFill>
-        <p:spPr>
+        </p:nvSpPr>
+        <p:spPr/>
+        <p:txBody>
+          <a:bodyPr/>
+          <a:lstStyle/>
+          <a:p>
+            <a:pPr marL="0" indent="0">
+              <a:buNone/>
+            </a:pPr>
+            <a:r>
+              <a:rPr lang="zh-CN" altLang="en-US" dirty="0" smtClean="0"/>
+              <a:t>以</a:t>
+            </a:r>
+            <a:r>
+              <a:rPr lang="zh-CN" altLang="en-US" dirty="0"/>
+              <a:t>上存在两个问题</a:t>
+            </a:r>
+          </a:p>
+          <a:p>
+            <a:pPr>
+              <a:buFont typeface="+mj-lt"/>
+              <a:buAutoNum type="arabicPeriod"/>
+            </a:pPr>
+            <a:r>
+              <a:rPr lang="zh-CN" altLang="en-US" dirty="0" smtClean="0"/>
+              <a:t>如</a:t>
+            </a:r>
+            <a:r>
+              <a:rPr lang="zh-CN" altLang="en-US" dirty="0"/>
+              <a:t>何获取服务端的 </a:t>
+            </a:r>
+            <a:r>
+              <a:rPr lang="en-US" altLang="zh-CN" dirty="0"/>
+              <a:t>Binder </a:t>
+            </a:r>
+            <a:r>
+              <a:rPr lang="zh-CN" altLang="en-US" dirty="0"/>
+              <a:t>对象的引</a:t>
+            </a:r>
+            <a:r>
+              <a:rPr lang="zh-CN" altLang="en-US" dirty="0" smtClean="0"/>
+              <a:t>用</a:t>
+            </a:r>
+            <a:endParaRPr lang="en-US" altLang="zh-CN" dirty="0" smtClean="0"/>
+          </a:p>
+          <a:p>
+            <a:pPr>
+              <a:buFont typeface="+mj-lt"/>
+              <a:buAutoNum type="arabicPeriod"/>
+            </a:pPr>
+            <a:r>
+              <a:rPr lang="zh-CN" altLang="en-US" dirty="0" smtClean="0"/>
+              <a:t>客</a:t>
+            </a:r>
+            <a:r>
+              <a:rPr lang="zh-CN" altLang="en-US" dirty="0"/>
+              <a:t>户端和服务端实现约定</a:t>
+            </a:r>
+            <a:r>
+              <a:rPr lang="zh-CN" altLang="en-US" dirty="0" smtClean="0"/>
+              <a:t>好</a:t>
+            </a:r>
+            <a:endParaRPr lang="en-US" altLang="zh-CN" dirty="0" smtClean="0"/>
+          </a:p>
+          <a:p>
+            <a:pPr marL="0" indent="0">
+              <a:buNone/>
+            </a:pPr>
+            <a:r>
+              <a:rPr lang="en-US" altLang="zh-CN" dirty="0" smtClean="0"/>
+              <a:t>	</a:t>
+            </a:r>
+            <a:r>
+              <a:rPr lang="zh-CN" altLang="en-US" dirty="0" smtClean="0"/>
+              <a:t>服</a:t>
+            </a:r>
+            <a:r>
+              <a:rPr lang="zh-CN" altLang="en-US" dirty="0"/>
+              <a:t>务端函数参数在包裹中的顺序</a:t>
+            </a:r>
+            <a:r>
+              <a:rPr lang="zh-CN" altLang="en-US" dirty="0" smtClean="0"/>
+              <a:t>；</a:t>
+            </a:r>
+            <a:endParaRPr lang="en-US" altLang="zh-CN" dirty="0" smtClean="0"/>
+          </a:p>
+          <a:p>
+            <a:pPr marL="0" indent="0">
+              <a:buNone/>
+            </a:pPr>
+            <a:r>
+              <a:rPr lang="en-US" altLang="zh-CN" dirty="0" smtClean="0"/>
+              <a:t>	</a:t>
+            </a:r>
+            <a:r>
+              <a:rPr lang="zh-CN" altLang="en-US" dirty="0" smtClean="0"/>
+              <a:t>服</a:t>
+            </a:r>
+            <a:r>
+              <a:rPr lang="zh-CN" altLang="en-US" dirty="0"/>
+              <a:t>务端不同函数的标识</a:t>
+            </a:r>
+            <a:r>
+              <a:rPr lang="zh-CN" altLang="en-US" dirty="0" smtClean="0"/>
+              <a:t>符。</a:t>
+            </a:r>
+            <a:endParaRPr lang="en-US" altLang="zh-CN" dirty="0" smtClean="0"/>
+          </a:p>
+          <a:p>
+            <a:pPr marL="0" indent="0">
+              <a:buNone/>
+            </a:pPr>
+            <a:endParaRPr lang="en-US" altLang="zh-CN" dirty="0"/>
+          </a:p>
+          <a:p>
+            <a:pPr marL="0" indent="0">
+              <a:buNone/>
+            </a:pPr>
+            <a:r>
+              <a:rPr lang="zh-CN" altLang="en-US" dirty="0" smtClean="0"/>
+              <a:t>对于第一个问题，我们思考下，什么情况下需要 </a:t>
+            </a:r>
+            <a:r>
+              <a:rPr lang="en-US" altLang="zh-CN" dirty="0" smtClean="0"/>
+              <a:t>Binder </a:t>
+            </a:r>
+            <a:r>
+              <a:rPr lang="zh-CN" altLang="en-US" dirty="0" smtClean="0"/>
+              <a:t>？</a:t>
+            </a:r>
+            <a:endParaRPr lang="en-US" altLang="zh-CN" dirty="0" smtClean="0"/>
+          </a:p>
+          <a:p>
+            <a:pPr marL="0" indent="0">
+              <a:buNone/>
+            </a:pPr>
+            <a:r>
+              <a:rPr lang="zh-CN" altLang="en-US" dirty="0"/>
+              <a:t>需</a:t>
+            </a:r>
+            <a:r>
+              <a:rPr lang="zh-CN" altLang="en-US" dirty="0" smtClean="0"/>
+              <a:t>要提供一个全局服务的时候，任何程序都可以访问。这是系统必须提供的基本功能之一，因此，提供了一个更傻瓜的方法</a:t>
+            </a:r>
+            <a:r>
+              <a:rPr lang="en-US" altLang="zh-CN" dirty="0" smtClean="0"/>
+              <a:t>- service</a:t>
+            </a:r>
+            <a:r>
+              <a:rPr lang="zh-CN" altLang="en-US" dirty="0" smtClean="0"/>
+              <a:t>。</a:t>
+            </a:r>
+            <a:endParaRPr lang="zh-CN" altLang="en-US" dirty="0"/>
+          </a:p>
+        </p:txBody>
+      </p:sp>
+    </p:spTree>
+    <p:extLst>
+      <p:ext uri="{BB962C8B-B14F-4D97-AF65-F5344CB8AC3E}">
+        <p14:creationId xmlns:p14="http://schemas.microsoft.com/office/powerpoint/2010/main" val="3168023011"/>
+      </p:ext>
+    </p:extLst>
+  </p:cSld>
+  <p:clrMapOvr>
+    <a:masterClrMapping/>
+  </p:clrMapOvr>
+  <p:timing>
+    <p:tnLst>
+      <p:par>
+        <p:cTn id="1" dur="indefinite" restart="never" nodeType="tmRoot"/>
+      </p:par>
+    </p:tnLst>
+  </p:timing>
+</p:sld>
+</file>
+
+<file path=ppt/slides/slide18.xml><?xml version="1.0" encoding="utf-8"?>
+<p:sld xmlns:a="http://schemas.openxmlformats.org/drawingml/2006/main" xmlns:r="http://schemas.openxmlformats.org/officeDocument/2006/relationships" xmlns:p="http://schemas.openxmlformats.org/presentationml/2006/main">
+  <p:cSld>
+    <p:spTree>
+      <p:nvGrpSpPr>
+        <p:cNvPr id="1" name=""/>
+        <p:cNvGrpSpPr/>
+        <p:nvPr/>
+      </p:nvGrpSpPr>
+      <p:grpSpPr>
+        <a:xfrm>
+          <a:off x="0" y="0"/>
+          <a:ext cx="0" cy="0"/>
+          <a:chOff x="0" y="0"/>
+          <a:chExt cx="0" cy="0"/>
+        </a:xfrm>
+      </p:grpSpPr>
+      <p:sp>
+        <p:nvSpPr>
+          <p:cNvPr id="2" name="标题 1"/>
+          <p:cNvSpPr>
+            <a:spLocks noGrp="1"/>
+          </p:cNvSpPr>
+          <p:nvPr>
+            <p:ph type="title"/>
+          </p:nvPr>
+        </p:nvSpPr>
+        <p:spPr/>
+        <p:txBody>
+          <a:bodyPr/>
+          <a:lstStyle/>
+          <a:p>
+            <a:r>
+              <a:rPr lang="zh-CN" altLang="en-US" dirty="0">
+                <a:solidFill>
+                  <a:srgbClr val="D60093"/>
+                </a:solidFill>
+              </a:rPr>
+              <a:t>如何使用 </a:t>
+            </a:r>
+            <a:r>
+              <a:rPr lang="en-US" altLang="zh-CN" dirty="0">
+                <a:solidFill>
+                  <a:srgbClr val="D60093"/>
+                </a:solidFill>
+              </a:rPr>
+              <a:t>Binder – </a:t>
+            </a:r>
+            <a:r>
+              <a:rPr lang="zh-CN" altLang="en-US" dirty="0" smtClean="0">
+                <a:solidFill>
+                  <a:srgbClr val="D60093"/>
+                </a:solidFill>
+              </a:rPr>
+              <a:t>通过</a:t>
+            </a:r>
+            <a:r>
+              <a:rPr lang="en-US" altLang="zh-CN" dirty="0" smtClean="0">
+                <a:solidFill>
+                  <a:srgbClr val="D60093"/>
+                </a:solidFill>
+              </a:rPr>
+              <a:t>service</a:t>
+            </a:r>
+            <a:r>
+              <a:rPr lang="zh-CN" altLang="en-US" dirty="0" smtClean="0">
+                <a:solidFill>
+                  <a:srgbClr val="D60093"/>
+                </a:solidFill>
+              </a:rPr>
+              <a:t>获取</a:t>
+            </a:r>
+            <a:r>
+              <a:rPr lang="en-US" altLang="zh-CN" dirty="0" smtClean="0">
+                <a:solidFill>
+                  <a:srgbClr val="D60093"/>
+                </a:solidFill>
+              </a:rPr>
+              <a:t>Binder</a:t>
+            </a:r>
+            <a:r>
+              <a:rPr lang="zh-CN" altLang="en-US" dirty="0" smtClean="0">
+                <a:solidFill>
+                  <a:srgbClr val="D60093"/>
+                </a:solidFill>
+              </a:rPr>
+              <a:t>对象</a:t>
+            </a:r>
+            <a:endParaRPr lang="zh-CN" altLang="en-US" dirty="0"/>
+          </a:p>
+        </p:txBody>
+      </p:sp>
+      <p:sp>
+        <p:nvSpPr>
+          <p:cNvPr id="5" name="Rectangle 2"/>
+          <p:cNvSpPr>
+            <a:spLocks noChangeArrowheads="1"/>
+          </p:cNvSpPr>
+          <p:nvPr/>
+        </p:nvSpPr>
+        <p:spPr bwMode="auto">
           <a:xfrm>
-            <a:off x="0" y="0"/>
-            <a:ext cx="9144000" cy="5142895"/>
+            <a:off x="518864" y="771550"/>
+            <a:ext cx="6336704" cy="892552"/>
           </a:xfrm>
+          <a:prstGeom prst="rect">
+            <a:avLst/>
+          </a:prstGeom>
+          <a:solidFill>
+            <a:srgbClr val="FFFFE6"/>
+          </a:solidFill>
+          <a:ln>
+            <a:noFill/>
+          </a:ln>
+          <a:effectLst/>
+          <a:extLst>
+            <a:ext uri="{91240B29-F687-4F45-9708-019B960494DF}">
+              <a14:hiddenLine xmlns:a14="http://schemas.microsoft.com/office/drawing/2010/main" w="9525">
+                <a:solidFill>
+                  <a:schemeClr val="tx1"/>
+                </a:solidFill>
+                <a:miter lim="800000"/>
+                <a:headEnd/>
+                <a:tailEnd/>
+              </a14:hiddenLine>
+            </a:ext>
+            <a:ext uri="{AF507438-7753-43E0-B8FC-AC1667EBCBE1}">
+              <a14:hiddenEffects xmlns:a14="http://schemas.microsoft.com/office/drawing/2010/main">
+                <a:effectLst>
+                  <a:outerShdw dist="35921" dir="2700000" algn="ctr" rotWithShape="0">
+                    <a:schemeClr val="bg2"/>
+                  </a:outerShdw>
+                </a:effectLst>
+              </a14:hiddenEffects>
+            </a:ext>
+          </a:extLst>
         </p:spPr>
-      </p:pic>
+        <p:txBody>
+          <a:bodyPr vert="horz" wrap="square" lIns="91440" tIns="45720" rIns="91440" bIns="45720" numCol="1" anchor="ctr" anchorCtr="0" compatLnSpc="1">
+            <a:prstTxWarp prst="textNoShape">
+              <a:avLst/>
+            </a:prstTxWarp>
+            <a:spAutoFit/>
+          </a:bodyPr>
+          <a:lstStyle/>
+          <a:p>
+            <a:pPr marL="0" marR="0" lvl="0" indent="0" algn="l" defTabSz="914400" rtl="0" eaLnBrk="0" fontAlgn="base" latinLnBrk="0" hangingPunct="0">
+              <a:lnSpc>
+                <a:spcPct val="100000"/>
+              </a:lnSpc>
+              <a:spcBef>
+                <a:spcPct val="0"/>
+              </a:spcBef>
+              <a:spcAft>
+                <a:spcPct val="0"/>
+              </a:spcAft>
+              <a:buClrTx/>
+              <a:buSzTx/>
+              <a:buFontTx/>
+              <a:buNone/>
+              <a:tabLst/>
+            </a:pPr>
+            <a:r>
+              <a:rPr kumimoji="0" lang="zh-CN" altLang="zh-CN" sz="1300" b="1" i="0" u="none" strike="noStrike" cap="none" normalizeH="0" baseline="0" dirty="0" smtClean="0">
+                <a:ln>
+                  <a:noFill/>
+                </a:ln>
+                <a:solidFill>
+                  <a:srgbClr val="0000A0"/>
+                </a:solidFill>
+                <a:effectLst/>
+                <a:latin typeface="宋体" panose="02010600030101010101" pitchFamily="2" charset="-122"/>
+                <a:ea typeface="宋体" panose="02010600030101010101" pitchFamily="2" charset="-122"/>
+              </a:rPr>
+              <a:t>public boolean </a:t>
+            </a:r>
+            <a:r>
+              <a:rPr kumimoji="0" lang="zh-CN" altLang="zh-CN" sz="1300" b="1" i="0" u="none" strike="noStrike" cap="none" normalizeH="0" baseline="0" dirty="0" smtClean="0">
+                <a:ln>
+                  <a:noFill/>
+                </a:ln>
+                <a:solidFill>
+                  <a:srgbClr val="444444"/>
+                </a:solidFill>
+                <a:effectLst/>
+                <a:latin typeface="宋体" panose="02010600030101010101" pitchFamily="2" charset="-122"/>
+                <a:ea typeface="宋体" panose="02010600030101010101" pitchFamily="2" charset="-122"/>
+              </a:rPr>
+              <a:t>bindService</a:t>
+            </a:r>
+            <a:r>
+              <a:rPr kumimoji="0" lang="zh-CN" altLang="zh-CN" sz="1300" b="0" i="0" u="none" strike="noStrike" cap="none" normalizeH="0" baseline="0" dirty="0" smtClean="0">
+                <a:ln>
+                  <a:noFill/>
+                </a:ln>
+                <a:solidFill>
+                  <a:srgbClr val="444444"/>
+                </a:solidFill>
+                <a:effectLst/>
+                <a:latin typeface="宋体" panose="02010600030101010101" pitchFamily="2" charset="-122"/>
+                <a:ea typeface="宋体" panose="02010600030101010101" pitchFamily="2" charset="-122"/>
+              </a:rPr>
+              <a:t>(</a:t>
+            </a:r>
+            <a:r>
+              <a:rPr kumimoji="0" lang="zh-CN" altLang="zh-CN" sz="1300" b="0" i="0" u="none" strike="noStrike" cap="none" normalizeH="0" baseline="0" dirty="0" smtClean="0">
+                <a:ln>
+                  <a:noFill/>
+                </a:ln>
+                <a:solidFill>
+                  <a:srgbClr val="800000"/>
+                </a:solidFill>
+                <a:effectLst/>
+                <a:latin typeface="宋体" panose="02010600030101010101" pitchFamily="2" charset="-122"/>
+                <a:ea typeface="宋体" panose="02010600030101010101" pitchFamily="2" charset="-122"/>
+              </a:rPr>
+              <a:t>Intent </a:t>
+            </a:r>
+            <a:r>
+              <a:rPr kumimoji="0" lang="zh-CN" altLang="zh-CN" sz="1300" b="0" i="0" u="none" strike="noStrike" cap="none" normalizeH="0" baseline="0" dirty="0" smtClean="0">
+                <a:ln>
+                  <a:noFill/>
+                </a:ln>
+                <a:solidFill>
+                  <a:srgbClr val="885D3B"/>
+                </a:solidFill>
+                <a:effectLst/>
+                <a:latin typeface="宋体" panose="02010600030101010101" pitchFamily="2" charset="-122"/>
+                <a:ea typeface="宋体" panose="02010600030101010101" pitchFamily="2" charset="-122"/>
+              </a:rPr>
+              <a:t>service</a:t>
+            </a:r>
+            <a:r>
+              <a:rPr kumimoji="0" lang="zh-CN" altLang="zh-CN" sz="1300" b="0" i="0" u="none" strike="noStrike" cap="none" normalizeH="0" baseline="0" dirty="0" smtClean="0">
+                <a:ln>
+                  <a:noFill/>
+                </a:ln>
+                <a:solidFill>
+                  <a:srgbClr val="000000"/>
+                </a:solidFill>
+                <a:effectLst/>
+                <a:latin typeface="宋体" panose="02010600030101010101" pitchFamily="2" charset="-122"/>
+                <a:ea typeface="宋体" panose="02010600030101010101" pitchFamily="2" charset="-122"/>
+              </a:rPr>
+              <a:t>, </a:t>
+            </a:r>
+            <a:r>
+              <a:rPr kumimoji="0" lang="zh-CN" altLang="zh-CN" sz="1300" b="0" i="0" u="none" strike="noStrike" cap="none" normalizeH="0" baseline="0" dirty="0" smtClean="0">
+                <a:ln>
+                  <a:noFill/>
+                </a:ln>
+                <a:solidFill>
+                  <a:srgbClr val="18AADE"/>
+                </a:solidFill>
+                <a:effectLst/>
+                <a:latin typeface="宋体" panose="02010600030101010101" pitchFamily="2" charset="-122"/>
+                <a:ea typeface="宋体" panose="02010600030101010101" pitchFamily="2" charset="-122"/>
+              </a:rPr>
+              <a:t>ServiceConnection </a:t>
+            </a:r>
+            <a:r>
+              <a:rPr kumimoji="0" lang="zh-CN" altLang="zh-CN" sz="1300" b="0" i="0" u="none" strike="noStrike" cap="none" normalizeH="0" baseline="0" dirty="0" smtClean="0">
+                <a:ln>
+                  <a:noFill/>
+                </a:ln>
+                <a:solidFill>
+                  <a:srgbClr val="885D3B"/>
+                </a:solidFill>
+                <a:effectLst/>
+                <a:latin typeface="宋体" panose="02010600030101010101" pitchFamily="2" charset="-122"/>
+                <a:ea typeface="宋体" panose="02010600030101010101" pitchFamily="2" charset="-122"/>
+              </a:rPr>
+              <a:t>conn</a:t>
+            </a:r>
+            <a:r>
+              <a:rPr kumimoji="0" lang="zh-CN" altLang="zh-CN" sz="1300" b="0" i="0" u="none" strike="noStrike" cap="none" normalizeH="0" baseline="0" dirty="0" smtClean="0">
+                <a:ln>
+                  <a:noFill/>
+                </a:ln>
+                <a:solidFill>
+                  <a:srgbClr val="000000"/>
+                </a:solidFill>
+                <a:effectLst/>
+                <a:latin typeface="宋体" panose="02010600030101010101" pitchFamily="2" charset="-122"/>
+                <a:ea typeface="宋体" panose="02010600030101010101" pitchFamily="2" charset="-122"/>
+              </a:rPr>
+              <a:t>,</a:t>
+            </a:r>
+            <a:br>
+              <a:rPr kumimoji="0" lang="zh-CN" altLang="zh-CN" sz="1300" b="0" i="0" u="none" strike="noStrike" cap="none" normalizeH="0" baseline="0" dirty="0" smtClean="0">
+                <a:ln>
+                  <a:noFill/>
+                </a:ln>
+                <a:solidFill>
+                  <a:srgbClr val="000000"/>
+                </a:solidFill>
+                <a:effectLst/>
+                <a:latin typeface="宋体" panose="02010600030101010101" pitchFamily="2" charset="-122"/>
+                <a:ea typeface="宋体" panose="02010600030101010101" pitchFamily="2" charset="-122"/>
+              </a:rPr>
+            </a:br>
+            <a:r>
+              <a:rPr kumimoji="0" lang="zh-CN" altLang="zh-CN" sz="1300" b="0" i="0" u="none" strike="noStrike" cap="none" normalizeH="0" baseline="0" dirty="0" smtClean="0">
+                <a:ln>
+                  <a:noFill/>
+                </a:ln>
+                <a:solidFill>
+                  <a:srgbClr val="000000"/>
+                </a:solidFill>
+                <a:effectLst/>
+                <a:latin typeface="宋体" panose="02010600030101010101" pitchFamily="2" charset="-122"/>
+                <a:ea typeface="宋体" panose="02010600030101010101" pitchFamily="2" charset="-122"/>
+              </a:rPr>
+              <a:t>        </a:t>
+            </a:r>
+            <a:r>
+              <a:rPr kumimoji="0" lang="zh-CN" altLang="zh-CN" sz="1300" b="1" i="0" u="none" strike="noStrike" cap="none" normalizeH="0" baseline="0" dirty="0" smtClean="0">
+                <a:ln>
+                  <a:noFill/>
+                </a:ln>
+                <a:solidFill>
+                  <a:srgbClr val="0000A0"/>
+                </a:solidFill>
+                <a:effectLst/>
+                <a:latin typeface="宋体" panose="02010600030101010101" pitchFamily="2" charset="-122"/>
+                <a:ea typeface="宋体" panose="02010600030101010101" pitchFamily="2" charset="-122"/>
+              </a:rPr>
+              <a:t>int </a:t>
+            </a:r>
+            <a:r>
+              <a:rPr kumimoji="0" lang="zh-CN" altLang="zh-CN" sz="1300" b="0" i="0" u="none" strike="noStrike" cap="none" normalizeH="0" baseline="0" dirty="0" smtClean="0">
+                <a:ln>
+                  <a:noFill/>
+                </a:ln>
+                <a:solidFill>
+                  <a:srgbClr val="885D3B"/>
+                </a:solidFill>
+                <a:effectLst/>
+                <a:latin typeface="宋体" panose="02010600030101010101" pitchFamily="2" charset="-122"/>
+                <a:ea typeface="宋体" panose="02010600030101010101" pitchFamily="2" charset="-122"/>
+              </a:rPr>
+              <a:t>flags</a:t>
+            </a:r>
+            <a:r>
+              <a:rPr kumimoji="0" lang="zh-CN" altLang="zh-CN" sz="1300" b="0" i="0" u="none" strike="noStrike" cap="none" normalizeH="0" baseline="0" dirty="0" smtClean="0">
+                <a:ln>
+                  <a:noFill/>
+                </a:ln>
+                <a:solidFill>
+                  <a:srgbClr val="444444"/>
+                </a:solidFill>
+                <a:effectLst/>
+                <a:latin typeface="宋体" panose="02010600030101010101" pitchFamily="2" charset="-122"/>
+                <a:ea typeface="宋体" panose="02010600030101010101" pitchFamily="2" charset="-122"/>
+              </a:rPr>
+              <a:t>) {</a:t>
+            </a:r>
+            <a:br>
+              <a:rPr kumimoji="0" lang="zh-CN" altLang="zh-CN" sz="1300" b="0" i="0" u="none" strike="noStrike" cap="none" normalizeH="0" baseline="0" dirty="0" smtClean="0">
+                <a:ln>
+                  <a:noFill/>
+                </a:ln>
+                <a:solidFill>
+                  <a:srgbClr val="444444"/>
+                </a:solidFill>
+                <a:effectLst/>
+                <a:latin typeface="宋体" panose="02010600030101010101" pitchFamily="2" charset="-122"/>
+                <a:ea typeface="宋体" panose="02010600030101010101" pitchFamily="2" charset="-122"/>
+              </a:rPr>
+            </a:br>
+            <a:r>
+              <a:rPr kumimoji="0" lang="zh-CN" altLang="zh-CN" sz="1300" b="0" i="0" u="none" strike="noStrike" cap="none" normalizeH="0" baseline="0" dirty="0" smtClean="0">
+                <a:ln>
+                  <a:noFill/>
+                </a:ln>
+                <a:solidFill>
+                  <a:srgbClr val="444444"/>
+                </a:solidFill>
+                <a:effectLst/>
+                <a:latin typeface="宋体" panose="02010600030101010101" pitchFamily="2" charset="-122"/>
+                <a:ea typeface="宋体" panose="02010600030101010101" pitchFamily="2" charset="-122"/>
+              </a:rPr>
+              <a:t>    </a:t>
+            </a:r>
+            <a:r>
+              <a:rPr kumimoji="0" lang="zh-CN" altLang="zh-CN" sz="1300" b="1" i="0" u="none" strike="noStrike" cap="none" normalizeH="0" baseline="0" dirty="0" smtClean="0">
+                <a:ln>
+                  <a:noFill/>
+                </a:ln>
+                <a:solidFill>
+                  <a:srgbClr val="0000A0"/>
+                </a:solidFill>
+                <a:effectLst/>
+                <a:latin typeface="宋体" panose="02010600030101010101" pitchFamily="2" charset="-122"/>
+                <a:ea typeface="宋体" panose="02010600030101010101" pitchFamily="2" charset="-122"/>
+              </a:rPr>
+              <a:t>return </a:t>
+            </a:r>
+            <a:r>
+              <a:rPr kumimoji="0" lang="zh-CN" altLang="zh-CN" sz="1300" b="0" i="0" u="none" strike="noStrike" cap="none" normalizeH="0" baseline="0" dirty="0" smtClean="0">
+                <a:ln>
+                  <a:noFill/>
+                </a:ln>
+                <a:solidFill>
+                  <a:srgbClr val="566874"/>
+                </a:solidFill>
+                <a:effectLst/>
+                <a:latin typeface="宋体" panose="02010600030101010101" pitchFamily="2" charset="-122"/>
+                <a:ea typeface="宋体" panose="02010600030101010101" pitchFamily="2" charset="-122"/>
+              </a:rPr>
+              <a:t>mBase</a:t>
+            </a:r>
+            <a:r>
+              <a:rPr kumimoji="0" lang="zh-CN" altLang="zh-CN" sz="1300" b="0" i="0" u="none" strike="noStrike" cap="none" normalizeH="0" baseline="0" dirty="0" smtClean="0">
+                <a:ln>
+                  <a:noFill/>
+                </a:ln>
+                <a:solidFill>
+                  <a:srgbClr val="000000"/>
+                </a:solidFill>
+                <a:effectLst/>
+                <a:latin typeface="宋体" panose="02010600030101010101" pitchFamily="2" charset="-122"/>
+                <a:ea typeface="宋体" panose="02010600030101010101" pitchFamily="2" charset="-122"/>
+              </a:rPr>
+              <a:t>.</a:t>
+            </a:r>
+            <a:r>
+              <a:rPr kumimoji="0" lang="zh-CN" altLang="zh-CN" sz="1300" b="1" i="0" u="none" strike="noStrike" cap="none" normalizeH="0" baseline="0" dirty="0" smtClean="0">
+                <a:ln>
+                  <a:noFill/>
+                </a:ln>
+                <a:solidFill>
+                  <a:srgbClr val="444444"/>
+                </a:solidFill>
+                <a:effectLst/>
+                <a:latin typeface="宋体" panose="02010600030101010101" pitchFamily="2" charset="-122"/>
+                <a:ea typeface="宋体" panose="02010600030101010101" pitchFamily="2" charset="-122"/>
+              </a:rPr>
+              <a:t>bindService</a:t>
+            </a:r>
+            <a:r>
+              <a:rPr kumimoji="0" lang="zh-CN" altLang="zh-CN" sz="1300" b="0" i="0" u="none" strike="noStrike" cap="none" normalizeH="0" baseline="0" dirty="0" smtClean="0">
+                <a:ln>
+                  <a:noFill/>
+                </a:ln>
+                <a:solidFill>
+                  <a:srgbClr val="444444"/>
+                </a:solidFill>
+                <a:effectLst/>
+                <a:latin typeface="宋体" panose="02010600030101010101" pitchFamily="2" charset="-122"/>
+                <a:ea typeface="宋体" panose="02010600030101010101" pitchFamily="2" charset="-122"/>
+              </a:rPr>
+              <a:t>(</a:t>
+            </a:r>
+            <a:r>
+              <a:rPr kumimoji="0" lang="zh-CN" altLang="zh-CN" sz="1300" b="0" i="0" u="none" strike="noStrike" cap="none" normalizeH="0" baseline="0" dirty="0" smtClean="0">
+                <a:ln>
+                  <a:noFill/>
+                </a:ln>
+                <a:solidFill>
+                  <a:srgbClr val="885D3B"/>
+                </a:solidFill>
+                <a:effectLst/>
+                <a:latin typeface="宋体" panose="02010600030101010101" pitchFamily="2" charset="-122"/>
+                <a:ea typeface="宋体" panose="02010600030101010101" pitchFamily="2" charset="-122"/>
+              </a:rPr>
+              <a:t>service</a:t>
+            </a:r>
+            <a:r>
+              <a:rPr kumimoji="0" lang="zh-CN" altLang="zh-CN" sz="1300" b="0" i="0" u="none" strike="noStrike" cap="none" normalizeH="0" baseline="0" dirty="0" smtClean="0">
+                <a:ln>
+                  <a:noFill/>
+                </a:ln>
+                <a:solidFill>
+                  <a:srgbClr val="000000"/>
+                </a:solidFill>
+                <a:effectLst/>
+                <a:latin typeface="宋体" panose="02010600030101010101" pitchFamily="2" charset="-122"/>
+                <a:ea typeface="宋体" panose="02010600030101010101" pitchFamily="2" charset="-122"/>
+              </a:rPr>
+              <a:t>, </a:t>
+            </a:r>
+            <a:r>
+              <a:rPr kumimoji="0" lang="zh-CN" altLang="zh-CN" sz="1300" b="0" i="0" u="none" strike="noStrike" cap="none" normalizeH="0" baseline="0" dirty="0" smtClean="0">
+                <a:ln>
+                  <a:noFill/>
+                </a:ln>
+                <a:solidFill>
+                  <a:srgbClr val="885D3B"/>
+                </a:solidFill>
+                <a:effectLst/>
+                <a:latin typeface="宋体" panose="02010600030101010101" pitchFamily="2" charset="-122"/>
+                <a:ea typeface="宋体" panose="02010600030101010101" pitchFamily="2" charset="-122"/>
+              </a:rPr>
+              <a:t>conn</a:t>
+            </a:r>
+            <a:r>
+              <a:rPr kumimoji="0" lang="zh-CN" altLang="zh-CN" sz="1300" b="0" i="0" u="none" strike="noStrike" cap="none" normalizeH="0" baseline="0" dirty="0" smtClean="0">
+                <a:ln>
+                  <a:noFill/>
+                </a:ln>
+                <a:solidFill>
+                  <a:srgbClr val="000000"/>
+                </a:solidFill>
+                <a:effectLst/>
+                <a:latin typeface="宋体" panose="02010600030101010101" pitchFamily="2" charset="-122"/>
+                <a:ea typeface="宋体" panose="02010600030101010101" pitchFamily="2" charset="-122"/>
+              </a:rPr>
+              <a:t>, </a:t>
+            </a:r>
+            <a:r>
+              <a:rPr kumimoji="0" lang="zh-CN" altLang="zh-CN" sz="1300" b="0" i="0" u="none" strike="noStrike" cap="none" normalizeH="0" baseline="0" dirty="0" smtClean="0">
+                <a:ln>
+                  <a:noFill/>
+                </a:ln>
+                <a:solidFill>
+                  <a:srgbClr val="885D3B"/>
+                </a:solidFill>
+                <a:effectLst/>
+                <a:latin typeface="宋体" panose="02010600030101010101" pitchFamily="2" charset="-122"/>
+                <a:ea typeface="宋体" panose="02010600030101010101" pitchFamily="2" charset="-122"/>
+              </a:rPr>
+              <a:t>flags</a:t>
+            </a:r>
+            <a:r>
+              <a:rPr kumimoji="0" lang="zh-CN" altLang="zh-CN" sz="1300" b="0" i="0" u="none" strike="noStrike" cap="none" normalizeH="0" baseline="0" dirty="0" smtClean="0">
+                <a:ln>
+                  <a:noFill/>
+                </a:ln>
+                <a:solidFill>
+                  <a:srgbClr val="444444"/>
+                </a:solidFill>
+                <a:effectLst/>
+                <a:latin typeface="宋体" panose="02010600030101010101" pitchFamily="2" charset="-122"/>
+                <a:ea typeface="宋体" panose="02010600030101010101" pitchFamily="2" charset="-122"/>
+              </a:rPr>
+              <a:t>)</a:t>
+            </a:r>
+            <a:r>
+              <a:rPr kumimoji="0" lang="zh-CN" altLang="zh-CN" sz="1300" b="0" i="0" u="none" strike="noStrike" cap="none" normalizeH="0" baseline="0" dirty="0" smtClean="0">
+                <a:ln>
+                  <a:noFill/>
+                </a:ln>
+                <a:solidFill>
+                  <a:srgbClr val="000000"/>
+                </a:solidFill>
+                <a:effectLst/>
+                <a:latin typeface="宋体" panose="02010600030101010101" pitchFamily="2" charset="-122"/>
+                <a:ea typeface="宋体" panose="02010600030101010101" pitchFamily="2" charset="-122"/>
+              </a:rPr>
+              <a:t>;</a:t>
+            </a:r>
+            <a:br>
+              <a:rPr kumimoji="0" lang="zh-CN" altLang="zh-CN" sz="1300" b="0" i="0" u="none" strike="noStrike" cap="none" normalizeH="0" baseline="0" dirty="0" smtClean="0">
+                <a:ln>
+                  <a:noFill/>
+                </a:ln>
+                <a:solidFill>
+                  <a:srgbClr val="000000"/>
+                </a:solidFill>
+                <a:effectLst/>
+                <a:latin typeface="宋体" panose="02010600030101010101" pitchFamily="2" charset="-122"/>
+                <a:ea typeface="宋体" panose="02010600030101010101" pitchFamily="2" charset="-122"/>
+              </a:rPr>
+            </a:br>
+            <a:r>
+              <a:rPr kumimoji="0" lang="zh-CN" altLang="zh-CN" sz="1300" b="0" i="0" u="none" strike="noStrike" cap="none" normalizeH="0" baseline="0" dirty="0" smtClean="0">
+                <a:ln>
+                  <a:noFill/>
+                </a:ln>
+                <a:solidFill>
+                  <a:srgbClr val="444444"/>
+                </a:solidFill>
+                <a:effectLst/>
+                <a:latin typeface="宋体" panose="02010600030101010101" pitchFamily="2" charset="-122"/>
+                <a:ea typeface="宋体" panose="02010600030101010101" pitchFamily="2" charset="-122"/>
+              </a:rPr>
+              <a:t>}</a:t>
+            </a:r>
+            <a:endParaRPr kumimoji="0" lang="zh-CN" altLang="zh-CN" sz="1800" b="0" i="0" u="none" strike="noStrike" cap="none" normalizeH="0" baseline="0" dirty="0" smtClean="0">
+              <a:ln>
+                <a:noFill/>
+              </a:ln>
+              <a:solidFill>
+                <a:schemeClr val="tx1"/>
+              </a:solidFill>
+              <a:effectLst/>
+              <a:latin typeface="Arial" panose="020B0604020202020204" pitchFamily="34" charset="0"/>
+            </a:endParaRPr>
+          </a:p>
+        </p:txBody>
+      </p:sp>
+      <p:sp>
+        <p:nvSpPr>
+          <p:cNvPr id="6" name="Rectangle 3"/>
+          <p:cNvSpPr>
+            <a:spLocks noGrp="1" noChangeArrowheads="1"/>
+          </p:cNvSpPr>
+          <p:nvPr>
+            <p:ph idx="1"/>
+          </p:nvPr>
+        </p:nvSpPr>
+        <p:spPr bwMode="auto">
+          <a:xfrm>
+            <a:off x="518864" y="2139702"/>
+            <a:ext cx="6717432" cy="1769715"/>
+          </a:xfrm>
+          <a:prstGeom prst="rect">
+            <a:avLst/>
+          </a:prstGeom>
+          <a:solidFill>
+            <a:srgbClr val="FFFFE6"/>
+          </a:solidFill>
+          <a:ln>
+            <a:noFill/>
+          </a:ln>
+          <a:effectLst/>
+          <a:extLst>
+            <a:ext uri="{91240B29-F687-4F45-9708-019B960494DF}">
+              <a14:hiddenLine xmlns:a14="http://schemas.microsoft.com/office/drawing/2010/main" w="9525">
+                <a:solidFill>
+                  <a:schemeClr val="tx1"/>
+                </a:solidFill>
+                <a:miter lim="800000"/>
+                <a:headEnd/>
+                <a:tailEnd/>
+              </a14:hiddenLine>
+            </a:ext>
+            <a:ext uri="{AF507438-7753-43E0-B8FC-AC1667EBCBE1}">
+              <a14:hiddenEffects xmlns:a14="http://schemas.microsoft.com/office/drawing/2010/main">
+                <a:effectLst>
+                  <a:outerShdw dist="35921" dir="2700000" algn="ctr" rotWithShape="0">
+                    <a:schemeClr val="bg2"/>
+                  </a:outerShdw>
+                </a:effectLst>
+              </a14:hiddenEffects>
+            </a:ext>
+          </a:extLst>
+        </p:spPr>
+        <p:txBody>
+          <a:bodyPr vert="horz" wrap="square" lIns="91440" tIns="45720" rIns="91440" bIns="45720" numCol="1" anchor="ctr" anchorCtr="0" compatLnSpc="1">
+            <a:prstTxWarp prst="textNoShape">
+              <a:avLst/>
+            </a:prstTxWarp>
+            <a:spAutoFit/>
+          </a:bodyPr>
+          <a:lstStyle/>
+          <a:p>
+            <a:pPr marL="0" marR="0" lvl="0" indent="0" algn="l" defTabSz="914400" rtl="0" eaLnBrk="0" fontAlgn="base" latinLnBrk="0" hangingPunct="0">
+              <a:lnSpc>
+                <a:spcPct val="100000"/>
+              </a:lnSpc>
+              <a:spcBef>
+                <a:spcPct val="0"/>
+              </a:spcBef>
+              <a:spcAft>
+                <a:spcPct val="0"/>
+              </a:spcAft>
+              <a:buClrTx/>
+              <a:buSzTx/>
+              <a:buFontTx/>
+              <a:buNone/>
+              <a:tabLst/>
+            </a:pPr>
+            <a:r>
+              <a:rPr kumimoji="0" lang="zh-CN" altLang="zh-CN" sz="1300" b="1" i="0" u="none" strike="noStrike" cap="none" normalizeH="0" baseline="0" dirty="0" smtClean="0">
+                <a:ln>
+                  <a:noFill/>
+                </a:ln>
+                <a:solidFill>
+                  <a:srgbClr val="0000A0"/>
+                </a:solidFill>
+                <a:effectLst/>
+                <a:latin typeface="宋体" panose="02010600030101010101" pitchFamily="2" charset="-122"/>
+                <a:ea typeface="宋体" panose="02010600030101010101" pitchFamily="2" charset="-122"/>
+              </a:rPr>
+              <a:t>public interface </a:t>
+            </a:r>
+            <a:r>
+              <a:rPr kumimoji="0" lang="zh-CN" altLang="zh-CN" sz="1300" b="0" i="0" u="none" strike="noStrike" cap="none" normalizeH="0" baseline="0" dirty="0" smtClean="0">
+                <a:ln>
+                  <a:noFill/>
+                </a:ln>
+                <a:solidFill>
+                  <a:srgbClr val="18AADE"/>
+                </a:solidFill>
+                <a:effectLst/>
+                <a:latin typeface="宋体" panose="02010600030101010101" pitchFamily="2" charset="-122"/>
+                <a:ea typeface="宋体" panose="02010600030101010101" pitchFamily="2" charset="-122"/>
+              </a:rPr>
+              <a:t>ServiceConnection </a:t>
+            </a:r>
+            <a:r>
+              <a:rPr kumimoji="0" lang="zh-CN" altLang="zh-CN" sz="1300" b="0" i="0" u="none" strike="noStrike" cap="none" normalizeH="0" baseline="0" dirty="0" smtClean="0">
+                <a:ln>
+                  <a:noFill/>
+                </a:ln>
+                <a:solidFill>
+                  <a:srgbClr val="444444"/>
+                </a:solidFill>
+                <a:effectLst/>
+                <a:latin typeface="宋体" panose="02010600030101010101" pitchFamily="2" charset="-122"/>
+                <a:ea typeface="宋体" panose="02010600030101010101" pitchFamily="2" charset="-122"/>
+              </a:rPr>
+              <a:t>{</a:t>
+            </a:r>
+            <a:br>
+              <a:rPr kumimoji="0" lang="zh-CN" altLang="zh-CN" sz="1300" b="0" i="0" u="none" strike="noStrike" cap="none" normalizeH="0" baseline="0" dirty="0" smtClean="0">
+                <a:ln>
+                  <a:noFill/>
+                </a:ln>
+                <a:solidFill>
+                  <a:srgbClr val="444444"/>
+                </a:solidFill>
+                <a:effectLst/>
+                <a:latin typeface="宋体" panose="02010600030101010101" pitchFamily="2" charset="-122"/>
+                <a:ea typeface="宋体" panose="02010600030101010101" pitchFamily="2" charset="-122"/>
+              </a:rPr>
+            </a:br>
+            <a:r>
+              <a:rPr kumimoji="0" lang="zh-CN" altLang="zh-CN" sz="1300" b="0" i="0" u="none" strike="noStrike" cap="none" normalizeH="0" baseline="0" dirty="0" smtClean="0">
+                <a:ln>
+                  <a:noFill/>
+                </a:ln>
+                <a:solidFill>
+                  <a:srgbClr val="008040"/>
+                </a:solidFill>
+                <a:effectLst/>
+                <a:latin typeface="宋体" panose="02010600030101010101" pitchFamily="2" charset="-122"/>
+                <a:ea typeface="宋体" panose="02010600030101010101" pitchFamily="2" charset="-122"/>
+              </a:rPr>
+              <a:t/>
+            </a:r>
+            <a:br>
+              <a:rPr kumimoji="0" lang="zh-CN" altLang="zh-CN" sz="1300" b="0" i="0" u="none" strike="noStrike" cap="none" normalizeH="0" baseline="0" dirty="0" smtClean="0">
+                <a:ln>
+                  <a:noFill/>
+                </a:ln>
+                <a:solidFill>
+                  <a:srgbClr val="008040"/>
+                </a:solidFill>
+                <a:effectLst/>
+                <a:latin typeface="宋体" panose="02010600030101010101" pitchFamily="2" charset="-122"/>
+                <a:ea typeface="宋体" panose="02010600030101010101" pitchFamily="2" charset="-122"/>
+              </a:rPr>
+            </a:br>
+            <a:r>
+              <a:rPr kumimoji="0" lang="zh-CN" altLang="zh-CN" sz="1300" b="0" i="0" u="none" strike="noStrike" cap="none" normalizeH="0" baseline="0" dirty="0" smtClean="0">
+                <a:ln>
+                  <a:noFill/>
+                </a:ln>
+                <a:solidFill>
+                  <a:srgbClr val="008040"/>
+                </a:solidFill>
+                <a:effectLst/>
+                <a:latin typeface="宋体" panose="02010600030101010101" pitchFamily="2" charset="-122"/>
+                <a:ea typeface="宋体" panose="02010600030101010101" pitchFamily="2" charset="-122"/>
+              </a:rPr>
+              <a:t>    </a:t>
+            </a:r>
+            <a:r>
+              <a:rPr kumimoji="0" lang="zh-CN" altLang="zh-CN" sz="1300" b="1" i="0" u="none" strike="noStrike" cap="none" normalizeH="0" baseline="0" dirty="0" smtClean="0">
+                <a:ln>
+                  <a:noFill/>
+                </a:ln>
+                <a:solidFill>
+                  <a:srgbClr val="0000A0"/>
+                </a:solidFill>
+                <a:effectLst/>
+                <a:latin typeface="宋体" panose="02010600030101010101" pitchFamily="2" charset="-122"/>
+                <a:ea typeface="宋体" panose="02010600030101010101" pitchFamily="2" charset="-122"/>
+              </a:rPr>
+              <a:t>public void </a:t>
+            </a:r>
+            <a:r>
+              <a:rPr kumimoji="0" lang="zh-CN" altLang="zh-CN" sz="1300" b="1" i="0" u="none" strike="noStrike" cap="none" normalizeH="0" baseline="0" dirty="0" smtClean="0">
+                <a:ln>
+                  <a:noFill/>
+                </a:ln>
+                <a:solidFill>
+                  <a:srgbClr val="444444"/>
+                </a:solidFill>
+                <a:effectLst/>
+                <a:latin typeface="宋体" panose="02010600030101010101" pitchFamily="2" charset="-122"/>
+                <a:ea typeface="宋体" panose="02010600030101010101" pitchFamily="2" charset="-122"/>
+              </a:rPr>
+              <a:t>onServiceConnected</a:t>
+            </a:r>
+            <a:r>
+              <a:rPr kumimoji="0" lang="zh-CN" altLang="zh-CN" sz="1300" b="0" i="0" u="none" strike="noStrike" cap="none" normalizeH="0" baseline="0" dirty="0" smtClean="0">
+                <a:ln>
+                  <a:noFill/>
+                </a:ln>
+                <a:solidFill>
+                  <a:srgbClr val="444444"/>
+                </a:solidFill>
+                <a:effectLst/>
+                <a:latin typeface="宋体" panose="02010600030101010101" pitchFamily="2" charset="-122"/>
+                <a:ea typeface="宋体" panose="02010600030101010101" pitchFamily="2" charset="-122"/>
+              </a:rPr>
+              <a:t>(</a:t>
+            </a:r>
+            <a:r>
+              <a:rPr kumimoji="0" lang="zh-CN" altLang="zh-CN" sz="1300" b="0" i="0" u="none" strike="noStrike" cap="none" normalizeH="0" baseline="0" dirty="0" smtClean="0">
+                <a:ln>
+                  <a:noFill/>
+                </a:ln>
+                <a:solidFill>
+                  <a:srgbClr val="800000"/>
+                </a:solidFill>
+                <a:effectLst/>
+                <a:latin typeface="宋体" panose="02010600030101010101" pitchFamily="2" charset="-122"/>
+                <a:ea typeface="宋体" panose="02010600030101010101" pitchFamily="2" charset="-122"/>
+              </a:rPr>
+              <a:t>ComponentName </a:t>
+            </a:r>
+            <a:r>
+              <a:rPr kumimoji="0" lang="zh-CN" altLang="zh-CN" sz="1300" b="0" i="0" u="none" strike="noStrike" cap="none" normalizeH="0" baseline="0" dirty="0" smtClean="0">
+                <a:ln>
+                  <a:noFill/>
+                </a:ln>
+                <a:solidFill>
+                  <a:srgbClr val="885D3B"/>
+                </a:solidFill>
+                <a:effectLst/>
+                <a:latin typeface="宋体" panose="02010600030101010101" pitchFamily="2" charset="-122"/>
+                <a:ea typeface="宋体" panose="02010600030101010101" pitchFamily="2" charset="-122"/>
+              </a:rPr>
+              <a:t>name</a:t>
+            </a:r>
+            <a:r>
+              <a:rPr kumimoji="0" lang="zh-CN" altLang="zh-CN" sz="1300" b="0" i="0" u="none" strike="noStrike" cap="none" normalizeH="0" baseline="0" dirty="0" smtClean="0">
+                <a:ln>
+                  <a:noFill/>
+                </a:ln>
+                <a:solidFill>
+                  <a:srgbClr val="000000"/>
+                </a:solidFill>
+                <a:effectLst/>
+                <a:latin typeface="宋体" panose="02010600030101010101" pitchFamily="2" charset="-122"/>
+                <a:ea typeface="宋体" panose="02010600030101010101" pitchFamily="2" charset="-122"/>
+              </a:rPr>
+              <a:t>, </a:t>
+            </a:r>
+            <a:r>
+              <a:rPr kumimoji="0" lang="zh-CN" altLang="zh-CN" sz="1300" b="0" i="0" u="none" strike="noStrike" cap="none" normalizeH="0" baseline="0" dirty="0" smtClean="0">
+                <a:ln>
+                  <a:noFill/>
+                </a:ln>
+                <a:solidFill>
+                  <a:srgbClr val="18AADE"/>
+                </a:solidFill>
+                <a:effectLst/>
+                <a:latin typeface="宋体" panose="02010600030101010101" pitchFamily="2" charset="-122"/>
+                <a:ea typeface="宋体" panose="02010600030101010101" pitchFamily="2" charset="-122"/>
+              </a:rPr>
+              <a:t>IBinder </a:t>
+            </a:r>
+            <a:r>
+              <a:rPr kumimoji="0" lang="zh-CN" altLang="zh-CN" sz="1300" b="0" i="0" u="none" strike="noStrike" cap="none" normalizeH="0" baseline="0" dirty="0" smtClean="0">
+                <a:ln>
+                  <a:noFill/>
+                </a:ln>
+                <a:solidFill>
+                  <a:srgbClr val="885D3B"/>
+                </a:solidFill>
+                <a:effectLst/>
+                <a:latin typeface="宋体" panose="02010600030101010101" pitchFamily="2" charset="-122"/>
+                <a:ea typeface="宋体" panose="02010600030101010101" pitchFamily="2" charset="-122"/>
+              </a:rPr>
+              <a:t>service</a:t>
+            </a:r>
+            <a:r>
+              <a:rPr kumimoji="0" lang="zh-CN" altLang="zh-CN" sz="1300" b="0" i="0" u="none" strike="noStrike" cap="none" normalizeH="0" baseline="0" dirty="0" smtClean="0">
+                <a:ln>
+                  <a:noFill/>
+                </a:ln>
+                <a:solidFill>
+                  <a:srgbClr val="444444"/>
+                </a:solidFill>
+                <a:effectLst/>
+                <a:latin typeface="宋体" panose="02010600030101010101" pitchFamily="2" charset="-122"/>
+                <a:ea typeface="宋体" panose="02010600030101010101" pitchFamily="2" charset="-122"/>
+              </a:rPr>
+              <a:t>)</a:t>
+            </a:r>
+            <a:r>
+              <a:rPr kumimoji="0" lang="zh-CN" altLang="zh-CN" sz="1300" b="0" i="0" u="none" strike="noStrike" cap="none" normalizeH="0" baseline="0" dirty="0" smtClean="0">
+                <a:ln>
+                  <a:noFill/>
+                </a:ln>
+                <a:solidFill>
+                  <a:srgbClr val="000000"/>
+                </a:solidFill>
+                <a:effectLst/>
+                <a:latin typeface="宋体" panose="02010600030101010101" pitchFamily="2" charset="-122"/>
+                <a:ea typeface="宋体" panose="02010600030101010101" pitchFamily="2" charset="-122"/>
+              </a:rPr>
+              <a:t>;</a:t>
+            </a:r>
+            <a:br>
+              <a:rPr kumimoji="0" lang="zh-CN" altLang="zh-CN" sz="1300" b="0" i="0" u="none" strike="noStrike" cap="none" normalizeH="0" baseline="0" dirty="0" smtClean="0">
+                <a:ln>
+                  <a:noFill/>
+                </a:ln>
+                <a:solidFill>
+                  <a:srgbClr val="000000"/>
+                </a:solidFill>
+                <a:effectLst/>
+                <a:latin typeface="宋体" panose="02010600030101010101" pitchFamily="2" charset="-122"/>
+                <a:ea typeface="宋体" panose="02010600030101010101" pitchFamily="2" charset="-122"/>
+              </a:rPr>
+            </a:br>
+            <a:r>
+              <a:rPr kumimoji="0" lang="zh-CN" altLang="zh-CN" sz="1300" b="0" i="0" u="none" strike="noStrike" cap="none" normalizeH="0" baseline="0" dirty="0" smtClean="0">
+                <a:ln>
+                  <a:noFill/>
+                </a:ln>
+                <a:solidFill>
+                  <a:srgbClr val="000000"/>
+                </a:solidFill>
+                <a:effectLst/>
+                <a:latin typeface="宋体" panose="02010600030101010101" pitchFamily="2" charset="-122"/>
+                <a:ea typeface="宋体" panose="02010600030101010101" pitchFamily="2" charset="-122"/>
+              </a:rPr>
+              <a:t/>
+            </a:r>
+            <a:br>
+              <a:rPr kumimoji="0" lang="zh-CN" altLang="zh-CN" sz="1300" b="0" i="0" u="none" strike="noStrike" cap="none" normalizeH="0" baseline="0" dirty="0" smtClean="0">
+                <a:ln>
+                  <a:noFill/>
+                </a:ln>
+                <a:solidFill>
+                  <a:srgbClr val="000000"/>
+                </a:solidFill>
+                <a:effectLst/>
+                <a:latin typeface="宋体" panose="02010600030101010101" pitchFamily="2" charset="-122"/>
+                <a:ea typeface="宋体" panose="02010600030101010101" pitchFamily="2" charset="-122"/>
+              </a:rPr>
+            </a:br>
+            <a:r>
+              <a:rPr kumimoji="0" lang="zh-CN" altLang="zh-CN" sz="1300" b="0" i="0" u="none" strike="noStrike" cap="none" normalizeH="0" baseline="0" dirty="0" smtClean="0">
+                <a:ln>
+                  <a:noFill/>
+                </a:ln>
+                <a:solidFill>
+                  <a:srgbClr val="008040"/>
+                </a:solidFill>
+                <a:effectLst/>
+                <a:latin typeface="宋体" panose="02010600030101010101" pitchFamily="2" charset="-122"/>
+                <a:ea typeface="宋体" panose="02010600030101010101" pitchFamily="2" charset="-122"/>
+              </a:rPr>
+              <a:t/>
+            </a:r>
+            <a:br>
+              <a:rPr kumimoji="0" lang="zh-CN" altLang="zh-CN" sz="1300" b="0" i="0" u="none" strike="noStrike" cap="none" normalizeH="0" baseline="0" dirty="0" smtClean="0">
+                <a:ln>
+                  <a:noFill/>
+                </a:ln>
+                <a:solidFill>
+                  <a:srgbClr val="008040"/>
+                </a:solidFill>
+                <a:effectLst/>
+                <a:latin typeface="宋体" panose="02010600030101010101" pitchFamily="2" charset="-122"/>
+                <a:ea typeface="宋体" panose="02010600030101010101" pitchFamily="2" charset="-122"/>
+              </a:rPr>
+            </a:br>
+            <a:r>
+              <a:rPr kumimoji="0" lang="zh-CN" altLang="zh-CN" sz="1300" b="0" i="0" u="none" strike="noStrike" cap="none" normalizeH="0" baseline="0" dirty="0" smtClean="0">
+                <a:ln>
+                  <a:noFill/>
+                </a:ln>
+                <a:solidFill>
+                  <a:srgbClr val="008040"/>
+                </a:solidFill>
+                <a:effectLst/>
+                <a:latin typeface="宋体" panose="02010600030101010101" pitchFamily="2" charset="-122"/>
+                <a:ea typeface="宋体" panose="02010600030101010101" pitchFamily="2" charset="-122"/>
+              </a:rPr>
+              <a:t>    </a:t>
+            </a:r>
+            <a:r>
+              <a:rPr kumimoji="0" lang="zh-CN" altLang="zh-CN" sz="1300" b="1" i="0" u="none" strike="noStrike" cap="none" normalizeH="0" baseline="0" dirty="0" smtClean="0">
+                <a:ln>
+                  <a:noFill/>
+                </a:ln>
+                <a:solidFill>
+                  <a:srgbClr val="0000A0"/>
+                </a:solidFill>
+                <a:effectLst/>
+                <a:latin typeface="宋体" panose="02010600030101010101" pitchFamily="2" charset="-122"/>
+                <a:ea typeface="宋体" panose="02010600030101010101" pitchFamily="2" charset="-122"/>
+              </a:rPr>
+              <a:t>public void </a:t>
+            </a:r>
+            <a:r>
+              <a:rPr kumimoji="0" lang="zh-CN" altLang="zh-CN" sz="1300" b="1" i="0" u="none" strike="noStrike" cap="none" normalizeH="0" baseline="0" dirty="0" smtClean="0">
+                <a:ln>
+                  <a:noFill/>
+                </a:ln>
+                <a:solidFill>
+                  <a:srgbClr val="444444"/>
+                </a:solidFill>
+                <a:effectLst/>
+                <a:latin typeface="宋体" panose="02010600030101010101" pitchFamily="2" charset="-122"/>
+                <a:ea typeface="宋体" panose="02010600030101010101" pitchFamily="2" charset="-122"/>
+              </a:rPr>
+              <a:t>onServiceDisconnected</a:t>
+            </a:r>
+            <a:r>
+              <a:rPr kumimoji="0" lang="zh-CN" altLang="zh-CN" sz="1300" b="0" i="0" u="none" strike="noStrike" cap="none" normalizeH="0" baseline="0" dirty="0" smtClean="0">
+                <a:ln>
+                  <a:noFill/>
+                </a:ln>
+                <a:solidFill>
+                  <a:srgbClr val="444444"/>
+                </a:solidFill>
+                <a:effectLst/>
+                <a:latin typeface="宋体" panose="02010600030101010101" pitchFamily="2" charset="-122"/>
+                <a:ea typeface="宋体" panose="02010600030101010101" pitchFamily="2" charset="-122"/>
+              </a:rPr>
+              <a:t>(</a:t>
+            </a:r>
+            <a:r>
+              <a:rPr kumimoji="0" lang="zh-CN" altLang="zh-CN" sz="1300" b="0" i="0" u="none" strike="noStrike" cap="none" normalizeH="0" baseline="0" dirty="0" smtClean="0">
+                <a:ln>
+                  <a:noFill/>
+                </a:ln>
+                <a:solidFill>
+                  <a:srgbClr val="800000"/>
+                </a:solidFill>
+                <a:effectLst/>
+                <a:latin typeface="宋体" panose="02010600030101010101" pitchFamily="2" charset="-122"/>
+                <a:ea typeface="宋体" panose="02010600030101010101" pitchFamily="2" charset="-122"/>
+              </a:rPr>
+              <a:t>ComponentName </a:t>
+            </a:r>
+            <a:r>
+              <a:rPr kumimoji="0" lang="zh-CN" altLang="zh-CN" sz="1300" b="0" i="0" u="none" strike="noStrike" cap="none" normalizeH="0" baseline="0" dirty="0" smtClean="0">
+                <a:ln>
+                  <a:noFill/>
+                </a:ln>
+                <a:solidFill>
+                  <a:srgbClr val="885D3B"/>
+                </a:solidFill>
+                <a:effectLst/>
+                <a:latin typeface="宋体" panose="02010600030101010101" pitchFamily="2" charset="-122"/>
+                <a:ea typeface="宋体" panose="02010600030101010101" pitchFamily="2" charset="-122"/>
+              </a:rPr>
+              <a:t>name</a:t>
+            </a:r>
+            <a:r>
+              <a:rPr kumimoji="0" lang="zh-CN" altLang="zh-CN" sz="1300" b="0" i="0" u="none" strike="noStrike" cap="none" normalizeH="0" baseline="0" dirty="0" smtClean="0">
+                <a:ln>
+                  <a:noFill/>
+                </a:ln>
+                <a:solidFill>
+                  <a:srgbClr val="444444"/>
+                </a:solidFill>
+                <a:effectLst/>
+                <a:latin typeface="宋体" panose="02010600030101010101" pitchFamily="2" charset="-122"/>
+                <a:ea typeface="宋体" panose="02010600030101010101" pitchFamily="2" charset="-122"/>
+              </a:rPr>
+              <a:t>)</a:t>
+            </a:r>
+            <a:r>
+              <a:rPr kumimoji="0" lang="zh-CN" altLang="zh-CN" sz="1300" b="0" i="0" u="none" strike="noStrike" cap="none" normalizeH="0" baseline="0" dirty="0" smtClean="0">
+                <a:ln>
+                  <a:noFill/>
+                </a:ln>
+                <a:solidFill>
+                  <a:srgbClr val="000000"/>
+                </a:solidFill>
+                <a:effectLst/>
+                <a:latin typeface="宋体" panose="02010600030101010101" pitchFamily="2" charset="-122"/>
+                <a:ea typeface="宋体" panose="02010600030101010101" pitchFamily="2" charset="-122"/>
+              </a:rPr>
+              <a:t>;</a:t>
+            </a:r>
+            <a:br>
+              <a:rPr kumimoji="0" lang="zh-CN" altLang="zh-CN" sz="1300" b="0" i="0" u="none" strike="noStrike" cap="none" normalizeH="0" baseline="0" dirty="0" smtClean="0">
+                <a:ln>
+                  <a:noFill/>
+                </a:ln>
+                <a:solidFill>
+                  <a:srgbClr val="000000"/>
+                </a:solidFill>
+                <a:effectLst/>
+                <a:latin typeface="宋体" panose="02010600030101010101" pitchFamily="2" charset="-122"/>
+                <a:ea typeface="宋体" panose="02010600030101010101" pitchFamily="2" charset="-122"/>
+              </a:rPr>
+            </a:br>
+            <a:r>
+              <a:rPr kumimoji="0" lang="zh-CN" altLang="zh-CN" sz="1300" b="0" i="0" u="none" strike="noStrike" cap="none" normalizeH="0" baseline="0" dirty="0" smtClean="0">
+                <a:ln>
+                  <a:noFill/>
+                </a:ln>
+                <a:solidFill>
+                  <a:srgbClr val="444444"/>
+                </a:solidFill>
+                <a:effectLst/>
+                <a:latin typeface="宋体" panose="02010600030101010101" pitchFamily="2" charset="-122"/>
+                <a:ea typeface="宋体" panose="02010600030101010101" pitchFamily="2" charset="-122"/>
+              </a:rPr>
+              <a:t>}</a:t>
+            </a:r>
+            <a:br>
+              <a:rPr kumimoji="0" lang="zh-CN" altLang="zh-CN" sz="1300" b="0" i="0" u="none" strike="noStrike" cap="none" normalizeH="0" baseline="0" dirty="0" smtClean="0">
+                <a:ln>
+                  <a:noFill/>
+                </a:ln>
+                <a:solidFill>
+                  <a:srgbClr val="444444"/>
+                </a:solidFill>
+                <a:effectLst/>
+                <a:latin typeface="宋体" panose="02010600030101010101" pitchFamily="2" charset="-122"/>
+                <a:ea typeface="宋体" panose="02010600030101010101" pitchFamily="2" charset="-122"/>
+              </a:rPr>
+            </a:br>
+            <a:endParaRPr kumimoji="0" lang="zh-CN" altLang="zh-CN" sz="1800" b="0" i="0" u="none" strike="noStrike" cap="none" normalizeH="0" baseline="0" dirty="0" smtClean="0">
+              <a:ln>
+                <a:noFill/>
+              </a:ln>
+              <a:solidFill>
+                <a:schemeClr val="tx1"/>
+              </a:solidFill>
+              <a:effectLst/>
+              <a:latin typeface="Arial" panose="020B0604020202020204" pitchFamily="34" charset="0"/>
+            </a:endParaRPr>
+          </a:p>
+        </p:txBody>
+      </p:sp>
     </p:spTree>
+    <p:extLst>
+      <p:ext uri="{BB962C8B-B14F-4D97-AF65-F5344CB8AC3E}">
+        <p14:creationId xmlns:p14="http://schemas.microsoft.com/office/powerpoint/2010/main" val="2996455769"/>
+      </p:ext>
+    </p:extLst>
+  </p:cSld>
+  <p:clrMapOvr>
+    <a:masterClrMapping/>
+  </p:clrMapOvr>
+  <p:timing>
+    <p:tnLst>
+      <p:par>
+        <p:cTn id="1" dur="indefinite" restart="never" nodeType="tmRoot"/>
+      </p:par>
+    </p:tnLst>
+  </p:timing>
+</p:sld>
+</file>
+
+<file path=ppt/slides/slide19.xml><?xml version="1.0" encoding="utf-8"?>
+<p:sld xmlns:a="http://schemas.openxmlformats.org/drawingml/2006/main" xmlns:r="http://schemas.openxmlformats.org/officeDocument/2006/relationships" xmlns:p="http://schemas.openxmlformats.org/presentationml/2006/main">
+  <p:cSld>
+    <p:spTree>
+      <p:nvGrpSpPr>
+        <p:cNvPr id="1" name=""/>
+        <p:cNvGrpSpPr/>
+        <p:nvPr/>
+      </p:nvGrpSpPr>
+      <p:grpSpPr>
+        <a:xfrm>
+          <a:off x="0" y="0"/>
+          <a:ext cx="0" cy="0"/>
+          <a:chOff x="0" y="0"/>
+          <a:chExt cx="0" cy="0"/>
+        </a:xfrm>
+      </p:grpSpPr>
+      <p:sp>
+        <p:nvSpPr>
+          <p:cNvPr id="2" name="标题 1"/>
+          <p:cNvSpPr>
+            <a:spLocks noGrp="1"/>
+          </p:cNvSpPr>
+          <p:nvPr>
+            <p:ph type="title"/>
+          </p:nvPr>
+        </p:nvSpPr>
+        <p:spPr/>
+        <p:txBody>
+          <a:bodyPr/>
+          <a:lstStyle/>
+          <a:p>
+            <a:r>
+              <a:rPr lang="zh-CN" altLang="en-US" dirty="0">
+                <a:solidFill>
+                  <a:srgbClr val="D60093"/>
+                </a:solidFill>
+              </a:rPr>
+              <a:t>如何使用 </a:t>
+            </a:r>
+            <a:r>
+              <a:rPr lang="en-US" altLang="zh-CN" dirty="0">
+                <a:solidFill>
+                  <a:srgbClr val="D60093"/>
+                </a:solidFill>
+              </a:rPr>
+              <a:t>Binder – </a:t>
+            </a:r>
+            <a:r>
+              <a:rPr lang="zh-CN" altLang="en-US" dirty="0">
+                <a:solidFill>
+                  <a:srgbClr val="D60093"/>
+                </a:solidFill>
+              </a:rPr>
+              <a:t>通过</a:t>
+            </a:r>
+            <a:r>
+              <a:rPr lang="en-US" altLang="zh-CN" dirty="0">
+                <a:solidFill>
+                  <a:srgbClr val="D60093"/>
+                </a:solidFill>
+              </a:rPr>
+              <a:t>service</a:t>
+            </a:r>
+            <a:r>
+              <a:rPr lang="zh-CN" altLang="en-US" dirty="0">
+                <a:solidFill>
+                  <a:srgbClr val="D60093"/>
+                </a:solidFill>
+              </a:rPr>
+              <a:t>获取</a:t>
+            </a:r>
+            <a:r>
+              <a:rPr lang="en-US" altLang="zh-CN" dirty="0">
+                <a:solidFill>
+                  <a:srgbClr val="D60093"/>
+                </a:solidFill>
+              </a:rPr>
+              <a:t>Binder</a:t>
+            </a:r>
+            <a:r>
+              <a:rPr lang="zh-CN" altLang="en-US" dirty="0">
+                <a:solidFill>
+                  <a:srgbClr val="D60093"/>
+                </a:solidFill>
+              </a:rPr>
+              <a:t>对象</a:t>
+            </a:r>
+            <a:endParaRPr lang="zh-CN" altLang="en-US" dirty="0"/>
+          </a:p>
+        </p:txBody>
+      </p:sp>
+      <p:sp>
+        <p:nvSpPr>
+          <p:cNvPr id="3" name="内容占位符 2"/>
+          <p:cNvSpPr>
+            <a:spLocks noGrp="1"/>
+          </p:cNvSpPr>
+          <p:nvPr>
+            <p:ph idx="1"/>
+          </p:nvPr>
+        </p:nvSpPr>
+        <p:spPr/>
+        <p:txBody>
+          <a:bodyPr/>
+          <a:lstStyle/>
+          <a:p>
+            <a:r>
+              <a:rPr lang="en-US" altLang="zh-CN" dirty="0" err="1" smtClean="0"/>
+              <a:t>bindService</a:t>
+            </a:r>
+            <a:r>
+              <a:rPr lang="en-US" altLang="zh-CN" dirty="0" smtClean="0"/>
+              <a:t> </a:t>
+            </a:r>
+            <a:r>
+              <a:rPr lang="zh-CN" altLang="en-US" dirty="0"/>
+              <a:t>方法第一个参数是启动 </a:t>
+            </a:r>
+            <a:r>
+              <a:rPr lang="en-US" altLang="zh-CN" dirty="0"/>
+              <a:t>service </a:t>
+            </a:r>
+            <a:r>
+              <a:rPr lang="zh-CN" altLang="en-US" dirty="0"/>
+              <a:t>的</a:t>
+            </a:r>
+            <a:r>
+              <a:rPr lang="en-US" altLang="zh-CN" dirty="0"/>
+              <a:t>intent </a:t>
+            </a:r>
+            <a:r>
+              <a:rPr lang="zh-CN" altLang="en-US" dirty="0"/>
+              <a:t>，第二个参数是一个接</a:t>
+            </a:r>
+            <a:r>
+              <a:rPr lang="zh-CN" altLang="en-US" dirty="0" smtClean="0"/>
+              <a:t>口</a:t>
+            </a:r>
+            <a:r>
+              <a:rPr lang="en-US" altLang="zh-CN" dirty="0" smtClean="0"/>
+              <a:t>.</a:t>
+            </a:r>
+          </a:p>
+          <a:p>
+            <a:r>
+              <a:rPr lang="zh-CN" altLang="en-US" dirty="0" smtClean="0"/>
+              <a:t>接</a:t>
+            </a:r>
+            <a:r>
+              <a:rPr lang="zh-CN" altLang="en-US" dirty="0"/>
+              <a:t>口中有个方法叫 </a:t>
+            </a:r>
+            <a:r>
+              <a:rPr lang="en-US" altLang="zh-CN" dirty="0" err="1"/>
+              <a:t>onServiceConnected</a:t>
+            </a:r>
+            <a:r>
+              <a:rPr lang="en-US" altLang="zh-CN" dirty="0"/>
+              <a:t> </a:t>
+            </a:r>
+            <a:r>
+              <a:rPr lang="zh-CN" altLang="en-US" dirty="0"/>
+              <a:t>这个方法含有两个参数，第二个参数就是 </a:t>
+            </a:r>
+            <a:r>
+              <a:rPr lang="en-US" altLang="zh-CN" dirty="0"/>
+              <a:t>Binder </a:t>
+            </a:r>
+            <a:r>
+              <a:rPr lang="zh-CN" altLang="en-US" dirty="0"/>
+              <a:t>。</a:t>
+            </a:r>
+            <a:r>
+              <a:rPr lang="en-US" altLang="zh-CN" dirty="0"/>
+              <a:t/>
+            </a:r>
+            <a:br>
+              <a:rPr lang="en-US" altLang="zh-CN" dirty="0"/>
+            </a:br>
+            <a:endParaRPr lang="zh-CN" altLang="en-US" dirty="0"/>
+          </a:p>
+        </p:txBody>
+      </p:sp>
+    </p:spTree>
+    <p:extLst>
+      <p:ext uri="{BB962C8B-B14F-4D97-AF65-F5344CB8AC3E}">
+        <p14:creationId xmlns:p14="http://schemas.microsoft.com/office/powerpoint/2010/main" val="3245809418"/>
+      </p:ext>
+    </p:extLst>
   </p:cSld>
   <p:clrMapOvr>
     <a:masterClrMapping/>
@@ -6182,6 +13399,469 @@
   <p:clrMapOvr>
     <a:masterClrMapping/>
   </p:clrMapOvr>
+</p:sld>
+</file>
+
+<file path=ppt/slides/slide20.xml><?xml version="1.0" encoding="utf-8"?>
+<p:sld xmlns:a="http://schemas.openxmlformats.org/drawingml/2006/main" xmlns:r="http://schemas.openxmlformats.org/officeDocument/2006/relationships" xmlns:p="http://schemas.openxmlformats.org/presentationml/2006/main">
+  <p:cSld>
+    <p:spTree>
+      <p:nvGrpSpPr>
+        <p:cNvPr id="1" name=""/>
+        <p:cNvGrpSpPr/>
+        <p:nvPr/>
+      </p:nvGrpSpPr>
+      <p:grpSpPr>
+        <a:xfrm>
+          <a:off x="0" y="0"/>
+          <a:ext cx="0" cy="0"/>
+          <a:chOff x="0" y="0"/>
+          <a:chExt cx="0" cy="0"/>
+        </a:xfrm>
+      </p:grpSpPr>
+      <p:sp>
+        <p:nvSpPr>
+          <p:cNvPr id="2" name="标题 1"/>
+          <p:cNvSpPr>
+            <a:spLocks noGrp="1"/>
+          </p:cNvSpPr>
+          <p:nvPr>
+            <p:ph type="title"/>
+          </p:nvPr>
+        </p:nvSpPr>
+        <p:spPr/>
+        <p:txBody>
+          <a:bodyPr/>
+          <a:lstStyle/>
+          <a:p>
+            <a:r>
+              <a:rPr lang="zh-CN" altLang="en-US" dirty="0">
+                <a:solidFill>
+                  <a:srgbClr val="D60093"/>
+                </a:solidFill>
+              </a:rPr>
+              <a:t>如何使用 </a:t>
+            </a:r>
+            <a:r>
+              <a:rPr lang="en-US" altLang="zh-CN" dirty="0">
+                <a:solidFill>
+                  <a:srgbClr val="D60093"/>
+                </a:solidFill>
+              </a:rPr>
+              <a:t>Binder – </a:t>
+            </a:r>
+            <a:r>
+              <a:rPr lang="zh-CN" altLang="en-US" dirty="0">
+                <a:solidFill>
+                  <a:srgbClr val="D60093"/>
+                </a:solidFill>
+              </a:rPr>
+              <a:t>通过</a:t>
+            </a:r>
+            <a:r>
+              <a:rPr lang="en-US" altLang="zh-CN" dirty="0">
+                <a:solidFill>
+                  <a:srgbClr val="D60093"/>
+                </a:solidFill>
+              </a:rPr>
+              <a:t>service</a:t>
+            </a:r>
+            <a:r>
+              <a:rPr lang="zh-CN" altLang="en-US" dirty="0">
+                <a:solidFill>
+                  <a:srgbClr val="D60093"/>
+                </a:solidFill>
+              </a:rPr>
+              <a:t>获取</a:t>
+            </a:r>
+            <a:r>
+              <a:rPr lang="en-US" altLang="zh-CN" dirty="0">
+                <a:solidFill>
+                  <a:srgbClr val="D60093"/>
+                </a:solidFill>
+              </a:rPr>
+              <a:t>Binder</a:t>
+            </a:r>
+            <a:r>
+              <a:rPr lang="zh-CN" altLang="en-US" dirty="0">
+                <a:solidFill>
+                  <a:srgbClr val="D60093"/>
+                </a:solidFill>
+              </a:rPr>
+              <a:t>对象</a:t>
+            </a:r>
+            <a:endParaRPr lang="zh-CN" altLang="en-US" dirty="0"/>
+          </a:p>
+        </p:txBody>
+      </p:sp>
+      <p:pic>
+        <p:nvPicPr>
+          <p:cNvPr id="7" name="内容占位符 6"/>
+          <p:cNvPicPr>
+            <a:picLocks noGrp="1" noChangeAspect="1"/>
+          </p:cNvPicPr>
+          <p:nvPr>
+            <p:ph idx="1"/>
+          </p:nvPr>
+        </p:nvPicPr>
+        <p:blipFill>
+          <a:blip r:embed="rId2">
+            <a:extLst>
+              <a:ext uri="{28A0092B-C50C-407E-A947-70E740481C1C}">
+                <a14:useLocalDpi xmlns:a14="http://schemas.microsoft.com/office/drawing/2010/main" val="0"/>
+              </a:ext>
+            </a:extLst>
+          </a:blip>
+          <a:stretch>
+            <a:fillRect/>
+          </a:stretch>
+        </p:blipFill>
+        <p:spPr>
+          <a:xfrm>
+            <a:off x="971600" y="627534"/>
+            <a:ext cx="6264696" cy="4698522"/>
+          </a:xfrm>
+        </p:spPr>
+      </p:pic>
+    </p:spTree>
+    <p:extLst>
+      <p:ext uri="{BB962C8B-B14F-4D97-AF65-F5344CB8AC3E}">
+        <p14:creationId xmlns:p14="http://schemas.microsoft.com/office/powerpoint/2010/main" val="4066282301"/>
+      </p:ext>
+    </p:extLst>
+  </p:cSld>
+  <p:clrMapOvr>
+    <a:masterClrMapping/>
+  </p:clrMapOvr>
+  <p:timing>
+    <p:tnLst>
+      <p:par>
+        <p:cTn id="1" dur="indefinite" restart="never" nodeType="tmRoot"/>
+      </p:par>
+    </p:tnLst>
+  </p:timing>
+</p:sld>
+</file>
+
+<file path=ppt/slides/slide21.xml><?xml version="1.0" encoding="utf-8"?>
+<p:sld xmlns:a="http://schemas.openxmlformats.org/drawingml/2006/main" xmlns:r="http://schemas.openxmlformats.org/officeDocument/2006/relationships" xmlns:p="http://schemas.openxmlformats.org/presentationml/2006/main">
+  <p:cSld>
+    <p:spTree>
+      <p:nvGrpSpPr>
+        <p:cNvPr id="1" name=""/>
+        <p:cNvGrpSpPr/>
+        <p:nvPr/>
+      </p:nvGrpSpPr>
+      <p:grpSpPr>
+        <a:xfrm>
+          <a:off x="0" y="0"/>
+          <a:ext cx="0" cy="0"/>
+          <a:chOff x="0" y="0"/>
+          <a:chExt cx="0" cy="0"/>
+        </a:xfrm>
+      </p:grpSpPr>
+      <p:sp>
+        <p:nvSpPr>
+          <p:cNvPr id="2" name="标题 1"/>
+          <p:cNvSpPr>
+            <a:spLocks noGrp="1"/>
+          </p:cNvSpPr>
+          <p:nvPr>
+            <p:ph type="title"/>
+          </p:nvPr>
+        </p:nvSpPr>
+        <p:spPr/>
+        <p:txBody>
+          <a:bodyPr/>
+          <a:lstStyle/>
+          <a:p>
+            <a:r>
+              <a:rPr lang="zh-CN" altLang="en-US" dirty="0">
+                <a:solidFill>
+                  <a:srgbClr val="D60093"/>
+                </a:solidFill>
+              </a:rPr>
+              <a:t>如何使用 </a:t>
+            </a:r>
+            <a:r>
+              <a:rPr lang="en-US" altLang="zh-CN" dirty="0">
+                <a:solidFill>
+                  <a:srgbClr val="D60093"/>
+                </a:solidFill>
+              </a:rPr>
+              <a:t>Binder </a:t>
+            </a:r>
+            <a:r>
+              <a:rPr lang="en-US" altLang="zh-CN" dirty="0" smtClean="0">
+                <a:solidFill>
+                  <a:srgbClr val="D60093"/>
+                </a:solidFill>
+              </a:rPr>
+              <a:t>–</a:t>
+            </a:r>
+            <a:r>
+              <a:rPr lang="zh-CN" altLang="en-US" dirty="0" smtClean="0">
+                <a:solidFill>
+                  <a:srgbClr val="D60093"/>
+                </a:solidFill>
+              </a:rPr>
+              <a:t>保证参数顺序工具</a:t>
+            </a:r>
+            <a:r>
+              <a:rPr lang="en-US" altLang="zh-CN" dirty="0" smtClean="0">
+                <a:solidFill>
+                  <a:srgbClr val="D60093"/>
+                </a:solidFill>
+              </a:rPr>
+              <a:t>-</a:t>
+            </a:r>
+            <a:r>
+              <a:rPr lang="en-US" altLang="zh-CN" dirty="0">
+                <a:solidFill>
+                  <a:srgbClr val="D60093"/>
+                </a:solidFill>
+              </a:rPr>
+              <a:t> AIDL</a:t>
+            </a:r>
+            <a:endParaRPr lang="zh-CN" altLang="en-US" dirty="0"/>
+          </a:p>
+        </p:txBody>
+      </p:sp>
+      <p:sp>
+        <p:nvSpPr>
+          <p:cNvPr id="3" name="内容占位符 2"/>
+          <p:cNvSpPr>
+            <a:spLocks noGrp="1"/>
+          </p:cNvSpPr>
+          <p:nvPr>
+            <p:ph idx="1"/>
+          </p:nvPr>
+        </p:nvSpPr>
+        <p:spPr/>
+        <p:txBody>
+          <a:bodyPr/>
+          <a:lstStyle/>
+          <a:p>
+            <a:r>
+              <a:rPr lang="zh-CN" altLang="en-US" dirty="0"/>
+              <a:t>在数据传递的过程中，需要实现约定好服务函数所对应的 </a:t>
+            </a:r>
+            <a:r>
+              <a:rPr lang="en-US" altLang="zh-CN" dirty="0"/>
+              <a:t>code </a:t>
+            </a:r>
+            <a:r>
+              <a:rPr lang="zh-CN" altLang="en-US" dirty="0"/>
+              <a:t>的 </a:t>
+            </a:r>
+            <a:r>
+              <a:rPr lang="en-US" altLang="zh-CN" dirty="0" err="1"/>
+              <a:t>int</a:t>
+            </a:r>
+            <a:r>
+              <a:rPr lang="en-US" altLang="zh-CN" dirty="0"/>
+              <a:t> </a:t>
+            </a:r>
+            <a:r>
+              <a:rPr lang="zh-CN" altLang="en-US" dirty="0"/>
+              <a:t>值，需要约定好参数的写入顺序。在 </a:t>
+            </a:r>
+            <a:r>
+              <a:rPr lang="en-US" altLang="zh-CN" dirty="0"/>
+              <a:t>Android </a:t>
+            </a:r>
+            <a:r>
+              <a:rPr lang="zh-CN" altLang="en-US" dirty="0"/>
+              <a:t>中的 </a:t>
+            </a:r>
+            <a:r>
+              <a:rPr lang="en-US" altLang="zh-CN" dirty="0"/>
+              <a:t>AIDL </a:t>
+            </a:r>
+            <a:r>
+              <a:rPr lang="zh-CN" altLang="en-US" dirty="0"/>
+              <a:t>就是这么个工具</a:t>
+            </a:r>
+            <a:r>
+              <a:rPr lang="zh-CN" altLang="en-US" dirty="0" smtClean="0"/>
+              <a:t>。</a:t>
+            </a:r>
+            <a:endParaRPr lang="en-US" altLang="zh-CN" dirty="0" smtClean="0"/>
+          </a:p>
+          <a:p>
+            <a:endParaRPr lang="en-US" altLang="zh-CN" smtClean="0"/>
+          </a:p>
+          <a:p>
+            <a:r>
+              <a:rPr lang="en-US" altLang="zh-CN" smtClean="0"/>
+              <a:t>AIDL </a:t>
+            </a:r>
+            <a:r>
+              <a:rPr lang="zh-CN" altLang="en-US" dirty="0"/>
+              <a:t>可以将一个 </a:t>
+            </a:r>
+            <a:r>
+              <a:rPr lang="en-US" altLang="zh-CN" dirty="0"/>
+              <a:t>AIDL </a:t>
+            </a:r>
+            <a:r>
+              <a:rPr lang="zh-CN" altLang="en-US" dirty="0"/>
+              <a:t>文件转换成一个 </a:t>
+            </a:r>
+            <a:r>
+              <a:rPr lang="en-US" altLang="zh-CN" dirty="0"/>
+              <a:t>Java </a:t>
+            </a:r>
+            <a:r>
+              <a:rPr lang="zh-CN" altLang="en-US" dirty="0"/>
+              <a:t>类文件，同时重载 </a:t>
+            </a:r>
+            <a:r>
+              <a:rPr lang="en-US" altLang="zh-CN" dirty="0"/>
+              <a:t>transact </a:t>
+            </a:r>
+            <a:r>
+              <a:rPr lang="zh-CN" altLang="en-US" dirty="0"/>
+              <a:t>和 </a:t>
+            </a:r>
+            <a:r>
+              <a:rPr lang="en-US" altLang="zh-CN" dirty="0" err="1"/>
+              <a:t>onTransact</a:t>
+            </a:r>
+            <a:r>
+              <a:rPr lang="en-US" altLang="zh-CN" dirty="0"/>
+              <a:t> </a:t>
+            </a:r>
+            <a:r>
+              <a:rPr lang="zh-CN" altLang="en-US" dirty="0"/>
+              <a:t>方法。关于服务函数对应的 </a:t>
+            </a:r>
+            <a:r>
+              <a:rPr lang="en-US" altLang="zh-CN" dirty="0" err="1"/>
+              <a:t>int</a:t>
+            </a:r>
+            <a:r>
+              <a:rPr lang="en-US" altLang="zh-CN" dirty="0"/>
+              <a:t> </a:t>
+            </a:r>
+            <a:r>
+              <a:rPr lang="zh-CN" altLang="en-US" dirty="0"/>
+              <a:t>值和参数的读写书序，都统一做了处理。这样，开发者只需要专注于服务代码本身了</a:t>
+            </a:r>
+            <a:r>
+              <a:rPr lang="zh-CN" altLang="en-US" dirty="0" smtClean="0"/>
+              <a:t>。</a:t>
+            </a:r>
+            <a:endParaRPr lang="en-US" altLang="zh-CN" dirty="0" smtClean="0"/>
+          </a:p>
+          <a:p>
+            <a:endParaRPr lang="en-US" altLang="zh-CN" dirty="0"/>
+          </a:p>
+          <a:p>
+            <a:r>
+              <a:rPr lang="zh-CN" altLang="en-US" dirty="0" smtClean="0"/>
+              <a:t>可</a:t>
+            </a:r>
+            <a:r>
+              <a:rPr lang="zh-CN" altLang="en-US" dirty="0"/>
+              <a:t>以看得出来，</a:t>
+            </a:r>
+            <a:r>
+              <a:rPr lang="en-US" altLang="zh-CN" dirty="0"/>
+              <a:t>AIDL </a:t>
+            </a:r>
+            <a:r>
+              <a:rPr lang="zh-CN" altLang="en-US" dirty="0"/>
+              <a:t>并非是必须的，只是一个工具。</a:t>
+            </a:r>
+            <a:endParaRPr lang="zh-CN" altLang="en-US" dirty="0"/>
+          </a:p>
+        </p:txBody>
+      </p:sp>
+    </p:spTree>
+    <p:extLst>
+      <p:ext uri="{BB962C8B-B14F-4D97-AF65-F5344CB8AC3E}">
+        <p14:creationId xmlns:p14="http://schemas.microsoft.com/office/powerpoint/2010/main" val="566712865"/>
+      </p:ext>
+    </p:extLst>
+  </p:cSld>
+  <p:clrMapOvr>
+    <a:masterClrMapping/>
+  </p:clrMapOvr>
+</p:sld>
+</file>
+
+<file path=ppt/slides/slide22.xml><?xml version="1.0" encoding="utf-8"?>
+<p:sld xmlns:a="http://schemas.openxmlformats.org/drawingml/2006/main" xmlns:r="http://schemas.openxmlformats.org/officeDocument/2006/relationships" xmlns:p="http://schemas.openxmlformats.org/presentationml/2006/main">
+  <p:cSld>
+    <p:spTree>
+      <p:nvGrpSpPr>
+        <p:cNvPr id="1" name=""/>
+        <p:cNvGrpSpPr/>
+        <p:nvPr/>
+      </p:nvGrpSpPr>
+      <p:grpSpPr>
+        <a:xfrm>
+          <a:off x="0" y="0"/>
+          <a:ext cx="0" cy="0"/>
+          <a:chOff x="0" y="0"/>
+          <a:chExt cx="0" cy="0"/>
+        </a:xfrm>
+      </p:grpSpPr>
+      <p:sp>
+        <p:nvSpPr>
+          <p:cNvPr id="2" name="标题 1"/>
+          <p:cNvSpPr>
+            <a:spLocks noGrp="1"/>
+          </p:cNvSpPr>
+          <p:nvPr>
+            <p:ph type="title"/>
+          </p:nvPr>
+        </p:nvSpPr>
+        <p:spPr/>
+        <p:txBody>
+          <a:bodyPr/>
+          <a:lstStyle/>
+          <a:p>
+            <a:endParaRPr lang="zh-CN" altLang="en-US" dirty="0"/>
+          </a:p>
+        </p:txBody>
+      </p:sp>
+      <p:pic>
+        <p:nvPicPr>
+          <p:cNvPr id="4" name="内容占位符 3" descr="PPT模板-06.jpg"/>
+          <p:cNvPicPr>
+            <a:picLocks noGrp="1" noChangeAspect="1"/>
+          </p:cNvPicPr>
+          <p:nvPr>
+            <p:ph idx="1"/>
+          </p:nvPr>
+        </p:nvPicPr>
+        <p:blipFill>
+          <a:blip r:embed="rId2" cstate="print"/>
+          <a:stretch>
+            <a:fillRect/>
+          </a:stretch>
+        </p:blipFill>
+        <p:spPr>
+          <a:xfrm>
+            <a:off x="0" y="0"/>
+            <a:ext cx="9144000" cy="5142895"/>
+          </a:xfrm>
+        </p:spPr>
+      </p:pic>
+    </p:spTree>
+  </p:cSld>
+  <p:clrMapOvr>
+    <a:masterClrMapping/>
+  </p:clrMapOvr>
+  <p:timing>
+    <p:tnLst>
+      <p:par>
+        <p:cTn id="1" dur="indefinite" restart="never" nodeType="tmRoot"/>
+      </p:par>
+    </p:tnLst>
+  </p:timing>
 </p:sld>
 </file>
 
